--- a/SE Lab/OS-FG.pptx
+++ b/SE Lab/OS-FG.pptx
@@ -5,7 +5,7 @@
     <p:sldMasterId id="2147483648" r:id="rId1"/>
   </p:sldMasterIdLst>
   <p:notesMasterIdLst>
-    <p:notesMasterId r:id="rId19"/>
+    <p:notesMasterId r:id="rId21"/>
   </p:notesMasterIdLst>
   <p:sldIdLst>
     <p:sldId id="2464" r:id="rId2"/>
@@ -24,7 +24,9 @@
     <p:sldId id="2477" r:id="rId15"/>
     <p:sldId id="2471" r:id="rId16"/>
     <p:sldId id="2472" r:id="rId17"/>
-    <p:sldId id="2473" r:id="rId18"/>
+    <p:sldId id="2480" r:id="rId18"/>
+    <p:sldId id="2481" r:id="rId19"/>
+    <p:sldId id="2473" r:id="rId20"/>
   </p:sldIdLst>
   <p:sldSz cx="24377650" cy="13716000"/>
   <p:notesSz cx="6858000" cy="9144000"/>
@@ -232,7 +234,7 @@
             <a:fld id="{EFC10EE1-B198-C942-8235-326C972CBB30}" type="datetimeFigureOut">
               <a:rPr lang="en-US" smtClean="0"/>
               <a:pPr/>
-              <a:t>12/6/2018</a:t>
+              <a:t>12/7/2018</a:t>
             </a:fld>
             <a:endParaRPr lang="en-US" dirty="0"/>
           </a:p>
@@ -1312,7 +1314,7 @@
             <a:fld id="{006BE02D-20C0-F840-AFAC-BEA99C74FDC2}" type="slidenum">
               <a:rPr lang="en-US" smtClean="0"/>
               <a:pPr/>
-              <a:t>17</a:t>
+              <a:t>19</a:t>
             </a:fld>
             <a:endParaRPr lang="en-US" dirty="0"/>
           </a:p>
@@ -3095,8 +3097,8 @@
         </p:nvSpPr>
         <p:spPr>
           <a:xfrm>
-            <a:off x="4531794" y="4268198"/>
-            <a:ext cx="15397164" cy="1107996"/>
+            <a:off x="3979654" y="3586338"/>
+            <a:ext cx="16418341" cy="2123658"/>
           </a:xfrm>
           <a:prstGeom prst="rect">
             <a:avLst/>
@@ -3111,7 +3113,7 @@
           <a:p>
             <a:pPr algn="ctr"/>
             <a:r>
-              <a:rPr lang="en-US" sz="6600" b="1" i="1" spc="800" dirty="0" smtClean="0">
+              <a:rPr lang="en-US" sz="6600" b="1" i="1" spc="800" dirty="0">
                 <a:solidFill>
                   <a:schemeClr val="tx2"/>
                 </a:solidFill>
@@ -3119,8 +3121,11 @@
                 <a:ea typeface="Lato Black" charset="0"/>
                 <a:cs typeface="Lato Black" charset="0"/>
               </a:rPr>
-              <a:t>Open Source: </a:t>
-            </a:r>
+              <a:t>Canvas HUD Interface Subsystem</a:t>
+            </a:r>
+          </a:p>
+          <a:p>
+            <a:pPr algn="ctr"/>
             <a:r>
               <a:rPr lang="en-US" sz="6600" b="1" i="1" spc="800" dirty="0">
                 <a:solidFill>
@@ -3130,16 +3135,8 @@
                 <a:ea typeface="Lato Black" charset="0"/>
                 <a:cs typeface="Lato Black" charset="0"/>
               </a:rPr>
-              <a:t>Flight Simulator</a:t>
-            </a:r>
-            <a:endParaRPr lang="en-US" sz="6600" b="1" i="1" spc="800" dirty="0">
-              <a:solidFill>
-                <a:schemeClr val="tx2"/>
-              </a:solidFill>
-              <a:latin typeface="Lato Black" charset="0"/>
-              <a:ea typeface="Lato Black" charset="0"/>
-              <a:cs typeface="Lato Black" charset="0"/>
-            </a:endParaRPr>
+              <a:t>Open Source: Flight Simulator</a:t>
+            </a:r>
           </a:p>
         </p:txBody>
       </p:sp>
@@ -3159,7 +3156,7 @@
         </p:nvCxnSpPr>
         <p:spPr>
           <a:xfrm>
-            <a:off x="7531366" y="4067764"/>
+            <a:off x="7489825" y="3292512"/>
             <a:ext cx="9398000" cy="0"/>
           </a:xfrm>
           <a:prstGeom prst="line">
@@ -3219,7 +3216,7 @@
           <a:p>
             <a:pPr algn="ctr"/>
             <a:r>
-              <a:rPr lang="en-US" sz="2800" b="1" spc="600" dirty="0" smtClean="0">
+              <a:rPr lang="en-US" sz="2800" b="1" spc="600" dirty="0">
                 <a:solidFill>
                   <a:schemeClr val="tx1">
                     <a:lumMod val="50000"/>
@@ -3231,16 +3228,6 @@
               </a:rPr>
               <a:t>SOFTWARE ENGINEERING LAB (16CS54)</a:t>
             </a:r>
-            <a:endParaRPr lang="en-US" sz="2800" b="1" spc="600" dirty="0">
-              <a:solidFill>
-                <a:schemeClr val="tx1">
-                  <a:lumMod val="50000"/>
-                </a:schemeClr>
-              </a:solidFill>
-              <a:latin typeface="Poppins SemiBold" charset="0"/>
-              <a:ea typeface="Poppins SemiBold" charset="0"/>
-              <a:cs typeface="Poppins SemiBold" charset="0"/>
-            </a:endParaRPr>
           </a:p>
         </p:txBody>
       </p:sp>
@@ -3266,65 +3253,23 @@
           <a:lstStyle/>
           <a:p>
             <a:r>
-              <a:rPr lang="en-IN" sz="3200" dirty="0" smtClean="0">
+              <a:rPr lang="en-IN" sz="3200" dirty="0">
                 <a:solidFill>
                   <a:srgbClr val="F52552"/>
                 </a:solidFill>
               </a:rPr>
-              <a:t>KSHITIJ TIWARI		</a:t>
-            </a:r>
-            <a:r>
-              <a:rPr lang="en-IN" sz="3200" dirty="0" smtClean="0">
+              <a:t>KSHITIJ TIWARI			1RV16CS075</a:t>
+            </a:r>
+          </a:p>
+          <a:p>
+            <a:r>
+              <a:rPr lang="en-IN" sz="3200" dirty="0">
                 <a:solidFill>
                   <a:srgbClr val="F52552"/>
                 </a:solidFill>
               </a:rPr>
-              <a:t>	</a:t>
-            </a:r>
-            <a:r>
-              <a:rPr lang="en-IN" sz="3200" dirty="0" smtClean="0">
-                <a:solidFill>
-                  <a:srgbClr val="F52552"/>
-                </a:solidFill>
-              </a:rPr>
-              <a:t>1RV16CS075</a:t>
-            </a:r>
-            <a:endParaRPr lang="en-IN" sz="3200" dirty="0" smtClean="0">
-              <a:solidFill>
-                <a:srgbClr val="F52552"/>
-              </a:solidFill>
-            </a:endParaRPr>
-          </a:p>
-          <a:p>
-            <a:r>
-              <a:rPr lang="en-IN" sz="3200" dirty="0" smtClean="0">
-                <a:solidFill>
-                  <a:srgbClr val="F52552"/>
-                </a:solidFill>
-              </a:rPr>
-              <a:t>KESHAV BHARAT		</a:t>
-            </a:r>
-            <a:r>
-              <a:rPr lang="en-IN" sz="3200" dirty="0" smtClean="0">
-                <a:solidFill>
-                  <a:srgbClr val="F52552"/>
-                </a:solidFill>
-              </a:rPr>
-              <a:t>	</a:t>
-            </a:r>
-            <a:r>
-              <a:rPr lang="en-IN" sz="3200" dirty="0" smtClean="0">
-                <a:solidFill>
-                  <a:srgbClr val="F52552"/>
-                </a:solidFill>
-              </a:rPr>
-              <a:t>1RV16CS070</a:t>
-            </a:r>
-            <a:endParaRPr lang="en-IN" sz="3200" dirty="0">
-              <a:solidFill>
-                <a:srgbClr val="F52552"/>
-              </a:solidFill>
-            </a:endParaRPr>
+              <a:t>KESHAV BHARAT			1RV16CS070</a:t>
+            </a:r>
           </a:p>
         </p:txBody>
       </p:sp>
@@ -3371,13 +3316,6 @@
   <p:transition spd="med" advClick="0">
     <p:pull/>
   </p:transition>
-  <p:timing>
-    <p:tnLst>
-      <p:par>
-        <p:cTn id="1" dur="indefinite" restart="never" nodeType="tmRoot"/>
-      </p:par>
-    </p:tnLst>
-  </p:timing>
 </p:sld>
 </file>
 
@@ -3422,7 +3360,7 @@
           <a:p>
             <a:pPr algn="ctr"/>
             <a:r>
-              <a:rPr lang="en-US" sz="2800" b="1" dirty="0" smtClean="0">
+              <a:rPr lang="en-US" sz="2800" b="1" dirty="0">
                 <a:solidFill>
                   <a:schemeClr val="tx2"/>
                 </a:solidFill>
@@ -3430,27 +3368,8 @@
                 <a:ea typeface="Poppins SemiBold" charset="0"/>
                 <a:cs typeface="Poppins SemiBold" charset="0"/>
               </a:rPr>
-              <a:t>DFD Level 0 of </a:t>
-            </a:r>
-            <a:r>
-              <a:rPr lang="en-US" sz="2800" b="1" dirty="0" smtClean="0">
-                <a:solidFill>
-                  <a:schemeClr val="tx2"/>
-                </a:solidFill>
-                <a:latin typeface="Poppins SemiBold" charset="0"/>
-                <a:ea typeface="Poppins SemiBold" charset="0"/>
-                <a:cs typeface="Poppins SemiBold" charset="0"/>
-              </a:rPr>
-              <a:t>Flight Gear</a:t>
-            </a:r>
-            <a:endParaRPr lang="en-US" sz="2800" b="1" dirty="0">
-              <a:solidFill>
-                <a:schemeClr val="tx2"/>
-              </a:solidFill>
-              <a:latin typeface="Poppins SemiBold" charset="0"/>
-              <a:ea typeface="Poppins SemiBold" charset="0"/>
-              <a:cs typeface="Poppins SemiBold" charset="0"/>
-            </a:endParaRPr>
+              <a:t>DFD Level 0 of Flight Gear</a:t>
+            </a:r>
           </a:p>
         </p:txBody>
       </p:sp>
@@ -3528,7 +3447,7 @@
           <a:p>
             <a:pPr algn="ctr"/>
             <a:r>
-              <a:rPr lang="en-US" sz="7000" b="1" spc="800" dirty="0" smtClean="0">
+              <a:rPr lang="en-US" sz="7000" b="1" spc="800" dirty="0">
                 <a:solidFill>
                   <a:schemeClr val="tx2"/>
                 </a:solidFill>
@@ -3538,14 +3457,6 @@
               </a:rPr>
               <a:t>Design &amp; Implementation</a:t>
             </a:r>
-            <a:endParaRPr lang="en-US" sz="7000" b="1" spc="800" dirty="0">
-              <a:solidFill>
-                <a:schemeClr val="tx2"/>
-              </a:solidFill>
-              <a:latin typeface="Lato Black" charset="0"/>
-              <a:ea typeface="Lato Black" charset="0"/>
-              <a:cs typeface="Lato Black" charset="0"/>
-            </a:endParaRPr>
           </a:p>
         </p:txBody>
       </p:sp>
@@ -3633,13 +3544,6 @@
   <p:transition spd="med" advClick="0">
     <p:pull/>
   </p:transition>
-  <p:timing>
-    <p:tnLst>
-      <p:par>
-        <p:cTn id="1" dur="indefinite" restart="never" nodeType="tmRoot"/>
-      </p:par>
-    </p:tnLst>
-  </p:timing>
 </p:sld>
 </file>
 
@@ -3684,7 +3588,7 @@
           <a:p>
             <a:pPr algn="ctr"/>
             <a:r>
-              <a:rPr lang="en-US" sz="2800" b="1" dirty="0" smtClean="0">
+              <a:rPr lang="en-US" sz="2800" b="1" dirty="0">
                 <a:solidFill>
                   <a:schemeClr val="tx2"/>
                 </a:solidFill>
@@ -3692,27 +3596,8 @@
                 <a:ea typeface="Poppins SemiBold" charset="0"/>
                 <a:cs typeface="Poppins SemiBold" charset="0"/>
               </a:rPr>
-              <a:t>DFD Level 1 of </a:t>
-            </a:r>
-            <a:r>
-              <a:rPr lang="en-US" sz="2800" b="1" dirty="0" smtClean="0">
-                <a:solidFill>
-                  <a:schemeClr val="tx2"/>
-                </a:solidFill>
-                <a:latin typeface="Poppins SemiBold" charset="0"/>
-                <a:ea typeface="Poppins SemiBold" charset="0"/>
-                <a:cs typeface="Poppins SemiBold" charset="0"/>
-              </a:rPr>
-              <a:t>Flight Gear</a:t>
-            </a:r>
-            <a:endParaRPr lang="en-US" sz="2800" b="1" dirty="0">
-              <a:solidFill>
-                <a:schemeClr val="tx2"/>
-              </a:solidFill>
-              <a:latin typeface="Poppins SemiBold" charset="0"/>
-              <a:ea typeface="Poppins SemiBold" charset="0"/>
-              <a:cs typeface="Poppins SemiBold" charset="0"/>
-            </a:endParaRPr>
+              <a:t>DFD Level 1 of Flight Gear</a:t>
+            </a:r>
           </a:p>
         </p:txBody>
       </p:sp>
@@ -3790,7 +3675,7 @@
           <a:p>
             <a:pPr algn="ctr"/>
             <a:r>
-              <a:rPr lang="en-US" sz="7000" b="1" spc="800" dirty="0" smtClean="0">
+              <a:rPr lang="en-US" sz="7000" b="1" spc="800" dirty="0">
                 <a:solidFill>
                   <a:schemeClr val="tx2"/>
                 </a:solidFill>
@@ -3800,14 +3685,6 @@
               </a:rPr>
               <a:t>Design &amp; Implementation</a:t>
             </a:r>
-            <a:endParaRPr lang="en-US" sz="7000" b="1" spc="800" dirty="0">
-              <a:solidFill>
-                <a:schemeClr val="tx2"/>
-              </a:solidFill>
-              <a:latin typeface="Lato Black" charset="0"/>
-              <a:ea typeface="Lato Black" charset="0"/>
-              <a:cs typeface="Lato Black" charset="0"/>
-            </a:endParaRPr>
           </a:p>
         </p:txBody>
       </p:sp>
@@ -3895,13 +3772,6 @@
   <p:transition spd="med" advClick="0">
     <p:pull/>
   </p:transition>
-  <p:timing>
-    <p:tnLst>
-      <p:par>
-        <p:cTn id="1" dur="indefinite" restart="never" nodeType="tmRoot"/>
-      </p:par>
-    </p:tnLst>
-  </p:timing>
 </p:sld>
 </file>
 
@@ -3946,7 +3816,7 @@
           <a:p>
             <a:pPr algn="ctr"/>
             <a:r>
-              <a:rPr lang="en-US" sz="2800" b="1" dirty="0" smtClean="0">
+              <a:rPr lang="en-US" sz="2800" b="1" dirty="0">
                 <a:solidFill>
                   <a:schemeClr val="tx2"/>
                 </a:solidFill>
@@ -3954,38 +3824,8 @@
                 <a:ea typeface="Poppins SemiBold" charset="0"/>
                 <a:cs typeface="Poppins SemiBold" charset="0"/>
               </a:rPr>
-              <a:t>Activity Diagram </a:t>
-            </a:r>
-            <a:r>
-              <a:rPr lang="en-US" sz="2800" b="1" dirty="0" smtClean="0">
-                <a:solidFill>
-                  <a:schemeClr val="tx2"/>
-                </a:solidFill>
-                <a:latin typeface="Poppins SemiBold" charset="0"/>
-                <a:ea typeface="Poppins SemiBold" charset="0"/>
-                <a:cs typeface="Poppins SemiBold" charset="0"/>
-              </a:rPr>
-              <a:t>of </a:t>
-            </a:r>
-            <a:r>
-              <a:rPr lang="en-US" sz="2800" b="1" dirty="0" smtClean="0">
-                <a:solidFill>
-                  <a:schemeClr val="tx2"/>
-                </a:solidFill>
-                <a:latin typeface="Poppins SemiBold" charset="0"/>
-                <a:ea typeface="Poppins SemiBold" charset="0"/>
-                <a:cs typeface="Poppins SemiBold" charset="0"/>
-              </a:rPr>
-              <a:t>Flight Gear</a:t>
-            </a:r>
-            <a:endParaRPr lang="en-US" sz="2800" b="1" dirty="0">
-              <a:solidFill>
-                <a:schemeClr val="tx2"/>
-              </a:solidFill>
-              <a:latin typeface="Poppins SemiBold" charset="0"/>
-              <a:ea typeface="Poppins SemiBold" charset="0"/>
-              <a:cs typeface="Poppins SemiBold" charset="0"/>
-            </a:endParaRPr>
+              <a:t>Activity Diagram of Flight Gear</a:t>
+            </a:r>
           </a:p>
         </p:txBody>
       </p:sp>
@@ -4060,7 +3900,7 @@
           <a:p>
             <a:pPr algn="ctr"/>
             <a:r>
-              <a:rPr lang="en-US" sz="7000" b="1" spc="800" dirty="0" smtClean="0">
+              <a:rPr lang="en-US" sz="7000" b="1" spc="800" dirty="0">
                 <a:solidFill>
                   <a:schemeClr val="tx2"/>
                 </a:solidFill>
@@ -4070,14 +3910,6 @@
               </a:rPr>
               <a:t>Design &amp; Implementation</a:t>
             </a:r>
-            <a:endParaRPr lang="en-US" sz="7000" b="1" spc="800" dirty="0">
-              <a:solidFill>
-                <a:schemeClr val="tx2"/>
-              </a:solidFill>
-              <a:latin typeface="Lato Black" charset="0"/>
-              <a:ea typeface="Lato Black" charset="0"/>
-              <a:cs typeface="Lato Black" charset="0"/>
-            </a:endParaRPr>
           </a:p>
         </p:txBody>
       </p:sp>
@@ -4165,13 +3997,6 @@
   <p:transition spd="med" advClick="0">
     <p:pull/>
   </p:transition>
-  <p:timing>
-    <p:tnLst>
-      <p:par>
-        <p:cTn id="1" dur="indefinite" restart="never" nodeType="tmRoot"/>
-      </p:par>
-    </p:tnLst>
-  </p:timing>
 </p:sld>
 </file>
 
@@ -4216,7 +4041,7 @@
           <a:p>
             <a:pPr algn="ctr"/>
             <a:r>
-              <a:rPr lang="en-US" sz="2800" b="1" dirty="0" smtClean="0">
+              <a:rPr lang="en-US" sz="2800" b="1" dirty="0">
                 <a:solidFill>
                   <a:schemeClr val="tx2"/>
                 </a:solidFill>
@@ -4224,27 +4049,8 @@
                 <a:ea typeface="Poppins SemiBold" charset="0"/>
                 <a:cs typeface="Poppins SemiBold" charset="0"/>
               </a:rPr>
-              <a:t>Sequence Diagram of </a:t>
-            </a:r>
-            <a:r>
-              <a:rPr lang="en-US" sz="2800" b="1" dirty="0" smtClean="0">
-                <a:solidFill>
-                  <a:schemeClr val="tx2"/>
-                </a:solidFill>
-                <a:latin typeface="Poppins SemiBold" charset="0"/>
-                <a:ea typeface="Poppins SemiBold" charset="0"/>
-                <a:cs typeface="Poppins SemiBold" charset="0"/>
-              </a:rPr>
-              <a:t>Flight Gear</a:t>
-            </a:r>
-            <a:endParaRPr lang="en-US" sz="2800" b="1" dirty="0">
-              <a:solidFill>
-                <a:schemeClr val="tx2"/>
-              </a:solidFill>
-              <a:latin typeface="Poppins SemiBold" charset="0"/>
-              <a:ea typeface="Poppins SemiBold" charset="0"/>
-              <a:cs typeface="Poppins SemiBold" charset="0"/>
-            </a:endParaRPr>
+              <a:t>Sequence Diagram of Flight Gear</a:t>
+            </a:r>
           </a:p>
         </p:txBody>
       </p:sp>
@@ -4322,7 +4128,7 @@
           <a:p>
             <a:pPr algn="ctr"/>
             <a:r>
-              <a:rPr lang="en-US" sz="7000" b="1" spc="800" dirty="0" smtClean="0">
+              <a:rPr lang="en-US" sz="7000" b="1" spc="800" dirty="0">
                 <a:solidFill>
                   <a:schemeClr val="tx2"/>
                 </a:solidFill>
@@ -4332,14 +4138,6 @@
               </a:rPr>
               <a:t>Design &amp; Implementation</a:t>
             </a:r>
-            <a:endParaRPr lang="en-US" sz="7000" b="1" spc="800" dirty="0">
-              <a:solidFill>
-                <a:schemeClr val="tx2"/>
-              </a:solidFill>
-              <a:latin typeface="Lato Black" charset="0"/>
-              <a:ea typeface="Lato Black" charset="0"/>
-              <a:cs typeface="Lato Black" charset="0"/>
-            </a:endParaRPr>
           </a:p>
         </p:txBody>
       </p:sp>
@@ -4427,13 +4225,6 @@
   <p:transition spd="med" advClick="0">
     <p:pull/>
   </p:transition>
-  <p:timing>
-    <p:tnLst>
-      <p:par>
-        <p:cTn id="1" dur="indefinite" restart="never" nodeType="tmRoot"/>
-      </p:par>
-    </p:tnLst>
-  </p:timing>
 </p:sld>
 </file>
 
@@ -4478,7 +4269,7 @@
           <a:p>
             <a:pPr algn="ctr"/>
             <a:r>
-              <a:rPr lang="en-US" sz="2800" b="1" dirty="0" smtClean="0">
+              <a:rPr lang="en-US" sz="2800" b="1" dirty="0">
                 <a:solidFill>
                   <a:schemeClr val="tx2"/>
                 </a:solidFill>
@@ -4486,27 +4277,8 @@
                 <a:ea typeface="Poppins SemiBold" charset="0"/>
                 <a:cs typeface="Poppins SemiBold" charset="0"/>
               </a:rPr>
-              <a:t>Timeline </a:t>
-            </a:r>
-            <a:r>
-              <a:rPr lang="en-US" sz="2800" b="1" dirty="0" smtClean="0">
-                <a:solidFill>
-                  <a:schemeClr val="tx2"/>
-                </a:solidFill>
-                <a:latin typeface="Poppins SemiBold" charset="0"/>
-                <a:ea typeface="Poppins SemiBold" charset="0"/>
-                <a:cs typeface="Poppins SemiBold" charset="0"/>
-              </a:rPr>
-              <a:t>of the project</a:t>
-            </a:r>
-            <a:endParaRPr lang="en-US" sz="2800" b="1" dirty="0">
-              <a:solidFill>
-                <a:schemeClr val="tx2"/>
-              </a:solidFill>
-              <a:latin typeface="Poppins SemiBold" charset="0"/>
-              <a:ea typeface="Poppins SemiBold" charset="0"/>
-              <a:cs typeface="Poppins SemiBold" charset="0"/>
-            </a:endParaRPr>
+              <a:t>Timeline of the project</a:t>
+            </a:r>
           </a:p>
         </p:txBody>
       </p:sp>
@@ -4584,7 +4356,7 @@
           <a:p>
             <a:pPr algn="ctr"/>
             <a:r>
-              <a:rPr lang="en-US" sz="7000" b="1" spc="800" dirty="0" smtClean="0">
+              <a:rPr lang="en-US" sz="7000" b="1" spc="800" dirty="0">
                 <a:solidFill>
                   <a:schemeClr val="tx2"/>
                 </a:solidFill>
@@ -4594,14 +4366,6 @@
               </a:rPr>
               <a:t>Design &amp; Implementation</a:t>
             </a:r>
-            <a:endParaRPr lang="en-US" sz="7000" b="1" spc="800" dirty="0">
-              <a:solidFill>
-                <a:schemeClr val="tx2"/>
-              </a:solidFill>
-              <a:latin typeface="Lato Black" charset="0"/>
-              <a:ea typeface="Lato Black" charset="0"/>
-              <a:cs typeface="Lato Black" charset="0"/>
-            </a:endParaRPr>
           </a:p>
         </p:txBody>
       </p:sp>
@@ -4678,13 +4442,6 @@
   <p:transition spd="med" advClick="0">
     <p:pull/>
   </p:transition>
-  <p:timing>
-    <p:tnLst>
-      <p:par>
-        <p:cTn id="1" dur="indefinite" restart="never" nodeType="tmRoot"/>
-      </p:par>
-    </p:tnLst>
-  </p:timing>
 </p:sld>
 </file>
 
@@ -4773,7 +4530,7 @@
           <a:p>
             <a:pPr algn="ctr"/>
             <a:r>
-              <a:rPr lang="en-US" sz="7000" b="1" spc="800" dirty="0" smtClean="0">
+              <a:rPr lang="en-US" sz="7000" b="1" spc="800" dirty="0">
                 <a:solidFill>
                   <a:schemeClr val="tx2"/>
                 </a:solidFill>
@@ -4783,14 +4540,6 @@
               </a:rPr>
               <a:t>Results</a:t>
             </a:r>
-            <a:endParaRPr lang="en-US" sz="7000" b="1" spc="800" dirty="0">
-              <a:solidFill>
-                <a:schemeClr val="tx2"/>
-              </a:solidFill>
-              <a:latin typeface="Lato Black" charset="0"/>
-              <a:ea typeface="Lato Black" charset="0"/>
-              <a:cs typeface="Lato Black" charset="0"/>
-            </a:endParaRPr>
           </a:p>
         </p:txBody>
       </p:sp>
@@ -4824,6 +4573,371 @@
           </a:prstGeom>
         </p:spPr>
       </p:pic>
+      <p:sp>
+        <p:nvSpPr>
+          <p:cNvPr id="5" name="Subtitle 2">
+            <a:extLst>
+              <a:ext uri="{FF2B5EF4-FFF2-40B4-BE49-F238E27FC236}">
+                <a16:creationId xmlns:a16="http://schemas.microsoft.com/office/drawing/2014/main" id="{40347BBC-5195-4436-89B5-E9EA06D1EFA3}"/>
+              </a:ext>
+            </a:extLst>
+          </p:cNvPr>
+          <p:cNvSpPr txBox="1">
+            <a:spLocks/>
+          </p:cNvSpPr>
+          <p:nvPr/>
+        </p:nvSpPr>
+        <p:spPr>
+          <a:xfrm>
+            <a:off x="1010653" y="3258912"/>
+            <a:ext cx="23117708" cy="9071268"/>
+          </a:xfrm>
+          <a:prstGeom prst="rect">
+            <a:avLst/>
+          </a:prstGeom>
+        </p:spPr>
+        <p:txBody>
+          <a:bodyPr vert="horz" wrap="square" lIns="217490" tIns="108745" rIns="217490" bIns="108745" rtlCol="0">
+            <a:spAutoFit/>
+          </a:bodyPr>
+          <a:lstStyle>
+            <a:lvl1pPr marL="0" indent="0" algn="ctr" defTabSz="1087636" rtl="0" eaLnBrk="1" latinLnBrk="0" hangingPunct="1">
+              <a:lnSpc>
+                <a:spcPct val="120000"/>
+              </a:lnSpc>
+              <a:spcBef>
+                <a:spcPct val="20000"/>
+              </a:spcBef>
+              <a:buFont typeface="Arial"/>
+              <a:buNone/>
+              <a:defRPr sz="2400" kern="1200">
+                <a:solidFill>
+                  <a:schemeClr val="tx2"/>
+                </a:solidFill>
+                <a:latin typeface="Open Sans Light"/>
+                <a:ea typeface="+mn-ea"/>
+                <a:cs typeface="Open Sans Light"/>
+              </a:defRPr>
+            </a:lvl1pPr>
+            <a:lvl2pPr marL="1087636" indent="0" algn="ctr" defTabSz="1087636" rtl="0" eaLnBrk="1" latinLnBrk="0" hangingPunct="1">
+              <a:lnSpc>
+                <a:spcPct val="130000"/>
+              </a:lnSpc>
+              <a:spcBef>
+                <a:spcPct val="20000"/>
+              </a:spcBef>
+              <a:buFont typeface="Arial"/>
+              <a:buNone/>
+              <a:defRPr sz="3200" kern="1200">
+                <a:solidFill>
+                  <a:schemeClr val="tx1">
+                    <a:tint val="75000"/>
+                  </a:schemeClr>
+                </a:solidFill>
+                <a:latin typeface="Open Sans"/>
+                <a:ea typeface="+mn-ea"/>
+                <a:cs typeface="Open Sans"/>
+              </a:defRPr>
+            </a:lvl2pPr>
+            <a:lvl3pPr marL="2175271" indent="0" algn="ctr" defTabSz="1087636" rtl="0" eaLnBrk="1" latinLnBrk="0" hangingPunct="1">
+              <a:lnSpc>
+                <a:spcPct val="130000"/>
+              </a:lnSpc>
+              <a:spcBef>
+                <a:spcPct val="20000"/>
+              </a:spcBef>
+              <a:buFont typeface="Arial"/>
+              <a:buNone/>
+              <a:defRPr sz="3200" kern="1200">
+                <a:solidFill>
+                  <a:schemeClr val="tx1">
+                    <a:tint val="75000"/>
+                  </a:schemeClr>
+                </a:solidFill>
+                <a:latin typeface="Open Sans"/>
+                <a:ea typeface="+mn-ea"/>
+                <a:cs typeface="Open Sans"/>
+              </a:defRPr>
+            </a:lvl3pPr>
+            <a:lvl4pPr marL="3262912" indent="0" algn="ctr" defTabSz="1087636" rtl="0" eaLnBrk="1" latinLnBrk="0" hangingPunct="1">
+              <a:lnSpc>
+                <a:spcPct val="130000"/>
+              </a:lnSpc>
+              <a:spcBef>
+                <a:spcPct val="20000"/>
+              </a:spcBef>
+              <a:buFont typeface="Arial"/>
+              <a:buNone/>
+              <a:defRPr sz="3200" kern="1200">
+                <a:solidFill>
+                  <a:schemeClr val="tx1">
+                    <a:tint val="75000"/>
+                  </a:schemeClr>
+                </a:solidFill>
+                <a:latin typeface="Open Sans"/>
+                <a:ea typeface="+mn-ea"/>
+                <a:cs typeface="Open Sans"/>
+              </a:defRPr>
+            </a:lvl4pPr>
+            <a:lvl5pPr marL="4350546" indent="0" algn="ctr" defTabSz="1087636" rtl="0" eaLnBrk="1" latinLnBrk="0" hangingPunct="1">
+              <a:lnSpc>
+                <a:spcPct val="130000"/>
+              </a:lnSpc>
+              <a:spcBef>
+                <a:spcPct val="20000"/>
+              </a:spcBef>
+              <a:buFont typeface="Arial"/>
+              <a:buNone/>
+              <a:defRPr sz="3200" kern="1200">
+                <a:solidFill>
+                  <a:schemeClr val="tx1">
+                    <a:tint val="75000"/>
+                  </a:schemeClr>
+                </a:solidFill>
+                <a:latin typeface="Open Sans"/>
+                <a:ea typeface="+mn-ea"/>
+                <a:cs typeface="Open Sans"/>
+              </a:defRPr>
+            </a:lvl5pPr>
+            <a:lvl6pPr marL="5438184" indent="0" algn="ctr" defTabSz="1087636" rtl="0" eaLnBrk="1" latinLnBrk="0" hangingPunct="1">
+              <a:spcBef>
+                <a:spcPct val="20000"/>
+              </a:spcBef>
+              <a:buFont typeface="Arial"/>
+              <a:buNone/>
+              <a:defRPr sz="4800" kern="1200">
+                <a:solidFill>
+                  <a:schemeClr val="tx1">
+                    <a:tint val="75000"/>
+                  </a:schemeClr>
+                </a:solidFill>
+                <a:latin typeface="+mn-lt"/>
+                <a:ea typeface="+mn-ea"/>
+                <a:cs typeface="+mn-cs"/>
+              </a:defRPr>
+            </a:lvl6pPr>
+            <a:lvl7pPr marL="6525820" indent="0" algn="ctr" defTabSz="1087636" rtl="0" eaLnBrk="1" latinLnBrk="0" hangingPunct="1">
+              <a:spcBef>
+                <a:spcPct val="20000"/>
+              </a:spcBef>
+              <a:buFont typeface="Arial"/>
+              <a:buNone/>
+              <a:defRPr sz="4800" kern="1200">
+                <a:solidFill>
+                  <a:schemeClr val="tx1">
+                    <a:tint val="75000"/>
+                  </a:schemeClr>
+                </a:solidFill>
+                <a:latin typeface="+mn-lt"/>
+                <a:ea typeface="+mn-ea"/>
+                <a:cs typeface="+mn-cs"/>
+              </a:defRPr>
+            </a:lvl7pPr>
+            <a:lvl8pPr marL="7613455" indent="0" algn="ctr" defTabSz="1087636" rtl="0" eaLnBrk="1" latinLnBrk="0" hangingPunct="1">
+              <a:spcBef>
+                <a:spcPct val="20000"/>
+              </a:spcBef>
+              <a:buFont typeface="Arial"/>
+              <a:buNone/>
+              <a:defRPr sz="4800" kern="1200">
+                <a:solidFill>
+                  <a:schemeClr val="tx1">
+                    <a:tint val="75000"/>
+                  </a:schemeClr>
+                </a:solidFill>
+                <a:latin typeface="+mn-lt"/>
+                <a:ea typeface="+mn-ea"/>
+                <a:cs typeface="+mn-cs"/>
+              </a:defRPr>
+            </a:lvl8pPr>
+            <a:lvl9pPr marL="8701091" indent="0" algn="ctr" defTabSz="1087636" rtl="0" eaLnBrk="1" latinLnBrk="0" hangingPunct="1">
+              <a:spcBef>
+                <a:spcPct val="20000"/>
+              </a:spcBef>
+              <a:buFont typeface="Arial"/>
+              <a:buNone/>
+              <a:defRPr sz="4800" kern="1200">
+                <a:solidFill>
+                  <a:schemeClr val="tx1">
+                    <a:tint val="75000"/>
+                  </a:schemeClr>
+                </a:solidFill>
+                <a:latin typeface="+mn-lt"/>
+                <a:ea typeface="+mn-ea"/>
+                <a:cs typeface="+mn-cs"/>
+              </a:defRPr>
+            </a:lvl9pPr>
+          </a:lstStyle>
+          <a:p>
+            <a:pPr marL="342900" indent="-342900" algn="l">
+              <a:lnSpc>
+                <a:spcPct val="100000"/>
+              </a:lnSpc>
+              <a:buFont typeface="Arial" panose="020B0604020202020204" pitchFamily="34" charset="0"/>
+              <a:buChar char="•"/>
+            </a:pPr>
+            <a:r>
+              <a:rPr lang="en-US" sz="4400" dirty="0">
+                <a:latin typeface="Times New Roman" panose="02020603050405020304" pitchFamily="18" charset="0"/>
+                <a:ea typeface="Poppins Light" charset="0"/>
+                <a:cs typeface="Times New Roman" panose="02020603050405020304" pitchFamily="18" charset="0"/>
+              </a:rPr>
+              <a:t>Canvas based HUD is implemented for the Fokker 50 with PW125B, incorporating the following elements.</a:t>
+            </a:r>
+            <a:br>
+              <a:rPr lang="en-US" sz="4400" dirty="0">
+                <a:latin typeface="Times New Roman" panose="02020603050405020304" pitchFamily="18" charset="0"/>
+                <a:ea typeface="Poppins Light" charset="0"/>
+                <a:cs typeface="Times New Roman" panose="02020603050405020304" pitchFamily="18" charset="0"/>
+              </a:rPr>
+            </a:br>
+            <a:endParaRPr lang="en-US" sz="4400" dirty="0">
+              <a:latin typeface="Times New Roman" panose="02020603050405020304" pitchFamily="18" charset="0"/>
+              <a:ea typeface="Poppins Light" charset="0"/>
+              <a:cs typeface="Times New Roman" panose="02020603050405020304" pitchFamily="18" charset="0"/>
+            </a:endParaRPr>
+          </a:p>
+          <a:p>
+            <a:pPr marL="342900" indent="-342900" algn="l">
+              <a:lnSpc>
+                <a:spcPct val="100000"/>
+              </a:lnSpc>
+              <a:buFont typeface="Arial" panose="020B0604020202020204" pitchFamily="34" charset="0"/>
+              <a:buChar char="•"/>
+            </a:pPr>
+            <a:r>
+              <a:rPr lang="en-US" sz="4400" b="1" dirty="0">
+                <a:latin typeface="Times New Roman" panose="02020603050405020304" pitchFamily="18" charset="0"/>
+                <a:ea typeface="Poppins Light" charset="0"/>
+                <a:cs typeface="Times New Roman" panose="02020603050405020304" pitchFamily="18" charset="0"/>
+              </a:rPr>
+              <a:t>Base Line and Elevation Lines</a:t>
+            </a:r>
+            <a:br>
+              <a:rPr lang="en-US" sz="4400" b="1" dirty="0">
+                <a:latin typeface="Times New Roman" panose="02020603050405020304" pitchFamily="18" charset="0"/>
+                <a:ea typeface="Poppins Light" charset="0"/>
+                <a:cs typeface="Times New Roman" panose="02020603050405020304" pitchFamily="18" charset="0"/>
+              </a:rPr>
+            </a:br>
+            <a:r>
+              <a:rPr lang="en-US" sz="3600" dirty="0">
+                <a:latin typeface="Times New Roman" panose="02020603050405020304" pitchFamily="18" charset="0"/>
+                <a:ea typeface="Poppins Light" charset="0"/>
+                <a:cs typeface="Times New Roman" panose="02020603050405020304" pitchFamily="18" charset="0"/>
+              </a:rPr>
+              <a:t>These indicate the zero degree elevation and the various other elevations in steps of 10.</a:t>
+            </a:r>
+            <a:br>
+              <a:rPr lang="en-US" sz="3600" dirty="0">
+                <a:latin typeface="Times New Roman" panose="02020603050405020304" pitchFamily="18" charset="0"/>
+                <a:ea typeface="Poppins Light" charset="0"/>
+                <a:cs typeface="Times New Roman" panose="02020603050405020304" pitchFamily="18" charset="0"/>
+              </a:rPr>
+            </a:br>
+            <a:endParaRPr lang="en-US" sz="3600" dirty="0">
+              <a:latin typeface="Times New Roman" panose="02020603050405020304" pitchFamily="18" charset="0"/>
+              <a:ea typeface="Poppins Light" charset="0"/>
+              <a:cs typeface="Times New Roman" panose="02020603050405020304" pitchFamily="18" charset="0"/>
+            </a:endParaRPr>
+          </a:p>
+          <a:p>
+            <a:pPr marL="342900" indent="-342900" algn="l">
+              <a:lnSpc>
+                <a:spcPct val="100000"/>
+              </a:lnSpc>
+              <a:buFont typeface="Arial" panose="020B0604020202020204" pitchFamily="34" charset="0"/>
+              <a:buChar char="•"/>
+            </a:pPr>
+            <a:r>
+              <a:rPr lang="en-US" sz="4400" b="1" dirty="0">
+                <a:latin typeface="Times New Roman" panose="02020603050405020304" pitchFamily="18" charset="0"/>
+                <a:ea typeface="Poppins Light" charset="0"/>
+                <a:cs typeface="Times New Roman" panose="02020603050405020304" pitchFamily="18" charset="0"/>
+              </a:rPr>
+              <a:t>Water Line</a:t>
+            </a:r>
+            <a:br>
+              <a:rPr lang="en-US" sz="3600" b="1" dirty="0">
+                <a:latin typeface="Times New Roman" panose="02020603050405020304" pitchFamily="18" charset="0"/>
+                <a:ea typeface="Poppins Light" charset="0"/>
+                <a:cs typeface="Times New Roman" panose="02020603050405020304" pitchFamily="18" charset="0"/>
+              </a:rPr>
+            </a:br>
+            <a:r>
+              <a:rPr lang="en-US" sz="3600" dirty="0">
+                <a:latin typeface="Times New Roman" panose="02020603050405020304" pitchFamily="18" charset="0"/>
+                <a:ea typeface="Poppins Light" charset="0"/>
+                <a:cs typeface="Times New Roman" panose="02020603050405020304" pitchFamily="18" charset="0"/>
+              </a:rPr>
+              <a:t>This indicates the axial orientation of the aircraft, and helps in determining the pitch of the aircraft.</a:t>
+            </a:r>
+            <a:br>
+              <a:rPr lang="en-US" sz="3600" b="1" dirty="0">
+                <a:latin typeface="Times New Roman" panose="02020603050405020304" pitchFamily="18" charset="0"/>
+                <a:ea typeface="Poppins Light" charset="0"/>
+                <a:cs typeface="Times New Roman" panose="02020603050405020304" pitchFamily="18" charset="0"/>
+              </a:rPr>
+            </a:br>
+            <a:endParaRPr lang="en-US" sz="3600" b="1" dirty="0">
+              <a:latin typeface="Times New Roman" panose="02020603050405020304" pitchFamily="18" charset="0"/>
+              <a:ea typeface="Poppins Light" charset="0"/>
+              <a:cs typeface="Times New Roman" panose="02020603050405020304" pitchFamily="18" charset="0"/>
+            </a:endParaRPr>
+          </a:p>
+          <a:p>
+            <a:pPr marL="342900" indent="-342900" algn="l">
+              <a:lnSpc>
+                <a:spcPct val="100000"/>
+              </a:lnSpc>
+              <a:buFont typeface="Arial" panose="020B0604020202020204" pitchFamily="34" charset="0"/>
+              <a:buChar char="•"/>
+            </a:pPr>
+            <a:r>
+              <a:rPr lang="en-US" sz="4400" b="1" dirty="0">
+                <a:latin typeface="Times New Roman" panose="02020603050405020304" pitchFamily="18" charset="0"/>
+                <a:ea typeface="Poppins Light" charset="0"/>
+                <a:cs typeface="Times New Roman" panose="02020603050405020304" pitchFamily="18" charset="0"/>
+              </a:rPr>
+              <a:t>Water Line</a:t>
+            </a:r>
+            <a:br>
+              <a:rPr lang="en-US" sz="4400" b="1" dirty="0">
+                <a:latin typeface="Times New Roman" panose="02020603050405020304" pitchFamily="18" charset="0"/>
+                <a:ea typeface="Poppins Light" charset="0"/>
+                <a:cs typeface="Times New Roman" panose="02020603050405020304" pitchFamily="18" charset="0"/>
+              </a:rPr>
+            </a:br>
+            <a:r>
+              <a:rPr lang="en-US" sz="3600" dirty="0">
+                <a:latin typeface="Times New Roman" panose="02020603050405020304" pitchFamily="18" charset="0"/>
+                <a:ea typeface="Poppins Light" charset="0"/>
+                <a:cs typeface="Times New Roman" panose="02020603050405020304" pitchFamily="18" charset="0"/>
+              </a:rPr>
+              <a:t>This indicates the axial orientation of the aircraft, and helps in determining the pitch of the aircraft (given by moving the ailerons).</a:t>
+            </a:r>
+            <a:endParaRPr lang="en-US" sz="3600" b="1" dirty="0">
+              <a:latin typeface="Times New Roman" panose="02020603050405020304" pitchFamily="18" charset="0"/>
+              <a:ea typeface="Poppins Light" charset="0"/>
+              <a:cs typeface="Times New Roman" panose="02020603050405020304" pitchFamily="18" charset="0"/>
+            </a:endParaRPr>
+          </a:p>
+          <a:p>
+            <a:pPr marL="342900" indent="-342900" algn="l">
+              <a:lnSpc>
+                <a:spcPct val="100000"/>
+              </a:lnSpc>
+              <a:buFont typeface="Arial" panose="020B0604020202020204" pitchFamily="34" charset="0"/>
+              <a:buChar char="•"/>
+            </a:pPr>
+            <a:endParaRPr lang="en-IN" sz="4400" dirty="0">
+              <a:latin typeface="Times New Roman" panose="02020603050405020304" pitchFamily="18" charset="0"/>
+              <a:ea typeface="Poppins Light" charset="0"/>
+              <a:cs typeface="Times New Roman" panose="02020603050405020304" pitchFamily="18" charset="0"/>
+            </a:endParaRPr>
+          </a:p>
+        </p:txBody>
+      </p:sp>
     </p:spTree>
     <p:extLst>
       <p:ext uri="{BB962C8B-B14F-4D97-AF65-F5344CB8AC3E}">
@@ -4837,13 +4951,6 @@
   <p:transition spd="med" advClick="0">
     <p:pull/>
   </p:transition>
-  <p:timing>
-    <p:tnLst>
-      <p:par>
-        <p:cTn id="1" dur="indefinite" restart="never" nodeType="tmRoot"/>
-      </p:par>
-    </p:tnLst>
-  </p:timing>
 </p:sld>
 </file>
 
@@ -4932,7 +5039,7 @@
           <a:p>
             <a:pPr algn="ctr"/>
             <a:r>
-              <a:rPr lang="en-US" sz="7000" b="1" spc="800" dirty="0" smtClean="0">
+              <a:rPr lang="en-US" sz="7000" b="1" spc="800" dirty="0">
                 <a:solidFill>
                   <a:schemeClr val="tx2"/>
                 </a:solidFill>
@@ -4942,14 +5049,6 @@
               </a:rPr>
               <a:t>Results</a:t>
             </a:r>
-            <a:endParaRPr lang="en-US" sz="7000" b="1" spc="800" dirty="0">
-              <a:solidFill>
-                <a:schemeClr val="tx2"/>
-              </a:solidFill>
-              <a:latin typeface="Lato Black" charset="0"/>
-              <a:ea typeface="Lato Black" charset="0"/>
-              <a:cs typeface="Lato Black" charset="0"/>
-            </a:endParaRPr>
           </a:p>
         </p:txBody>
       </p:sp>
@@ -4983,6 +5082,342 @@
           </a:prstGeom>
         </p:spPr>
       </p:pic>
+      <p:sp>
+        <p:nvSpPr>
+          <p:cNvPr id="5" name="Subtitle 2">
+            <a:extLst>
+              <a:ext uri="{FF2B5EF4-FFF2-40B4-BE49-F238E27FC236}">
+                <a16:creationId xmlns:a16="http://schemas.microsoft.com/office/drawing/2014/main" id="{88CC4013-3F85-4ADF-B4F5-7D15D74C70BE}"/>
+              </a:ext>
+            </a:extLst>
+          </p:cNvPr>
+          <p:cNvSpPr txBox="1">
+            <a:spLocks/>
+          </p:cNvSpPr>
+          <p:nvPr/>
+        </p:nvSpPr>
+        <p:spPr>
+          <a:xfrm>
+            <a:off x="1010653" y="3258912"/>
+            <a:ext cx="23117708" cy="6781410"/>
+          </a:xfrm>
+          <a:prstGeom prst="rect">
+            <a:avLst/>
+          </a:prstGeom>
+        </p:spPr>
+        <p:txBody>
+          <a:bodyPr vert="horz" wrap="square" lIns="217490" tIns="108745" rIns="217490" bIns="108745" rtlCol="0">
+            <a:spAutoFit/>
+          </a:bodyPr>
+          <a:lstStyle>
+            <a:lvl1pPr marL="0" indent="0" algn="ctr" defTabSz="1087636" rtl="0" eaLnBrk="1" latinLnBrk="0" hangingPunct="1">
+              <a:lnSpc>
+                <a:spcPct val="120000"/>
+              </a:lnSpc>
+              <a:spcBef>
+                <a:spcPct val="20000"/>
+              </a:spcBef>
+              <a:buFont typeface="Arial"/>
+              <a:buNone/>
+              <a:defRPr sz="2400" kern="1200">
+                <a:solidFill>
+                  <a:schemeClr val="tx2"/>
+                </a:solidFill>
+                <a:latin typeface="Open Sans Light"/>
+                <a:ea typeface="+mn-ea"/>
+                <a:cs typeface="Open Sans Light"/>
+              </a:defRPr>
+            </a:lvl1pPr>
+            <a:lvl2pPr marL="1087636" indent="0" algn="ctr" defTabSz="1087636" rtl="0" eaLnBrk="1" latinLnBrk="0" hangingPunct="1">
+              <a:lnSpc>
+                <a:spcPct val="130000"/>
+              </a:lnSpc>
+              <a:spcBef>
+                <a:spcPct val="20000"/>
+              </a:spcBef>
+              <a:buFont typeface="Arial"/>
+              <a:buNone/>
+              <a:defRPr sz="3200" kern="1200">
+                <a:solidFill>
+                  <a:schemeClr val="tx1">
+                    <a:tint val="75000"/>
+                  </a:schemeClr>
+                </a:solidFill>
+                <a:latin typeface="Open Sans"/>
+                <a:ea typeface="+mn-ea"/>
+                <a:cs typeface="Open Sans"/>
+              </a:defRPr>
+            </a:lvl2pPr>
+            <a:lvl3pPr marL="2175271" indent="0" algn="ctr" defTabSz="1087636" rtl="0" eaLnBrk="1" latinLnBrk="0" hangingPunct="1">
+              <a:lnSpc>
+                <a:spcPct val="130000"/>
+              </a:lnSpc>
+              <a:spcBef>
+                <a:spcPct val="20000"/>
+              </a:spcBef>
+              <a:buFont typeface="Arial"/>
+              <a:buNone/>
+              <a:defRPr sz="3200" kern="1200">
+                <a:solidFill>
+                  <a:schemeClr val="tx1">
+                    <a:tint val="75000"/>
+                  </a:schemeClr>
+                </a:solidFill>
+                <a:latin typeface="Open Sans"/>
+                <a:ea typeface="+mn-ea"/>
+                <a:cs typeface="Open Sans"/>
+              </a:defRPr>
+            </a:lvl3pPr>
+            <a:lvl4pPr marL="3262912" indent="0" algn="ctr" defTabSz="1087636" rtl="0" eaLnBrk="1" latinLnBrk="0" hangingPunct="1">
+              <a:lnSpc>
+                <a:spcPct val="130000"/>
+              </a:lnSpc>
+              <a:spcBef>
+                <a:spcPct val="20000"/>
+              </a:spcBef>
+              <a:buFont typeface="Arial"/>
+              <a:buNone/>
+              <a:defRPr sz="3200" kern="1200">
+                <a:solidFill>
+                  <a:schemeClr val="tx1">
+                    <a:tint val="75000"/>
+                  </a:schemeClr>
+                </a:solidFill>
+                <a:latin typeface="Open Sans"/>
+                <a:ea typeface="+mn-ea"/>
+                <a:cs typeface="Open Sans"/>
+              </a:defRPr>
+            </a:lvl4pPr>
+            <a:lvl5pPr marL="4350546" indent="0" algn="ctr" defTabSz="1087636" rtl="0" eaLnBrk="1" latinLnBrk="0" hangingPunct="1">
+              <a:lnSpc>
+                <a:spcPct val="130000"/>
+              </a:lnSpc>
+              <a:spcBef>
+                <a:spcPct val="20000"/>
+              </a:spcBef>
+              <a:buFont typeface="Arial"/>
+              <a:buNone/>
+              <a:defRPr sz="3200" kern="1200">
+                <a:solidFill>
+                  <a:schemeClr val="tx1">
+                    <a:tint val="75000"/>
+                  </a:schemeClr>
+                </a:solidFill>
+                <a:latin typeface="Open Sans"/>
+                <a:ea typeface="+mn-ea"/>
+                <a:cs typeface="Open Sans"/>
+              </a:defRPr>
+            </a:lvl5pPr>
+            <a:lvl6pPr marL="5438184" indent="0" algn="ctr" defTabSz="1087636" rtl="0" eaLnBrk="1" latinLnBrk="0" hangingPunct="1">
+              <a:spcBef>
+                <a:spcPct val="20000"/>
+              </a:spcBef>
+              <a:buFont typeface="Arial"/>
+              <a:buNone/>
+              <a:defRPr sz="4800" kern="1200">
+                <a:solidFill>
+                  <a:schemeClr val="tx1">
+                    <a:tint val="75000"/>
+                  </a:schemeClr>
+                </a:solidFill>
+                <a:latin typeface="+mn-lt"/>
+                <a:ea typeface="+mn-ea"/>
+                <a:cs typeface="+mn-cs"/>
+              </a:defRPr>
+            </a:lvl6pPr>
+            <a:lvl7pPr marL="6525820" indent="0" algn="ctr" defTabSz="1087636" rtl="0" eaLnBrk="1" latinLnBrk="0" hangingPunct="1">
+              <a:spcBef>
+                <a:spcPct val="20000"/>
+              </a:spcBef>
+              <a:buFont typeface="Arial"/>
+              <a:buNone/>
+              <a:defRPr sz="4800" kern="1200">
+                <a:solidFill>
+                  <a:schemeClr val="tx1">
+                    <a:tint val="75000"/>
+                  </a:schemeClr>
+                </a:solidFill>
+                <a:latin typeface="+mn-lt"/>
+                <a:ea typeface="+mn-ea"/>
+                <a:cs typeface="+mn-cs"/>
+              </a:defRPr>
+            </a:lvl7pPr>
+            <a:lvl8pPr marL="7613455" indent="0" algn="ctr" defTabSz="1087636" rtl="0" eaLnBrk="1" latinLnBrk="0" hangingPunct="1">
+              <a:spcBef>
+                <a:spcPct val="20000"/>
+              </a:spcBef>
+              <a:buFont typeface="Arial"/>
+              <a:buNone/>
+              <a:defRPr sz="4800" kern="1200">
+                <a:solidFill>
+                  <a:schemeClr val="tx1">
+                    <a:tint val="75000"/>
+                  </a:schemeClr>
+                </a:solidFill>
+                <a:latin typeface="+mn-lt"/>
+                <a:ea typeface="+mn-ea"/>
+                <a:cs typeface="+mn-cs"/>
+              </a:defRPr>
+            </a:lvl8pPr>
+            <a:lvl9pPr marL="8701091" indent="0" algn="ctr" defTabSz="1087636" rtl="0" eaLnBrk="1" latinLnBrk="0" hangingPunct="1">
+              <a:spcBef>
+                <a:spcPct val="20000"/>
+              </a:spcBef>
+              <a:buFont typeface="Arial"/>
+              <a:buNone/>
+              <a:defRPr sz="4800" kern="1200">
+                <a:solidFill>
+                  <a:schemeClr val="tx1">
+                    <a:tint val="75000"/>
+                  </a:schemeClr>
+                </a:solidFill>
+                <a:latin typeface="+mn-lt"/>
+                <a:ea typeface="+mn-ea"/>
+                <a:cs typeface="+mn-cs"/>
+              </a:defRPr>
+            </a:lvl9pPr>
+          </a:lstStyle>
+          <a:p>
+            <a:pPr marL="342900" indent="-342900" algn="l">
+              <a:lnSpc>
+                <a:spcPct val="100000"/>
+              </a:lnSpc>
+              <a:buFont typeface="Arial" panose="020B0604020202020204" pitchFamily="34" charset="0"/>
+              <a:buChar char="•"/>
+            </a:pPr>
+            <a:r>
+              <a:rPr lang="en-US" sz="4400" b="1" dirty="0">
+                <a:latin typeface="Times New Roman" panose="02020603050405020304" pitchFamily="18" charset="0"/>
+                <a:ea typeface="Poppins Light" charset="0"/>
+                <a:cs typeface="Times New Roman" panose="02020603050405020304" pitchFamily="18" charset="0"/>
+              </a:rPr>
+              <a:t>Yaw Indicator</a:t>
+            </a:r>
+            <a:br>
+              <a:rPr lang="en-US" sz="4400" b="1" dirty="0">
+                <a:latin typeface="Times New Roman" panose="02020603050405020304" pitchFamily="18" charset="0"/>
+                <a:ea typeface="Poppins Light" charset="0"/>
+                <a:cs typeface="Times New Roman" panose="02020603050405020304" pitchFamily="18" charset="0"/>
+              </a:rPr>
+            </a:br>
+            <a:r>
+              <a:rPr lang="en-US" sz="3600" dirty="0">
+                <a:latin typeface="Times New Roman" panose="02020603050405020304" pitchFamily="18" charset="0"/>
+                <a:ea typeface="Poppins Light" charset="0"/>
+                <a:cs typeface="Times New Roman" panose="02020603050405020304" pitchFamily="18" charset="0"/>
+              </a:rPr>
+              <a:t>This indicates the yaw of the aircraft which determines the horizontal heading. It is primarily controlled by adjusting the rudders and ailerons</a:t>
+            </a:r>
+            <a:br>
+              <a:rPr lang="en-US" sz="3600" dirty="0">
+                <a:latin typeface="Times New Roman" panose="02020603050405020304" pitchFamily="18" charset="0"/>
+                <a:ea typeface="Poppins Light" charset="0"/>
+                <a:cs typeface="Times New Roman" panose="02020603050405020304" pitchFamily="18" charset="0"/>
+              </a:rPr>
+            </a:br>
+            <a:endParaRPr lang="en-US" sz="3600" dirty="0">
+              <a:latin typeface="Times New Roman" panose="02020603050405020304" pitchFamily="18" charset="0"/>
+              <a:ea typeface="Poppins Light" charset="0"/>
+              <a:cs typeface="Times New Roman" panose="02020603050405020304" pitchFamily="18" charset="0"/>
+            </a:endParaRPr>
+          </a:p>
+          <a:p>
+            <a:pPr marL="342900" indent="-342900" algn="l">
+              <a:lnSpc>
+                <a:spcPct val="100000"/>
+              </a:lnSpc>
+              <a:buFont typeface="Arial" panose="020B0604020202020204" pitchFamily="34" charset="0"/>
+              <a:buChar char="•"/>
+            </a:pPr>
+            <a:r>
+              <a:rPr lang="en-US" sz="4400" b="1" dirty="0">
+                <a:latin typeface="Times New Roman" panose="02020603050405020304" pitchFamily="18" charset="0"/>
+                <a:ea typeface="Poppins Light" charset="0"/>
+                <a:cs typeface="Times New Roman" panose="02020603050405020304" pitchFamily="18" charset="0"/>
+              </a:rPr>
+              <a:t>Thrust Level</a:t>
+            </a:r>
+            <a:br>
+              <a:rPr lang="en-US" sz="3600" b="1" dirty="0">
+                <a:latin typeface="Times New Roman" panose="02020603050405020304" pitchFamily="18" charset="0"/>
+                <a:ea typeface="Poppins Light" charset="0"/>
+                <a:cs typeface="Times New Roman" panose="02020603050405020304" pitchFamily="18" charset="0"/>
+              </a:rPr>
+            </a:br>
+            <a:r>
+              <a:rPr lang="en-US" sz="3600" dirty="0">
+                <a:latin typeface="Times New Roman" panose="02020603050405020304" pitchFamily="18" charset="0"/>
+                <a:ea typeface="Poppins Light" charset="0"/>
+                <a:cs typeface="Times New Roman" panose="02020603050405020304" pitchFamily="18" charset="0"/>
+              </a:rPr>
+              <a:t>This indicates the amount of thrust supplied to the engines. It is controlled using the thrusters.</a:t>
+            </a:r>
+            <a:br>
+              <a:rPr lang="en-US" sz="3600" b="1" dirty="0">
+                <a:latin typeface="Times New Roman" panose="02020603050405020304" pitchFamily="18" charset="0"/>
+                <a:ea typeface="Poppins Light" charset="0"/>
+                <a:cs typeface="Times New Roman" panose="02020603050405020304" pitchFamily="18" charset="0"/>
+              </a:rPr>
+            </a:br>
+            <a:endParaRPr lang="en-US" sz="3600" b="1" dirty="0">
+              <a:latin typeface="Times New Roman" panose="02020603050405020304" pitchFamily="18" charset="0"/>
+              <a:ea typeface="Poppins Light" charset="0"/>
+              <a:cs typeface="Times New Roman" panose="02020603050405020304" pitchFamily="18" charset="0"/>
+            </a:endParaRPr>
+          </a:p>
+          <a:p>
+            <a:pPr marL="342900" indent="-342900" algn="l">
+              <a:lnSpc>
+                <a:spcPct val="100000"/>
+              </a:lnSpc>
+              <a:buFont typeface="Arial" panose="020B0604020202020204" pitchFamily="34" charset="0"/>
+              <a:buChar char="•"/>
+            </a:pPr>
+            <a:r>
+              <a:rPr lang="en-US" sz="4400" b="1" dirty="0">
+                <a:latin typeface="Times New Roman" panose="02020603050405020304" pitchFamily="18" charset="0"/>
+                <a:ea typeface="Poppins Light" charset="0"/>
+                <a:cs typeface="Times New Roman" panose="02020603050405020304" pitchFamily="18" charset="0"/>
+              </a:rPr>
+              <a:t>Air and Ground Speeds</a:t>
+            </a:r>
+            <a:br>
+              <a:rPr lang="en-US" sz="4400" b="1" dirty="0">
+                <a:latin typeface="Times New Roman" panose="02020603050405020304" pitchFamily="18" charset="0"/>
+                <a:ea typeface="Poppins Light" charset="0"/>
+                <a:cs typeface="Times New Roman" panose="02020603050405020304" pitchFamily="18" charset="0"/>
+              </a:rPr>
+            </a:br>
+            <a:r>
+              <a:rPr lang="en-US" sz="3600" dirty="0">
+                <a:latin typeface="Times New Roman" panose="02020603050405020304" pitchFamily="18" charset="0"/>
+                <a:ea typeface="Poppins Light" charset="0"/>
+                <a:cs typeface="Times New Roman" panose="02020603050405020304" pitchFamily="18" charset="0"/>
+              </a:rPr>
+              <a:t>These give the air and ground speeds (in knots). The instruments are used to supply these values</a:t>
+            </a:r>
+            <a:endParaRPr lang="en-US" sz="4400" b="1" dirty="0">
+              <a:latin typeface="Times New Roman" panose="02020603050405020304" pitchFamily="18" charset="0"/>
+              <a:ea typeface="Poppins Light" charset="0"/>
+              <a:cs typeface="Times New Roman" panose="02020603050405020304" pitchFamily="18" charset="0"/>
+            </a:endParaRPr>
+          </a:p>
+          <a:p>
+            <a:pPr marL="342900" indent="-342900" algn="l">
+              <a:lnSpc>
+                <a:spcPct val="100000"/>
+              </a:lnSpc>
+              <a:buFont typeface="Arial" panose="020B0604020202020204" pitchFamily="34" charset="0"/>
+              <a:buChar char="•"/>
+            </a:pPr>
+            <a:endParaRPr lang="en-IN" sz="4400" dirty="0">
+              <a:latin typeface="Times New Roman" panose="02020603050405020304" pitchFamily="18" charset="0"/>
+              <a:ea typeface="Poppins Light" charset="0"/>
+              <a:cs typeface="Times New Roman" panose="02020603050405020304" pitchFamily="18" charset="0"/>
+            </a:endParaRPr>
+          </a:p>
+        </p:txBody>
+      </p:sp>
     </p:spTree>
     <p:extLst>
       <p:ext uri="{BB962C8B-B14F-4D97-AF65-F5344CB8AC3E}">
@@ -4996,17 +5431,484 @@
   <p:transition spd="med" advClick="0">
     <p:pull/>
   </p:transition>
-  <p:timing>
-    <p:tnLst>
-      <p:par>
-        <p:cTn id="1" dur="indefinite" restart="never" nodeType="tmRoot"/>
-      </p:par>
-    </p:tnLst>
-  </p:timing>
 </p:sld>
 </file>
 
 <file path=ppt/slides/slide17.xml><?xml version="1.0" encoding="utf-8"?>
+<p:sld xmlns:a="http://schemas.openxmlformats.org/drawingml/2006/main" xmlns:r="http://schemas.openxmlformats.org/officeDocument/2006/relationships" xmlns:p="http://schemas.openxmlformats.org/presentationml/2006/main">
+  <p:cSld>
+    <p:spTree>
+      <p:nvGrpSpPr>
+        <p:cNvPr id="1" name=""/>
+        <p:cNvGrpSpPr/>
+        <p:nvPr/>
+      </p:nvGrpSpPr>
+      <p:grpSpPr>
+        <a:xfrm>
+          <a:off x="0" y="0"/>
+          <a:ext cx="0" cy="0"/>
+          <a:chOff x="0" y="0"/>
+          <a:chExt cx="0" cy="0"/>
+        </a:xfrm>
+      </p:grpSpPr>
+      <p:pic>
+        <p:nvPicPr>
+          <p:cNvPr id="8" name="Picture Placeholder 7">
+            <a:extLst>
+              <a:ext uri="{FF2B5EF4-FFF2-40B4-BE49-F238E27FC236}">
+                <a16:creationId xmlns:a16="http://schemas.microsoft.com/office/drawing/2014/main" id="{756D5088-B68A-4843-BCA4-C4C65BC52BF9}"/>
+              </a:ext>
+            </a:extLst>
+          </p:cNvPr>
+          <p:cNvPicPr>
+            <a:picLocks noGrp="1" noChangeAspect="1"/>
+          </p:cNvPicPr>
+          <p:nvPr>
+            <p:ph type="pic" sz="quarter" idx="16"/>
+          </p:nvPr>
+        </p:nvPicPr>
+        <p:blipFill>
+          <a:blip r:embed="rId2" cstate="email">
+            <a:extLst>
+              <a:ext uri="{28A0092B-C50C-407E-A947-70E740481C1C}">
+                <a14:useLocalDpi xmlns:a14="http://schemas.microsoft.com/office/drawing/2010/main" val="0"/>
+              </a:ext>
+            </a:extLst>
+          </a:blip>
+          <a:srcRect l="5249" r="5249"/>
+          <a:stretch>
+            <a:fillRect/>
+          </a:stretch>
+        </p:blipFill>
+        <p:spPr>
+          <a:xfrm>
+            <a:off x="4137080" y="3185171"/>
+            <a:ext cx="16103490" cy="9369959"/>
+          </a:xfrm>
+        </p:spPr>
+      </p:pic>
+      <p:cxnSp>
+        <p:nvCxnSpPr>
+          <p:cNvPr id="4" name="Straight Connector 3">
+            <a:extLst>
+              <a:ext uri="{FF2B5EF4-FFF2-40B4-BE49-F238E27FC236}">
+                <a16:creationId xmlns:a16="http://schemas.microsoft.com/office/drawing/2014/main" id="{87BAE5DE-903C-4057-9F1F-C8FAFAF90866}"/>
+              </a:ext>
+            </a:extLst>
+          </p:cNvPr>
+          <p:cNvCxnSpPr/>
+          <p:nvPr/>
+        </p:nvCxnSpPr>
+        <p:spPr>
+          <a:xfrm>
+            <a:off x="11608677" y="2794666"/>
+            <a:ext cx="1192923" cy="0"/>
+          </a:xfrm>
+          <a:prstGeom prst="line">
+            <a:avLst/>
+          </a:prstGeom>
+          <a:ln w="57150">
+            <a:solidFill>
+              <a:schemeClr val="accent4">
+                <a:lumMod val="85000"/>
+                <a:lumOff val="15000"/>
+              </a:schemeClr>
+            </a:solidFill>
+          </a:ln>
+        </p:spPr>
+        <p:style>
+          <a:lnRef idx="1">
+            <a:schemeClr val="accent1"/>
+          </a:lnRef>
+          <a:fillRef idx="0">
+            <a:schemeClr val="accent1"/>
+          </a:fillRef>
+          <a:effectRef idx="0">
+            <a:schemeClr val="accent1"/>
+          </a:effectRef>
+          <a:fontRef idx="minor">
+            <a:schemeClr val="tx1"/>
+          </a:fontRef>
+        </p:style>
+      </p:cxnSp>
+      <p:sp>
+        <p:nvSpPr>
+          <p:cNvPr id="5" name="TextBox 4">
+            <a:extLst>
+              <a:ext uri="{FF2B5EF4-FFF2-40B4-BE49-F238E27FC236}">
+                <a16:creationId xmlns:a16="http://schemas.microsoft.com/office/drawing/2014/main" id="{BE8E591C-D28E-4889-86B7-827AD80AE1D5}"/>
+              </a:ext>
+            </a:extLst>
+          </p:cNvPr>
+          <p:cNvSpPr txBox="1"/>
+          <p:nvPr/>
+        </p:nvSpPr>
+        <p:spPr>
+          <a:xfrm>
+            <a:off x="10117625" y="1160870"/>
+            <a:ext cx="4142481" cy="1169551"/>
+          </a:xfrm>
+          <a:prstGeom prst="rect">
+            <a:avLst/>
+          </a:prstGeom>
+          <a:noFill/>
+        </p:spPr>
+        <p:txBody>
+          <a:bodyPr wrap="none" rtlCol="0">
+            <a:spAutoFit/>
+          </a:bodyPr>
+          <a:lstStyle/>
+          <a:p>
+            <a:pPr algn="ctr"/>
+            <a:r>
+              <a:rPr lang="en-US" sz="7000" b="1" spc="800" dirty="0">
+                <a:solidFill>
+                  <a:schemeClr val="tx2"/>
+                </a:solidFill>
+                <a:latin typeface="Lato Black" charset="0"/>
+                <a:ea typeface="Lato Black" charset="0"/>
+                <a:cs typeface="Lato Black" charset="0"/>
+              </a:rPr>
+              <a:t>Results</a:t>
+            </a:r>
+          </a:p>
+        </p:txBody>
+      </p:sp>
+      <p:pic>
+        <p:nvPicPr>
+          <p:cNvPr id="6" name="Picture 5">
+            <a:extLst>
+              <a:ext uri="{FF2B5EF4-FFF2-40B4-BE49-F238E27FC236}">
+                <a16:creationId xmlns:a16="http://schemas.microsoft.com/office/drawing/2014/main" id="{88B1F6DA-13EA-471E-8ACB-E19367D6FE9C}"/>
+              </a:ext>
+            </a:extLst>
+          </p:cNvPr>
+          <p:cNvPicPr>
+            <a:picLocks noChangeAspect="1"/>
+          </p:cNvPicPr>
+          <p:nvPr/>
+        </p:nvPicPr>
+        <p:blipFill>
+          <a:blip r:embed="rId3">
+            <a:extLst>
+              <a:ext uri="{28A0092B-C50C-407E-A947-70E740481C1C}">
+                <a14:useLocalDpi xmlns:a14="http://schemas.microsoft.com/office/drawing/2010/main" val="0"/>
+              </a:ext>
+            </a:extLst>
+          </a:blip>
+          <a:stretch>
+            <a:fillRect/>
+          </a:stretch>
+        </p:blipFill>
+        <p:spPr>
+          <a:xfrm>
+            <a:off x="563562" y="428625"/>
+            <a:ext cx="1762125" cy="1714500"/>
+          </a:xfrm>
+          <a:prstGeom prst="rect">
+            <a:avLst/>
+          </a:prstGeom>
+        </p:spPr>
+      </p:pic>
+      <p:sp>
+        <p:nvSpPr>
+          <p:cNvPr id="9" name="TextBox 8">
+            <a:extLst>
+              <a:ext uri="{FF2B5EF4-FFF2-40B4-BE49-F238E27FC236}">
+                <a16:creationId xmlns:a16="http://schemas.microsoft.com/office/drawing/2014/main" id="{D1C2825C-E61C-4012-A670-7819C6060D74}"/>
+              </a:ext>
+            </a:extLst>
+          </p:cNvPr>
+          <p:cNvSpPr txBox="1"/>
+          <p:nvPr/>
+        </p:nvSpPr>
+        <p:spPr>
+          <a:xfrm>
+            <a:off x="4333461" y="12555130"/>
+            <a:ext cx="15584556" cy="646331"/>
+          </a:xfrm>
+          <a:prstGeom prst="rect">
+            <a:avLst/>
+          </a:prstGeom>
+          <a:noFill/>
+        </p:spPr>
+        <p:txBody>
+          <a:bodyPr wrap="square" rtlCol="0">
+            <a:spAutoFit/>
+          </a:bodyPr>
+          <a:lstStyle/>
+          <a:p>
+            <a:pPr algn="ctr"/>
+            <a:r>
+              <a:rPr lang="en-US" dirty="0">
+                <a:solidFill>
+                  <a:schemeClr val="tx2"/>
+                </a:solidFill>
+              </a:rPr>
+              <a:t>Fig. 1:</a:t>
+            </a:r>
+            <a:r>
+              <a:rPr lang="en-US" dirty="0"/>
+              <a:t> Plane is at rest on the runway</a:t>
+            </a:r>
+            <a:endParaRPr lang="en-IN" dirty="0"/>
+          </a:p>
+        </p:txBody>
+      </p:sp>
+    </p:spTree>
+    <p:extLst>
+      <p:ext uri="{BB962C8B-B14F-4D97-AF65-F5344CB8AC3E}">
+        <p14:creationId xmlns:p14="http://schemas.microsoft.com/office/powerpoint/2010/main" val="2387472422"/>
+      </p:ext>
+    </p:extLst>
+  </p:cSld>
+  <p:clrMapOvr>
+    <a:masterClrMapping/>
+  </p:clrMapOvr>
+  <p:transition spd="med" advClick="0">
+    <p:pull/>
+  </p:transition>
+</p:sld>
+</file>
+
+<file path=ppt/slides/slide18.xml><?xml version="1.0" encoding="utf-8"?>
+<p:sld xmlns:a="http://schemas.openxmlformats.org/drawingml/2006/main" xmlns:r="http://schemas.openxmlformats.org/officeDocument/2006/relationships" xmlns:p="http://schemas.openxmlformats.org/presentationml/2006/main">
+  <p:cSld>
+    <p:spTree>
+      <p:nvGrpSpPr>
+        <p:cNvPr id="1" name=""/>
+        <p:cNvGrpSpPr/>
+        <p:nvPr/>
+      </p:nvGrpSpPr>
+      <p:grpSpPr>
+        <a:xfrm>
+          <a:off x="0" y="0"/>
+          <a:ext cx="0" cy="0"/>
+          <a:chOff x="0" y="0"/>
+          <a:chExt cx="0" cy="0"/>
+        </a:xfrm>
+      </p:grpSpPr>
+      <p:pic>
+        <p:nvPicPr>
+          <p:cNvPr id="9" name="Picture Placeholder 8">
+            <a:extLst>
+              <a:ext uri="{FF2B5EF4-FFF2-40B4-BE49-F238E27FC236}">
+                <a16:creationId xmlns:a16="http://schemas.microsoft.com/office/drawing/2014/main" id="{9F098D9D-6292-49FD-AA29-B1E9633BE72D}"/>
+              </a:ext>
+            </a:extLst>
+          </p:cNvPr>
+          <p:cNvPicPr>
+            <a:picLocks noGrp="1" noChangeAspect="1"/>
+          </p:cNvPicPr>
+          <p:nvPr>
+            <p:ph type="pic" sz="quarter" idx="16"/>
+          </p:nvPr>
+        </p:nvPicPr>
+        <p:blipFill>
+          <a:blip r:embed="rId2" cstate="email">
+            <a:extLst>
+              <a:ext uri="{28A0092B-C50C-407E-A947-70E740481C1C}">
+                <a14:useLocalDpi xmlns:a14="http://schemas.microsoft.com/office/drawing/2010/main" val="0"/>
+              </a:ext>
+            </a:extLst>
+          </a:blip>
+          <a:srcRect l="5383" r="5383"/>
+          <a:stretch>
+            <a:fillRect/>
+          </a:stretch>
+        </p:blipFill>
+        <p:spPr>
+          <a:xfrm>
+            <a:off x="4167947" y="3527708"/>
+            <a:ext cx="16041756" cy="9027422"/>
+          </a:xfrm>
+        </p:spPr>
+      </p:pic>
+      <p:cxnSp>
+        <p:nvCxnSpPr>
+          <p:cNvPr id="5" name="Straight Connector 4">
+            <a:extLst>
+              <a:ext uri="{FF2B5EF4-FFF2-40B4-BE49-F238E27FC236}">
+                <a16:creationId xmlns:a16="http://schemas.microsoft.com/office/drawing/2014/main" id="{A3D3E8BD-2F8A-4020-B00F-8E2AF732665A}"/>
+              </a:ext>
+            </a:extLst>
+          </p:cNvPr>
+          <p:cNvCxnSpPr/>
+          <p:nvPr/>
+        </p:nvCxnSpPr>
+        <p:spPr>
+          <a:xfrm>
+            <a:off x="11608677" y="2794666"/>
+            <a:ext cx="1192923" cy="0"/>
+          </a:xfrm>
+          <a:prstGeom prst="line">
+            <a:avLst/>
+          </a:prstGeom>
+          <a:ln w="57150">
+            <a:solidFill>
+              <a:schemeClr val="accent4">
+                <a:lumMod val="85000"/>
+                <a:lumOff val="15000"/>
+              </a:schemeClr>
+            </a:solidFill>
+          </a:ln>
+        </p:spPr>
+        <p:style>
+          <a:lnRef idx="1">
+            <a:schemeClr val="accent1"/>
+          </a:lnRef>
+          <a:fillRef idx="0">
+            <a:schemeClr val="accent1"/>
+          </a:fillRef>
+          <a:effectRef idx="0">
+            <a:schemeClr val="accent1"/>
+          </a:effectRef>
+          <a:fontRef idx="minor">
+            <a:schemeClr val="tx1"/>
+          </a:fontRef>
+        </p:style>
+      </p:cxnSp>
+      <p:sp>
+        <p:nvSpPr>
+          <p:cNvPr id="6" name="TextBox 5">
+            <a:extLst>
+              <a:ext uri="{FF2B5EF4-FFF2-40B4-BE49-F238E27FC236}">
+                <a16:creationId xmlns:a16="http://schemas.microsoft.com/office/drawing/2014/main" id="{ADB8C90F-7BFB-4A28-8005-CFFDFE8651CE}"/>
+              </a:ext>
+            </a:extLst>
+          </p:cNvPr>
+          <p:cNvSpPr txBox="1"/>
+          <p:nvPr/>
+        </p:nvSpPr>
+        <p:spPr>
+          <a:xfrm>
+            <a:off x="10117625" y="1160870"/>
+            <a:ext cx="4142481" cy="1169551"/>
+          </a:xfrm>
+          <a:prstGeom prst="rect">
+            <a:avLst/>
+          </a:prstGeom>
+          <a:noFill/>
+        </p:spPr>
+        <p:txBody>
+          <a:bodyPr wrap="none" rtlCol="0">
+            <a:spAutoFit/>
+          </a:bodyPr>
+          <a:lstStyle/>
+          <a:p>
+            <a:pPr algn="ctr"/>
+            <a:r>
+              <a:rPr lang="en-US" sz="7000" b="1" spc="800" dirty="0">
+                <a:solidFill>
+                  <a:schemeClr val="tx2"/>
+                </a:solidFill>
+                <a:latin typeface="Lato Black" charset="0"/>
+                <a:ea typeface="Lato Black" charset="0"/>
+                <a:cs typeface="Lato Black" charset="0"/>
+              </a:rPr>
+              <a:t>Results</a:t>
+            </a:r>
+          </a:p>
+        </p:txBody>
+      </p:sp>
+      <p:pic>
+        <p:nvPicPr>
+          <p:cNvPr id="7" name="Picture 6">
+            <a:extLst>
+              <a:ext uri="{FF2B5EF4-FFF2-40B4-BE49-F238E27FC236}">
+                <a16:creationId xmlns:a16="http://schemas.microsoft.com/office/drawing/2014/main" id="{83E0460E-8214-4432-BF86-CA45EE478836}"/>
+              </a:ext>
+            </a:extLst>
+          </p:cNvPr>
+          <p:cNvPicPr>
+            <a:picLocks noChangeAspect="1"/>
+          </p:cNvPicPr>
+          <p:nvPr/>
+        </p:nvPicPr>
+        <p:blipFill>
+          <a:blip r:embed="rId3">
+            <a:extLst>
+              <a:ext uri="{28A0092B-C50C-407E-A947-70E740481C1C}">
+                <a14:useLocalDpi xmlns:a14="http://schemas.microsoft.com/office/drawing/2010/main" val="0"/>
+              </a:ext>
+            </a:extLst>
+          </a:blip>
+          <a:stretch>
+            <a:fillRect/>
+          </a:stretch>
+        </p:blipFill>
+        <p:spPr>
+          <a:xfrm>
+            <a:off x="563562" y="428625"/>
+            <a:ext cx="1762125" cy="1714500"/>
+          </a:xfrm>
+          <a:prstGeom prst="rect">
+            <a:avLst/>
+          </a:prstGeom>
+        </p:spPr>
+      </p:pic>
+      <p:sp>
+        <p:nvSpPr>
+          <p:cNvPr id="10" name="TextBox 9">
+            <a:extLst>
+              <a:ext uri="{FF2B5EF4-FFF2-40B4-BE49-F238E27FC236}">
+                <a16:creationId xmlns:a16="http://schemas.microsoft.com/office/drawing/2014/main" id="{A1A155D2-E864-4C13-BC4E-2ACB9547DF40}"/>
+              </a:ext>
+            </a:extLst>
+          </p:cNvPr>
+          <p:cNvSpPr txBox="1"/>
+          <p:nvPr/>
+        </p:nvSpPr>
+        <p:spPr>
+          <a:xfrm>
+            <a:off x="4333461" y="12555130"/>
+            <a:ext cx="15584556" cy="646331"/>
+          </a:xfrm>
+          <a:prstGeom prst="rect">
+            <a:avLst/>
+          </a:prstGeom>
+          <a:noFill/>
+        </p:spPr>
+        <p:txBody>
+          <a:bodyPr wrap="square" rtlCol="0">
+            <a:spAutoFit/>
+          </a:bodyPr>
+          <a:lstStyle/>
+          <a:p>
+            <a:pPr algn="ctr"/>
+            <a:r>
+              <a:rPr lang="en-US" dirty="0">
+                <a:solidFill>
+                  <a:schemeClr val="tx2"/>
+                </a:solidFill>
+              </a:rPr>
+              <a:t>Fig. 2:</a:t>
+            </a:r>
+            <a:r>
+              <a:rPr lang="en-US" dirty="0"/>
+              <a:t> Plane in motion – attaining cruise altitude</a:t>
+            </a:r>
+            <a:endParaRPr lang="en-IN" dirty="0"/>
+          </a:p>
+        </p:txBody>
+      </p:sp>
+    </p:spTree>
+    <p:extLst>
+      <p:ext uri="{BB962C8B-B14F-4D97-AF65-F5344CB8AC3E}">
+        <p14:creationId xmlns:p14="http://schemas.microsoft.com/office/powerpoint/2010/main" val="2919185757"/>
+      </p:ext>
+    </p:extLst>
+  </p:cSld>
+  <p:clrMapOvr>
+    <a:masterClrMapping/>
+  </p:clrMapOvr>
+  <p:transition spd="med" advClick="0">
+    <p:pull/>
+  </p:transition>
+</p:sld>
+</file>
+
+<file path=ppt/slides/slide19.xml><?xml version="1.0" encoding="utf-8"?>
 <p:sld xmlns:a="http://schemas.openxmlformats.org/drawingml/2006/main" xmlns:r="http://schemas.openxmlformats.org/officeDocument/2006/relationships" xmlns:p="http://schemas.openxmlformats.org/presentationml/2006/main">
   <p:cSld>
     <p:spTree>
@@ -5082,7 +5984,7 @@
           <a:p>
             <a:pPr algn="ctr"/>
             <a:r>
-              <a:rPr lang="en-US" sz="7000" b="1" spc="800" dirty="0" smtClean="0">
+              <a:rPr lang="en-US" sz="7000" b="1" spc="800" dirty="0">
                 <a:solidFill>
                   <a:schemeClr val="tx2"/>
                 </a:solidFill>
@@ -5092,14 +5994,6 @@
               </a:rPr>
               <a:t>Conclusion</a:t>
             </a:r>
-            <a:endParaRPr lang="en-US" sz="7000" b="1" spc="800" dirty="0">
-              <a:solidFill>
-                <a:schemeClr val="tx2"/>
-              </a:solidFill>
-              <a:latin typeface="Lato Black" charset="0"/>
-              <a:ea typeface="Lato Black" charset="0"/>
-              <a:cs typeface="Lato Black" charset="0"/>
-            </a:endParaRPr>
           </a:p>
         </p:txBody>
       </p:sp>
@@ -5163,6 +6057,288 @@
           </a:prstGeom>
         </p:spPr>
       </p:pic>
+      <p:sp>
+        <p:nvSpPr>
+          <p:cNvPr id="6" name="Subtitle 2">
+            <a:extLst>
+              <a:ext uri="{FF2B5EF4-FFF2-40B4-BE49-F238E27FC236}">
+                <a16:creationId xmlns:a16="http://schemas.microsoft.com/office/drawing/2014/main" id="{1CBEDBCF-E90E-419A-9DCB-AB3F29D456CB}"/>
+              </a:ext>
+            </a:extLst>
+          </p:cNvPr>
+          <p:cNvSpPr txBox="1">
+            <a:spLocks/>
+          </p:cNvSpPr>
+          <p:nvPr/>
+        </p:nvSpPr>
+        <p:spPr>
+          <a:xfrm>
+            <a:off x="563562" y="6886859"/>
+            <a:ext cx="19842927" cy="5636481"/>
+          </a:xfrm>
+          <a:prstGeom prst="rect">
+            <a:avLst/>
+          </a:prstGeom>
+        </p:spPr>
+        <p:txBody>
+          <a:bodyPr vert="horz" wrap="square" lIns="217490" tIns="108745" rIns="217490" bIns="108745" rtlCol="0">
+            <a:spAutoFit/>
+          </a:bodyPr>
+          <a:lstStyle>
+            <a:lvl1pPr marL="0" indent="0" algn="ctr" defTabSz="1087636" rtl="0" eaLnBrk="1" latinLnBrk="0" hangingPunct="1">
+              <a:lnSpc>
+                <a:spcPct val="120000"/>
+              </a:lnSpc>
+              <a:spcBef>
+                <a:spcPct val="20000"/>
+              </a:spcBef>
+              <a:buFont typeface="Arial"/>
+              <a:buNone/>
+              <a:defRPr sz="2400" kern="1200">
+                <a:solidFill>
+                  <a:schemeClr val="tx2"/>
+                </a:solidFill>
+                <a:latin typeface="Open Sans Light"/>
+                <a:ea typeface="+mn-ea"/>
+                <a:cs typeface="Open Sans Light"/>
+              </a:defRPr>
+            </a:lvl1pPr>
+            <a:lvl2pPr marL="1087636" indent="0" algn="ctr" defTabSz="1087636" rtl="0" eaLnBrk="1" latinLnBrk="0" hangingPunct="1">
+              <a:lnSpc>
+                <a:spcPct val="130000"/>
+              </a:lnSpc>
+              <a:spcBef>
+                <a:spcPct val="20000"/>
+              </a:spcBef>
+              <a:buFont typeface="Arial"/>
+              <a:buNone/>
+              <a:defRPr sz="3200" kern="1200">
+                <a:solidFill>
+                  <a:schemeClr val="tx1">
+                    <a:tint val="75000"/>
+                  </a:schemeClr>
+                </a:solidFill>
+                <a:latin typeface="Open Sans"/>
+                <a:ea typeface="+mn-ea"/>
+                <a:cs typeface="Open Sans"/>
+              </a:defRPr>
+            </a:lvl2pPr>
+            <a:lvl3pPr marL="2175271" indent="0" algn="ctr" defTabSz="1087636" rtl="0" eaLnBrk="1" latinLnBrk="0" hangingPunct="1">
+              <a:lnSpc>
+                <a:spcPct val="130000"/>
+              </a:lnSpc>
+              <a:spcBef>
+                <a:spcPct val="20000"/>
+              </a:spcBef>
+              <a:buFont typeface="Arial"/>
+              <a:buNone/>
+              <a:defRPr sz="3200" kern="1200">
+                <a:solidFill>
+                  <a:schemeClr val="tx1">
+                    <a:tint val="75000"/>
+                  </a:schemeClr>
+                </a:solidFill>
+                <a:latin typeface="Open Sans"/>
+                <a:ea typeface="+mn-ea"/>
+                <a:cs typeface="Open Sans"/>
+              </a:defRPr>
+            </a:lvl3pPr>
+            <a:lvl4pPr marL="3262912" indent="0" algn="ctr" defTabSz="1087636" rtl="0" eaLnBrk="1" latinLnBrk="0" hangingPunct="1">
+              <a:lnSpc>
+                <a:spcPct val="130000"/>
+              </a:lnSpc>
+              <a:spcBef>
+                <a:spcPct val="20000"/>
+              </a:spcBef>
+              <a:buFont typeface="Arial"/>
+              <a:buNone/>
+              <a:defRPr sz="3200" kern="1200">
+                <a:solidFill>
+                  <a:schemeClr val="tx1">
+                    <a:tint val="75000"/>
+                  </a:schemeClr>
+                </a:solidFill>
+                <a:latin typeface="Open Sans"/>
+                <a:ea typeface="+mn-ea"/>
+                <a:cs typeface="Open Sans"/>
+              </a:defRPr>
+            </a:lvl4pPr>
+            <a:lvl5pPr marL="4350546" indent="0" algn="ctr" defTabSz="1087636" rtl="0" eaLnBrk="1" latinLnBrk="0" hangingPunct="1">
+              <a:lnSpc>
+                <a:spcPct val="130000"/>
+              </a:lnSpc>
+              <a:spcBef>
+                <a:spcPct val="20000"/>
+              </a:spcBef>
+              <a:buFont typeface="Arial"/>
+              <a:buNone/>
+              <a:defRPr sz="3200" kern="1200">
+                <a:solidFill>
+                  <a:schemeClr val="tx1">
+                    <a:tint val="75000"/>
+                  </a:schemeClr>
+                </a:solidFill>
+                <a:latin typeface="Open Sans"/>
+                <a:ea typeface="+mn-ea"/>
+                <a:cs typeface="Open Sans"/>
+              </a:defRPr>
+            </a:lvl5pPr>
+            <a:lvl6pPr marL="5438184" indent="0" algn="ctr" defTabSz="1087636" rtl="0" eaLnBrk="1" latinLnBrk="0" hangingPunct="1">
+              <a:spcBef>
+                <a:spcPct val="20000"/>
+              </a:spcBef>
+              <a:buFont typeface="Arial"/>
+              <a:buNone/>
+              <a:defRPr sz="4800" kern="1200">
+                <a:solidFill>
+                  <a:schemeClr val="tx1">
+                    <a:tint val="75000"/>
+                  </a:schemeClr>
+                </a:solidFill>
+                <a:latin typeface="+mn-lt"/>
+                <a:ea typeface="+mn-ea"/>
+                <a:cs typeface="+mn-cs"/>
+              </a:defRPr>
+            </a:lvl6pPr>
+            <a:lvl7pPr marL="6525820" indent="0" algn="ctr" defTabSz="1087636" rtl="0" eaLnBrk="1" latinLnBrk="0" hangingPunct="1">
+              <a:spcBef>
+                <a:spcPct val="20000"/>
+              </a:spcBef>
+              <a:buFont typeface="Arial"/>
+              <a:buNone/>
+              <a:defRPr sz="4800" kern="1200">
+                <a:solidFill>
+                  <a:schemeClr val="tx1">
+                    <a:tint val="75000"/>
+                  </a:schemeClr>
+                </a:solidFill>
+                <a:latin typeface="+mn-lt"/>
+                <a:ea typeface="+mn-ea"/>
+                <a:cs typeface="+mn-cs"/>
+              </a:defRPr>
+            </a:lvl7pPr>
+            <a:lvl8pPr marL="7613455" indent="0" algn="ctr" defTabSz="1087636" rtl="0" eaLnBrk="1" latinLnBrk="0" hangingPunct="1">
+              <a:spcBef>
+                <a:spcPct val="20000"/>
+              </a:spcBef>
+              <a:buFont typeface="Arial"/>
+              <a:buNone/>
+              <a:defRPr sz="4800" kern="1200">
+                <a:solidFill>
+                  <a:schemeClr val="tx1">
+                    <a:tint val="75000"/>
+                  </a:schemeClr>
+                </a:solidFill>
+                <a:latin typeface="+mn-lt"/>
+                <a:ea typeface="+mn-ea"/>
+                <a:cs typeface="+mn-cs"/>
+              </a:defRPr>
+            </a:lvl8pPr>
+            <a:lvl9pPr marL="8701091" indent="0" algn="ctr" defTabSz="1087636" rtl="0" eaLnBrk="1" latinLnBrk="0" hangingPunct="1">
+              <a:spcBef>
+                <a:spcPct val="20000"/>
+              </a:spcBef>
+              <a:buFont typeface="Arial"/>
+              <a:buNone/>
+              <a:defRPr sz="4800" kern="1200">
+                <a:solidFill>
+                  <a:schemeClr val="tx1">
+                    <a:tint val="75000"/>
+                  </a:schemeClr>
+                </a:solidFill>
+                <a:latin typeface="+mn-lt"/>
+                <a:ea typeface="+mn-ea"/>
+                <a:cs typeface="+mn-cs"/>
+              </a:defRPr>
+            </a:lvl9pPr>
+          </a:lstStyle>
+          <a:p>
+            <a:pPr marL="342900" indent="-342900" algn="l">
+              <a:lnSpc>
+                <a:spcPct val="100000"/>
+              </a:lnSpc>
+              <a:buFont typeface="Arial" panose="020B0604020202020204" pitchFamily="34" charset="0"/>
+              <a:buChar char="•"/>
+            </a:pPr>
+            <a:r>
+              <a:rPr lang="en-US" sz="4000" dirty="0">
+                <a:latin typeface="Times New Roman" panose="02020603050405020304" pitchFamily="18" charset="0"/>
+                <a:ea typeface="Poppins Light" charset="0"/>
+                <a:cs typeface="Times New Roman" panose="02020603050405020304" pitchFamily="18" charset="0"/>
+              </a:rPr>
+              <a:t>Canvas API was found to be suitable for drawing the HUD.</a:t>
+            </a:r>
+          </a:p>
+          <a:p>
+            <a:pPr marL="342900" indent="-342900" algn="l">
+              <a:lnSpc>
+                <a:spcPct val="100000"/>
+              </a:lnSpc>
+              <a:buFont typeface="Arial" panose="020B0604020202020204" pitchFamily="34" charset="0"/>
+              <a:buChar char="•"/>
+            </a:pPr>
+            <a:r>
+              <a:rPr lang="en-US" sz="4000" dirty="0">
+                <a:latin typeface="Times New Roman" panose="02020603050405020304" pitchFamily="18" charset="0"/>
+                <a:ea typeface="Poppins Light" charset="0"/>
+                <a:cs typeface="Times New Roman" panose="02020603050405020304" pitchFamily="18" charset="0"/>
+              </a:rPr>
+              <a:t>The time taken to update the pitch and yaw from the property tree was found to be negligible.</a:t>
+            </a:r>
+          </a:p>
+          <a:p>
+            <a:pPr marL="342900" indent="-342900" algn="l">
+              <a:lnSpc>
+                <a:spcPct val="100000"/>
+              </a:lnSpc>
+              <a:buFont typeface="Arial" panose="020B0604020202020204" pitchFamily="34" charset="0"/>
+              <a:buChar char="•"/>
+            </a:pPr>
+            <a:r>
+              <a:rPr lang="en-US" sz="4000" dirty="0">
+                <a:latin typeface="Times New Roman" panose="02020603050405020304" pitchFamily="18" charset="0"/>
+                <a:ea typeface="Poppins Light" charset="0"/>
+                <a:cs typeface="Times New Roman" panose="02020603050405020304" pitchFamily="18" charset="0"/>
+              </a:rPr>
+              <a:t>There seems to be some delay in updating the value of the thrusters, probably due to the fact that the scaling factor is recalculated.</a:t>
+            </a:r>
+          </a:p>
+          <a:p>
+            <a:pPr marL="342900" indent="-342900" algn="l">
+              <a:lnSpc>
+                <a:spcPct val="100000"/>
+              </a:lnSpc>
+              <a:buFont typeface="Arial" panose="020B0604020202020204" pitchFamily="34" charset="0"/>
+              <a:buChar char="•"/>
+            </a:pPr>
+            <a:r>
+              <a:rPr lang="en-US" sz="4000" dirty="0">
+                <a:latin typeface="Times New Roman" panose="02020603050405020304" pitchFamily="18" charset="0"/>
+                <a:ea typeface="Poppins Light" charset="0"/>
+                <a:cs typeface="Times New Roman" panose="02020603050405020304" pitchFamily="18" charset="0"/>
+              </a:rPr>
+              <a:t>Elevation lines are found to be reasonably accurate.</a:t>
+            </a:r>
+          </a:p>
+          <a:p>
+            <a:pPr marL="342900" indent="-342900" algn="l">
+              <a:lnSpc>
+                <a:spcPct val="100000"/>
+              </a:lnSpc>
+              <a:buFont typeface="Arial" panose="020B0604020202020204" pitchFamily="34" charset="0"/>
+              <a:buChar char="•"/>
+            </a:pPr>
+            <a:r>
+              <a:rPr lang="en-US" sz="4000" dirty="0">
+                <a:latin typeface="Times New Roman" panose="02020603050405020304" pitchFamily="18" charset="0"/>
+                <a:ea typeface="Poppins Light" charset="0"/>
+                <a:cs typeface="Times New Roman" panose="02020603050405020304" pitchFamily="18" charset="0"/>
+              </a:rPr>
+              <a:t>Currently the values of minimum and maximum thrust values are being hardcoded from the engine datasheet. There is a need to integrate these values within the property tree to avoid rewriting the script for each aircraft.</a:t>
+            </a:r>
+          </a:p>
+        </p:txBody>
+      </p:sp>
     </p:spTree>
     <p:extLst>
       <p:ext uri="{BB962C8B-B14F-4D97-AF65-F5344CB8AC3E}">
@@ -5176,13 +6352,6 @@
   <p:transition spd="med" advClick="0">
     <p:pull/>
   </p:transition>
-  <p:timing>
-    <p:tnLst>
-      <p:par>
-        <p:cTn id="1" dur="indefinite" restart="never" nodeType="tmRoot"/>
-      </p:par>
-    </p:tnLst>
-  </p:timing>
 </p:sld>
 </file>
 
@@ -5311,7 +6480,7 @@
           <a:p>
             <a:pPr algn="ctr"/>
             <a:r>
-              <a:rPr lang="en-US" sz="8400" b="1" spc="800" dirty="0" smtClean="0">
+              <a:rPr lang="en-US" sz="8400" b="1" spc="800" dirty="0">
                 <a:solidFill>
                   <a:schemeClr val="tx2"/>
                 </a:solidFill>
@@ -5321,14 +6490,6 @@
               </a:rPr>
               <a:t>Contents</a:t>
             </a:r>
-            <a:endParaRPr lang="en-US" sz="8400" b="1" spc="800" dirty="0">
-              <a:solidFill>
-                <a:schemeClr val="tx2"/>
-              </a:solidFill>
-              <a:latin typeface="Lato Black" charset="0"/>
-              <a:ea typeface="Lato Black" charset="0"/>
-              <a:cs typeface="Lato Black" charset="0"/>
-            </a:endParaRPr>
           </a:p>
         </p:txBody>
       </p:sp>
@@ -5356,7 +6517,7 @@
           <a:p>
             <a:pPr algn="ctr"/>
             <a:r>
-              <a:rPr lang="en-US" sz="2800" b="1" i="1" dirty="0" smtClean="0">
+              <a:rPr lang="en-US" sz="2800" b="1" i="1" dirty="0">
                 <a:solidFill>
                   <a:schemeClr val="tx2"/>
                 </a:solidFill>
@@ -5366,14 +6527,6 @@
               </a:rPr>
               <a:t>Flight gear</a:t>
             </a:r>
-            <a:endParaRPr lang="en-US" sz="2800" b="1" i="1" dirty="0">
-              <a:solidFill>
-                <a:schemeClr val="tx2"/>
-              </a:solidFill>
-              <a:latin typeface="Poppins SemiBold" charset="0"/>
-              <a:ea typeface="Poppins SemiBold" charset="0"/>
-              <a:cs typeface="Poppins SemiBold" charset="0"/>
-            </a:endParaRPr>
           </a:p>
         </p:txBody>
       </p:sp>
@@ -5573,7 +6726,7 @@
               </a:lnSpc>
             </a:pPr>
             <a:r>
-              <a:rPr lang="en-US" sz="3200" dirty="0" smtClean="0">
+              <a:rPr lang="en-US" sz="3200" dirty="0">
                 <a:solidFill>
                   <a:schemeClr val="bg1">
                     <a:lumMod val="75000"/>
@@ -5593,7 +6746,7 @@
               </a:lnSpc>
             </a:pPr>
             <a:r>
-              <a:rPr lang="en-US" sz="3200" dirty="0" smtClean="0">
+              <a:rPr lang="en-US" sz="3200" dirty="0">
                 <a:solidFill>
                   <a:schemeClr val="bg1">
                     <a:lumMod val="75000"/>
@@ -5613,7 +6766,7 @@
               </a:lnSpc>
             </a:pPr>
             <a:r>
-              <a:rPr lang="en-US" sz="3200" dirty="0" smtClean="0">
+              <a:rPr lang="en-US" sz="3200" dirty="0">
                 <a:solidFill>
                   <a:schemeClr val="bg1">
                     <a:lumMod val="75000"/>
@@ -5633,7 +6786,7 @@
               </a:lnSpc>
             </a:pPr>
             <a:r>
-              <a:rPr lang="en-US" sz="3200" dirty="0" smtClean="0">
+              <a:rPr lang="en-US" sz="3200" dirty="0">
                 <a:solidFill>
                   <a:schemeClr val="bg1">
                     <a:lumMod val="75000"/>
@@ -5645,16 +6798,6 @@
               </a:rPr>
               <a:t>NON-FUNCTIONAL REQUIREMENTS</a:t>
             </a:r>
-            <a:endParaRPr lang="en-US" sz="3200" dirty="0" smtClean="0">
-              <a:solidFill>
-                <a:schemeClr val="bg1">
-                  <a:lumMod val="75000"/>
-                </a:schemeClr>
-              </a:solidFill>
-              <a:latin typeface="Poppins Light" pitchFamily="2" charset="77"/>
-              <a:ea typeface="Poppins Light" charset="0"/>
-              <a:cs typeface="Poppins Light" pitchFamily="2" charset="77"/>
-            </a:endParaRPr>
           </a:p>
           <a:p>
             <a:pPr>
@@ -5663,7 +6806,7 @@
               </a:lnSpc>
             </a:pPr>
             <a:r>
-              <a:rPr lang="en-US" sz="3200" dirty="0" smtClean="0">
+              <a:rPr lang="en-US" sz="3200" dirty="0">
                 <a:solidFill>
                   <a:schemeClr val="bg1">
                     <a:lumMod val="75000"/>
@@ -5673,10 +6816,17 @@
                 <a:ea typeface="Poppins Light" charset="0"/>
                 <a:cs typeface="Poppins Light" pitchFamily="2" charset="77"/>
               </a:rPr>
-              <a:t>DESIGN </a:t>
-            </a:r>
-            <a:r>
-              <a:rPr lang="en-US" sz="3200" dirty="0" smtClean="0">
+              <a:t>DESIGN AND IMPLEMENTATION</a:t>
+            </a:r>
+          </a:p>
+          <a:p>
+            <a:pPr>
+              <a:lnSpc>
+                <a:spcPct val="150000"/>
+              </a:lnSpc>
+            </a:pPr>
+            <a:r>
+              <a:rPr lang="en-US" sz="3200" dirty="0">
                 <a:solidFill>
                   <a:schemeClr val="bg1">
                     <a:lumMod val="75000"/>
@@ -5686,7 +6836,7 @@
                 <a:ea typeface="Poppins Light" charset="0"/>
                 <a:cs typeface="Poppins Light" pitchFamily="2" charset="77"/>
               </a:rPr>
-              <a:t>AND IMPLEMENTATION</a:t>
+              <a:t>RESULTS</a:t>
             </a:r>
           </a:p>
           <a:p>
@@ -5696,7 +6846,7 @@
               </a:lnSpc>
             </a:pPr>
             <a:r>
-              <a:rPr lang="en-US" sz="3200" dirty="0" smtClean="0">
+              <a:rPr lang="en-US" sz="3200" dirty="0">
                 <a:solidFill>
                   <a:schemeClr val="bg1">
                     <a:lumMod val="75000"/>
@@ -5706,38 +6856,8 @@
                 <a:ea typeface="Poppins Light" charset="0"/>
                 <a:cs typeface="Poppins Light" pitchFamily="2" charset="77"/>
               </a:rPr>
-              <a:t>RESULTS</a:t>
-            </a:r>
-          </a:p>
-          <a:p>
-            <a:pPr>
-              <a:lnSpc>
-                <a:spcPct val="150000"/>
-              </a:lnSpc>
-            </a:pPr>
-            <a:r>
-              <a:rPr lang="en-US" sz="3200" dirty="0" smtClean="0">
-                <a:solidFill>
-                  <a:schemeClr val="bg1">
-                    <a:lumMod val="75000"/>
-                  </a:schemeClr>
-                </a:solidFill>
-                <a:latin typeface="Poppins Light" pitchFamily="2" charset="77"/>
-                <a:ea typeface="Poppins Light" charset="0"/>
-                <a:cs typeface="Poppins Light" pitchFamily="2" charset="77"/>
-              </a:rPr>
               <a:t>CONCLUSION</a:t>
             </a:r>
-            <a:endParaRPr lang="en-US" sz="3200" dirty="0">
-              <a:solidFill>
-                <a:schemeClr val="bg1">
-                  <a:lumMod val="75000"/>
-                </a:schemeClr>
-              </a:solidFill>
-              <a:latin typeface="Poppins Light" pitchFamily="2" charset="77"/>
-              <a:ea typeface="Poppins Light" charset="0"/>
-              <a:cs typeface="Poppins Light" pitchFamily="2" charset="77"/>
-            </a:endParaRPr>
           </a:p>
         </p:txBody>
       </p:sp>
@@ -6196,13 +7316,6 @@
   <p:transition spd="med" advClick="0">
     <p:pull/>
   </p:transition>
-  <p:timing>
-    <p:tnLst>
-      <p:par>
-        <p:cTn id="1" dur="indefinite" restart="never" nodeType="tmRoot"/>
-      </p:par>
-    </p:tnLst>
-  </p:timing>
 </p:sld>
 </file>
 
@@ -6429,33 +7542,7 @@
                 <a:ea typeface="Poppins Light" charset="0"/>
                 <a:cs typeface="Poppins Light" charset="0"/>
               </a:rPr>
-              <a:t>The </a:t>
-            </a:r>
-            <a:r>
-              <a:rPr lang="en-IN" sz="3600" dirty="0" smtClean="0">
-                <a:solidFill>
-                  <a:schemeClr val="tx1">
-                    <a:lumMod val="75000"/>
-                  </a:schemeClr>
-                </a:solidFill>
-                <a:latin typeface="Poppins Light" charset="0"/>
-                <a:ea typeface="Poppins Light" charset="0"/>
-                <a:cs typeface="Poppins Light" charset="0"/>
-              </a:rPr>
-              <a:t>aim </a:t>
-            </a:r>
-            <a:r>
-              <a:rPr lang="en-IN" sz="3600" dirty="0">
-                <a:solidFill>
-                  <a:schemeClr val="tx1">
-                    <a:lumMod val="75000"/>
-                  </a:schemeClr>
-                </a:solidFill>
-                <a:latin typeface="Poppins Light" charset="0"/>
-                <a:ea typeface="Poppins Light" charset="0"/>
-                <a:cs typeface="Poppins Light" charset="0"/>
-              </a:rPr>
-              <a:t>of the </a:t>
+              <a:t>The aim of the </a:t>
             </a:r>
             <a:r>
               <a:rPr lang="en-IN" sz="3600" dirty="0" err="1">
@@ -6607,7 +7694,7 @@
           <a:p>
             <a:pPr algn="ctr"/>
             <a:r>
-              <a:rPr lang="en-US" sz="7000" b="1" spc="800" dirty="0" smtClean="0">
+              <a:rPr lang="en-US" sz="7000" b="1" spc="800" dirty="0">
                 <a:solidFill>
                   <a:schemeClr val="tx2"/>
                 </a:solidFill>
@@ -6617,14 +7704,6 @@
               </a:rPr>
               <a:t>Introduction</a:t>
             </a:r>
-            <a:endParaRPr lang="en-US" sz="7000" b="1" spc="800" dirty="0">
-              <a:solidFill>
-                <a:schemeClr val="tx2"/>
-              </a:solidFill>
-              <a:latin typeface="Lato Black" charset="0"/>
-              <a:ea typeface="Lato Black" charset="0"/>
-              <a:cs typeface="Lato Black" charset="0"/>
-            </a:endParaRPr>
           </a:p>
         </p:txBody>
       </p:sp>
@@ -6701,13 +7780,6 @@
   <p:transition spd="med" advClick="0">
     <p:pull/>
   </p:transition>
-  <p:timing>
-    <p:tnLst>
-      <p:par>
-        <p:cTn id="1" dur="indefinite" restart="never" nodeType="tmRoot"/>
-      </p:par>
-    </p:tnLst>
-  </p:timing>
 </p:sld>
 </file>
 
@@ -6739,7 +7811,7 @@
         <p:spPr>
           <a:xfrm>
             <a:off x="1629651" y="8398434"/>
-            <a:ext cx="21150974" cy="4031940"/>
+            <a:ext cx="21150974" cy="4655700"/>
           </a:xfrm>
           <a:prstGeom prst="rect">
             <a:avLst/>
@@ -6926,7 +7998,7 @@
               <a:buChar char="•"/>
             </a:pPr>
             <a:r>
-              <a:rPr lang="en-IN" sz="3600" dirty="0" smtClean="0">
+              <a:rPr lang="en-IN" sz="3600" dirty="0">
                 <a:solidFill>
                   <a:schemeClr val="tx1">
                     <a:lumMod val="75000"/>
@@ -6936,8 +8008,17 @@
                 <a:ea typeface="Poppins Light" charset="0"/>
                 <a:cs typeface="Poppins Light" charset="0"/>
               </a:rPr>
-              <a:t>Given the legacy existing software, there </a:t>
-            </a:r>
+              <a:t>Given the legacy existing software, there is considerable lag in frame rates due to garbage collection occurring during runtime. Further, it is desirable to improve the 3d rendering capabilities of the existing software.</a:t>
+            </a:r>
+          </a:p>
+          <a:p>
+            <a:pPr marL="571500" indent="-571500" algn="just">
+              <a:lnSpc>
+                <a:spcPts val="4040"/>
+              </a:lnSpc>
+              <a:buFont typeface="Arial" panose="020B0604020202020204" pitchFamily="34" charset="0"/>
+              <a:buChar char="•"/>
+            </a:pPr>
             <a:r>
               <a:rPr lang="en-IN" sz="3600" dirty="0">
                 <a:solidFill>
@@ -6949,7 +8030,7 @@
                 <a:ea typeface="Poppins Light" charset="0"/>
                 <a:cs typeface="Poppins Light" charset="0"/>
               </a:rPr>
-              <a:t>is considerable lag in frame rates due to garbage collection occurring during runtime. Further, it is desirable to improve the 3d rendering capabilities of the existing software.</a:t>
+              <a:t>The HUD in the aircraft is currently displayed by means of raw OpenGL calls. We aim to replace these with commands issued from a custom API.</a:t>
             </a:r>
           </a:p>
           <a:p>
@@ -6971,7 +8052,7 @@
                 <a:ea typeface="Poppins Light" charset="0"/>
                 <a:cs typeface="Poppins Light" charset="0"/>
               </a:rPr>
-              <a:t>The HUD in the aircraft is currently displayed by means of raw OpenGL calls. We aim to replace these with commands issued from a custom API.</a:t>
+              <a:t>This will make it much easier for other developers to add features and work on improving the efficiency of the rendering.</a:t>
             </a:r>
           </a:p>
           <a:p>
@@ -6983,7 +8064,7 @@
               <a:buChar char="•"/>
             </a:pPr>
             <a:r>
-              <a:rPr lang="en-IN" sz="3600" dirty="0">
+              <a:rPr lang="en-US" sz="3600" dirty="0">
                 <a:solidFill>
                   <a:schemeClr val="tx1">
                     <a:lumMod val="75000"/>
@@ -6993,7 +8074,20 @@
                 <a:ea typeface="Poppins Light" charset="0"/>
                 <a:cs typeface="Poppins Light" charset="0"/>
               </a:rPr>
-              <a:t>This will make it much easier for other developers to add features and work on improving the efficiency of the rendering.</a:t>
+              <a:t>I</a:t>
+            </a:r>
+            <a:r>
+              <a:rPr lang="en-IN" sz="3600" dirty="0">
+                <a:solidFill>
+                  <a:schemeClr val="tx1">
+                    <a:lumMod val="75000"/>
+                  </a:schemeClr>
+                </a:solidFill>
+                <a:latin typeface="Poppins Light" charset="0"/>
+                <a:ea typeface="Poppins Light" charset="0"/>
+                <a:cs typeface="Poppins Light" charset="0"/>
+              </a:rPr>
+              <a:t>t will also increase the portability of the HUD, i.e., lesser chances of artefacts getting generated. </a:t>
             </a:r>
           </a:p>
         </p:txBody>
@@ -7057,7 +8151,7 @@
           <a:p>
             <a:pPr algn="ctr"/>
             <a:r>
-              <a:rPr lang="en-US" sz="7000" b="1" spc="800" dirty="0" smtClean="0">
+              <a:rPr lang="en-US" sz="7000" b="1" spc="800" dirty="0">
                 <a:solidFill>
                   <a:schemeClr val="tx2"/>
                 </a:solidFill>
@@ -7067,14 +8161,6 @@
               </a:rPr>
               <a:t>What Are We Doing?</a:t>
             </a:r>
-            <a:endParaRPr lang="en-US" sz="7000" b="1" spc="800" dirty="0">
-              <a:solidFill>
-                <a:schemeClr val="tx2"/>
-              </a:solidFill>
-              <a:latin typeface="Lato Black" charset="0"/>
-              <a:ea typeface="Lato Black" charset="0"/>
-              <a:cs typeface="Lato Black" charset="0"/>
-            </a:endParaRPr>
           </a:p>
         </p:txBody>
       </p:sp>
@@ -7151,13 +8237,6 @@
   <p:transition spd="med" advClick="0">
     <p:pull/>
   </p:transition>
-  <p:timing>
-    <p:tnLst>
-      <p:par>
-        <p:cTn id="1" dur="indefinite" restart="never" nodeType="tmRoot"/>
-      </p:par>
-    </p:tnLst>
-  </p:timing>
 </p:sld>
 </file>
 
@@ -7376,7 +8455,7 @@
               <a:buChar char="•"/>
             </a:pPr>
             <a:r>
-              <a:rPr lang="en-US" sz="3000" b="1" dirty="0" smtClean="0">
+              <a:rPr lang="en-US" sz="3000" b="1" dirty="0">
                 <a:latin typeface="Poppins Light" charset="0"/>
                 <a:ea typeface="Poppins Light" charset="0"/>
                 <a:cs typeface="Poppins Light" charset="0"/>
@@ -7393,7 +8472,7 @@
               <a:buChar char="•"/>
             </a:pPr>
             <a:r>
-              <a:rPr lang="en-IN" sz="3000" dirty="0" smtClean="0">
+              <a:rPr lang="en-IN" sz="3000" dirty="0">
                 <a:solidFill>
                   <a:schemeClr val="tx2"/>
                 </a:solidFill>
@@ -7401,8 +8480,15 @@
                 <a:ea typeface="Poppins Light" charset="0"/>
                 <a:cs typeface="Poppins Light" charset="0"/>
               </a:rPr>
-              <a:t>Git </a:t>
-            </a:r>
+              <a:t>Git based versioning</a:t>
+            </a:r>
+          </a:p>
+          <a:p>
+            <a:pPr lvl="2" algn="just">
+              <a:lnSpc>
+                <a:spcPct val="100000"/>
+              </a:lnSpc>
+            </a:pPr>
             <a:r>
               <a:rPr lang="en-IN" sz="3000" dirty="0">
                 <a:solidFill>
@@ -7412,10 +8498,19 @@
                 <a:ea typeface="Poppins Light" charset="0"/>
                 <a:cs typeface="Poppins Light" charset="0"/>
               </a:rPr>
-              <a:t>based </a:t>
-            </a:r>
-            <a:r>
-              <a:rPr lang="en-IN" sz="3000" dirty="0" smtClean="0">
+              <a:t>Given that the user has cloned official repository using git, the system should git based versioning to ensure that the user can easily update to the latest versions.</a:t>
+            </a:r>
+          </a:p>
+          <a:p>
+            <a:pPr marL="1659136" lvl="1" indent="-571500" algn="just">
+              <a:lnSpc>
+                <a:spcPct val="100000"/>
+              </a:lnSpc>
+              <a:buFont typeface="Arial" panose="020B0604020202020204" pitchFamily="34" charset="0"/>
+              <a:buChar char="•"/>
+            </a:pPr>
+            <a:r>
+              <a:rPr lang="en-IN" sz="3000" dirty="0">
                 <a:solidFill>
                   <a:schemeClr val="tx2"/>
                 </a:solidFill>
@@ -7423,7 +8518,7 @@
                 <a:ea typeface="Poppins Light" charset="0"/>
                 <a:cs typeface="Poppins Light" charset="0"/>
               </a:rPr>
-              <a:t>versioning</a:t>
+              <a:t>Screen Tearing Control</a:t>
             </a:r>
           </a:p>
           <a:p>
@@ -7433,7 +8528,7 @@
               </a:lnSpc>
             </a:pPr>
             <a:r>
-              <a:rPr lang="en-IN" sz="3000" dirty="0" smtClean="0">
+              <a:rPr lang="en-IN" sz="3000" dirty="0">
                 <a:solidFill>
                   <a:schemeClr val="tx2"/>
                 </a:solidFill>
@@ -7441,10 +8536,10 @@
                 <a:ea typeface="Poppins Light" charset="0"/>
                 <a:cs typeface="Poppins Light" charset="0"/>
               </a:rPr>
-              <a:t>Given </a:t>
-            </a:r>
-            <a:r>
-              <a:rPr lang="en-IN" sz="3000" dirty="0">
+              <a:t>Given that the application has been installed, and the displays support synchronization such as </a:t>
+            </a:r>
+            <a:r>
+              <a:rPr lang="en-IN" sz="3000" dirty="0" err="1">
                 <a:solidFill>
                   <a:schemeClr val="tx2"/>
                 </a:solidFill>
@@ -7452,10 +8547,10 @@
                 <a:ea typeface="Poppins Light" charset="0"/>
                 <a:cs typeface="Poppins Light" charset="0"/>
               </a:rPr>
-              <a:t>that the user has cloned official repository using git, the system should git based versioning to ensure that the user can easily update to the latest versions</a:t>
-            </a:r>
-            <a:r>
-              <a:rPr lang="en-IN" sz="3000" dirty="0" smtClean="0">
+              <a:t>freesync</a:t>
+            </a:r>
+            <a:r>
+              <a:rPr lang="en-IN" sz="3000" dirty="0">
                 <a:solidFill>
                   <a:schemeClr val="tx2"/>
                 </a:solidFill>
@@ -7463,7 +8558,29 @@
                 <a:ea typeface="Poppins Light" charset="0"/>
                 <a:cs typeface="Poppins Light" charset="0"/>
               </a:rPr>
-              <a:t>.</a:t>
+              <a:t> or </a:t>
+            </a:r>
+            <a:r>
+              <a:rPr lang="en-IN" sz="3000" dirty="0" err="1">
+                <a:solidFill>
+                  <a:schemeClr val="tx2"/>
+                </a:solidFill>
+                <a:latin typeface="Poppins Light" charset="0"/>
+                <a:ea typeface="Poppins Light" charset="0"/>
+                <a:cs typeface="Poppins Light" charset="0"/>
+              </a:rPr>
+              <a:t>gsync</a:t>
+            </a:r>
+            <a:r>
+              <a:rPr lang="en-IN" sz="3000" dirty="0">
+                <a:solidFill>
+                  <a:schemeClr val="tx2"/>
+                </a:solidFill>
+                <a:latin typeface="Poppins Light" charset="0"/>
+                <a:ea typeface="Poppins Light" charset="0"/>
+                <a:cs typeface="Poppins Light" charset="0"/>
+              </a:rPr>
+              <a:t>, support for these techniques should be available to the user.</a:t>
             </a:r>
           </a:p>
           <a:p>
@@ -7475,7 +8592,7 @@
               <a:buChar char="•"/>
             </a:pPr>
             <a:r>
-              <a:rPr lang="en-IN" sz="3000" dirty="0" smtClean="0">
+              <a:rPr lang="en-IN" sz="3000" dirty="0">
                 <a:solidFill>
                   <a:schemeClr val="tx2"/>
                 </a:solidFill>
@@ -7483,8 +8600,15 @@
                 <a:ea typeface="Poppins Light" charset="0"/>
                 <a:cs typeface="Poppins Light" charset="0"/>
               </a:rPr>
-              <a:t>Screen </a:t>
-            </a:r>
+              <a:t>Joystick Support</a:t>
+            </a:r>
+          </a:p>
+          <a:p>
+            <a:pPr lvl="2" algn="just">
+              <a:lnSpc>
+                <a:spcPct val="100000"/>
+              </a:lnSpc>
+            </a:pPr>
             <a:r>
               <a:rPr lang="en-IN" sz="3000" dirty="0">
                 <a:solidFill>
@@ -7494,7 +8618,7 @@
                 <a:ea typeface="Poppins Light" charset="0"/>
                 <a:cs typeface="Poppins Light" charset="0"/>
               </a:rPr>
-              <a:t>Tearing Control</a:t>
+              <a:t>The system should provide user with facility to calibrate a joystick to provide inputs to the aircraft. Post calibration, the user will be able to view changes in the HUD corresponding to joystick position.</a:t>
             </a:r>
           </a:p>
           <a:p>
@@ -7503,162 +8627,7 @@
                 <a:spcPct val="100000"/>
               </a:lnSpc>
             </a:pPr>
-            <a:r>
-              <a:rPr lang="en-IN" sz="3000" dirty="0">
-                <a:solidFill>
-                  <a:schemeClr val="tx2"/>
-                </a:solidFill>
-                <a:latin typeface="Poppins Light" charset="0"/>
-                <a:ea typeface="Poppins Light" charset="0"/>
-                <a:cs typeface="Poppins Light" charset="0"/>
-              </a:rPr>
-              <a:t>Given that the application has been installed, and the displays support synchronization such as </a:t>
-            </a:r>
-            <a:r>
-              <a:rPr lang="en-IN" sz="3000" dirty="0" err="1">
-                <a:solidFill>
-                  <a:schemeClr val="tx2"/>
-                </a:solidFill>
-                <a:latin typeface="Poppins Light" charset="0"/>
-                <a:ea typeface="Poppins Light" charset="0"/>
-                <a:cs typeface="Poppins Light" charset="0"/>
-              </a:rPr>
-              <a:t>freesync</a:t>
-            </a:r>
-            <a:r>
-              <a:rPr lang="en-IN" sz="3000" dirty="0">
-                <a:solidFill>
-                  <a:schemeClr val="tx2"/>
-                </a:solidFill>
-                <a:latin typeface="Poppins Light" charset="0"/>
-                <a:ea typeface="Poppins Light" charset="0"/>
-                <a:cs typeface="Poppins Light" charset="0"/>
-              </a:rPr>
-              <a:t> or </a:t>
-            </a:r>
-            <a:r>
-              <a:rPr lang="en-IN" sz="3000" dirty="0" err="1">
-                <a:solidFill>
-                  <a:schemeClr val="tx2"/>
-                </a:solidFill>
-                <a:latin typeface="Poppins Light" charset="0"/>
-                <a:ea typeface="Poppins Light" charset="0"/>
-                <a:cs typeface="Poppins Light" charset="0"/>
-              </a:rPr>
-              <a:t>gsync</a:t>
-            </a:r>
-            <a:r>
-              <a:rPr lang="en-IN" sz="3000" dirty="0">
-                <a:solidFill>
-                  <a:schemeClr val="tx2"/>
-                </a:solidFill>
-                <a:latin typeface="Poppins Light" charset="0"/>
-                <a:ea typeface="Poppins Light" charset="0"/>
-                <a:cs typeface="Poppins Light" charset="0"/>
-              </a:rPr>
-              <a:t>, support for these techniques should be available to the user</a:t>
-            </a:r>
-            <a:r>
-              <a:rPr lang="en-IN" sz="3000" dirty="0" smtClean="0">
-                <a:solidFill>
-                  <a:schemeClr val="tx2"/>
-                </a:solidFill>
-                <a:latin typeface="Poppins Light" charset="0"/>
-                <a:ea typeface="Poppins Light" charset="0"/>
-                <a:cs typeface="Poppins Light" charset="0"/>
-              </a:rPr>
-              <a:t>.</a:t>
-            </a:r>
-          </a:p>
-          <a:p>
-            <a:pPr marL="1659136" lvl="1" indent="-571500" algn="just">
-              <a:lnSpc>
-                <a:spcPct val="100000"/>
-              </a:lnSpc>
-              <a:buFont typeface="Arial" panose="020B0604020202020204" pitchFamily="34" charset="0"/>
-              <a:buChar char="•"/>
-            </a:pPr>
-            <a:r>
-              <a:rPr lang="en-IN" sz="3000" dirty="0" smtClean="0">
-                <a:solidFill>
-                  <a:schemeClr val="tx2"/>
-                </a:solidFill>
-                <a:latin typeface="Poppins Light" charset="0"/>
-                <a:ea typeface="Poppins Light" charset="0"/>
-                <a:cs typeface="Poppins Light" charset="0"/>
-              </a:rPr>
-              <a:t>Joystick </a:t>
-            </a:r>
-            <a:r>
-              <a:rPr lang="en-IN" sz="3000" dirty="0">
-                <a:solidFill>
-                  <a:schemeClr val="tx2"/>
-                </a:solidFill>
-                <a:latin typeface="Poppins Light" charset="0"/>
-                <a:ea typeface="Poppins Light" charset="0"/>
-                <a:cs typeface="Poppins Light" charset="0"/>
-              </a:rPr>
-              <a:t>Support</a:t>
-            </a:r>
-          </a:p>
-          <a:p>
-            <a:pPr lvl="2" algn="just">
-              <a:lnSpc>
-                <a:spcPct val="100000"/>
-              </a:lnSpc>
-            </a:pPr>
-            <a:r>
-              <a:rPr lang="en-IN" sz="3000" dirty="0">
-                <a:solidFill>
-                  <a:schemeClr val="tx2"/>
-                </a:solidFill>
-                <a:latin typeface="Poppins Light" charset="0"/>
-                <a:ea typeface="Poppins Light" charset="0"/>
-                <a:cs typeface="Poppins Light" charset="0"/>
-              </a:rPr>
-              <a:t>The system should provide user with facility to calibrate a joystick to provide inputs to the aircraft. Post calibration, the user will be </a:t>
-            </a:r>
-            <a:r>
-              <a:rPr lang="en-IN" sz="3000" dirty="0" smtClean="0">
-                <a:solidFill>
-                  <a:schemeClr val="tx2"/>
-                </a:solidFill>
-                <a:latin typeface="Poppins Light" charset="0"/>
-                <a:ea typeface="Poppins Light" charset="0"/>
-                <a:cs typeface="Poppins Light" charset="0"/>
-              </a:rPr>
-              <a:t>able </a:t>
-            </a:r>
-            <a:r>
-              <a:rPr lang="en-IN" sz="3000" dirty="0">
-                <a:solidFill>
-                  <a:schemeClr val="tx2"/>
-                </a:solidFill>
-                <a:latin typeface="Poppins Light" charset="0"/>
-                <a:ea typeface="Poppins Light" charset="0"/>
-                <a:cs typeface="Poppins Light" charset="0"/>
-              </a:rPr>
-              <a:t>to view changes in the HUD corresponding to joystick position</a:t>
-            </a:r>
-            <a:r>
-              <a:rPr lang="en-IN" sz="3000" dirty="0" smtClean="0">
-                <a:solidFill>
-                  <a:schemeClr val="tx2"/>
-                </a:solidFill>
-                <a:latin typeface="Poppins Light" charset="0"/>
-                <a:ea typeface="Poppins Light" charset="0"/>
-                <a:cs typeface="Poppins Light" charset="0"/>
-              </a:rPr>
-              <a:t>.</a:t>
-            </a:r>
-          </a:p>
-          <a:p>
-            <a:pPr lvl="2" algn="just">
-              <a:lnSpc>
-                <a:spcPct val="100000"/>
-              </a:lnSpc>
-            </a:pPr>
-            <a:endParaRPr lang="en-IN" sz="3000" dirty="0" smtClean="0">
+            <a:endParaRPr lang="en-IN" sz="3000" dirty="0">
               <a:solidFill>
                 <a:schemeClr val="tx2"/>
               </a:solidFill>
@@ -7676,18 +8645,13 @@
               <a:buChar char="•"/>
             </a:pPr>
             <a:r>
-              <a:rPr lang="en-IN" sz="3000" b="1" dirty="0" smtClean="0">
+              <a:rPr lang="en-IN" sz="3000" b="1" dirty="0">
                 <a:latin typeface="Poppins Light" charset="0"/>
                 <a:ea typeface="Poppins Light" charset="0"/>
                 <a:cs typeface="Poppins Light" charset="0"/>
               </a:rPr>
               <a:t>Developers</a:t>
             </a:r>
-            <a:endParaRPr lang="en-IN" sz="3000" b="1" dirty="0">
-              <a:latin typeface="Poppins Light" charset="0"/>
-              <a:ea typeface="Poppins Light" charset="0"/>
-              <a:cs typeface="Poppins Light" charset="0"/>
-            </a:endParaRPr>
           </a:p>
           <a:p>
             <a:pPr marL="1373386" lvl="1" indent="-285750" algn="just">
@@ -7698,7 +8662,7 @@
               <a:buChar char="•"/>
             </a:pPr>
             <a:r>
-              <a:rPr lang="en-IN" sz="3000" dirty="0" smtClean="0">
+              <a:rPr lang="en-IN" sz="3000" dirty="0">
                 <a:solidFill>
                   <a:schemeClr val="tx2"/>
                 </a:solidFill>
@@ -7706,8 +8670,15 @@
                 <a:ea typeface="Poppins Light" charset="0"/>
                 <a:cs typeface="Poppins Light" charset="0"/>
               </a:rPr>
-              <a:t>Abstract </a:t>
-            </a:r>
+              <a:t>Abstract OpenGL</a:t>
+            </a:r>
+          </a:p>
+          <a:p>
+            <a:pPr lvl="1" algn="just">
+              <a:lnSpc>
+                <a:spcPct val="100000"/>
+              </a:lnSpc>
+            </a:pPr>
             <a:r>
               <a:rPr lang="en-IN" sz="3000" dirty="0">
                 <a:solidFill>
@@ -7717,69 +8688,7 @@
                 <a:ea typeface="Poppins Light" charset="0"/>
                 <a:cs typeface="Poppins Light" charset="0"/>
               </a:rPr>
-              <a:t>OpenGL</a:t>
-            </a:r>
-          </a:p>
-          <a:p>
-            <a:pPr lvl="1" algn="just">
-              <a:lnSpc>
-                <a:spcPct val="100000"/>
-              </a:lnSpc>
-            </a:pPr>
-            <a:r>
-              <a:rPr lang="en-IN" sz="3000" dirty="0" smtClean="0">
-                <a:solidFill>
-                  <a:schemeClr val="tx2"/>
-                </a:solidFill>
-                <a:latin typeface="Poppins Light" charset="0"/>
-                <a:ea typeface="Poppins Light" charset="0"/>
-                <a:cs typeface="Poppins Light" charset="0"/>
-              </a:rPr>
-              <a:t>	The </a:t>
-            </a:r>
-            <a:r>
-              <a:rPr lang="en-IN" sz="3000" dirty="0">
-                <a:solidFill>
-                  <a:schemeClr val="tx2"/>
-                </a:solidFill>
-                <a:latin typeface="Poppins Light" charset="0"/>
-                <a:ea typeface="Poppins Light" charset="0"/>
-                <a:cs typeface="Poppins Light" charset="0"/>
-              </a:rPr>
-              <a:t>system should provide the developer with an abstraction of OpenGL. The API calls alone must be required for </a:t>
-            </a:r>
-            <a:r>
-              <a:rPr lang="en-IN" sz="3000" dirty="0" smtClean="0">
-                <a:solidFill>
-                  <a:schemeClr val="tx2"/>
-                </a:solidFill>
-                <a:latin typeface="Poppins Light" charset="0"/>
-                <a:ea typeface="Poppins Light" charset="0"/>
-                <a:cs typeface="Poppins Light" charset="0"/>
-              </a:rPr>
-              <a:t>	rendering </a:t>
-            </a:r>
-            <a:r>
-              <a:rPr lang="en-IN" sz="3000" dirty="0">
-                <a:solidFill>
-                  <a:schemeClr val="tx2"/>
-                </a:solidFill>
-                <a:latin typeface="Poppins Light" charset="0"/>
-                <a:ea typeface="Poppins Light" charset="0"/>
-                <a:cs typeface="Poppins Light" charset="0"/>
-              </a:rPr>
-              <a:t>the HUD</a:t>
-            </a:r>
-            <a:r>
-              <a:rPr lang="en-IN" sz="3000" dirty="0" smtClean="0">
-                <a:solidFill>
-                  <a:schemeClr val="tx2"/>
-                </a:solidFill>
-                <a:latin typeface="Poppins Light" charset="0"/>
-                <a:ea typeface="Poppins Light" charset="0"/>
-                <a:cs typeface="Poppins Light" charset="0"/>
-              </a:rPr>
-              <a:t>.</a:t>
+              <a:t>	The system should provide the developer with an abstraction of OpenGL. The API calls alone must be required for 	rendering the HUD.</a:t>
             </a:r>
             <a:endParaRPr lang="en-IN" sz="3000" dirty="0">
               <a:latin typeface="Poppins Light" charset="0"/>
@@ -7796,7 +8705,7 @@
               <a:buChar char="•"/>
             </a:pPr>
             <a:r>
-              <a:rPr lang="en-IN" sz="3000" dirty="0" smtClean="0">
+              <a:rPr lang="en-IN" sz="3000" dirty="0">
                 <a:solidFill>
                   <a:schemeClr val="tx2"/>
                 </a:solidFill>
@@ -7804,18 +8713,7 @@
                 <a:ea typeface="Poppins Light" charset="0"/>
                 <a:cs typeface="Poppins Light" charset="0"/>
               </a:rPr>
-              <a:t>Git </a:t>
-            </a:r>
-            <a:r>
-              <a:rPr lang="en-IN" sz="3000" dirty="0">
-                <a:solidFill>
-                  <a:schemeClr val="tx2"/>
-                </a:solidFill>
-                <a:latin typeface="Poppins Light" charset="0"/>
-                <a:ea typeface="Poppins Light" charset="0"/>
-                <a:cs typeface="Poppins Light" charset="0"/>
-              </a:rPr>
-              <a:t>Based Versioning</a:t>
+              <a:t>Git Based Versioning</a:t>
             </a:r>
           </a:p>
           <a:p>
@@ -7824,53 +8722,13 @@
                 <a:spcPct val="100000"/>
               </a:lnSpc>
             </a:pPr>
-            <a:r>
-              <a:rPr lang="en-IN" sz="3000" dirty="0" smtClean="0">
-                <a:latin typeface="Poppins Light" charset="0"/>
-                <a:ea typeface="Poppins Light" charset="0"/>
-                <a:cs typeface="Poppins Light" charset="0"/>
-              </a:rPr>
-              <a:t>		Given </a:t>
-            </a:r>
             <a:r>
               <a:rPr lang="en-IN" sz="3000" dirty="0">
                 <a:latin typeface="Poppins Light" charset="0"/>
                 <a:ea typeface="Poppins Light" charset="0"/>
                 <a:cs typeface="Poppins Light" charset="0"/>
               </a:rPr>
-              <a:t>that the developer has made a change to the rendering code, and given that it is approved, the system must allow </a:t>
-            </a:r>
-            <a:r>
-              <a:rPr lang="en-IN" sz="3000" dirty="0" smtClean="0">
-                <a:latin typeface="Poppins Light" charset="0"/>
-                <a:ea typeface="Poppins Light" charset="0"/>
-                <a:cs typeface="Poppins Light" charset="0"/>
-              </a:rPr>
-              <a:t>		for </a:t>
-            </a:r>
-            <a:r>
-              <a:rPr lang="en-IN" sz="3000" dirty="0">
-                <a:latin typeface="Poppins Light" charset="0"/>
-                <a:ea typeface="Poppins Light" charset="0"/>
-                <a:cs typeface="Poppins Light" charset="0"/>
-              </a:rPr>
-              <a:t>changes to be </a:t>
-            </a:r>
-            <a:r>
-              <a:rPr lang="en-IN" sz="3000" dirty="0" smtClean="0">
-                <a:latin typeface="Poppins Light" charset="0"/>
-                <a:ea typeface="Poppins Light" charset="0"/>
-                <a:cs typeface="Poppins Light" charset="0"/>
-              </a:rPr>
-              <a:t>pushed </a:t>
-            </a:r>
-            <a:r>
-              <a:rPr lang="en-IN" sz="3000" dirty="0">
-                <a:latin typeface="Poppins Light" charset="0"/>
-                <a:ea typeface="Poppins Light" charset="0"/>
-                <a:cs typeface="Poppins Light" charset="0"/>
-              </a:rPr>
-              <a:t>via git versioning system.</a:t>
+              <a:t>		Given that the developer has made a change to the rendering code, and given that it is approved, the system must allow 		for changes to be pushed via git versioning system.</a:t>
             </a:r>
           </a:p>
           <a:p>
@@ -7879,7 +8737,7 @@
                 <a:spcPct val="100000"/>
               </a:lnSpc>
             </a:pPr>
-            <a:endParaRPr lang="en-IN" sz="2500" dirty="0" smtClean="0">
+            <a:endParaRPr lang="en-IN" sz="2500" dirty="0">
               <a:latin typeface="Poppins Light" charset="0"/>
               <a:ea typeface="Poppins Light" charset="0"/>
               <a:cs typeface="Poppins Light" charset="0"/>
@@ -7958,7 +8816,7 @@
           <a:p>
             <a:pPr algn="ctr"/>
             <a:r>
-              <a:rPr lang="en-US" sz="7000" b="1" spc="800" dirty="0" smtClean="0">
+              <a:rPr lang="en-US" sz="7000" b="1" spc="800" dirty="0">
                 <a:solidFill>
                   <a:schemeClr val="tx2"/>
                 </a:solidFill>
@@ -7968,14 +8826,6 @@
               </a:rPr>
               <a:t>Functional Requirements</a:t>
             </a:r>
-            <a:endParaRPr lang="en-US" sz="7000" b="1" spc="800" dirty="0">
-              <a:solidFill>
-                <a:schemeClr val="tx2"/>
-              </a:solidFill>
-              <a:latin typeface="Lato Black" charset="0"/>
-              <a:ea typeface="Lato Black" charset="0"/>
-              <a:cs typeface="Lato Black" charset="0"/>
-            </a:endParaRPr>
           </a:p>
         </p:txBody>
       </p:sp>
@@ -8022,13 +8872,6 @@
   <p:transition spd="med" advClick="0">
     <p:pull/>
   </p:transition>
-  <p:timing>
-    <p:tnLst>
-      <p:par>
-        <p:cTn id="1" dur="indefinite" restart="never" nodeType="tmRoot"/>
-      </p:par>
-    </p:tnLst>
-  </p:timing>
 </p:sld>
 </file>
 
@@ -8247,7 +9090,7 @@
               <a:buChar char="•"/>
             </a:pPr>
             <a:r>
-              <a:rPr lang="en-IN" sz="3200" b="1" dirty="0" smtClean="0">
+              <a:rPr lang="en-IN" sz="3200" b="1" dirty="0">
                 <a:latin typeface="Poppins Light" charset="0"/>
                 <a:ea typeface="Poppins Light" charset="0"/>
                 <a:cs typeface="Poppins Light" charset="0"/>
@@ -8262,7 +9105,7 @@
               </a:lnSpc>
             </a:pPr>
             <a:r>
-              <a:rPr lang="en-IN" sz="3000" dirty="0" smtClean="0">
+              <a:rPr lang="en-IN" sz="3000" dirty="0">
                 <a:solidFill>
                   <a:schemeClr val="tx2"/>
                 </a:solidFill>
@@ -8281,7 +9124,7 @@
               <a:buFont typeface="Arial" panose="020B0604020202020204" pitchFamily="34" charset="0"/>
               <a:buChar char="•"/>
             </a:pPr>
-            <a:endParaRPr lang="en-IN" sz="3000" dirty="0" smtClean="0">
+            <a:endParaRPr lang="en-IN" sz="3000" dirty="0">
               <a:latin typeface="Poppins Light" charset="0"/>
               <a:ea typeface="Poppins Light" charset="0"/>
               <a:cs typeface="Poppins Light" charset="0"/>
@@ -8296,7 +9139,7 @@
               <a:buChar char="•"/>
             </a:pPr>
             <a:r>
-              <a:rPr lang="en-IN" sz="3200" b="1" dirty="0" smtClean="0">
+              <a:rPr lang="en-IN" sz="3200" b="1" dirty="0">
                 <a:latin typeface="Poppins Light" charset="0"/>
                 <a:ea typeface="Poppins Light" charset="0"/>
                 <a:cs typeface="Poppins Light" charset="0"/>
@@ -8311,7 +9154,7 @@
               </a:lnSpc>
             </a:pPr>
             <a:r>
-              <a:rPr lang="en-IN" sz="3000" dirty="0" smtClean="0">
+              <a:rPr lang="en-IN" sz="3000" dirty="0">
                 <a:solidFill>
                   <a:schemeClr val="tx2"/>
                 </a:solidFill>
@@ -8328,7 +9171,7 @@
                 <a:spcPct val="100000"/>
               </a:lnSpc>
             </a:pPr>
-            <a:endParaRPr lang="en-IN" sz="2500" dirty="0" smtClean="0">
+            <a:endParaRPr lang="en-IN" sz="2500" dirty="0">
               <a:latin typeface="Poppins Light" charset="0"/>
               <a:ea typeface="Poppins Light" charset="0"/>
               <a:cs typeface="Poppins Light" charset="0"/>
@@ -8407,7 +9250,7 @@
           <a:p>
             <a:pPr algn="ctr"/>
             <a:r>
-              <a:rPr lang="en-US" sz="7000" b="1" spc="800" dirty="0" smtClean="0">
+              <a:rPr lang="en-US" sz="7000" b="1" spc="800" dirty="0">
                 <a:solidFill>
                   <a:schemeClr val="tx2"/>
                 </a:solidFill>
@@ -8417,14 +9260,6 @@
               </a:rPr>
               <a:t>Non-Functional Requirements</a:t>
             </a:r>
-            <a:endParaRPr lang="en-US" sz="7000" b="1" spc="800" dirty="0">
-              <a:solidFill>
-                <a:schemeClr val="tx2"/>
-              </a:solidFill>
-              <a:latin typeface="Lato Black" charset="0"/>
-              <a:ea typeface="Lato Black" charset="0"/>
-              <a:cs typeface="Lato Black" charset="0"/>
-            </a:endParaRPr>
           </a:p>
         </p:txBody>
       </p:sp>
@@ -8471,13 +9306,6 @@
   <p:transition spd="med" advClick="0">
     <p:pull/>
   </p:transition>
-  <p:timing>
-    <p:tnLst>
-      <p:par>
-        <p:cTn id="1" dur="indefinite" restart="never" nodeType="tmRoot"/>
-      </p:par>
-    </p:tnLst>
-  </p:timing>
 </p:sld>
 </file>
 
@@ -8506,7 +9334,7 @@
         </p:nvSpPr>
         <p:spPr>
           <a:xfrm>
-            <a:off x="-1" y="0"/>
+            <a:off x="-1" y="-119270"/>
             <a:ext cx="8675649" cy="13716000"/>
           </a:xfrm>
           <a:prstGeom prst="rect">
@@ -8606,7 +9434,7 @@
           <a:p>
             <a:pPr algn="ctr"/>
             <a:r>
-              <a:rPr lang="en-US" sz="8400" b="1" spc="800" dirty="0" smtClean="0">
+              <a:rPr lang="en-US" sz="8400" b="1" spc="800" dirty="0">
                 <a:solidFill>
                   <a:schemeClr val="tx2"/>
                 </a:solidFill>
@@ -8616,14 +9444,6 @@
               </a:rPr>
               <a:t>Design &amp; Implementation</a:t>
             </a:r>
-            <a:endParaRPr lang="en-US" sz="8400" b="1" spc="800" dirty="0">
-              <a:solidFill>
-                <a:schemeClr val="tx2"/>
-              </a:solidFill>
-              <a:latin typeface="Lato Black" charset="0"/>
-              <a:ea typeface="Lato Black" charset="0"/>
-              <a:cs typeface="Lato Black" charset="0"/>
-            </a:endParaRPr>
           </a:p>
         </p:txBody>
       </p:sp>
@@ -8651,7 +9471,7 @@
           <a:p>
             <a:pPr algn="ctr"/>
             <a:r>
-              <a:rPr lang="en-US" sz="2800" b="1" dirty="0" smtClean="0">
+              <a:rPr lang="en-US" sz="2800" b="1" dirty="0">
                 <a:solidFill>
                   <a:schemeClr val="tx2"/>
                 </a:solidFill>
@@ -8661,14 +9481,6 @@
               </a:rPr>
               <a:t>Flight Gear</a:t>
             </a:r>
-            <a:endParaRPr lang="en-US" sz="2800" b="1" dirty="0">
-              <a:solidFill>
-                <a:schemeClr val="tx2"/>
-              </a:solidFill>
-              <a:latin typeface="Poppins SemiBold" charset="0"/>
-              <a:ea typeface="Poppins SemiBold" charset="0"/>
-              <a:cs typeface="Poppins SemiBold" charset="0"/>
-            </a:endParaRPr>
           </a:p>
         </p:txBody>
       </p:sp>
@@ -8682,8 +9494,8 @@
         </p:nvSpPr>
         <p:spPr>
           <a:xfrm>
-            <a:off x="828267" y="3668036"/>
-            <a:ext cx="7087384" cy="9070242"/>
+            <a:off x="828267" y="2193318"/>
+            <a:ext cx="7087384" cy="9842633"/>
           </a:xfrm>
           <a:prstGeom prst="rect">
             <a:avLst/>
@@ -8868,7 +9680,7 @@
               </a:lnSpc>
             </a:pPr>
             <a:r>
-              <a:rPr lang="en-US" sz="3600" b="1" dirty="0" smtClean="0">
+              <a:rPr lang="en-US" sz="3600" b="1" dirty="0">
                 <a:solidFill>
                   <a:schemeClr val="bg1">
                     <a:lumMod val="65000"/>
@@ -8888,7 +9700,7 @@
               </a:lnSpc>
             </a:pPr>
             <a:r>
-              <a:rPr lang="en-US" sz="3600" dirty="0" err="1" smtClean="0">
+              <a:rPr lang="en-US" sz="3600" dirty="0" err="1">
                 <a:solidFill>
                   <a:schemeClr val="bg1">
                     <a:lumMod val="65000"/>
@@ -8900,7 +9712,7 @@
               </a:rPr>
               <a:t>Git</a:t>
             </a:r>
-            <a:endParaRPr lang="en-US" sz="3600" dirty="0" smtClean="0">
+            <a:endParaRPr lang="en-US" sz="3600" dirty="0">
               <a:solidFill>
                 <a:schemeClr val="bg1">
                   <a:lumMod val="65000"/>
@@ -8918,7 +9730,7 @@
               </a:lnSpc>
             </a:pPr>
             <a:r>
-              <a:rPr lang="en-US" sz="3600" dirty="0" smtClean="0">
+              <a:rPr lang="en-US" sz="3600" dirty="0">
                 <a:solidFill>
                   <a:schemeClr val="bg1">
                     <a:lumMod val="65000"/>
@@ -8938,7 +9750,7 @@
               </a:lnSpc>
             </a:pPr>
             <a:r>
-              <a:rPr lang="en-US" sz="3600" dirty="0" smtClean="0">
+              <a:rPr lang="en-US" sz="3600" dirty="0">
                 <a:solidFill>
                   <a:schemeClr val="bg1">
                     <a:lumMod val="65000"/>
@@ -8950,7 +9762,54 @@
               </a:rPr>
               <a:t>Windows SDK</a:t>
             </a:r>
-            <a:endParaRPr lang="en-US" sz="3600" dirty="0" smtClean="0">
+          </a:p>
+          <a:p>
+            <a:pPr>
+              <a:lnSpc>
+                <a:spcPts val="4640"/>
+              </a:lnSpc>
+            </a:pPr>
+            <a:r>
+              <a:rPr lang="en-US" sz="3600" dirty="0">
+                <a:solidFill>
+                  <a:schemeClr val="bg1">
+                    <a:lumMod val="65000"/>
+                  </a:schemeClr>
+                </a:solidFill>
+                <a:latin typeface="Poppins Light" pitchFamily="2" charset="77"/>
+                <a:ea typeface="Poppins Light" charset="0"/>
+                <a:cs typeface="Poppins Light" pitchFamily="2" charset="77"/>
+              </a:rPr>
+              <a:t>Visual Studio</a:t>
+            </a:r>
+          </a:p>
+          <a:p>
+            <a:pPr>
+              <a:lnSpc>
+                <a:spcPts val="4640"/>
+              </a:lnSpc>
+            </a:pPr>
+            <a:r>
+              <a:rPr lang="en-US" sz="3600" dirty="0">
+                <a:solidFill>
+                  <a:schemeClr val="bg1">
+                    <a:lumMod val="65000"/>
+                  </a:schemeClr>
+                </a:solidFill>
+                <a:latin typeface="Poppins Light" pitchFamily="2" charset="77"/>
+                <a:ea typeface="Poppins Light" charset="0"/>
+                <a:cs typeface="Poppins Light" pitchFamily="2" charset="77"/>
+              </a:rPr>
+              <a:t>Nasal Console</a:t>
+            </a:r>
+          </a:p>
+          <a:p>
+            <a:pPr>
+              <a:lnSpc>
+                <a:spcPts val="4640"/>
+              </a:lnSpc>
+            </a:pPr>
+            <a:endParaRPr lang="en-US" sz="3200" dirty="0">
               <a:solidFill>
                 <a:schemeClr val="bg1">
                   <a:lumMod val="65000"/>
@@ -8967,7 +9826,100 @@
                 <a:spcPts val="4640"/>
               </a:lnSpc>
             </a:pPr>
-            <a:endParaRPr lang="en-US" sz="3200" dirty="0" smtClean="0">
+            <a:r>
+              <a:rPr lang="en-US" sz="3600" b="1" dirty="0">
+                <a:solidFill>
+                  <a:schemeClr val="bg1">
+                    <a:lumMod val="65000"/>
+                  </a:schemeClr>
+                </a:solidFill>
+                <a:latin typeface="Poppins Light" pitchFamily="2" charset="77"/>
+                <a:ea typeface="Poppins Light" charset="0"/>
+                <a:cs typeface="Poppins Light" pitchFamily="2" charset="77"/>
+              </a:rPr>
+              <a:t>SOFTWARES AND MODULES USED</a:t>
+            </a:r>
+          </a:p>
+          <a:p>
+            <a:pPr>
+              <a:lnSpc>
+                <a:spcPts val="4640"/>
+              </a:lnSpc>
+            </a:pPr>
+            <a:r>
+              <a:rPr lang="en-US" sz="3600" dirty="0">
+                <a:solidFill>
+                  <a:schemeClr val="bg1">
+                    <a:lumMod val="65000"/>
+                  </a:schemeClr>
+                </a:solidFill>
+                <a:latin typeface="Poppins Light" pitchFamily="2" charset="77"/>
+                <a:ea typeface="Poppins Light" charset="0"/>
+                <a:cs typeface="Poppins Light" pitchFamily="2" charset="77"/>
+              </a:rPr>
+              <a:t>Canvas</a:t>
+            </a:r>
+          </a:p>
+          <a:p>
+            <a:pPr>
+              <a:lnSpc>
+                <a:spcPts val="4640"/>
+              </a:lnSpc>
+            </a:pPr>
+            <a:r>
+              <a:rPr lang="en-US" sz="3600" dirty="0">
+                <a:solidFill>
+                  <a:schemeClr val="bg1">
+                    <a:lumMod val="65000"/>
+                  </a:schemeClr>
+                </a:solidFill>
+                <a:latin typeface="Poppins Light" pitchFamily="2" charset="77"/>
+                <a:ea typeface="Poppins Light" charset="0"/>
+                <a:cs typeface="Poppins Light" pitchFamily="2" charset="77"/>
+              </a:rPr>
+              <a:t>C++</a:t>
+            </a:r>
+          </a:p>
+          <a:p>
+            <a:pPr>
+              <a:lnSpc>
+                <a:spcPts val="4640"/>
+              </a:lnSpc>
+            </a:pPr>
+            <a:r>
+              <a:rPr lang="en-US" sz="3600" dirty="0">
+                <a:solidFill>
+                  <a:schemeClr val="bg1">
+                    <a:lumMod val="65000"/>
+                  </a:schemeClr>
+                </a:solidFill>
+                <a:latin typeface="Poppins Light" pitchFamily="2" charset="77"/>
+                <a:ea typeface="Poppins Light" charset="0"/>
+                <a:cs typeface="Poppins Light" pitchFamily="2" charset="77"/>
+              </a:rPr>
+              <a:t>Nasal</a:t>
+            </a:r>
+          </a:p>
+          <a:p>
+            <a:pPr>
+              <a:lnSpc>
+                <a:spcPts val="4640"/>
+              </a:lnSpc>
+            </a:pPr>
+            <a:r>
+              <a:rPr lang="en-US" sz="3600" dirty="0" err="1">
+                <a:solidFill>
+                  <a:schemeClr val="bg1">
+                    <a:lumMod val="65000"/>
+                  </a:schemeClr>
+                </a:solidFill>
+                <a:latin typeface="Poppins Light" pitchFamily="2" charset="77"/>
+                <a:ea typeface="Poppins Light" charset="0"/>
+                <a:cs typeface="Poppins Light" pitchFamily="2" charset="77"/>
+              </a:rPr>
+              <a:t>openGL</a:t>
+            </a:r>
+            <a:endParaRPr lang="en-US" sz="3600" dirty="0">
               <a:solidFill>
                 <a:schemeClr val="bg1">
                   <a:lumMod val="65000"/>
@@ -8985,7 +9937,7 @@
               </a:lnSpc>
             </a:pPr>
             <a:r>
-              <a:rPr lang="en-US" sz="3600" b="1" dirty="0" smtClean="0">
+              <a:rPr lang="en-US" sz="3200" dirty="0" err="1">
                 <a:solidFill>
                   <a:schemeClr val="bg1">
                     <a:lumMod val="65000"/>
@@ -8995,35 +9947,9 @@
                 <a:ea typeface="Poppins Light" charset="0"/>
                 <a:cs typeface="Poppins Light" pitchFamily="2" charset="77"/>
               </a:rPr>
-              <a:t>SOFTWARES </a:t>
-            </a:r>
-            <a:r>
-              <a:rPr lang="en-US" sz="3600" b="1" dirty="0" smtClean="0">
-                <a:solidFill>
-                  <a:schemeClr val="bg1">
-                    <a:lumMod val="65000"/>
-                  </a:schemeClr>
-                </a:solidFill>
-                <a:latin typeface="Poppins Light" pitchFamily="2" charset="77"/>
-                <a:ea typeface="Poppins Light" charset="0"/>
-                <a:cs typeface="Poppins Light" pitchFamily="2" charset="77"/>
-              </a:rPr>
-              <a:t>AND MODULES </a:t>
-            </a:r>
-            <a:r>
-              <a:rPr lang="en-US" sz="3600" b="1" dirty="0" smtClean="0">
-                <a:solidFill>
-                  <a:schemeClr val="bg1">
-                    <a:lumMod val="65000"/>
-                  </a:schemeClr>
-                </a:solidFill>
-                <a:latin typeface="Poppins Light" pitchFamily="2" charset="77"/>
-                <a:ea typeface="Poppins Light" charset="0"/>
-                <a:cs typeface="Poppins Light" pitchFamily="2" charset="77"/>
-              </a:rPr>
-              <a:t>USED</a:t>
-            </a:r>
-            <a:endParaRPr lang="en-US" sz="3600" b="1" dirty="0" smtClean="0">
+              <a:t>openAL</a:t>
+            </a:r>
+            <a:endParaRPr lang="en-US" sz="3200" dirty="0">
               <a:solidFill>
                 <a:schemeClr val="bg1">
                   <a:lumMod val="65000"/>
@@ -9041,137 +9967,7 @@
               </a:lnSpc>
             </a:pPr>
             <a:r>
-              <a:rPr lang="en-US" sz="3600" dirty="0" smtClean="0">
-                <a:solidFill>
-                  <a:schemeClr val="bg1">
-                    <a:lumMod val="65000"/>
-                  </a:schemeClr>
-                </a:solidFill>
-                <a:latin typeface="Poppins Light" pitchFamily="2" charset="77"/>
-                <a:ea typeface="Poppins Light" charset="0"/>
-                <a:cs typeface="Poppins Light" pitchFamily="2" charset="77"/>
-              </a:rPr>
-              <a:t>C</a:t>
-            </a:r>
-          </a:p>
-          <a:p>
-            <a:pPr>
-              <a:lnSpc>
-                <a:spcPts val="4640"/>
-              </a:lnSpc>
-            </a:pPr>
-            <a:r>
-              <a:rPr lang="en-US" sz="3600" dirty="0" smtClean="0">
-                <a:solidFill>
-                  <a:schemeClr val="bg1">
-                    <a:lumMod val="65000"/>
-                  </a:schemeClr>
-                </a:solidFill>
-                <a:latin typeface="Poppins Light" pitchFamily="2" charset="77"/>
-                <a:ea typeface="Poppins Light" charset="0"/>
-                <a:cs typeface="Poppins Light" pitchFamily="2" charset="77"/>
-              </a:rPr>
-              <a:t>C++</a:t>
-            </a:r>
-            <a:endParaRPr lang="en-US" sz="3600" dirty="0" smtClean="0">
-              <a:solidFill>
-                <a:schemeClr val="bg1">
-                  <a:lumMod val="65000"/>
-                </a:schemeClr>
-              </a:solidFill>
-              <a:latin typeface="Poppins Light" pitchFamily="2" charset="77"/>
-              <a:ea typeface="Poppins Light" charset="0"/>
-              <a:cs typeface="Poppins Light" pitchFamily="2" charset="77"/>
-            </a:endParaRPr>
-          </a:p>
-          <a:p>
-            <a:pPr>
-              <a:lnSpc>
-                <a:spcPts val="4640"/>
-              </a:lnSpc>
-            </a:pPr>
-            <a:r>
-              <a:rPr lang="en-US" sz="3600" dirty="0" smtClean="0">
-                <a:solidFill>
-                  <a:schemeClr val="bg1">
-                    <a:lumMod val="65000"/>
-                  </a:schemeClr>
-                </a:solidFill>
-                <a:latin typeface="Poppins Light" pitchFamily="2" charset="77"/>
-                <a:ea typeface="Poppins Light" charset="0"/>
-                <a:cs typeface="Poppins Light" pitchFamily="2" charset="77"/>
-              </a:rPr>
-              <a:t>Nasal</a:t>
-            </a:r>
-          </a:p>
-          <a:p>
-            <a:pPr>
-              <a:lnSpc>
-                <a:spcPts val="4640"/>
-              </a:lnSpc>
-            </a:pPr>
-            <a:r>
-              <a:rPr lang="en-US" sz="3600" dirty="0" err="1" smtClean="0">
-                <a:solidFill>
-                  <a:schemeClr val="bg1">
-                    <a:lumMod val="65000"/>
-                  </a:schemeClr>
-                </a:solidFill>
-                <a:latin typeface="Poppins Light" pitchFamily="2" charset="77"/>
-                <a:ea typeface="Poppins Light" charset="0"/>
-                <a:cs typeface="Poppins Light" pitchFamily="2" charset="77"/>
-              </a:rPr>
-              <a:t>openGL</a:t>
-            </a:r>
-            <a:endParaRPr lang="en-US" sz="3600" dirty="0" smtClean="0">
-              <a:solidFill>
-                <a:schemeClr val="bg1">
-                  <a:lumMod val="65000"/>
-                </a:schemeClr>
-              </a:solidFill>
-              <a:latin typeface="Poppins Light" pitchFamily="2" charset="77"/>
-              <a:ea typeface="Poppins Light" charset="0"/>
-              <a:cs typeface="Poppins Light" pitchFamily="2" charset="77"/>
-            </a:endParaRPr>
-          </a:p>
-          <a:p>
-            <a:pPr>
-              <a:lnSpc>
-                <a:spcPts val="4640"/>
-              </a:lnSpc>
-            </a:pPr>
-            <a:r>
-              <a:rPr lang="en-US" sz="3200" dirty="0" err="1" smtClean="0">
-                <a:solidFill>
-                  <a:schemeClr val="bg1">
-                    <a:lumMod val="65000"/>
-                  </a:schemeClr>
-                </a:solidFill>
-                <a:latin typeface="Poppins Light" pitchFamily="2" charset="77"/>
-                <a:ea typeface="Poppins Light" charset="0"/>
-                <a:cs typeface="Poppins Light" pitchFamily="2" charset="77"/>
-              </a:rPr>
-              <a:t>openAL</a:t>
-            </a:r>
-            <a:endParaRPr lang="en-US" sz="3200" dirty="0" smtClean="0">
-              <a:solidFill>
-                <a:schemeClr val="bg1">
-                  <a:lumMod val="65000"/>
-                </a:schemeClr>
-              </a:solidFill>
-              <a:latin typeface="Poppins Light" pitchFamily="2" charset="77"/>
-              <a:ea typeface="Poppins Light" charset="0"/>
-              <a:cs typeface="Poppins Light" pitchFamily="2" charset="77"/>
-            </a:endParaRPr>
-          </a:p>
-          <a:p>
-            <a:pPr>
-              <a:lnSpc>
-                <a:spcPts val="4640"/>
-              </a:lnSpc>
-            </a:pPr>
-            <a:r>
-              <a:rPr lang="en-US" sz="3200" dirty="0" err="1" smtClean="0">
+              <a:rPr lang="en-US" sz="3200" dirty="0" err="1">
                 <a:solidFill>
                   <a:schemeClr val="bg1">
                     <a:lumMod val="65000"/>
@@ -9621,13 +10417,6 @@
   <p:transition spd="med" advClick="0">
     <p:pull/>
   </p:transition>
-  <p:timing>
-    <p:tnLst>
-      <p:par>
-        <p:cTn id="1" dur="indefinite" restart="never" nodeType="tmRoot"/>
-      </p:par>
-    </p:tnLst>
-  </p:timing>
 </p:sld>
 </file>
 
@@ -9846,7 +10635,7 @@
               <a:buChar char="•"/>
             </a:pPr>
             <a:r>
-              <a:rPr lang="en-US" sz="3600" dirty="0" smtClean="0">
+              <a:rPr lang="en-US" sz="3600" dirty="0">
                 <a:solidFill>
                   <a:schemeClr val="tx1">
                     <a:lumMod val="75000"/>
@@ -9856,8 +10645,17 @@
                 <a:ea typeface="Poppins Light" charset="0"/>
                 <a:cs typeface="Poppins Light" charset="0"/>
               </a:rPr>
-              <a:t>Iterative and Incrementa</a:t>
-            </a:r>
+              <a:t>Iterative and Incremental Development</a:t>
+            </a:r>
+          </a:p>
+          <a:p>
+            <a:pPr marL="457200" indent="-457200" algn="just">
+              <a:lnSpc>
+                <a:spcPct val="150000"/>
+              </a:lnSpc>
+              <a:buFont typeface="Arial" panose="020B0604020202020204" pitchFamily="34" charset="0"/>
+              <a:buChar char="•"/>
+            </a:pPr>
             <a:r>
               <a:rPr lang="en-US" sz="3600" dirty="0">
                 <a:solidFill>
@@ -9869,10 +10667,19 @@
                 <a:ea typeface="Poppins Light" charset="0"/>
                 <a:cs typeface="Poppins Light" charset="0"/>
               </a:rPr>
-              <a:t>l</a:t>
-            </a:r>
-            <a:r>
-              <a:rPr lang="en-US" sz="3600" dirty="0" smtClean="0">
+              <a:t>Agile process</a:t>
+            </a:r>
+          </a:p>
+          <a:p>
+            <a:pPr marL="457200" indent="-457200" algn="just">
+              <a:lnSpc>
+                <a:spcPct val="150000"/>
+              </a:lnSpc>
+              <a:buFont typeface="Arial" panose="020B0604020202020204" pitchFamily="34" charset="0"/>
+              <a:buChar char="•"/>
+            </a:pPr>
+            <a:r>
+              <a:rPr lang="en-US" sz="3600" dirty="0">
                 <a:solidFill>
                   <a:schemeClr val="tx1">
                     <a:lumMod val="75000"/>
@@ -9882,7 +10689,7 @@
                 <a:ea typeface="Poppins Light" charset="0"/>
                 <a:cs typeface="Poppins Light" charset="0"/>
               </a:rPr>
-              <a:t> Development</a:t>
+              <a:t>Prototyping</a:t>
             </a:r>
           </a:p>
           <a:p>
@@ -9894,7 +10701,7 @@
               <a:buChar char="•"/>
             </a:pPr>
             <a:r>
-              <a:rPr lang="en-US" sz="3600" dirty="0" smtClean="0">
+              <a:rPr lang="en-US" sz="3600" dirty="0">
                 <a:solidFill>
                   <a:schemeClr val="tx1">
                     <a:lumMod val="75000"/>
@@ -9904,18 +10711,8 @@
                 <a:ea typeface="Poppins Light" charset="0"/>
                 <a:cs typeface="Poppins Light" charset="0"/>
               </a:rPr>
-              <a:t>Agile process</a:t>
-            </a:r>
-            <a:endParaRPr lang="en-US" sz="3600" dirty="0" smtClean="0">
-              <a:solidFill>
-                <a:schemeClr val="tx1">
-                  <a:lumMod val="75000"/>
-                </a:schemeClr>
-              </a:solidFill>
-              <a:latin typeface="Poppins Light" charset="0"/>
-              <a:ea typeface="Poppins Light" charset="0"/>
-              <a:cs typeface="Poppins Light" charset="0"/>
-            </a:endParaRPr>
+              <a:t>Risk Assessment and Control</a:t>
+            </a:r>
           </a:p>
           <a:p>
             <a:pPr marL="457200" indent="-457200" algn="just">
@@ -9926,7 +10723,7 @@
               <a:buChar char="•"/>
             </a:pPr>
             <a:r>
-              <a:rPr lang="en-US" sz="3600" dirty="0" smtClean="0">
+              <a:rPr lang="en-US" sz="3600" dirty="0">
                 <a:solidFill>
                   <a:schemeClr val="tx1">
                     <a:lumMod val="75000"/>
@@ -9936,18 +10733,8 @@
                 <a:ea typeface="Poppins Light" charset="0"/>
                 <a:cs typeface="Poppins Light" charset="0"/>
               </a:rPr>
-              <a:t>Prototyping</a:t>
-            </a:r>
-            <a:endParaRPr lang="en-US" sz="3600" dirty="0" smtClean="0">
-              <a:solidFill>
-                <a:schemeClr val="tx1">
-                  <a:lumMod val="75000"/>
-                </a:schemeClr>
-              </a:solidFill>
-              <a:latin typeface="Poppins Light" charset="0"/>
-              <a:ea typeface="Poppins Light" charset="0"/>
-              <a:cs typeface="Poppins Light" charset="0"/>
-            </a:endParaRPr>
+              <a:t>Manual Testing</a:t>
+            </a:r>
           </a:p>
           <a:p>
             <a:pPr marL="457200" indent="-457200" algn="just">
@@ -9958,7 +10745,7 @@
               <a:buChar char="•"/>
             </a:pPr>
             <a:r>
-              <a:rPr lang="en-US" sz="3600" dirty="0" smtClean="0">
+              <a:rPr lang="en-US" sz="3600" dirty="0">
                 <a:solidFill>
                   <a:schemeClr val="tx1">
                     <a:lumMod val="75000"/>
@@ -9968,75 +10755,8 @@
                 <a:ea typeface="Poppins Light" charset="0"/>
                 <a:cs typeface="Poppins Light" charset="0"/>
               </a:rPr>
-              <a:t>Risk Assessment and Control</a:t>
-            </a:r>
-          </a:p>
-          <a:p>
-            <a:pPr marL="457200" indent="-457200" algn="just">
-              <a:lnSpc>
-                <a:spcPct val="150000"/>
-              </a:lnSpc>
-              <a:buFont typeface="Arial" panose="020B0604020202020204" pitchFamily="34" charset="0"/>
-              <a:buChar char="•"/>
-            </a:pPr>
-            <a:r>
-              <a:rPr lang="en-US" sz="3600" dirty="0" smtClean="0">
-                <a:solidFill>
-                  <a:schemeClr val="tx1">
-                    <a:lumMod val="75000"/>
-                  </a:schemeClr>
-                </a:solidFill>
-                <a:latin typeface="Poppins Light" charset="0"/>
-                <a:ea typeface="Poppins Light" charset="0"/>
-                <a:cs typeface="Poppins Light" charset="0"/>
-              </a:rPr>
-              <a:t>Manual Testing</a:t>
-            </a:r>
-          </a:p>
-          <a:p>
-            <a:pPr marL="457200" indent="-457200" algn="just">
-              <a:lnSpc>
-                <a:spcPct val="150000"/>
-              </a:lnSpc>
-              <a:buFont typeface="Arial" panose="020B0604020202020204" pitchFamily="34" charset="0"/>
-              <a:buChar char="•"/>
-            </a:pPr>
-            <a:r>
-              <a:rPr lang="en-US" sz="3600" dirty="0" smtClean="0">
-                <a:solidFill>
-                  <a:schemeClr val="tx1">
-                    <a:lumMod val="75000"/>
-                  </a:schemeClr>
-                </a:solidFill>
-                <a:latin typeface="Poppins Light" charset="0"/>
-                <a:ea typeface="Poppins Light" charset="0"/>
-                <a:cs typeface="Poppins Light" charset="0"/>
-              </a:rPr>
-              <a:t>Integration </a:t>
-            </a:r>
-            <a:r>
-              <a:rPr lang="en-US" sz="3600" dirty="0" smtClean="0">
-                <a:solidFill>
-                  <a:schemeClr val="tx1">
-                    <a:lumMod val="75000"/>
-                  </a:schemeClr>
-                </a:solidFill>
-                <a:latin typeface="Poppins Light" charset="0"/>
-                <a:ea typeface="Poppins Light" charset="0"/>
-                <a:cs typeface="Poppins Light" charset="0"/>
-              </a:rPr>
-              <a:t>Testing</a:t>
-            </a:r>
-            <a:endParaRPr lang="en-US" sz="3600" dirty="0">
-              <a:solidFill>
-                <a:schemeClr val="tx1">
-                  <a:lumMod val="75000"/>
-                </a:schemeClr>
-              </a:solidFill>
-              <a:latin typeface="Poppins Light" charset="0"/>
-              <a:ea typeface="Poppins Light" charset="0"/>
-              <a:cs typeface="Poppins Light" charset="0"/>
-            </a:endParaRPr>
+              <a:t>Integration Testing</a:t>
+            </a:r>
           </a:p>
         </p:txBody>
       </p:sp>
@@ -10111,7 +10831,7 @@
           <a:p>
             <a:pPr algn="ctr"/>
             <a:r>
-              <a:rPr lang="en-US" sz="7000" b="1" spc="800" dirty="0" smtClean="0">
+              <a:rPr lang="en-US" sz="7000" b="1" spc="800" dirty="0">
                 <a:solidFill>
                   <a:schemeClr val="tx2"/>
                 </a:solidFill>
@@ -10121,14 +10841,6 @@
               </a:rPr>
               <a:t>Design &amp; Implementation</a:t>
             </a:r>
-            <a:endParaRPr lang="en-US" sz="7000" b="1" spc="800" dirty="0">
-              <a:solidFill>
-                <a:schemeClr val="tx2"/>
-              </a:solidFill>
-              <a:latin typeface="Lato Black" charset="0"/>
-              <a:ea typeface="Lato Black" charset="0"/>
-              <a:cs typeface="Lato Black" charset="0"/>
-            </a:endParaRPr>
           </a:p>
         </p:txBody>
       </p:sp>
@@ -10205,13 +10917,6 @@
   <p:transition spd="med" advClick="0">
     <p:pull/>
   </p:transition>
-  <p:timing>
-    <p:tnLst>
-      <p:par>
-        <p:cTn id="1" dur="indefinite" restart="never" nodeType="tmRoot"/>
-      </p:par>
-    </p:tnLst>
-  </p:timing>
 </p:sld>
 </file>
 
@@ -10256,7 +10961,7 @@
           <a:p>
             <a:pPr algn="ctr"/>
             <a:r>
-              <a:rPr lang="en-US" sz="2800" b="1" dirty="0" smtClean="0">
+              <a:rPr lang="en-US" sz="2800" b="1" dirty="0">
                 <a:solidFill>
                   <a:schemeClr val="tx2"/>
                 </a:solidFill>
@@ -10264,38 +10969,8 @@
                 <a:ea typeface="Poppins SemiBold" charset="0"/>
                 <a:cs typeface="Poppins SemiBold" charset="0"/>
               </a:rPr>
-              <a:t>Class Diagram </a:t>
-            </a:r>
-            <a:r>
-              <a:rPr lang="en-US" sz="2800" b="1" dirty="0" smtClean="0">
-                <a:solidFill>
-                  <a:schemeClr val="tx2"/>
-                </a:solidFill>
-                <a:latin typeface="Poppins SemiBold" charset="0"/>
-                <a:ea typeface="Poppins SemiBold" charset="0"/>
-                <a:cs typeface="Poppins SemiBold" charset="0"/>
-              </a:rPr>
-              <a:t>of </a:t>
-            </a:r>
-            <a:r>
-              <a:rPr lang="en-US" sz="2800" b="1" dirty="0" smtClean="0">
-                <a:solidFill>
-                  <a:schemeClr val="tx2"/>
-                </a:solidFill>
-                <a:latin typeface="Poppins SemiBold" charset="0"/>
-                <a:ea typeface="Poppins SemiBold" charset="0"/>
-                <a:cs typeface="Poppins SemiBold" charset="0"/>
-              </a:rPr>
-              <a:t>Flight Gear</a:t>
-            </a:r>
-            <a:endParaRPr lang="en-US" sz="2800" b="1" dirty="0">
-              <a:solidFill>
-                <a:schemeClr val="tx2"/>
-              </a:solidFill>
-              <a:latin typeface="Poppins SemiBold" charset="0"/>
-              <a:ea typeface="Poppins SemiBold" charset="0"/>
-              <a:cs typeface="Poppins SemiBold" charset="0"/>
-            </a:endParaRPr>
+              <a:t>Class Diagram of Flight Gear</a:t>
+            </a:r>
           </a:p>
         </p:txBody>
       </p:sp>
@@ -10373,7 +11048,7 @@
           <a:p>
             <a:pPr algn="ctr"/>
             <a:r>
-              <a:rPr lang="en-US" sz="7000" b="1" spc="800" dirty="0" smtClean="0">
+              <a:rPr lang="en-US" sz="7000" b="1" spc="800" dirty="0">
                 <a:solidFill>
                   <a:schemeClr val="tx2"/>
                 </a:solidFill>
@@ -10383,14 +11058,6 @@
               </a:rPr>
               <a:t>Design &amp; Implementation</a:t>
             </a:r>
-            <a:endParaRPr lang="en-US" sz="7000" b="1" spc="800" dirty="0">
-              <a:solidFill>
-                <a:schemeClr val="tx2"/>
-              </a:solidFill>
-              <a:latin typeface="Lato Black" charset="0"/>
-              <a:ea typeface="Lato Black" charset="0"/>
-              <a:cs typeface="Lato Black" charset="0"/>
-            </a:endParaRPr>
           </a:p>
         </p:txBody>
       </p:sp>
@@ -10478,13 +11145,6 @@
   <p:transition spd="med" advClick="0">
     <p:pull/>
   </p:transition>
-  <p:timing>
-    <p:tnLst>
-      <p:par>
-        <p:cTn id="1" dur="indefinite" restart="never" nodeType="tmRoot"/>
-      </p:par>
-    </p:tnLst>
-  </p:timing>
 </p:sld>
 </file>
 

--- a/SE Lab/OS-FG.pptx
+++ b/SE Lab/OS-FG.pptx
@@ -5,7 +5,7 @@
     <p:sldMasterId id="2147483648" r:id="rId1"/>
   </p:sldMasterIdLst>
   <p:notesMasterIdLst>
-    <p:notesMasterId r:id="rId21"/>
+    <p:notesMasterId r:id="rId26"/>
   </p:notesMasterIdLst>
   <p:sldIdLst>
     <p:sldId id="2464" r:id="rId2"/>
@@ -16,17 +16,22 @@
     <p:sldId id="2479" r:id="rId7"/>
     <p:sldId id="2420" r:id="rId8"/>
     <p:sldId id="2468" r:id="rId9"/>
-    <p:sldId id="2476" r:id="rId10"/>
-    <p:sldId id="2463" r:id="rId11"/>
-    <p:sldId id="2469" r:id="rId12"/>
-    <p:sldId id="2470" r:id="rId13"/>
-    <p:sldId id="2475" r:id="rId14"/>
-    <p:sldId id="2477" r:id="rId15"/>
-    <p:sldId id="2471" r:id="rId16"/>
-    <p:sldId id="2472" r:id="rId17"/>
-    <p:sldId id="2480" r:id="rId18"/>
-    <p:sldId id="2481" r:id="rId19"/>
-    <p:sldId id="2473" r:id="rId20"/>
+    <p:sldId id="2482" r:id="rId10"/>
+    <p:sldId id="2476" r:id="rId11"/>
+    <p:sldId id="2463" r:id="rId12"/>
+    <p:sldId id="2469" r:id="rId13"/>
+    <p:sldId id="2470" r:id="rId14"/>
+    <p:sldId id="2475" r:id="rId15"/>
+    <p:sldId id="2477" r:id="rId16"/>
+    <p:sldId id="2483" r:id="rId17"/>
+    <p:sldId id="2484" r:id="rId18"/>
+    <p:sldId id="2485" r:id="rId19"/>
+    <p:sldId id="2486" r:id="rId20"/>
+    <p:sldId id="2471" r:id="rId21"/>
+    <p:sldId id="2472" r:id="rId22"/>
+    <p:sldId id="2480" r:id="rId23"/>
+    <p:sldId id="2481" r:id="rId24"/>
+    <p:sldId id="2473" r:id="rId25"/>
   </p:sldIdLst>
   <p:sldSz cx="24377650" cy="13716000"/>
   <p:notesSz cx="6858000" cy="9144000"/>
@@ -688,7 +693,7 @@
             <a:fld id="{006BE02D-20C0-F840-AFAC-BEA99C74FDC2}" type="slidenum">
               <a:rPr lang="en-US" smtClean="0"/>
               <a:pPr/>
-              <a:t>10</a:t>
+              <a:t>11</a:t>
             </a:fld>
             <a:endParaRPr lang="en-US" dirty="0"/>
           </a:p>
@@ -804,7 +809,7 @@
             <a:fld id="{006BE02D-20C0-F840-AFAC-BEA99C74FDC2}" type="slidenum">
               <a:rPr lang="en-US" smtClean="0"/>
               <a:pPr/>
-              <a:t>11</a:t>
+              <a:t>12</a:t>
             </a:fld>
             <a:endParaRPr lang="en-US" dirty="0"/>
           </a:p>
@@ -889,7 +894,7 @@
             <a:fld id="{006BE02D-20C0-F840-AFAC-BEA99C74FDC2}" type="slidenum">
               <a:rPr lang="en-US" smtClean="0"/>
               <a:pPr/>
-              <a:t>12</a:t>
+              <a:t>13</a:t>
             </a:fld>
             <a:endParaRPr lang="en-US" dirty="0"/>
           </a:p>
@@ -974,7 +979,7 @@
             <a:fld id="{006BE02D-20C0-F840-AFAC-BEA99C74FDC2}" type="slidenum">
               <a:rPr lang="en-US" smtClean="0"/>
               <a:pPr/>
-              <a:t>13</a:t>
+              <a:t>14</a:t>
             </a:fld>
             <a:endParaRPr lang="en-US" dirty="0"/>
           </a:p>
@@ -1059,7 +1064,7 @@
             <a:fld id="{006BE02D-20C0-F840-AFAC-BEA99C74FDC2}" type="slidenum">
               <a:rPr lang="en-US" smtClean="0"/>
               <a:pPr/>
-              <a:t>14</a:t>
+              <a:t>15</a:t>
             </a:fld>
             <a:endParaRPr lang="en-US" dirty="0"/>
           </a:p>
@@ -1144,7 +1149,7 @@
             <a:fld id="{006BE02D-20C0-F840-AFAC-BEA99C74FDC2}" type="slidenum">
               <a:rPr lang="en-US" smtClean="0"/>
               <a:pPr/>
-              <a:t>15</a:t>
+              <a:t>20</a:t>
             </a:fld>
             <a:endParaRPr lang="en-US" dirty="0"/>
           </a:p>
@@ -1229,7 +1234,7 @@
             <a:fld id="{006BE02D-20C0-F840-AFAC-BEA99C74FDC2}" type="slidenum">
               <a:rPr lang="en-US" smtClean="0"/>
               <a:pPr/>
-              <a:t>16</a:t>
+              <a:t>21</a:t>
             </a:fld>
             <a:endParaRPr lang="en-US" dirty="0"/>
           </a:p>
@@ -1314,7 +1319,7 @@
             <a:fld id="{006BE02D-20C0-F840-AFAC-BEA99C74FDC2}" type="slidenum">
               <a:rPr lang="en-US" smtClean="0"/>
               <a:pPr/>
-              <a:t>19</a:t>
+              <a:t>24</a:t>
             </a:fld>
             <a:endParaRPr lang="en-US" dirty="0"/>
           </a:p>
@@ -1994,7 +1999,7 @@
             <a:fld id="{006BE02D-20C0-F840-AFAC-BEA99C74FDC2}" type="slidenum">
               <a:rPr lang="en-US" smtClean="0"/>
               <a:pPr/>
-              <a:t>9</a:t>
+              <a:t>10</a:t>
             </a:fld>
             <a:endParaRPr lang="en-US" dirty="0"/>
           </a:p>
@@ -3344,8 +3349,8 @@
         </p:nvSpPr>
         <p:spPr>
           <a:xfrm>
-            <a:off x="9866197" y="10787760"/>
-            <a:ext cx="4677884" cy="523220"/>
+            <a:off x="9630325" y="12763182"/>
+            <a:ext cx="5117106" cy="523220"/>
           </a:xfrm>
           <a:prstGeom prst="rect">
             <a:avLst/>
@@ -3368,7 +3373,7 @@
                 <a:ea typeface="Poppins SemiBold" charset="0"/>
                 <a:cs typeface="Poppins SemiBold" charset="0"/>
               </a:rPr>
-              <a:t>DFD Level 0 of Flight Gear</a:t>
+              <a:t>Class Diagram of Flight Gear</a:t>
             </a:r>
           </a:p>
         </p:txBody>
@@ -3462,7 +3467,7 @@
       </p:sp>
       <p:pic>
         <p:nvPicPr>
-          <p:cNvPr id="17" name="Picture 16"/>
+          <p:cNvPr id="9" name="Picture 8"/>
           <p:cNvPicPr>
             <a:picLocks noChangeAspect="1"/>
           </p:cNvPicPr>
@@ -3492,14 +3497,14 @@
       </p:pic>
       <p:pic>
         <p:nvPicPr>
-          <p:cNvPr id="1026" name="Picture 2" descr="https://raw.githubusercontent.com/benkenobi007/CHIS-Documents/master/SE%20Lab/DFDLevel0.jpg"/>
+          <p:cNvPr id="5122" name="Picture 2" descr="https://raw.githubusercontent.com/benkenobi007/CHIS-Documents/master/SE%20Lab/Class%20Diagram.jpeg"/>
           <p:cNvPicPr>
             <a:picLocks noChangeAspect="1" noChangeArrowheads="1"/>
           </p:cNvPicPr>
           <p:nvPr/>
         </p:nvPicPr>
         <p:blipFill>
-          <a:blip r:embed="rId4">
+          <a:blip r:embed="rId4" cstate="email">
             <a:extLst>
               <a:ext uri="{28A0092B-C50C-407E-A947-70E740481C1C}">
                 <a14:useLocalDpi xmlns:a14="http://schemas.microsoft.com/office/drawing/2010/main" val="0"/>
@@ -3513,8 +3518,8 @@
         </p:blipFill>
         <p:spPr bwMode="auto">
           <a:xfrm>
-            <a:off x="3754182" y="4492473"/>
-            <a:ext cx="17073079" cy="4133235"/>
+            <a:off x="5987848" y="2359917"/>
+            <a:ext cx="12123175" cy="10432761"/>
           </a:xfrm>
           <a:prstGeom prst="rect">
             <a:avLst/>
@@ -3534,7 +3539,7 @@
     </p:spTree>
     <p:extLst>
       <p:ext uri="{BB962C8B-B14F-4D97-AF65-F5344CB8AC3E}">
-        <p14:creationId xmlns:p14="http://schemas.microsoft.com/office/powerpoint/2010/main" val="1225732617"/>
+        <p14:creationId xmlns:p14="http://schemas.microsoft.com/office/powerpoint/2010/main" val="3104597611"/>
       </p:ext>
     </p:extLst>
   </p:cSld>
@@ -3572,7 +3577,7 @@
         </p:nvSpPr>
         <p:spPr>
           <a:xfrm>
-            <a:off x="9849926" y="12763182"/>
+            <a:off x="9866197" y="10787760"/>
             <a:ext cx="4677884" cy="523220"/>
           </a:xfrm>
           <a:prstGeom prst="rect">
@@ -3596,7 +3601,7 @@
                 <a:ea typeface="Poppins SemiBold" charset="0"/>
                 <a:cs typeface="Poppins SemiBold" charset="0"/>
               </a:rPr>
-              <a:t>DFD Level 1 of Flight Gear</a:t>
+              <a:t>DFD Level 0 of Flight Gear</a:t>
             </a:r>
           </a:p>
         </p:txBody>
@@ -3690,7 +3695,7 @@
       </p:sp>
       <p:pic>
         <p:nvPicPr>
-          <p:cNvPr id="8" name="Picture 7"/>
+          <p:cNvPr id="17" name="Picture 16"/>
           <p:cNvPicPr>
             <a:picLocks noChangeAspect="1"/>
           </p:cNvPicPr>
@@ -3720,7 +3725,7 @@
       </p:pic>
       <p:pic>
         <p:nvPicPr>
-          <p:cNvPr id="2050" name="Picture 2" descr="https://raw.githubusercontent.com/benkenobi007/CHIS-Documents/master/SE%20Lab/DFDLevel1.jpg"/>
+          <p:cNvPr id="1026" name="Picture 2" descr="https://raw.githubusercontent.com/benkenobi007/CHIS-Documents/master/SE%20Lab/DFDLevel0.jpg"/>
           <p:cNvPicPr>
             <a:picLocks noChangeAspect="1" noChangeArrowheads="1"/>
           </p:cNvPicPr>
@@ -3741,8 +3746,8 @@
         </p:blipFill>
         <p:spPr bwMode="auto">
           <a:xfrm>
-            <a:off x="4641611" y="3098141"/>
-            <a:ext cx="15124143" cy="9635544"/>
+            <a:off x="3754182" y="4492473"/>
+            <a:ext cx="17073079" cy="4133235"/>
           </a:xfrm>
           <a:prstGeom prst="rect">
             <a:avLst/>
@@ -3762,7 +3767,7 @@
     </p:spTree>
     <p:extLst>
       <p:ext uri="{BB962C8B-B14F-4D97-AF65-F5344CB8AC3E}">
-        <p14:creationId xmlns:p14="http://schemas.microsoft.com/office/powerpoint/2010/main" val="1979766966"/>
+        <p14:creationId xmlns:p14="http://schemas.microsoft.com/office/powerpoint/2010/main" val="1225732617"/>
       </p:ext>
     </p:extLst>
   </p:cSld>
@@ -3800,8 +3805,8 @@
         </p:nvSpPr>
         <p:spPr>
           <a:xfrm>
-            <a:off x="9460407" y="12763182"/>
-            <a:ext cx="5456943" cy="523220"/>
+            <a:off x="9849926" y="12763182"/>
+            <a:ext cx="4677884" cy="523220"/>
           </a:xfrm>
           <a:prstGeom prst="rect">
             <a:avLst/>
@@ -3824,232 +3829,7 @@
                 <a:ea typeface="Poppins SemiBold" charset="0"/>
                 <a:cs typeface="Poppins SemiBold" charset="0"/>
               </a:rPr>
-              <a:t>Activity Diagram of Flight Gear</a:t>
-            </a:r>
-          </a:p>
-        </p:txBody>
-      </p:sp>
-      <p:cxnSp>
-        <p:nvCxnSpPr>
-          <p:cNvPr id="16" name="Straight Connector 15">
-            <a:extLst>
-              <a:ext uri="{FF2B5EF4-FFF2-40B4-BE49-F238E27FC236}">
-                <a16:creationId xmlns:a16="http://schemas.microsoft.com/office/drawing/2014/main" id="{F4F05C40-A1DE-1B4E-9E84-907536C7C797}"/>
-              </a:ext>
-            </a:extLst>
-          </p:cNvPr>
-          <p:cNvCxnSpPr/>
-          <p:nvPr/>
-        </p:nvCxnSpPr>
-        <p:spPr>
-          <a:xfrm>
-            <a:off x="11608677" y="2794666"/>
-            <a:ext cx="1192923" cy="0"/>
-          </a:xfrm>
-          <a:prstGeom prst="line">
-            <a:avLst/>
-          </a:prstGeom>
-          <a:ln w="57150">
-            <a:solidFill>
-              <a:schemeClr val="accent1"/>
-            </a:solidFill>
-          </a:ln>
-        </p:spPr>
-        <p:style>
-          <a:lnRef idx="1">
-            <a:schemeClr val="accent1"/>
-          </a:lnRef>
-          <a:fillRef idx="0">
-            <a:schemeClr val="accent1"/>
-          </a:fillRef>
-          <a:effectRef idx="0">
-            <a:schemeClr val="accent1"/>
-          </a:effectRef>
-          <a:fontRef idx="minor">
-            <a:schemeClr val="tx1"/>
-          </a:fontRef>
-        </p:style>
-      </p:cxnSp>
-      <p:sp>
-        <p:nvSpPr>
-          <p:cNvPr id="18" name="TextBox 17">
-            <a:extLst>
-              <a:ext uri="{FF2B5EF4-FFF2-40B4-BE49-F238E27FC236}">
-                <a16:creationId xmlns:a16="http://schemas.microsoft.com/office/drawing/2014/main" id="{DC755B58-9D7E-3C41-AA19-A80B5424ECCE}"/>
-              </a:ext>
-            </a:extLst>
-          </p:cNvPr>
-          <p:cNvSpPr txBox="1"/>
-          <p:nvPr/>
-        </p:nvSpPr>
-        <p:spPr>
-          <a:xfrm>
-            <a:off x="5531435" y="688918"/>
-            <a:ext cx="13314863" cy="1169551"/>
-          </a:xfrm>
-          <a:prstGeom prst="rect">
-            <a:avLst/>
-          </a:prstGeom>
-          <a:noFill/>
-        </p:spPr>
-        <p:txBody>
-          <a:bodyPr wrap="none" rtlCol="0">
-            <a:spAutoFit/>
-          </a:bodyPr>
-          <a:lstStyle/>
-          <a:p>
-            <a:pPr algn="ctr"/>
-            <a:r>
-              <a:rPr lang="en-US" sz="7000" b="1" spc="800" dirty="0">
-                <a:solidFill>
-                  <a:schemeClr val="tx2"/>
-                </a:solidFill>
-                <a:latin typeface="Lato Black" charset="0"/>
-                <a:ea typeface="Lato Black" charset="0"/>
-                <a:cs typeface="Lato Black" charset="0"/>
-              </a:rPr>
-              <a:t>Design &amp; Implementation</a:t>
-            </a:r>
-          </a:p>
-        </p:txBody>
-      </p:sp>
-      <p:pic>
-        <p:nvPicPr>
-          <p:cNvPr id="9" name="Picture 8"/>
-          <p:cNvPicPr>
-            <a:picLocks noChangeAspect="1"/>
-          </p:cNvPicPr>
-          <p:nvPr/>
-        </p:nvPicPr>
-        <p:blipFill>
-          <a:blip r:embed="rId3">
-            <a:extLst>
-              <a:ext uri="{28A0092B-C50C-407E-A947-70E740481C1C}">
-                <a14:useLocalDpi xmlns:a14="http://schemas.microsoft.com/office/drawing/2010/main" val="0"/>
-              </a:ext>
-            </a:extLst>
-          </a:blip>
-          <a:stretch>
-            <a:fillRect/>
-          </a:stretch>
-        </p:blipFill>
-        <p:spPr>
-          <a:xfrm>
-            <a:off x="563562" y="428625"/>
-            <a:ext cx="1762125" cy="1714500"/>
-          </a:xfrm>
-          <a:prstGeom prst="rect">
-            <a:avLst/>
-          </a:prstGeom>
-        </p:spPr>
-      </p:pic>
-      <p:pic>
-        <p:nvPicPr>
-          <p:cNvPr id="3074" name="Picture 2" descr="https://raw.githubusercontent.com/benkenobi007/CHIS-Documents/master/SE%20Lab/Activity%20Diagram/OS%20FG.jpeg"/>
-          <p:cNvPicPr>
-            <a:picLocks noChangeArrowheads="1"/>
-          </p:cNvPicPr>
-          <p:nvPr/>
-        </p:nvPicPr>
-        <p:blipFill>
-          <a:blip r:embed="rId4" cstate="email">
-            <a:extLst>
-              <a:ext uri="{28A0092B-C50C-407E-A947-70E740481C1C}">
-                <a14:useLocalDpi xmlns:a14="http://schemas.microsoft.com/office/drawing/2010/main" val="0"/>
-              </a:ext>
-            </a:extLst>
-          </a:blip>
-          <a:srcRect/>
-          <a:stretch>
-            <a:fillRect/>
-          </a:stretch>
-        </p:blipFill>
-        <p:spPr bwMode="auto">
-          <a:xfrm>
-            <a:off x="2432891" y="1858469"/>
-            <a:ext cx="19512706" cy="10904714"/>
-          </a:xfrm>
-          <a:prstGeom prst="rect">
-            <a:avLst/>
-          </a:prstGeom>
-          <a:noFill/>
-          <a:extLst>
-            <a:ext uri="{909E8E84-426E-40DD-AFC4-6F175D3DCCD1}">
-              <a14:hiddenFill xmlns:a14="http://schemas.microsoft.com/office/drawing/2010/main">
-                <a:solidFill>
-                  <a:srgbClr val="FFFFFF"/>
-                </a:solidFill>
-              </a14:hiddenFill>
-            </a:ext>
-          </a:extLst>
-        </p:spPr>
-      </p:pic>
-    </p:spTree>
-    <p:extLst>
-      <p:ext uri="{BB962C8B-B14F-4D97-AF65-F5344CB8AC3E}">
-        <p14:creationId xmlns:p14="http://schemas.microsoft.com/office/powerpoint/2010/main" val="3280747640"/>
-      </p:ext>
-    </p:extLst>
-  </p:cSld>
-  <p:clrMapOvr>
-    <a:masterClrMapping/>
-  </p:clrMapOvr>
-  <p:transition spd="med" advClick="0">
-    <p:pull/>
-  </p:transition>
-</p:sld>
-</file>
-
-<file path=ppt/slides/slide13.xml><?xml version="1.0" encoding="utf-8"?>
-<p:sld xmlns:a="http://schemas.openxmlformats.org/drawingml/2006/main" xmlns:r="http://schemas.openxmlformats.org/officeDocument/2006/relationships" xmlns:p="http://schemas.openxmlformats.org/presentationml/2006/main">
-  <p:cSld>
-    <p:spTree>
-      <p:nvGrpSpPr>
-        <p:cNvPr id="1" name=""/>
-        <p:cNvGrpSpPr/>
-        <p:nvPr/>
-      </p:nvGrpSpPr>
-      <p:grpSpPr>
-        <a:xfrm>
-          <a:off x="0" y="0"/>
-          <a:ext cx="0" cy="0"/>
-          <a:chOff x="0" y="0"/>
-          <a:chExt cx="0" cy="0"/>
-        </a:xfrm>
-      </p:grpSpPr>
-      <p:sp>
-        <p:nvSpPr>
-          <p:cNvPr id="70" name="TextBox 69"/>
-          <p:cNvSpPr txBox="1"/>
-          <p:nvPr/>
-        </p:nvSpPr>
-        <p:spPr>
-          <a:xfrm>
-            <a:off x="9260830" y="12763182"/>
-            <a:ext cx="5856090" cy="523220"/>
-          </a:xfrm>
-          <a:prstGeom prst="rect">
-            <a:avLst/>
-          </a:prstGeom>
-          <a:noFill/>
-        </p:spPr>
-        <p:txBody>
-          <a:bodyPr wrap="none" rtlCol="0" anchor="ctr" anchorCtr="0">
-            <a:spAutoFit/>
-          </a:bodyPr>
-          <a:lstStyle/>
-          <a:p>
-            <a:pPr algn="ctr"/>
-            <a:r>
-              <a:rPr lang="en-US" sz="2800" b="1" dirty="0">
-                <a:solidFill>
-                  <a:schemeClr val="tx2"/>
-                </a:solidFill>
-                <a:latin typeface="Poppins SemiBold" charset="0"/>
-                <a:ea typeface="Poppins SemiBold" charset="0"/>
-                <a:cs typeface="Poppins SemiBold" charset="0"/>
-              </a:rPr>
-              <a:t>Sequence Diagram of Flight Gear</a:t>
+              <a:t>DFD Level 1 of Flight Gear</a:t>
             </a:r>
           </a:p>
         </p:txBody>
@@ -4143,6 +3923,459 @@
       </p:sp>
       <p:pic>
         <p:nvPicPr>
+          <p:cNvPr id="8" name="Picture 7"/>
+          <p:cNvPicPr>
+            <a:picLocks noChangeAspect="1"/>
+          </p:cNvPicPr>
+          <p:nvPr/>
+        </p:nvPicPr>
+        <p:blipFill>
+          <a:blip r:embed="rId3">
+            <a:extLst>
+              <a:ext uri="{28A0092B-C50C-407E-A947-70E740481C1C}">
+                <a14:useLocalDpi xmlns:a14="http://schemas.microsoft.com/office/drawing/2010/main" val="0"/>
+              </a:ext>
+            </a:extLst>
+          </a:blip>
+          <a:stretch>
+            <a:fillRect/>
+          </a:stretch>
+        </p:blipFill>
+        <p:spPr>
+          <a:xfrm>
+            <a:off x="563562" y="428625"/>
+            <a:ext cx="1762125" cy="1714500"/>
+          </a:xfrm>
+          <a:prstGeom prst="rect">
+            <a:avLst/>
+          </a:prstGeom>
+        </p:spPr>
+      </p:pic>
+      <p:pic>
+        <p:nvPicPr>
+          <p:cNvPr id="2050" name="Picture 2" descr="https://raw.githubusercontent.com/benkenobi007/CHIS-Documents/master/SE%20Lab/DFDLevel1.jpg"/>
+          <p:cNvPicPr>
+            <a:picLocks noChangeAspect="1" noChangeArrowheads="1"/>
+          </p:cNvPicPr>
+          <p:nvPr/>
+        </p:nvPicPr>
+        <p:blipFill>
+          <a:blip r:embed="rId4">
+            <a:extLst>
+              <a:ext uri="{28A0092B-C50C-407E-A947-70E740481C1C}">
+                <a14:useLocalDpi xmlns:a14="http://schemas.microsoft.com/office/drawing/2010/main" val="0"/>
+              </a:ext>
+            </a:extLst>
+          </a:blip>
+          <a:srcRect/>
+          <a:stretch>
+            <a:fillRect/>
+          </a:stretch>
+        </p:blipFill>
+        <p:spPr bwMode="auto">
+          <a:xfrm>
+            <a:off x="4641611" y="3098141"/>
+            <a:ext cx="15124143" cy="9635544"/>
+          </a:xfrm>
+          <a:prstGeom prst="rect">
+            <a:avLst/>
+          </a:prstGeom>
+          <a:noFill/>
+          <a:extLst>
+            <a:ext uri="{909E8E84-426E-40DD-AFC4-6F175D3DCCD1}">
+              <a14:hiddenFill xmlns:a14="http://schemas.microsoft.com/office/drawing/2010/main">
+                <a:solidFill>
+                  <a:srgbClr val="FFFFFF"/>
+                </a:solidFill>
+              </a14:hiddenFill>
+            </a:ext>
+          </a:extLst>
+        </p:spPr>
+      </p:pic>
+    </p:spTree>
+    <p:extLst>
+      <p:ext uri="{BB962C8B-B14F-4D97-AF65-F5344CB8AC3E}">
+        <p14:creationId xmlns:p14="http://schemas.microsoft.com/office/powerpoint/2010/main" val="1979766966"/>
+      </p:ext>
+    </p:extLst>
+  </p:cSld>
+  <p:clrMapOvr>
+    <a:masterClrMapping/>
+  </p:clrMapOvr>
+  <p:transition spd="med" advClick="0">
+    <p:pull/>
+  </p:transition>
+</p:sld>
+</file>
+
+<file path=ppt/slides/slide13.xml><?xml version="1.0" encoding="utf-8"?>
+<p:sld xmlns:a="http://schemas.openxmlformats.org/drawingml/2006/main" xmlns:r="http://schemas.openxmlformats.org/officeDocument/2006/relationships" xmlns:p="http://schemas.openxmlformats.org/presentationml/2006/main">
+  <p:cSld>
+    <p:spTree>
+      <p:nvGrpSpPr>
+        <p:cNvPr id="1" name=""/>
+        <p:cNvGrpSpPr/>
+        <p:nvPr/>
+      </p:nvGrpSpPr>
+      <p:grpSpPr>
+        <a:xfrm>
+          <a:off x="0" y="0"/>
+          <a:ext cx="0" cy="0"/>
+          <a:chOff x="0" y="0"/>
+          <a:chExt cx="0" cy="0"/>
+        </a:xfrm>
+      </p:grpSpPr>
+      <p:sp>
+        <p:nvSpPr>
+          <p:cNvPr id="70" name="TextBox 69"/>
+          <p:cNvSpPr txBox="1"/>
+          <p:nvPr/>
+        </p:nvSpPr>
+        <p:spPr>
+          <a:xfrm>
+            <a:off x="9460407" y="12763182"/>
+            <a:ext cx="5456943" cy="523220"/>
+          </a:xfrm>
+          <a:prstGeom prst="rect">
+            <a:avLst/>
+          </a:prstGeom>
+          <a:noFill/>
+        </p:spPr>
+        <p:txBody>
+          <a:bodyPr wrap="none" rtlCol="0" anchor="ctr" anchorCtr="0">
+            <a:spAutoFit/>
+          </a:bodyPr>
+          <a:lstStyle/>
+          <a:p>
+            <a:pPr algn="ctr"/>
+            <a:r>
+              <a:rPr lang="en-US" sz="2800" b="1" dirty="0">
+                <a:solidFill>
+                  <a:schemeClr val="tx2"/>
+                </a:solidFill>
+                <a:latin typeface="Poppins SemiBold" charset="0"/>
+                <a:ea typeface="Poppins SemiBold" charset="0"/>
+                <a:cs typeface="Poppins SemiBold" charset="0"/>
+              </a:rPr>
+              <a:t>Activity Diagram of Flight Gear</a:t>
+            </a:r>
+          </a:p>
+        </p:txBody>
+      </p:sp>
+      <p:cxnSp>
+        <p:nvCxnSpPr>
+          <p:cNvPr id="16" name="Straight Connector 15">
+            <a:extLst>
+              <a:ext uri="{FF2B5EF4-FFF2-40B4-BE49-F238E27FC236}">
+                <a16:creationId xmlns:a16="http://schemas.microsoft.com/office/drawing/2014/main" id="{F4F05C40-A1DE-1B4E-9E84-907536C7C797}"/>
+              </a:ext>
+            </a:extLst>
+          </p:cNvPr>
+          <p:cNvCxnSpPr/>
+          <p:nvPr/>
+        </p:nvCxnSpPr>
+        <p:spPr>
+          <a:xfrm>
+            <a:off x="11608677" y="2794666"/>
+            <a:ext cx="1192923" cy="0"/>
+          </a:xfrm>
+          <a:prstGeom prst="line">
+            <a:avLst/>
+          </a:prstGeom>
+          <a:ln w="57150">
+            <a:solidFill>
+              <a:schemeClr val="accent1"/>
+            </a:solidFill>
+          </a:ln>
+        </p:spPr>
+        <p:style>
+          <a:lnRef idx="1">
+            <a:schemeClr val="accent1"/>
+          </a:lnRef>
+          <a:fillRef idx="0">
+            <a:schemeClr val="accent1"/>
+          </a:fillRef>
+          <a:effectRef idx="0">
+            <a:schemeClr val="accent1"/>
+          </a:effectRef>
+          <a:fontRef idx="minor">
+            <a:schemeClr val="tx1"/>
+          </a:fontRef>
+        </p:style>
+      </p:cxnSp>
+      <p:sp>
+        <p:nvSpPr>
+          <p:cNvPr id="18" name="TextBox 17">
+            <a:extLst>
+              <a:ext uri="{FF2B5EF4-FFF2-40B4-BE49-F238E27FC236}">
+                <a16:creationId xmlns:a16="http://schemas.microsoft.com/office/drawing/2014/main" id="{DC755B58-9D7E-3C41-AA19-A80B5424ECCE}"/>
+              </a:ext>
+            </a:extLst>
+          </p:cNvPr>
+          <p:cNvSpPr txBox="1"/>
+          <p:nvPr/>
+        </p:nvSpPr>
+        <p:spPr>
+          <a:xfrm>
+            <a:off x="5531435" y="688918"/>
+            <a:ext cx="13314863" cy="1169551"/>
+          </a:xfrm>
+          <a:prstGeom prst="rect">
+            <a:avLst/>
+          </a:prstGeom>
+          <a:noFill/>
+        </p:spPr>
+        <p:txBody>
+          <a:bodyPr wrap="none" rtlCol="0">
+            <a:spAutoFit/>
+          </a:bodyPr>
+          <a:lstStyle/>
+          <a:p>
+            <a:pPr algn="ctr"/>
+            <a:r>
+              <a:rPr lang="en-US" sz="7000" b="1" spc="800" dirty="0">
+                <a:solidFill>
+                  <a:schemeClr val="tx2"/>
+                </a:solidFill>
+                <a:latin typeface="Lato Black" charset="0"/>
+                <a:ea typeface="Lato Black" charset="0"/>
+                <a:cs typeface="Lato Black" charset="0"/>
+              </a:rPr>
+              <a:t>Design &amp; Implementation</a:t>
+            </a:r>
+          </a:p>
+        </p:txBody>
+      </p:sp>
+      <p:pic>
+        <p:nvPicPr>
+          <p:cNvPr id="9" name="Picture 8"/>
+          <p:cNvPicPr>
+            <a:picLocks noChangeAspect="1"/>
+          </p:cNvPicPr>
+          <p:nvPr/>
+        </p:nvPicPr>
+        <p:blipFill>
+          <a:blip r:embed="rId3">
+            <a:extLst>
+              <a:ext uri="{28A0092B-C50C-407E-A947-70E740481C1C}">
+                <a14:useLocalDpi xmlns:a14="http://schemas.microsoft.com/office/drawing/2010/main" val="0"/>
+              </a:ext>
+            </a:extLst>
+          </a:blip>
+          <a:stretch>
+            <a:fillRect/>
+          </a:stretch>
+        </p:blipFill>
+        <p:spPr>
+          <a:xfrm>
+            <a:off x="563562" y="428625"/>
+            <a:ext cx="1762125" cy="1714500"/>
+          </a:xfrm>
+          <a:prstGeom prst="rect">
+            <a:avLst/>
+          </a:prstGeom>
+        </p:spPr>
+      </p:pic>
+      <p:pic>
+        <p:nvPicPr>
+          <p:cNvPr id="3074" name="Picture 2" descr="https://raw.githubusercontent.com/benkenobi007/CHIS-Documents/master/SE%20Lab/Activity%20Diagram/OS%20FG.jpeg"/>
+          <p:cNvPicPr>
+            <a:picLocks noChangeArrowheads="1"/>
+          </p:cNvPicPr>
+          <p:nvPr/>
+        </p:nvPicPr>
+        <p:blipFill>
+          <a:blip r:embed="rId4" cstate="email">
+            <a:extLst>
+              <a:ext uri="{28A0092B-C50C-407E-A947-70E740481C1C}">
+                <a14:useLocalDpi xmlns:a14="http://schemas.microsoft.com/office/drawing/2010/main" val="0"/>
+              </a:ext>
+            </a:extLst>
+          </a:blip>
+          <a:srcRect/>
+          <a:stretch>
+            <a:fillRect/>
+          </a:stretch>
+        </p:blipFill>
+        <p:spPr bwMode="auto">
+          <a:xfrm>
+            <a:off x="2432891" y="1858469"/>
+            <a:ext cx="19512706" cy="10904714"/>
+          </a:xfrm>
+          <a:prstGeom prst="rect">
+            <a:avLst/>
+          </a:prstGeom>
+          <a:noFill/>
+          <a:extLst>
+            <a:ext uri="{909E8E84-426E-40DD-AFC4-6F175D3DCCD1}">
+              <a14:hiddenFill xmlns:a14="http://schemas.microsoft.com/office/drawing/2010/main">
+                <a:solidFill>
+                  <a:srgbClr val="FFFFFF"/>
+                </a:solidFill>
+              </a14:hiddenFill>
+            </a:ext>
+          </a:extLst>
+        </p:spPr>
+      </p:pic>
+    </p:spTree>
+    <p:extLst>
+      <p:ext uri="{BB962C8B-B14F-4D97-AF65-F5344CB8AC3E}">
+        <p14:creationId xmlns:p14="http://schemas.microsoft.com/office/powerpoint/2010/main" val="3280747640"/>
+      </p:ext>
+    </p:extLst>
+  </p:cSld>
+  <p:clrMapOvr>
+    <a:masterClrMapping/>
+  </p:clrMapOvr>
+  <p:transition spd="med" advClick="0">
+    <p:pull/>
+  </p:transition>
+</p:sld>
+</file>
+
+<file path=ppt/slides/slide14.xml><?xml version="1.0" encoding="utf-8"?>
+<p:sld xmlns:a="http://schemas.openxmlformats.org/drawingml/2006/main" xmlns:r="http://schemas.openxmlformats.org/officeDocument/2006/relationships" xmlns:p="http://schemas.openxmlformats.org/presentationml/2006/main">
+  <p:cSld>
+    <p:spTree>
+      <p:nvGrpSpPr>
+        <p:cNvPr id="1" name=""/>
+        <p:cNvGrpSpPr/>
+        <p:nvPr/>
+      </p:nvGrpSpPr>
+      <p:grpSpPr>
+        <a:xfrm>
+          <a:off x="0" y="0"/>
+          <a:ext cx="0" cy="0"/>
+          <a:chOff x="0" y="0"/>
+          <a:chExt cx="0" cy="0"/>
+        </a:xfrm>
+      </p:grpSpPr>
+      <p:sp>
+        <p:nvSpPr>
+          <p:cNvPr id="70" name="TextBox 69"/>
+          <p:cNvSpPr txBox="1"/>
+          <p:nvPr/>
+        </p:nvSpPr>
+        <p:spPr>
+          <a:xfrm>
+            <a:off x="9260830" y="12763182"/>
+            <a:ext cx="5856090" cy="523220"/>
+          </a:xfrm>
+          <a:prstGeom prst="rect">
+            <a:avLst/>
+          </a:prstGeom>
+          <a:noFill/>
+        </p:spPr>
+        <p:txBody>
+          <a:bodyPr wrap="none" rtlCol="0" anchor="ctr" anchorCtr="0">
+            <a:spAutoFit/>
+          </a:bodyPr>
+          <a:lstStyle/>
+          <a:p>
+            <a:pPr algn="ctr"/>
+            <a:r>
+              <a:rPr lang="en-US" sz="2800" b="1" dirty="0">
+                <a:solidFill>
+                  <a:schemeClr val="tx2"/>
+                </a:solidFill>
+                <a:latin typeface="Poppins SemiBold" charset="0"/>
+                <a:ea typeface="Poppins SemiBold" charset="0"/>
+                <a:cs typeface="Poppins SemiBold" charset="0"/>
+              </a:rPr>
+              <a:t>Sequence Diagram of Flight Gear</a:t>
+            </a:r>
+          </a:p>
+        </p:txBody>
+      </p:sp>
+      <p:cxnSp>
+        <p:nvCxnSpPr>
+          <p:cNvPr id="16" name="Straight Connector 15">
+            <a:extLst>
+              <a:ext uri="{FF2B5EF4-FFF2-40B4-BE49-F238E27FC236}">
+                <a16:creationId xmlns:a16="http://schemas.microsoft.com/office/drawing/2014/main" id="{F4F05C40-A1DE-1B4E-9E84-907536C7C797}"/>
+              </a:ext>
+            </a:extLst>
+          </p:cNvPr>
+          <p:cNvCxnSpPr/>
+          <p:nvPr/>
+        </p:nvCxnSpPr>
+        <p:spPr>
+          <a:xfrm>
+            <a:off x="11608677" y="2794666"/>
+            <a:ext cx="1192923" cy="0"/>
+          </a:xfrm>
+          <a:prstGeom prst="line">
+            <a:avLst/>
+          </a:prstGeom>
+          <a:ln w="57150">
+            <a:solidFill>
+              <a:schemeClr val="accent4">
+                <a:lumMod val="85000"/>
+                <a:lumOff val="15000"/>
+              </a:schemeClr>
+            </a:solidFill>
+          </a:ln>
+        </p:spPr>
+        <p:style>
+          <a:lnRef idx="1">
+            <a:schemeClr val="accent1"/>
+          </a:lnRef>
+          <a:fillRef idx="0">
+            <a:schemeClr val="accent1"/>
+          </a:fillRef>
+          <a:effectRef idx="0">
+            <a:schemeClr val="accent1"/>
+          </a:effectRef>
+          <a:fontRef idx="minor">
+            <a:schemeClr val="tx1"/>
+          </a:fontRef>
+        </p:style>
+      </p:cxnSp>
+      <p:sp>
+        <p:nvSpPr>
+          <p:cNvPr id="18" name="TextBox 17">
+            <a:extLst>
+              <a:ext uri="{FF2B5EF4-FFF2-40B4-BE49-F238E27FC236}">
+                <a16:creationId xmlns:a16="http://schemas.microsoft.com/office/drawing/2014/main" id="{DC755B58-9D7E-3C41-AA19-A80B5424ECCE}"/>
+              </a:ext>
+            </a:extLst>
+          </p:cNvPr>
+          <p:cNvSpPr txBox="1"/>
+          <p:nvPr/>
+        </p:nvSpPr>
+        <p:spPr>
+          <a:xfrm>
+            <a:off x="5531435" y="1160870"/>
+            <a:ext cx="13314863" cy="1169551"/>
+          </a:xfrm>
+          <a:prstGeom prst="rect">
+            <a:avLst/>
+          </a:prstGeom>
+          <a:noFill/>
+        </p:spPr>
+        <p:txBody>
+          <a:bodyPr wrap="none" rtlCol="0">
+            <a:spAutoFit/>
+          </a:bodyPr>
+          <a:lstStyle/>
+          <a:p>
+            <a:pPr algn="ctr"/>
+            <a:r>
+              <a:rPr lang="en-US" sz="7000" b="1" spc="800" dirty="0">
+                <a:solidFill>
+                  <a:schemeClr val="tx2"/>
+                </a:solidFill>
+                <a:latin typeface="Lato Black" charset="0"/>
+                <a:ea typeface="Lato Black" charset="0"/>
+                <a:cs typeface="Lato Black" charset="0"/>
+              </a:rPr>
+              <a:t>Design &amp; Implementation</a:t>
+            </a:r>
+          </a:p>
+        </p:txBody>
+      </p:sp>
+      <p:pic>
+        <p:nvPicPr>
           <p:cNvPr id="9" name="Picture 8"/>
           <p:cNvPicPr>
             <a:picLocks noChangeAspect="1"/>
@@ -4228,7 +4461,7 @@
 </p:sld>
 </file>
 
-<file path=ppt/slides/slide14.xml><?xml version="1.0" encoding="utf-8"?>
+<file path=ppt/slides/slide15.xml><?xml version="1.0" encoding="utf-8"?>
 <p:sld xmlns:a="http://schemas.openxmlformats.org/drawingml/2006/main" xmlns:r="http://schemas.openxmlformats.org/officeDocument/2006/relationships" xmlns:p="http://schemas.openxmlformats.org/presentationml/2006/main">
   <p:cSld>
     <p:spTree>
@@ -4445,7 +4678,7 @@
 </p:sld>
 </file>
 
-<file path=ppt/slides/slide15.xml><?xml version="1.0" encoding="utf-8"?>
+<file path=ppt/slides/slide16.xml><?xml version="1.0" encoding="utf-8"?>
 <p:sld xmlns:a="http://schemas.openxmlformats.org/drawingml/2006/main" xmlns:r="http://schemas.openxmlformats.org/officeDocument/2006/relationships" xmlns:p="http://schemas.openxmlformats.org/presentationml/2006/main">
   <p:cSld>
     <p:spTree>
@@ -4464,7 +4697,13 @@
       </p:grpSpPr>
       <p:cxnSp>
         <p:nvCxnSpPr>
-          <p:cNvPr id="9" name="Straight Connector 8"/>
+          <p:cNvPr id="5" name="Straight Connector 4">
+            <a:extLst>
+              <a:ext uri="{FF2B5EF4-FFF2-40B4-BE49-F238E27FC236}">
+                <a16:creationId xmlns:a16="http://schemas.microsoft.com/office/drawing/2014/main" id="{178CE6F9-94C0-432B-AC19-A0FF87F8D0DD}"/>
+              </a:ext>
+            </a:extLst>
+          </p:cNvPr>
           <p:cNvCxnSpPr/>
           <p:nvPr/>
         </p:nvCxnSpPr>
@@ -4502,10 +4741,10 @@
       </p:cxnSp>
       <p:sp>
         <p:nvSpPr>
-          <p:cNvPr id="12" name="TextBox 11">
+          <p:cNvPr id="6" name="TextBox 5">
             <a:extLst>
               <a:ext uri="{FF2B5EF4-FFF2-40B4-BE49-F238E27FC236}">
-                <a16:creationId xmlns:a16="http://schemas.microsoft.com/office/drawing/2014/main" id="{0AFC64C3-7306-9F47-826B-2519504A5E35}"/>
+                <a16:creationId xmlns:a16="http://schemas.microsoft.com/office/drawing/2014/main" id="{24C6EB22-D37D-49E5-A3FA-6BF07A543F48}"/>
               </a:ext>
             </a:extLst>
           </p:cNvPr>
@@ -4514,8 +4753,8 @@
         </p:nvSpPr>
         <p:spPr>
           <a:xfrm>
-            <a:off x="10117625" y="1160870"/>
-            <a:ext cx="4142481" cy="1169551"/>
+            <a:off x="10222879" y="1399409"/>
+            <a:ext cx="3931974" cy="1169551"/>
           </a:xfrm>
           <a:prstGeom prst="rect">
             <a:avLst/>
@@ -4538,21 +4777,27 @@
                 <a:ea typeface="Lato Black" charset="0"/>
                 <a:cs typeface="Lato Black" charset="0"/>
               </a:rPr>
-              <a:t>Results</a:t>
+              <a:t>Testing</a:t>
             </a:r>
           </a:p>
         </p:txBody>
       </p:sp>
       <p:pic>
         <p:nvPicPr>
-          <p:cNvPr id="18" name="Picture 17"/>
+          <p:cNvPr id="7" name="Picture 6">
+            <a:extLst>
+              <a:ext uri="{FF2B5EF4-FFF2-40B4-BE49-F238E27FC236}">
+                <a16:creationId xmlns:a16="http://schemas.microsoft.com/office/drawing/2014/main" id="{9203DCE4-0B80-45FD-8D8F-3B56F0D4B88F}"/>
+              </a:ext>
+            </a:extLst>
+          </p:cNvPr>
           <p:cNvPicPr>
             <a:picLocks noChangeAspect="1"/>
           </p:cNvPicPr>
           <p:nvPr/>
         </p:nvPicPr>
         <p:blipFill>
-          <a:blip r:embed="rId3">
+          <a:blip r:embed="rId2">
             <a:extLst>
               <a:ext uri="{28A0092B-C50C-407E-A947-70E740481C1C}">
                 <a14:useLocalDpi xmlns:a14="http://schemas.microsoft.com/office/drawing/2010/main" val="0"/>
@@ -4565,7 +4810,7 @@
         </p:blipFill>
         <p:spPr>
           <a:xfrm>
-            <a:off x="563562" y="428625"/>
+            <a:off x="563562" y="667164"/>
             <a:ext cx="1762125" cy="1714500"/>
           </a:xfrm>
           <a:prstGeom prst="rect">
@@ -4575,10 +4820,10 @@
       </p:pic>
       <p:sp>
         <p:nvSpPr>
-          <p:cNvPr id="5" name="Subtitle 2">
+          <p:cNvPr id="8" name="Subtitle 2">
             <a:extLst>
               <a:ext uri="{FF2B5EF4-FFF2-40B4-BE49-F238E27FC236}">
-                <a16:creationId xmlns:a16="http://schemas.microsoft.com/office/drawing/2014/main" id="{40347BBC-5195-4436-89B5-E9EA06D1EFA3}"/>
+                <a16:creationId xmlns:a16="http://schemas.microsoft.com/office/drawing/2014/main" id="{FB899183-EF41-46E2-A164-1212F30B4045}"/>
               </a:ext>
             </a:extLst>
           </p:cNvPr>
@@ -4589,8 +4834,8 @@
         </p:nvSpPr>
         <p:spPr>
           <a:xfrm>
-            <a:off x="1010653" y="3258912"/>
-            <a:ext cx="23117708" cy="9071268"/>
+            <a:off x="2325687" y="3033205"/>
+            <a:ext cx="18183372" cy="10105718"/>
           </a:xfrm>
           <a:prstGeom prst="rect">
             <a:avLst/>
@@ -4769,659 +5014,259 @@
             </a:lvl9pPr>
           </a:lstStyle>
           <a:p>
-            <a:pPr marL="342900" indent="-342900" algn="l">
-              <a:lnSpc>
-                <a:spcPct val="100000"/>
+            <a:pPr marL="457200" indent="-457200" algn="l">
+              <a:lnSpc>
+                <a:spcPct val="150000"/>
               </a:lnSpc>
               <a:buFont typeface="Arial" panose="020B0604020202020204" pitchFamily="34" charset="0"/>
               <a:buChar char="•"/>
             </a:pPr>
             <a:r>
-              <a:rPr lang="en-US" sz="4400" dirty="0">
-                <a:latin typeface="Times New Roman" panose="02020603050405020304" pitchFamily="18" charset="0"/>
-                <a:ea typeface="Poppins Light" charset="0"/>
-                <a:cs typeface="Times New Roman" panose="02020603050405020304" pitchFamily="18" charset="0"/>
-              </a:rPr>
-              <a:t>Canvas based HUD is implemented for the Fokker 50 with PW125B, incorporating the following elements.</a:t>
-            </a:r>
-            <a:br>
-              <a:rPr lang="en-US" sz="4400" dirty="0">
-                <a:latin typeface="Times New Roman" panose="02020603050405020304" pitchFamily="18" charset="0"/>
-                <a:ea typeface="Poppins Light" charset="0"/>
-                <a:cs typeface="Times New Roman" panose="02020603050405020304" pitchFamily="18" charset="0"/>
-              </a:rPr>
-            </a:br>
-            <a:endParaRPr lang="en-US" sz="4400" dirty="0">
-              <a:latin typeface="Times New Roman" panose="02020603050405020304" pitchFamily="18" charset="0"/>
-              <a:ea typeface="Poppins Light" charset="0"/>
-              <a:cs typeface="Times New Roman" panose="02020603050405020304" pitchFamily="18" charset="0"/>
-            </a:endParaRPr>
-          </a:p>
-          <a:p>
-            <a:pPr marL="342900" indent="-342900" algn="l">
-              <a:lnSpc>
-                <a:spcPct val="100000"/>
-              </a:lnSpc>
-              <a:buFont typeface="Arial" panose="020B0604020202020204" pitchFamily="34" charset="0"/>
-              <a:buChar char="•"/>
-            </a:pPr>
-            <a:r>
-              <a:rPr lang="en-US" sz="4400" b="1" dirty="0">
-                <a:latin typeface="Times New Roman" panose="02020603050405020304" pitchFamily="18" charset="0"/>
-                <a:ea typeface="Poppins Light" charset="0"/>
-                <a:cs typeface="Times New Roman" panose="02020603050405020304" pitchFamily="18" charset="0"/>
-              </a:rPr>
-              <a:t>Base Line and Elevation Lines</a:t>
-            </a:r>
-            <a:br>
-              <a:rPr lang="en-US" sz="4400" b="1" dirty="0">
-                <a:latin typeface="Times New Roman" panose="02020603050405020304" pitchFamily="18" charset="0"/>
-                <a:ea typeface="Poppins Light" charset="0"/>
-                <a:cs typeface="Times New Roman" panose="02020603050405020304" pitchFamily="18" charset="0"/>
-              </a:rPr>
-            </a:br>
-            <a:r>
-              <a:rPr lang="en-US" sz="3600" dirty="0">
-                <a:latin typeface="Times New Roman" panose="02020603050405020304" pitchFamily="18" charset="0"/>
-                <a:ea typeface="Poppins Light" charset="0"/>
-                <a:cs typeface="Times New Roman" panose="02020603050405020304" pitchFamily="18" charset="0"/>
-              </a:rPr>
-              <a:t>These indicate the zero degree elevation and the various other elevations in steps of 10.</a:t>
+              <a:rPr lang="en-US" sz="3600" b="1" dirty="0">
+                <a:solidFill>
+                  <a:schemeClr val="tx1">
+                    <a:lumMod val="75000"/>
+                  </a:schemeClr>
+                </a:solidFill>
+                <a:latin typeface="Poppins Light" charset="0"/>
+                <a:ea typeface="Poppins Light" charset="0"/>
+                <a:cs typeface="Poppins Light" charset="0"/>
+              </a:rPr>
+              <a:t>Black Box Testing</a:t>
             </a:r>
             <a:br>
               <a:rPr lang="en-US" sz="3600" dirty="0">
-                <a:latin typeface="Times New Roman" panose="02020603050405020304" pitchFamily="18" charset="0"/>
-                <a:ea typeface="Poppins Light" charset="0"/>
-                <a:cs typeface="Times New Roman" panose="02020603050405020304" pitchFamily="18" charset="0"/>
+                <a:solidFill>
+                  <a:schemeClr val="tx1">
+                    <a:lumMod val="75000"/>
+                  </a:schemeClr>
+                </a:solidFill>
+                <a:latin typeface="Poppins Light" charset="0"/>
+                <a:ea typeface="Poppins Light" charset="0"/>
+                <a:cs typeface="Poppins Light" charset="0"/>
               </a:rPr>
             </a:br>
-            <a:endParaRPr lang="en-US" sz="3600" dirty="0">
-              <a:latin typeface="Times New Roman" panose="02020603050405020304" pitchFamily="18" charset="0"/>
-              <a:ea typeface="Poppins Light" charset="0"/>
-              <a:cs typeface="Times New Roman" panose="02020603050405020304" pitchFamily="18" charset="0"/>
-            </a:endParaRPr>
-          </a:p>
-          <a:p>
-            <a:pPr marL="342900" indent="-342900" algn="l">
-              <a:lnSpc>
-                <a:spcPct val="100000"/>
-              </a:lnSpc>
-              <a:buFont typeface="Arial" panose="020B0604020202020204" pitchFamily="34" charset="0"/>
-              <a:buChar char="•"/>
-            </a:pPr>
-            <a:r>
-              <a:rPr lang="en-US" sz="4400" b="1" dirty="0">
-                <a:latin typeface="Times New Roman" panose="02020603050405020304" pitchFamily="18" charset="0"/>
-                <a:ea typeface="Poppins Light" charset="0"/>
-                <a:cs typeface="Times New Roman" panose="02020603050405020304" pitchFamily="18" charset="0"/>
-              </a:rPr>
-              <a:t>Water Line</a:t>
+            <a:r>
+              <a:rPr lang="en-US" sz="3600" dirty="0">
+                <a:solidFill>
+                  <a:schemeClr val="tx1">
+                    <a:lumMod val="75000"/>
+                  </a:schemeClr>
+                </a:solidFill>
+                <a:latin typeface="Poppins Light" charset="0"/>
+                <a:ea typeface="Poppins Light" charset="0"/>
+                <a:cs typeface="Poppins Light" charset="0"/>
+              </a:rPr>
+              <a:t>This testing is done to ascertain if the functional requirements are being met. The implementation and other internal details are not considered here.</a:t>
+            </a:r>
+            <a:br>
+              <a:rPr lang="en-US" sz="3600" dirty="0">
+                <a:solidFill>
+                  <a:schemeClr val="tx1">
+                    <a:lumMod val="75000"/>
+                  </a:schemeClr>
+                </a:solidFill>
+                <a:latin typeface="Poppins Light" charset="0"/>
+                <a:ea typeface="Poppins Light" charset="0"/>
+                <a:cs typeface="Poppins Light" charset="0"/>
+              </a:rPr>
+            </a:br>
+            <a:r>
+              <a:rPr lang="en-US" sz="3600" b="1" dirty="0">
+                <a:solidFill>
+                  <a:schemeClr val="tx1">
+                    <a:lumMod val="75000"/>
+                  </a:schemeClr>
+                </a:solidFill>
+                <a:latin typeface="Poppins Light" charset="0"/>
+                <a:ea typeface="Poppins Light" charset="0"/>
+                <a:cs typeface="Poppins Light" charset="0"/>
+              </a:rPr>
+              <a:t>1. Elevation Testing</a:t>
             </a:r>
             <a:br>
               <a:rPr lang="en-US" sz="3600" b="1" dirty="0">
-                <a:latin typeface="Times New Roman" panose="02020603050405020304" pitchFamily="18" charset="0"/>
-                <a:ea typeface="Poppins Light" charset="0"/>
-                <a:cs typeface="Times New Roman" panose="02020603050405020304" pitchFamily="18" charset="0"/>
+                <a:solidFill>
+                  <a:schemeClr val="tx1">
+                    <a:lumMod val="75000"/>
+                  </a:schemeClr>
+                </a:solidFill>
+                <a:latin typeface="Poppins Light" charset="0"/>
+                <a:ea typeface="Poppins Light" charset="0"/>
+                <a:cs typeface="Poppins Light" charset="0"/>
               </a:rPr>
             </a:br>
             <a:r>
+              <a:rPr lang="en-US" sz="3600" b="1" dirty="0">
+                <a:solidFill>
+                  <a:schemeClr val="tx1">
+                    <a:lumMod val="75000"/>
+                  </a:schemeClr>
+                </a:solidFill>
+                <a:latin typeface="Poppins Light" charset="0"/>
+                <a:ea typeface="Poppins Light" charset="0"/>
+                <a:cs typeface="Poppins Light" charset="0"/>
+              </a:rPr>
+              <a:t>	</a:t>
+            </a:r>
+            <a:r>
               <a:rPr lang="en-US" sz="3600" dirty="0">
-                <a:latin typeface="Times New Roman" panose="02020603050405020304" pitchFamily="18" charset="0"/>
-                <a:ea typeface="Poppins Light" charset="0"/>
-                <a:cs typeface="Times New Roman" panose="02020603050405020304" pitchFamily="18" charset="0"/>
-              </a:rPr>
-              <a:t>This indicates the axial orientation of the aircraft, and helps in determining the pitch of the aircraft.</a:t>
+                <a:solidFill>
+                  <a:schemeClr val="tx1">
+                    <a:lumMod val="75000"/>
+                  </a:schemeClr>
+                </a:solidFill>
+                <a:latin typeface="Poppins Light" charset="0"/>
+                <a:ea typeface="Poppins Light" charset="0"/>
+                <a:cs typeface="Poppins Light" charset="0"/>
+              </a:rPr>
+              <a:t>This involves elevating the aircraft by pulling the control back and validating if the aircraft 	elevation is correctly displayed.</a:t>
+            </a:r>
+            <a:br>
+              <a:rPr lang="en-US" sz="3600" dirty="0">
+                <a:solidFill>
+                  <a:schemeClr val="tx1">
+                    <a:lumMod val="75000"/>
+                  </a:schemeClr>
+                </a:solidFill>
+                <a:latin typeface="Poppins Light" charset="0"/>
+                <a:ea typeface="Poppins Light" charset="0"/>
+                <a:cs typeface="Poppins Light" charset="0"/>
+              </a:rPr>
+            </a:br>
+            <a:r>
+              <a:rPr lang="en-US" sz="3600" dirty="0">
+                <a:solidFill>
+                  <a:schemeClr val="tx1">
+                    <a:lumMod val="75000"/>
+                  </a:schemeClr>
+                </a:solidFill>
+                <a:latin typeface="Poppins Light" charset="0"/>
+                <a:ea typeface="Poppins Light" charset="0"/>
+                <a:cs typeface="Poppins Light" charset="0"/>
+              </a:rPr>
+              <a:t>	Testing is done from 0 to 90, and -90 degrees, and the system passes the test case.</a:t>
+            </a:r>
+            <a:br>
+              <a:rPr lang="en-US" sz="3600" dirty="0">
+                <a:solidFill>
+                  <a:schemeClr val="tx1">
+                    <a:lumMod val="75000"/>
+                  </a:schemeClr>
+                </a:solidFill>
+                <a:latin typeface="Poppins Light" charset="0"/>
+                <a:ea typeface="Poppins Light" charset="0"/>
+                <a:cs typeface="Poppins Light" charset="0"/>
+              </a:rPr>
+            </a:br>
+            <a:r>
+              <a:rPr lang="en-US" sz="3600" b="1" dirty="0">
+                <a:solidFill>
+                  <a:schemeClr val="tx1">
+                    <a:lumMod val="75000"/>
+                  </a:schemeClr>
+                </a:solidFill>
+                <a:latin typeface="Poppins Light" charset="0"/>
+                <a:ea typeface="Poppins Light" charset="0"/>
+                <a:cs typeface="Poppins Light" charset="0"/>
+              </a:rPr>
+              <a:t>2. Pitch Testing</a:t>
             </a:r>
             <a:br>
               <a:rPr lang="en-US" sz="3600" b="1" dirty="0">
-                <a:latin typeface="Times New Roman" panose="02020603050405020304" pitchFamily="18" charset="0"/>
-                <a:ea typeface="Poppins Light" charset="0"/>
-                <a:cs typeface="Times New Roman" panose="02020603050405020304" pitchFamily="18" charset="0"/>
+                <a:solidFill>
+                  <a:schemeClr val="tx1">
+                    <a:lumMod val="75000"/>
+                  </a:schemeClr>
+                </a:solidFill>
+                <a:latin typeface="Poppins Light" charset="0"/>
+                <a:ea typeface="Poppins Light" charset="0"/>
+                <a:cs typeface="Poppins Light" charset="0"/>
               </a:rPr>
             </a:br>
-            <a:endParaRPr lang="en-US" sz="3600" b="1" dirty="0">
-              <a:latin typeface="Times New Roman" panose="02020603050405020304" pitchFamily="18" charset="0"/>
-              <a:ea typeface="Poppins Light" charset="0"/>
-              <a:cs typeface="Times New Roman" panose="02020603050405020304" pitchFamily="18" charset="0"/>
-            </a:endParaRPr>
-          </a:p>
-          <a:p>
-            <a:pPr marL="342900" indent="-342900" algn="l">
-              <a:lnSpc>
-                <a:spcPct val="100000"/>
-              </a:lnSpc>
-              <a:buFont typeface="Arial" panose="020B0604020202020204" pitchFamily="34" charset="0"/>
-              <a:buChar char="•"/>
-            </a:pPr>
-            <a:r>
-              <a:rPr lang="en-US" sz="4400" b="1" dirty="0">
-                <a:latin typeface="Times New Roman" panose="02020603050405020304" pitchFamily="18" charset="0"/>
-                <a:ea typeface="Poppins Light" charset="0"/>
-                <a:cs typeface="Times New Roman" panose="02020603050405020304" pitchFamily="18" charset="0"/>
-              </a:rPr>
-              <a:t>Water Line</a:t>
+            <a:r>
+              <a:rPr lang="en-US" sz="3600" b="1" dirty="0">
+                <a:solidFill>
+                  <a:schemeClr val="tx1">
+                    <a:lumMod val="75000"/>
+                  </a:schemeClr>
+                </a:solidFill>
+                <a:latin typeface="Poppins Light" charset="0"/>
+                <a:ea typeface="Poppins Light" charset="0"/>
+                <a:cs typeface="Poppins Light" charset="0"/>
+              </a:rPr>
+              <a:t>	T</a:t>
+            </a:r>
+            <a:r>
+              <a:rPr lang="en-US" sz="3600" dirty="0">
+                <a:solidFill>
+                  <a:schemeClr val="tx1">
+                    <a:lumMod val="75000"/>
+                  </a:schemeClr>
+                </a:solidFill>
+                <a:latin typeface="Poppins Light" charset="0"/>
+                <a:ea typeface="Poppins Light" charset="0"/>
+                <a:cs typeface="Poppins Light" charset="0"/>
+              </a:rPr>
+              <a:t>he aircraft is pitched by adjusting the ailerons. The observed roll angle between the 	water line and the elevation lines should be equal to the measured angle of roll.</a:t>
             </a:r>
             <a:br>
-              <a:rPr lang="en-US" sz="4400" b="1" dirty="0">
-                <a:latin typeface="Times New Roman" panose="02020603050405020304" pitchFamily="18" charset="0"/>
-                <a:ea typeface="Poppins Light" charset="0"/>
-                <a:cs typeface="Times New Roman" panose="02020603050405020304" pitchFamily="18" charset="0"/>
+              <a:rPr lang="en-US" sz="3600" dirty="0">
+                <a:solidFill>
+                  <a:schemeClr val="tx1">
+                    <a:lumMod val="75000"/>
+                  </a:schemeClr>
+                </a:solidFill>
+                <a:latin typeface="Poppins Light" charset="0"/>
+                <a:ea typeface="Poppins Light" charset="0"/>
+                <a:cs typeface="Poppins Light" charset="0"/>
               </a:rPr>
             </a:br>
             <a:r>
               <a:rPr lang="en-US" sz="3600" dirty="0">
-                <a:latin typeface="Times New Roman" panose="02020603050405020304" pitchFamily="18" charset="0"/>
-                <a:ea typeface="Poppins Light" charset="0"/>
-                <a:cs typeface="Times New Roman" panose="02020603050405020304" pitchFamily="18" charset="0"/>
-              </a:rPr>
-              <a:t>This indicates the axial orientation of the aircraft, and helps in determining the pitch of the aircraft (given by moving the ailerons).</a:t>
-            </a:r>
-            <a:endParaRPr lang="en-US" sz="3600" b="1" dirty="0">
-              <a:latin typeface="Times New Roman" panose="02020603050405020304" pitchFamily="18" charset="0"/>
-              <a:ea typeface="Poppins Light" charset="0"/>
-              <a:cs typeface="Times New Roman" panose="02020603050405020304" pitchFamily="18" charset="0"/>
-            </a:endParaRPr>
-          </a:p>
-          <a:p>
-            <a:pPr marL="342900" indent="-342900" algn="l">
-              <a:lnSpc>
-                <a:spcPct val="100000"/>
-              </a:lnSpc>
-              <a:buFont typeface="Arial" panose="020B0604020202020204" pitchFamily="34" charset="0"/>
-              <a:buChar char="•"/>
-            </a:pPr>
-            <a:endParaRPr lang="en-IN" sz="4400" dirty="0">
-              <a:latin typeface="Times New Roman" panose="02020603050405020304" pitchFamily="18" charset="0"/>
-              <a:ea typeface="Poppins Light" charset="0"/>
-              <a:cs typeface="Times New Roman" panose="02020603050405020304" pitchFamily="18" charset="0"/>
-            </a:endParaRPr>
+                <a:solidFill>
+                  <a:schemeClr val="tx1">
+                    <a:lumMod val="75000"/>
+                  </a:schemeClr>
+                </a:solidFill>
+                <a:latin typeface="Poppins Light" charset="0"/>
+                <a:ea typeface="Poppins Light" charset="0"/>
+                <a:cs typeface="Poppins Light" charset="0"/>
+              </a:rPr>
+              <a:t>	Testing is done from 0 to 180 clockwise, and 0 to 180 anticlockwise.</a:t>
+            </a:r>
+            <a:br>
+              <a:rPr lang="en-US" sz="3600" dirty="0">
+                <a:solidFill>
+                  <a:schemeClr val="tx1">
+                    <a:lumMod val="75000"/>
+                  </a:schemeClr>
+                </a:solidFill>
+                <a:latin typeface="Poppins Light" charset="0"/>
+                <a:ea typeface="Poppins Light" charset="0"/>
+                <a:cs typeface="Poppins Light" charset="0"/>
+              </a:rPr>
+            </a:br>
+            <a:r>
+              <a:rPr lang="en-US" sz="3600" dirty="0">
+                <a:solidFill>
+                  <a:schemeClr val="tx1">
+                    <a:lumMod val="75000"/>
+                  </a:schemeClr>
+                </a:solidFill>
+                <a:latin typeface="Poppins Light" charset="0"/>
+                <a:ea typeface="Poppins Light" charset="0"/>
+                <a:cs typeface="Poppins Light" charset="0"/>
+              </a:rPr>
+              <a:t>	The system passes the test case.</a:t>
+            </a:r>
           </a:p>
         </p:txBody>
       </p:sp>
     </p:spTree>
     <p:extLst>
       <p:ext uri="{BB962C8B-B14F-4D97-AF65-F5344CB8AC3E}">
-        <p14:creationId xmlns:p14="http://schemas.microsoft.com/office/powerpoint/2010/main" val="238769960"/>
-      </p:ext>
-    </p:extLst>
-  </p:cSld>
-  <p:clrMapOvr>
-    <a:masterClrMapping/>
-  </p:clrMapOvr>
-  <p:transition spd="med" advClick="0">
-    <p:pull/>
-  </p:transition>
-</p:sld>
-</file>
-
-<file path=ppt/slides/slide16.xml><?xml version="1.0" encoding="utf-8"?>
-<p:sld xmlns:a="http://schemas.openxmlformats.org/drawingml/2006/main" xmlns:r="http://schemas.openxmlformats.org/officeDocument/2006/relationships" xmlns:p="http://schemas.openxmlformats.org/presentationml/2006/main">
-  <p:cSld>
-    <p:spTree>
-      <p:nvGrpSpPr>
-        <p:cNvPr id="1" name=""/>
-        <p:cNvGrpSpPr/>
-        <p:nvPr/>
-      </p:nvGrpSpPr>
-      <p:grpSpPr>
-        <a:xfrm>
-          <a:off x="0" y="0"/>
-          <a:ext cx="0" cy="0"/>
-          <a:chOff x="0" y="0"/>
-          <a:chExt cx="0" cy="0"/>
-        </a:xfrm>
-      </p:grpSpPr>
-      <p:cxnSp>
-        <p:nvCxnSpPr>
-          <p:cNvPr id="9" name="Straight Connector 8"/>
-          <p:cNvCxnSpPr/>
-          <p:nvPr/>
-        </p:nvCxnSpPr>
-        <p:spPr>
-          <a:xfrm>
-            <a:off x="11608677" y="2794666"/>
-            <a:ext cx="1192923" cy="0"/>
-          </a:xfrm>
-          <a:prstGeom prst="line">
-            <a:avLst/>
-          </a:prstGeom>
-          <a:ln w="57150">
-            <a:solidFill>
-              <a:schemeClr val="accent4">
-                <a:lumMod val="85000"/>
-                <a:lumOff val="15000"/>
-              </a:schemeClr>
-            </a:solidFill>
-          </a:ln>
-        </p:spPr>
-        <p:style>
-          <a:lnRef idx="1">
-            <a:schemeClr val="accent1"/>
-          </a:lnRef>
-          <a:fillRef idx="0">
-            <a:schemeClr val="accent1"/>
-          </a:fillRef>
-          <a:effectRef idx="0">
-            <a:schemeClr val="accent1"/>
-          </a:effectRef>
-          <a:fontRef idx="minor">
-            <a:schemeClr val="tx1"/>
-          </a:fontRef>
-        </p:style>
-      </p:cxnSp>
-      <p:sp>
-        <p:nvSpPr>
-          <p:cNvPr id="12" name="TextBox 11">
-            <a:extLst>
-              <a:ext uri="{FF2B5EF4-FFF2-40B4-BE49-F238E27FC236}">
-                <a16:creationId xmlns:a16="http://schemas.microsoft.com/office/drawing/2014/main" id="{0AFC64C3-7306-9F47-826B-2519504A5E35}"/>
-              </a:ext>
-            </a:extLst>
-          </p:cNvPr>
-          <p:cNvSpPr txBox="1"/>
-          <p:nvPr/>
-        </p:nvSpPr>
-        <p:spPr>
-          <a:xfrm>
-            <a:off x="10117625" y="1160870"/>
-            <a:ext cx="4142481" cy="1169551"/>
-          </a:xfrm>
-          <a:prstGeom prst="rect">
-            <a:avLst/>
-          </a:prstGeom>
-          <a:noFill/>
-        </p:spPr>
-        <p:txBody>
-          <a:bodyPr wrap="none" rtlCol="0">
-            <a:spAutoFit/>
-          </a:bodyPr>
-          <a:lstStyle/>
-          <a:p>
-            <a:pPr algn="ctr"/>
-            <a:r>
-              <a:rPr lang="en-US" sz="7000" b="1" spc="800" dirty="0">
-                <a:solidFill>
-                  <a:schemeClr val="tx2"/>
-                </a:solidFill>
-                <a:latin typeface="Lato Black" charset="0"/>
-                <a:ea typeface="Lato Black" charset="0"/>
-                <a:cs typeface="Lato Black" charset="0"/>
-              </a:rPr>
-              <a:t>Results</a:t>
-            </a:r>
-          </a:p>
-        </p:txBody>
-      </p:sp>
-      <p:pic>
-        <p:nvPicPr>
-          <p:cNvPr id="14" name="Picture 13"/>
-          <p:cNvPicPr>
-            <a:picLocks noChangeAspect="1"/>
-          </p:cNvPicPr>
-          <p:nvPr/>
-        </p:nvPicPr>
-        <p:blipFill>
-          <a:blip r:embed="rId3">
-            <a:extLst>
-              <a:ext uri="{28A0092B-C50C-407E-A947-70E740481C1C}">
-                <a14:useLocalDpi xmlns:a14="http://schemas.microsoft.com/office/drawing/2010/main" val="0"/>
-              </a:ext>
-            </a:extLst>
-          </a:blip>
-          <a:stretch>
-            <a:fillRect/>
-          </a:stretch>
-        </p:blipFill>
-        <p:spPr>
-          <a:xfrm>
-            <a:off x="563562" y="428625"/>
-            <a:ext cx="1762125" cy="1714500"/>
-          </a:xfrm>
-          <a:prstGeom prst="rect">
-            <a:avLst/>
-          </a:prstGeom>
-        </p:spPr>
-      </p:pic>
-      <p:sp>
-        <p:nvSpPr>
-          <p:cNvPr id="5" name="Subtitle 2">
-            <a:extLst>
-              <a:ext uri="{FF2B5EF4-FFF2-40B4-BE49-F238E27FC236}">
-                <a16:creationId xmlns:a16="http://schemas.microsoft.com/office/drawing/2014/main" id="{88CC4013-3F85-4ADF-B4F5-7D15D74C70BE}"/>
-              </a:ext>
-            </a:extLst>
-          </p:cNvPr>
-          <p:cNvSpPr txBox="1">
-            <a:spLocks/>
-          </p:cNvSpPr>
-          <p:nvPr/>
-        </p:nvSpPr>
-        <p:spPr>
-          <a:xfrm>
-            <a:off x="1010653" y="3258912"/>
-            <a:ext cx="23117708" cy="6781410"/>
-          </a:xfrm>
-          <a:prstGeom prst="rect">
-            <a:avLst/>
-          </a:prstGeom>
-        </p:spPr>
-        <p:txBody>
-          <a:bodyPr vert="horz" wrap="square" lIns="217490" tIns="108745" rIns="217490" bIns="108745" rtlCol="0">
-            <a:spAutoFit/>
-          </a:bodyPr>
-          <a:lstStyle>
-            <a:lvl1pPr marL="0" indent="0" algn="ctr" defTabSz="1087636" rtl="0" eaLnBrk="1" latinLnBrk="0" hangingPunct="1">
-              <a:lnSpc>
-                <a:spcPct val="120000"/>
-              </a:lnSpc>
-              <a:spcBef>
-                <a:spcPct val="20000"/>
-              </a:spcBef>
-              <a:buFont typeface="Arial"/>
-              <a:buNone/>
-              <a:defRPr sz="2400" kern="1200">
-                <a:solidFill>
-                  <a:schemeClr val="tx2"/>
-                </a:solidFill>
-                <a:latin typeface="Open Sans Light"/>
-                <a:ea typeface="+mn-ea"/>
-                <a:cs typeface="Open Sans Light"/>
-              </a:defRPr>
-            </a:lvl1pPr>
-            <a:lvl2pPr marL="1087636" indent="0" algn="ctr" defTabSz="1087636" rtl="0" eaLnBrk="1" latinLnBrk="0" hangingPunct="1">
-              <a:lnSpc>
-                <a:spcPct val="130000"/>
-              </a:lnSpc>
-              <a:spcBef>
-                <a:spcPct val="20000"/>
-              </a:spcBef>
-              <a:buFont typeface="Arial"/>
-              <a:buNone/>
-              <a:defRPr sz="3200" kern="1200">
-                <a:solidFill>
-                  <a:schemeClr val="tx1">
-                    <a:tint val="75000"/>
-                  </a:schemeClr>
-                </a:solidFill>
-                <a:latin typeface="Open Sans"/>
-                <a:ea typeface="+mn-ea"/>
-                <a:cs typeface="Open Sans"/>
-              </a:defRPr>
-            </a:lvl2pPr>
-            <a:lvl3pPr marL="2175271" indent="0" algn="ctr" defTabSz="1087636" rtl="0" eaLnBrk="1" latinLnBrk="0" hangingPunct="1">
-              <a:lnSpc>
-                <a:spcPct val="130000"/>
-              </a:lnSpc>
-              <a:spcBef>
-                <a:spcPct val="20000"/>
-              </a:spcBef>
-              <a:buFont typeface="Arial"/>
-              <a:buNone/>
-              <a:defRPr sz="3200" kern="1200">
-                <a:solidFill>
-                  <a:schemeClr val="tx1">
-                    <a:tint val="75000"/>
-                  </a:schemeClr>
-                </a:solidFill>
-                <a:latin typeface="Open Sans"/>
-                <a:ea typeface="+mn-ea"/>
-                <a:cs typeface="Open Sans"/>
-              </a:defRPr>
-            </a:lvl3pPr>
-            <a:lvl4pPr marL="3262912" indent="0" algn="ctr" defTabSz="1087636" rtl="0" eaLnBrk="1" latinLnBrk="0" hangingPunct="1">
-              <a:lnSpc>
-                <a:spcPct val="130000"/>
-              </a:lnSpc>
-              <a:spcBef>
-                <a:spcPct val="20000"/>
-              </a:spcBef>
-              <a:buFont typeface="Arial"/>
-              <a:buNone/>
-              <a:defRPr sz="3200" kern="1200">
-                <a:solidFill>
-                  <a:schemeClr val="tx1">
-                    <a:tint val="75000"/>
-                  </a:schemeClr>
-                </a:solidFill>
-                <a:latin typeface="Open Sans"/>
-                <a:ea typeface="+mn-ea"/>
-                <a:cs typeface="Open Sans"/>
-              </a:defRPr>
-            </a:lvl4pPr>
-            <a:lvl5pPr marL="4350546" indent="0" algn="ctr" defTabSz="1087636" rtl="0" eaLnBrk="1" latinLnBrk="0" hangingPunct="1">
-              <a:lnSpc>
-                <a:spcPct val="130000"/>
-              </a:lnSpc>
-              <a:spcBef>
-                <a:spcPct val="20000"/>
-              </a:spcBef>
-              <a:buFont typeface="Arial"/>
-              <a:buNone/>
-              <a:defRPr sz="3200" kern="1200">
-                <a:solidFill>
-                  <a:schemeClr val="tx1">
-                    <a:tint val="75000"/>
-                  </a:schemeClr>
-                </a:solidFill>
-                <a:latin typeface="Open Sans"/>
-                <a:ea typeface="+mn-ea"/>
-                <a:cs typeface="Open Sans"/>
-              </a:defRPr>
-            </a:lvl5pPr>
-            <a:lvl6pPr marL="5438184" indent="0" algn="ctr" defTabSz="1087636" rtl="0" eaLnBrk="1" latinLnBrk="0" hangingPunct="1">
-              <a:spcBef>
-                <a:spcPct val="20000"/>
-              </a:spcBef>
-              <a:buFont typeface="Arial"/>
-              <a:buNone/>
-              <a:defRPr sz="4800" kern="1200">
-                <a:solidFill>
-                  <a:schemeClr val="tx1">
-                    <a:tint val="75000"/>
-                  </a:schemeClr>
-                </a:solidFill>
-                <a:latin typeface="+mn-lt"/>
-                <a:ea typeface="+mn-ea"/>
-                <a:cs typeface="+mn-cs"/>
-              </a:defRPr>
-            </a:lvl6pPr>
-            <a:lvl7pPr marL="6525820" indent="0" algn="ctr" defTabSz="1087636" rtl="0" eaLnBrk="1" latinLnBrk="0" hangingPunct="1">
-              <a:spcBef>
-                <a:spcPct val="20000"/>
-              </a:spcBef>
-              <a:buFont typeface="Arial"/>
-              <a:buNone/>
-              <a:defRPr sz="4800" kern="1200">
-                <a:solidFill>
-                  <a:schemeClr val="tx1">
-                    <a:tint val="75000"/>
-                  </a:schemeClr>
-                </a:solidFill>
-                <a:latin typeface="+mn-lt"/>
-                <a:ea typeface="+mn-ea"/>
-                <a:cs typeface="+mn-cs"/>
-              </a:defRPr>
-            </a:lvl7pPr>
-            <a:lvl8pPr marL="7613455" indent="0" algn="ctr" defTabSz="1087636" rtl="0" eaLnBrk="1" latinLnBrk="0" hangingPunct="1">
-              <a:spcBef>
-                <a:spcPct val="20000"/>
-              </a:spcBef>
-              <a:buFont typeface="Arial"/>
-              <a:buNone/>
-              <a:defRPr sz="4800" kern="1200">
-                <a:solidFill>
-                  <a:schemeClr val="tx1">
-                    <a:tint val="75000"/>
-                  </a:schemeClr>
-                </a:solidFill>
-                <a:latin typeface="+mn-lt"/>
-                <a:ea typeface="+mn-ea"/>
-                <a:cs typeface="+mn-cs"/>
-              </a:defRPr>
-            </a:lvl8pPr>
-            <a:lvl9pPr marL="8701091" indent="0" algn="ctr" defTabSz="1087636" rtl="0" eaLnBrk="1" latinLnBrk="0" hangingPunct="1">
-              <a:spcBef>
-                <a:spcPct val="20000"/>
-              </a:spcBef>
-              <a:buFont typeface="Arial"/>
-              <a:buNone/>
-              <a:defRPr sz="4800" kern="1200">
-                <a:solidFill>
-                  <a:schemeClr val="tx1">
-                    <a:tint val="75000"/>
-                  </a:schemeClr>
-                </a:solidFill>
-                <a:latin typeface="+mn-lt"/>
-                <a:ea typeface="+mn-ea"/>
-                <a:cs typeface="+mn-cs"/>
-              </a:defRPr>
-            </a:lvl9pPr>
-          </a:lstStyle>
-          <a:p>
-            <a:pPr marL="342900" indent="-342900" algn="l">
-              <a:lnSpc>
-                <a:spcPct val="100000"/>
-              </a:lnSpc>
-              <a:buFont typeface="Arial" panose="020B0604020202020204" pitchFamily="34" charset="0"/>
-              <a:buChar char="•"/>
-            </a:pPr>
-            <a:r>
-              <a:rPr lang="en-US" sz="4400" b="1" dirty="0">
-                <a:latin typeface="Times New Roman" panose="02020603050405020304" pitchFamily="18" charset="0"/>
-                <a:ea typeface="Poppins Light" charset="0"/>
-                <a:cs typeface="Times New Roman" panose="02020603050405020304" pitchFamily="18" charset="0"/>
-              </a:rPr>
-              <a:t>Yaw Indicator</a:t>
-            </a:r>
-            <a:br>
-              <a:rPr lang="en-US" sz="4400" b="1" dirty="0">
-                <a:latin typeface="Times New Roman" panose="02020603050405020304" pitchFamily="18" charset="0"/>
-                <a:ea typeface="Poppins Light" charset="0"/>
-                <a:cs typeface="Times New Roman" panose="02020603050405020304" pitchFamily="18" charset="0"/>
-              </a:rPr>
-            </a:br>
-            <a:r>
-              <a:rPr lang="en-US" sz="3600" dirty="0">
-                <a:latin typeface="Times New Roman" panose="02020603050405020304" pitchFamily="18" charset="0"/>
-                <a:ea typeface="Poppins Light" charset="0"/>
-                <a:cs typeface="Times New Roman" panose="02020603050405020304" pitchFamily="18" charset="0"/>
-              </a:rPr>
-              <a:t>This indicates the yaw of the aircraft which determines the horizontal heading. It is primarily controlled by adjusting the rudders and ailerons</a:t>
-            </a:r>
-            <a:br>
-              <a:rPr lang="en-US" sz="3600" dirty="0">
-                <a:latin typeface="Times New Roman" panose="02020603050405020304" pitchFamily="18" charset="0"/>
-                <a:ea typeface="Poppins Light" charset="0"/>
-                <a:cs typeface="Times New Roman" panose="02020603050405020304" pitchFamily="18" charset="0"/>
-              </a:rPr>
-            </a:br>
-            <a:endParaRPr lang="en-US" sz="3600" dirty="0">
-              <a:latin typeface="Times New Roman" panose="02020603050405020304" pitchFamily="18" charset="0"/>
-              <a:ea typeface="Poppins Light" charset="0"/>
-              <a:cs typeface="Times New Roman" panose="02020603050405020304" pitchFamily="18" charset="0"/>
-            </a:endParaRPr>
-          </a:p>
-          <a:p>
-            <a:pPr marL="342900" indent="-342900" algn="l">
-              <a:lnSpc>
-                <a:spcPct val="100000"/>
-              </a:lnSpc>
-              <a:buFont typeface="Arial" panose="020B0604020202020204" pitchFamily="34" charset="0"/>
-              <a:buChar char="•"/>
-            </a:pPr>
-            <a:r>
-              <a:rPr lang="en-US" sz="4400" b="1" dirty="0">
-                <a:latin typeface="Times New Roman" panose="02020603050405020304" pitchFamily="18" charset="0"/>
-                <a:ea typeface="Poppins Light" charset="0"/>
-                <a:cs typeface="Times New Roman" panose="02020603050405020304" pitchFamily="18" charset="0"/>
-              </a:rPr>
-              <a:t>Thrust Level</a:t>
-            </a:r>
-            <a:br>
-              <a:rPr lang="en-US" sz="3600" b="1" dirty="0">
-                <a:latin typeface="Times New Roman" panose="02020603050405020304" pitchFamily="18" charset="0"/>
-                <a:ea typeface="Poppins Light" charset="0"/>
-                <a:cs typeface="Times New Roman" panose="02020603050405020304" pitchFamily="18" charset="0"/>
-              </a:rPr>
-            </a:br>
-            <a:r>
-              <a:rPr lang="en-US" sz="3600" dirty="0">
-                <a:latin typeface="Times New Roman" panose="02020603050405020304" pitchFamily="18" charset="0"/>
-                <a:ea typeface="Poppins Light" charset="0"/>
-                <a:cs typeface="Times New Roman" panose="02020603050405020304" pitchFamily="18" charset="0"/>
-              </a:rPr>
-              <a:t>This indicates the amount of thrust supplied to the engines. It is controlled using the thrusters.</a:t>
-            </a:r>
-            <a:br>
-              <a:rPr lang="en-US" sz="3600" b="1" dirty="0">
-                <a:latin typeface="Times New Roman" panose="02020603050405020304" pitchFamily="18" charset="0"/>
-                <a:ea typeface="Poppins Light" charset="0"/>
-                <a:cs typeface="Times New Roman" panose="02020603050405020304" pitchFamily="18" charset="0"/>
-              </a:rPr>
-            </a:br>
-            <a:endParaRPr lang="en-US" sz="3600" b="1" dirty="0">
-              <a:latin typeface="Times New Roman" panose="02020603050405020304" pitchFamily="18" charset="0"/>
-              <a:ea typeface="Poppins Light" charset="0"/>
-              <a:cs typeface="Times New Roman" panose="02020603050405020304" pitchFamily="18" charset="0"/>
-            </a:endParaRPr>
-          </a:p>
-          <a:p>
-            <a:pPr marL="342900" indent="-342900" algn="l">
-              <a:lnSpc>
-                <a:spcPct val="100000"/>
-              </a:lnSpc>
-              <a:buFont typeface="Arial" panose="020B0604020202020204" pitchFamily="34" charset="0"/>
-              <a:buChar char="•"/>
-            </a:pPr>
-            <a:r>
-              <a:rPr lang="en-US" sz="4400" b="1" dirty="0">
-                <a:latin typeface="Times New Roman" panose="02020603050405020304" pitchFamily="18" charset="0"/>
-                <a:ea typeface="Poppins Light" charset="0"/>
-                <a:cs typeface="Times New Roman" panose="02020603050405020304" pitchFamily="18" charset="0"/>
-              </a:rPr>
-              <a:t>Air and Ground Speeds</a:t>
-            </a:r>
-            <a:br>
-              <a:rPr lang="en-US" sz="4400" b="1" dirty="0">
-                <a:latin typeface="Times New Roman" panose="02020603050405020304" pitchFamily="18" charset="0"/>
-                <a:ea typeface="Poppins Light" charset="0"/>
-                <a:cs typeface="Times New Roman" panose="02020603050405020304" pitchFamily="18" charset="0"/>
-              </a:rPr>
-            </a:br>
-            <a:r>
-              <a:rPr lang="en-US" sz="3600" dirty="0">
-                <a:latin typeface="Times New Roman" panose="02020603050405020304" pitchFamily="18" charset="0"/>
-                <a:ea typeface="Poppins Light" charset="0"/>
-                <a:cs typeface="Times New Roman" panose="02020603050405020304" pitchFamily="18" charset="0"/>
-              </a:rPr>
-              <a:t>These give the air and ground speeds (in knots). The instruments are used to supply these values</a:t>
-            </a:r>
-            <a:endParaRPr lang="en-US" sz="4400" b="1" dirty="0">
-              <a:latin typeface="Times New Roman" panose="02020603050405020304" pitchFamily="18" charset="0"/>
-              <a:ea typeface="Poppins Light" charset="0"/>
-              <a:cs typeface="Times New Roman" panose="02020603050405020304" pitchFamily="18" charset="0"/>
-            </a:endParaRPr>
-          </a:p>
-          <a:p>
-            <a:pPr marL="342900" indent="-342900" algn="l">
-              <a:lnSpc>
-                <a:spcPct val="100000"/>
-              </a:lnSpc>
-              <a:buFont typeface="Arial" panose="020B0604020202020204" pitchFamily="34" charset="0"/>
-              <a:buChar char="•"/>
-            </a:pPr>
-            <a:endParaRPr lang="en-IN" sz="4400" dirty="0">
-              <a:latin typeface="Times New Roman" panose="02020603050405020304" pitchFamily="18" charset="0"/>
-              <a:ea typeface="Poppins Light" charset="0"/>
-              <a:cs typeface="Times New Roman" panose="02020603050405020304" pitchFamily="18" charset="0"/>
-            </a:endParaRPr>
-          </a:p>
-        </p:txBody>
-      </p:sp>
-    </p:spTree>
-    <p:extLst>
-      <p:ext uri="{BB962C8B-B14F-4D97-AF65-F5344CB8AC3E}">
-        <p14:creationId xmlns:p14="http://schemas.microsoft.com/office/powerpoint/2010/main" val="2458149976"/>
+        <p14:creationId xmlns:p14="http://schemas.microsoft.com/office/powerpoint/2010/main" val="1260122628"/>
       </p:ext>
     </p:extLst>
   </p:cSld>
@@ -5451,48 +5296,12 @@
           <a:chExt cx="0" cy="0"/>
         </a:xfrm>
       </p:grpSpPr>
-      <p:pic>
-        <p:nvPicPr>
-          <p:cNvPr id="8" name="Picture Placeholder 7">
-            <a:extLst>
-              <a:ext uri="{FF2B5EF4-FFF2-40B4-BE49-F238E27FC236}">
-                <a16:creationId xmlns:a16="http://schemas.microsoft.com/office/drawing/2014/main" id="{756D5088-B68A-4843-BCA4-C4C65BC52BF9}"/>
-              </a:ext>
-            </a:extLst>
-          </p:cNvPr>
-          <p:cNvPicPr>
-            <a:picLocks noGrp="1" noChangeAspect="1"/>
-          </p:cNvPicPr>
-          <p:nvPr>
-            <p:ph type="pic" sz="quarter" idx="16"/>
-          </p:nvPr>
-        </p:nvPicPr>
-        <p:blipFill>
-          <a:blip r:embed="rId2" cstate="email">
-            <a:extLst>
-              <a:ext uri="{28A0092B-C50C-407E-A947-70E740481C1C}">
-                <a14:useLocalDpi xmlns:a14="http://schemas.microsoft.com/office/drawing/2010/main" val="0"/>
-              </a:ext>
-            </a:extLst>
-          </a:blip>
-          <a:srcRect l="5249" r="5249"/>
-          <a:stretch>
-            <a:fillRect/>
-          </a:stretch>
-        </p:blipFill>
-        <p:spPr>
-          <a:xfrm>
-            <a:off x="4137080" y="3185171"/>
-            <a:ext cx="16103490" cy="9369959"/>
-          </a:xfrm>
-        </p:spPr>
-      </p:pic>
       <p:cxnSp>
         <p:nvCxnSpPr>
           <p:cNvPr id="4" name="Straight Connector 3">
             <a:extLst>
               <a:ext uri="{FF2B5EF4-FFF2-40B4-BE49-F238E27FC236}">
-                <a16:creationId xmlns:a16="http://schemas.microsoft.com/office/drawing/2014/main" id="{87BAE5DE-903C-4057-9F1F-C8FAFAF90866}"/>
+                <a16:creationId xmlns:a16="http://schemas.microsoft.com/office/drawing/2014/main" id="{E49FC1D6-A8A2-4FBE-8152-002357476026}"/>
               </a:ext>
             </a:extLst>
           </p:cNvPr>
@@ -5536,7 +5345,7 @@
           <p:cNvPr id="5" name="TextBox 4">
             <a:extLst>
               <a:ext uri="{FF2B5EF4-FFF2-40B4-BE49-F238E27FC236}">
-                <a16:creationId xmlns:a16="http://schemas.microsoft.com/office/drawing/2014/main" id="{BE8E591C-D28E-4889-86B7-827AD80AE1D5}"/>
+                <a16:creationId xmlns:a16="http://schemas.microsoft.com/office/drawing/2014/main" id="{923D55C8-9220-46AD-BFA7-D33328CB1041}"/>
               </a:ext>
             </a:extLst>
           </p:cNvPr>
@@ -5545,8 +5354,8 @@
         </p:nvSpPr>
         <p:spPr>
           <a:xfrm>
-            <a:off x="10117625" y="1160870"/>
-            <a:ext cx="4142481" cy="1169551"/>
+            <a:off x="10222879" y="1399409"/>
+            <a:ext cx="3931974" cy="1169551"/>
           </a:xfrm>
           <a:prstGeom prst="rect">
             <a:avLst/>
@@ -5569,7 +5378,7 @@
                 <a:ea typeface="Lato Black" charset="0"/>
                 <a:cs typeface="Lato Black" charset="0"/>
               </a:rPr>
-              <a:t>Results</a:t>
+              <a:t>Testing</a:t>
             </a:r>
           </a:p>
         </p:txBody>
@@ -5579,7 +5388,7 @@
           <p:cNvPr id="6" name="Picture 5">
             <a:extLst>
               <a:ext uri="{FF2B5EF4-FFF2-40B4-BE49-F238E27FC236}">
-                <a16:creationId xmlns:a16="http://schemas.microsoft.com/office/drawing/2014/main" id="{88B1F6DA-13EA-471E-8ACB-E19367D6FE9C}"/>
+                <a16:creationId xmlns:a16="http://schemas.microsoft.com/office/drawing/2014/main" id="{9D17F8B0-E082-4BC7-81AD-9A9CF7815938}"/>
               </a:ext>
             </a:extLst>
           </p:cNvPr>
@@ -5589,7 +5398,7 @@
           <p:nvPr/>
         </p:nvPicPr>
         <p:blipFill>
-          <a:blip r:embed="rId3">
+          <a:blip r:embed="rId2">
             <a:extLst>
               <a:ext uri="{28A0092B-C50C-407E-A947-70E740481C1C}">
                 <a14:useLocalDpi xmlns:a14="http://schemas.microsoft.com/office/drawing/2010/main" val="0"/>
@@ -5602,7 +5411,7 @@
         </p:blipFill>
         <p:spPr>
           <a:xfrm>
-            <a:off x="563562" y="428625"/>
+            <a:off x="563562" y="667164"/>
             <a:ext cx="1762125" cy="1714500"/>
           </a:xfrm>
           <a:prstGeom prst="rect">
@@ -5612,53 +5421,473 @@
       </p:pic>
       <p:sp>
         <p:nvSpPr>
-          <p:cNvPr id="9" name="TextBox 8">
+          <p:cNvPr id="7" name="Subtitle 2">
             <a:extLst>
               <a:ext uri="{FF2B5EF4-FFF2-40B4-BE49-F238E27FC236}">
-                <a16:creationId xmlns:a16="http://schemas.microsoft.com/office/drawing/2014/main" id="{D1C2825C-E61C-4012-A670-7819C6060D74}"/>
+                <a16:creationId xmlns:a16="http://schemas.microsoft.com/office/drawing/2014/main" id="{2808F8AA-7336-41D8-8400-A4506C473DB5}"/>
               </a:ext>
             </a:extLst>
           </p:cNvPr>
-          <p:cNvSpPr txBox="1"/>
+          <p:cNvSpPr txBox="1">
+            <a:spLocks/>
+          </p:cNvSpPr>
           <p:nvPr/>
         </p:nvSpPr>
         <p:spPr>
           <a:xfrm>
-            <a:off x="4333461" y="12555130"/>
-            <a:ext cx="15584556" cy="646331"/>
+            <a:off x="3097139" y="2794666"/>
+            <a:ext cx="18183372" cy="10105718"/>
           </a:xfrm>
           <a:prstGeom prst="rect">
             <a:avLst/>
           </a:prstGeom>
-          <a:noFill/>
         </p:spPr>
         <p:txBody>
-          <a:bodyPr wrap="square" rtlCol="0">
+          <a:bodyPr vert="horz" wrap="square" lIns="217490" tIns="108745" rIns="217490" bIns="108745" rtlCol="0">
             <a:spAutoFit/>
           </a:bodyPr>
-          <a:lstStyle/>
-          <a:p>
-            <a:pPr algn="ctr"/>
-            <a:r>
-              <a:rPr lang="en-US" dirty="0">
+          <a:lstStyle>
+            <a:lvl1pPr marL="0" indent="0" algn="ctr" defTabSz="1087636" rtl="0" eaLnBrk="1" latinLnBrk="0" hangingPunct="1">
+              <a:lnSpc>
+                <a:spcPct val="120000"/>
+              </a:lnSpc>
+              <a:spcBef>
+                <a:spcPct val="20000"/>
+              </a:spcBef>
+              <a:buFont typeface="Arial"/>
+              <a:buNone/>
+              <a:defRPr sz="2400" kern="1200">
                 <a:solidFill>
                   <a:schemeClr val="tx2"/>
                 </a:solidFill>
-              </a:rPr>
-              <a:t>Fig. 1:</a:t>
-            </a:r>
-            <a:r>
-              <a:rPr lang="en-US" dirty="0"/>
-              <a:t> Plane is at rest on the runway</a:t>
-            </a:r>
-            <a:endParaRPr lang="en-IN" dirty="0"/>
+                <a:latin typeface="Open Sans Light"/>
+                <a:ea typeface="+mn-ea"/>
+                <a:cs typeface="Open Sans Light"/>
+              </a:defRPr>
+            </a:lvl1pPr>
+            <a:lvl2pPr marL="1087636" indent="0" algn="ctr" defTabSz="1087636" rtl="0" eaLnBrk="1" latinLnBrk="0" hangingPunct="1">
+              <a:lnSpc>
+                <a:spcPct val="130000"/>
+              </a:lnSpc>
+              <a:spcBef>
+                <a:spcPct val="20000"/>
+              </a:spcBef>
+              <a:buFont typeface="Arial"/>
+              <a:buNone/>
+              <a:defRPr sz="3200" kern="1200">
+                <a:solidFill>
+                  <a:schemeClr val="tx1">
+                    <a:tint val="75000"/>
+                  </a:schemeClr>
+                </a:solidFill>
+                <a:latin typeface="Open Sans"/>
+                <a:ea typeface="+mn-ea"/>
+                <a:cs typeface="Open Sans"/>
+              </a:defRPr>
+            </a:lvl2pPr>
+            <a:lvl3pPr marL="2175271" indent="0" algn="ctr" defTabSz="1087636" rtl="0" eaLnBrk="1" latinLnBrk="0" hangingPunct="1">
+              <a:lnSpc>
+                <a:spcPct val="130000"/>
+              </a:lnSpc>
+              <a:spcBef>
+                <a:spcPct val="20000"/>
+              </a:spcBef>
+              <a:buFont typeface="Arial"/>
+              <a:buNone/>
+              <a:defRPr sz="3200" kern="1200">
+                <a:solidFill>
+                  <a:schemeClr val="tx1">
+                    <a:tint val="75000"/>
+                  </a:schemeClr>
+                </a:solidFill>
+                <a:latin typeface="Open Sans"/>
+                <a:ea typeface="+mn-ea"/>
+                <a:cs typeface="Open Sans"/>
+              </a:defRPr>
+            </a:lvl3pPr>
+            <a:lvl4pPr marL="3262912" indent="0" algn="ctr" defTabSz="1087636" rtl="0" eaLnBrk="1" latinLnBrk="0" hangingPunct="1">
+              <a:lnSpc>
+                <a:spcPct val="130000"/>
+              </a:lnSpc>
+              <a:spcBef>
+                <a:spcPct val="20000"/>
+              </a:spcBef>
+              <a:buFont typeface="Arial"/>
+              <a:buNone/>
+              <a:defRPr sz="3200" kern="1200">
+                <a:solidFill>
+                  <a:schemeClr val="tx1">
+                    <a:tint val="75000"/>
+                  </a:schemeClr>
+                </a:solidFill>
+                <a:latin typeface="Open Sans"/>
+                <a:ea typeface="+mn-ea"/>
+                <a:cs typeface="Open Sans"/>
+              </a:defRPr>
+            </a:lvl4pPr>
+            <a:lvl5pPr marL="4350546" indent="0" algn="ctr" defTabSz="1087636" rtl="0" eaLnBrk="1" latinLnBrk="0" hangingPunct="1">
+              <a:lnSpc>
+                <a:spcPct val="130000"/>
+              </a:lnSpc>
+              <a:spcBef>
+                <a:spcPct val="20000"/>
+              </a:spcBef>
+              <a:buFont typeface="Arial"/>
+              <a:buNone/>
+              <a:defRPr sz="3200" kern="1200">
+                <a:solidFill>
+                  <a:schemeClr val="tx1">
+                    <a:tint val="75000"/>
+                  </a:schemeClr>
+                </a:solidFill>
+                <a:latin typeface="Open Sans"/>
+                <a:ea typeface="+mn-ea"/>
+                <a:cs typeface="Open Sans"/>
+              </a:defRPr>
+            </a:lvl5pPr>
+            <a:lvl6pPr marL="5438184" indent="0" algn="ctr" defTabSz="1087636" rtl="0" eaLnBrk="1" latinLnBrk="0" hangingPunct="1">
+              <a:spcBef>
+                <a:spcPct val="20000"/>
+              </a:spcBef>
+              <a:buFont typeface="Arial"/>
+              <a:buNone/>
+              <a:defRPr sz="4800" kern="1200">
+                <a:solidFill>
+                  <a:schemeClr val="tx1">
+                    <a:tint val="75000"/>
+                  </a:schemeClr>
+                </a:solidFill>
+                <a:latin typeface="+mn-lt"/>
+                <a:ea typeface="+mn-ea"/>
+                <a:cs typeface="+mn-cs"/>
+              </a:defRPr>
+            </a:lvl6pPr>
+            <a:lvl7pPr marL="6525820" indent="0" algn="ctr" defTabSz="1087636" rtl="0" eaLnBrk="1" latinLnBrk="0" hangingPunct="1">
+              <a:spcBef>
+                <a:spcPct val="20000"/>
+              </a:spcBef>
+              <a:buFont typeface="Arial"/>
+              <a:buNone/>
+              <a:defRPr sz="4800" kern="1200">
+                <a:solidFill>
+                  <a:schemeClr val="tx1">
+                    <a:tint val="75000"/>
+                  </a:schemeClr>
+                </a:solidFill>
+                <a:latin typeface="+mn-lt"/>
+                <a:ea typeface="+mn-ea"/>
+                <a:cs typeface="+mn-cs"/>
+              </a:defRPr>
+            </a:lvl7pPr>
+            <a:lvl8pPr marL="7613455" indent="0" algn="ctr" defTabSz="1087636" rtl="0" eaLnBrk="1" latinLnBrk="0" hangingPunct="1">
+              <a:spcBef>
+                <a:spcPct val="20000"/>
+              </a:spcBef>
+              <a:buFont typeface="Arial"/>
+              <a:buNone/>
+              <a:defRPr sz="4800" kern="1200">
+                <a:solidFill>
+                  <a:schemeClr val="tx1">
+                    <a:tint val="75000"/>
+                  </a:schemeClr>
+                </a:solidFill>
+                <a:latin typeface="+mn-lt"/>
+                <a:ea typeface="+mn-ea"/>
+                <a:cs typeface="+mn-cs"/>
+              </a:defRPr>
+            </a:lvl8pPr>
+            <a:lvl9pPr marL="8701091" indent="0" algn="ctr" defTabSz="1087636" rtl="0" eaLnBrk="1" latinLnBrk="0" hangingPunct="1">
+              <a:spcBef>
+                <a:spcPct val="20000"/>
+              </a:spcBef>
+              <a:buFont typeface="Arial"/>
+              <a:buNone/>
+              <a:defRPr sz="4800" kern="1200">
+                <a:solidFill>
+                  <a:schemeClr val="tx1">
+                    <a:tint val="75000"/>
+                  </a:schemeClr>
+                </a:solidFill>
+                <a:latin typeface="+mn-lt"/>
+                <a:ea typeface="+mn-ea"/>
+                <a:cs typeface="+mn-cs"/>
+              </a:defRPr>
+            </a:lvl9pPr>
+          </a:lstStyle>
+          <a:p>
+            <a:pPr algn="l">
+              <a:lnSpc>
+                <a:spcPct val="150000"/>
+              </a:lnSpc>
+            </a:pPr>
+            <a:br>
+              <a:rPr lang="en-US" sz="3600" b="1" dirty="0">
+                <a:solidFill>
+                  <a:schemeClr val="tx1">
+                    <a:lumMod val="75000"/>
+                  </a:schemeClr>
+                </a:solidFill>
+                <a:latin typeface="Poppins Light" charset="0"/>
+                <a:ea typeface="Poppins Light" charset="0"/>
+                <a:cs typeface="Poppins Light" charset="0"/>
+              </a:rPr>
+            </a:br>
+            <a:r>
+              <a:rPr lang="en-US" sz="3600" b="1" dirty="0">
+                <a:solidFill>
+                  <a:schemeClr val="tx1">
+                    <a:lumMod val="75000"/>
+                  </a:schemeClr>
+                </a:solidFill>
+                <a:latin typeface="Poppins Light" charset="0"/>
+                <a:ea typeface="Poppins Light" charset="0"/>
+                <a:cs typeface="Poppins Light" charset="0"/>
+              </a:rPr>
+              <a:t>    3. Yaw Testing</a:t>
+            </a:r>
+            <a:br>
+              <a:rPr lang="en-US" sz="3600" b="1" dirty="0">
+                <a:solidFill>
+                  <a:schemeClr val="tx1">
+                    <a:lumMod val="75000"/>
+                  </a:schemeClr>
+                </a:solidFill>
+                <a:latin typeface="Poppins Light" charset="0"/>
+                <a:ea typeface="Poppins Light" charset="0"/>
+                <a:cs typeface="Poppins Light" charset="0"/>
+              </a:rPr>
+            </a:br>
+            <a:r>
+              <a:rPr lang="en-US" sz="3600" dirty="0">
+                <a:solidFill>
+                  <a:schemeClr val="tx1">
+                    <a:lumMod val="75000"/>
+                  </a:schemeClr>
+                </a:solidFill>
+                <a:latin typeface="Poppins Light" charset="0"/>
+                <a:ea typeface="Poppins Light" charset="0"/>
+                <a:cs typeface="Poppins Light" charset="0"/>
+              </a:rPr>
+              <a:t>	The aircraft is turned using the radar. The horizontal displacement of the waterline should 	be equal to the horizontal displacement of the heading.</a:t>
+            </a:r>
+            <a:br>
+              <a:rPr lang="en-US" sz="3600" dirty="0">
+                <a:solidFill>
+                  <a:schemeClr val="tx1">
+                    <a:lumMod val="75000"/>
+                  </a:schemeClr>
+                </a:solidFill>
+                <a:latin typeface="Poppins Light" charset="0"/>
+                <a:ea typeface="Poppins Light" charset="0"/>
+                <a:cs typeface="Poppins Light" charset="0"/>
+              </a:rPr>
+            </a:br>
+            <a:r>
+              <a:rPr lang="en-US" sz="3600" dirty="0">
+                <a:solidFill>
+                  <a:schemeClr val="tx1">
+                    <a:lumMod val="75000"/>
+                  </a:schemeClr>
+                </a:solidFill>
+                <a:latin typeface="Poppins Light" charset="0"/>
+                <a:ea typeface="Poppins Light" charset="0"/>
+                <a:cs typeface="Poppins Light" charset="0"/>
+              </a:rPr>
+              <a:t>	Testing is done from -90 to 90 and the system passes the test case.</a:t>
+            </a:r>
+            <a:br>
+              <a:rPr lang="en-US" sz="3600" b="1" dirty="0">
+                <a:solidFill>
+                  <a:schemeClr val="tx1">
+                    <a:lumMod val="75000"/>
+                  </a:schemeClr>
+                </a:solidFill>
+                <a:latin typeface="Poppins Light" charset="0"/>
+                <a:ea typeface="Poppins Light" charset="0"/>
+                <a:cs typeface="Poppins Light" charset="0"/>
+              </a:rPr>
+            </a:br>
+            <a:r>
+              <a:rPr lang="en-US" sz="3600" b="1" dirty="0">
+                <a:solidFill>
+                  <a:schemeClr val="tx1">
+                    <a:lumMod val="75000"/>
+                  </a:schemeClr>
+                </a:solidFill>
+                <a:latin typeface="Poppins Light" charset="0"/>
+                <a:ea typeface="Poppins Light" charset="0"/>
+                <a:cs typeface="Poppins Light" charset="0"/>
+              </a:rPr>
+              <a:t>    4. Thrust Testing</a:t>
+            </a:r>
+            <a:br>
+              <a:rPr lang="en-US" sz="3600" b="1" dirty="0">
+                <a:solidFill>
+                  <a:schemeClr val="tx1">
+                    <a:lumMod val="75000"/>
+                  </a:schemeClr>
+                </a:solidFill>
+                <a:latin typeface="Poppins Light" charset="0"/>
+                <a:ea typeface="Poppins Light" charset="0"/>
+                <a:cs typeface="Poppins Light" charset="0"/>
+              </a:rPr>
+            </a:br>
+            <a:r>
+              <a:rPr lang="en-US" sz="3600" b="1" dirty="0">
+                <a:solidFill>
+                  <a:schemeClr val="tx1">
+                    <a:lumMod val="75000"/>
+                  </a:schemeClr>
+                </a:solidFill>
+                <a:latin typeface="Poppins Light" charset="0"/>
+                <a:ea typeface="Poppins Light" charset="0"/>
+                <a:cs typeface="Poppins Light" charset="0"/>
+              </a:rPr>
+              <a:t>	</a:t>
+            </a:r>
+            <a:r>
+              <a:rPr lang="en-US" sz="3600" dirty="0">
+                <a:solidFill>
+                  <a:schemeClr val="tx1">
+                    <a:lumMod val="75000"/>
+                  </a:schemeClr>
+                </a:solidFill>
+                <a:latin typeface="Poppins Light" charset="0"/>
+                <a:ea typeface="Poppins Light" charset="0"/>
+                <a:cs typeface="Poppins Light" charset="0"/>
+              </a:rPr>
+              <a:t>This involves increasing thrust to the engines and checking if the change is reflected on 	the HUD.</a:t>
+            </a:r>
+            <a:br>
+              <a:rPr lang="en-US" sz="3600" dirty="0">
+                <a:solidFill>
+                  <a:schemeClr val="tx1">
+                    <a:lumMod val="75000"/>
+                  </a:schemeClr>
+                </a:solidFill>
+                <a:latin typeface="Poppins Light" charset="0"/>
+                <a:ea typeface="Poppins Light" charset="0"/>
+                <a:cs typeface="Poppins Light" charset="0"/>
+              </a:rPr>
+            </a:br>
+            <a:r>
+              <a:rPr lang="en-US" sz="3600" dirty="0">
+                <a:solidFill>
+                  <a:schemeClr val="tx1">
+                    <a:lumMod val="75000"/>
+                  </a:schemeClr>
+                </a:solidFill>
+                <a:latin typeface="Poppins Light" charset="0"/>
+                <a:ea typeface="Poppins Light" charset="0"/>
+                <a:cs typeface="Poppins Light" charset="0"/>
+              </a:rPr>
+              <a:t>	Thrusters are tested from idle to maximum.</a:t>
+            </a:r>
+            <a:br>
+              <a:rPr lang="en-US" sz="3600" dirty="0">
+                <a:solidFill>
+                  <a:schemeClr val="tx1">
+                    <a:lumMod val="75000"/>
+                  </a:schemeClr>
+                </a:solidFill>
+                <a:latin typeface="Poppins Light" charset="0"/>
+                <a:ea typeface="Poppins Light" charset="0"/>
+                <a:cs typeface="Poppins Light" charset="0"/>
+              </a:rPr>
+            </a:br>
+            <a:r>
+              <a:rPr lang="en-US" sz="3600" dirty="0">
+                <a:solidFill>
+                  <a:schemeClr val="tx1">
+                    <a:lumMod val="75000"/>
+                  </a:schemeClr>
+                </a:solidFill>
+                <a:latin typeface="Poppins Light" charset="0"/>
+                <a:ea typeface="Poppins Light" charset="0"/>
+                <a:cs typeface="Poppins Light" charset="0"/>
+              </a:rPr>
+              <a:t>	System failed the test case as the </a:t>
+            </a:r>
+            <a:r>
+              <a:rPr lang="en-US" sz="3600" dirty="0" err="1">
+                <a:solidFill>
+                  <a:schemeClr val="tx1">
+                    <a:lumMod val="75000"/>
+                  </a:schemeClr>
+                </a:solidFill>
+                <a:latin typeface="Poppins Light" charset="0"/>
+                <a:ea typeface="Poppins Light" charset="0"/>
+                <a:cs typeface="Poppins Light" charset="0"/>
+              </a:rPr>
+              <a:t>updation</a:t>
+            </a:r>
+            <a:r>
+              <a:rPr lang="en-US" sz="3600" dirty="0">
+                <a:solidFill>
+                  <a:schemeClr val="tx1">
+                    <a:lumMod val="75000"/>
+                  </a:schemeClr>
+                </a:solidFill>
+                <a:latin typeface="Poppins Light" charset="0"/>
+                <a:ea typeface="Poppins Light" charset="0"/>
+                <a:cs typeface="Poppins Light" charset="0"/>
+              </a:rPr>
+              <a:t> wasn’t done correctly.</a:t>
+            </a:r>
+            <a:br>
+              <a:rPr lang="en-US" sz="3600" dirty="0">
+                <a:solidFill>
+                  <a:schemeClr val="tx1">
+                    <a:lumMod val="75000"/>
+                  </a:schemeClr>
+                </a:solidFill>
+                <a:latin typeface="Poppins Light" charset="0"/>
+                <a:ea typeface="Poppins Light" charset="0"/>
+                <a:cs typeface="Poppins Light" charset="0"/>
+              </a:rPr>
+            </a:br>
+            <a:r>
+              <a:rPr lang="en-US" sz="3600" dirty="0">
+                <a:solidFill>
+                  <a:schemeClr val="tx1">
+                    <a:lumMod val="75000"/>
+                  </a:schemeClr>
+                </a:solidFill>
+                <a:latin typeface="Poppins Light" charset="0"/>
+                <a:ea typeface="Poppins Light" charset="0"/>
+                <a:cs typeface="Poppins Light" charset="0"/>
+              </a:rPr>
+              <a:t>	It is fixed by altering the scale factor of the thrust tape.</a:t>
+            </a:r>
+            <a:br>
+              <a:rPr lang="en-US" sz="3600" dirty="0">
+                <a:solidFill>
+                  <a:schemeClr val="tx1">
+                    <a:lumMod val="75000"/>
+                  </a:schemeClr>
+                </a:solidFill>
+                <a:latin typeface="Poppins Light" charset="0"/>
+                <a:ea typeface="Poppins Light" charset="0"/>
+                <a:cs typeface="Poppins Light" charset="0"/>
+              </a:rPr>
+            </a:br>
+            <a:endParaRPr lang="en-US" sz="3600" dirty="0">
+              <a:solidFill>
+                <a:schemeClr val="tx1">
+                  <a:lumMod val="75000"/>
+                </a:schemeClr>
+              </a:solidFill>
+              <a:latin typeface="Poppins Light" charset="0"/>
+              <a:ea typeface="Poppins Light" charset="0"/>
+              <a:cs typeface="Poppins Light" charset="0"/>
+            </a:endParaRPr>
           </a:p>
         </p:txBody>
       </p:sp>
     </p:spTree>
     <p:extLst>
       <p:ext uri="{BB962C8B-B14F-4D97-AF65-F5344CB8AC3E}">
-        <p14:creationId xmlns:p14="http://schemas.microsoft.com/office/powerpoint/2010/main" val="2387472422"/>
+        <p14:creationId xmlns:p14="http://schemas.microsoft.com/office/powerpoint/2010/main" val="1347059306"/>
       </p:ext>
     </p:extLst>
   </p:cSld>
@@ -5688,48 +5917,984 @@
           <a:chExt cx="0" cy="0"/>
         </a:xfrm>
       </p:grpSpPr>
+      <p:cxnSp>
+        <p:nvCxnSpPr>
+          <p:cNvPr id="4" name="Straight Connector 3">
+            <a:extLst>
+              <a:ext uri="{FF2B5EF4-FFF2-40B4-BE49-F238E27FC236}">
+                <a16:creationId xmlns:a16="http://schemas.microsoft.com/office/drawing/2014/main" id="{443026E3-98CA-45FD-9259-8A73ABED0651}"/>
+              </a:ext>
+            </a:extLst>
+          </p:cNvPr>
+          <p:cNvCxnSpPr/>
+          <p:nvPr/>
+        </p:nvCxnSpPr>
+        <p:spPr>
+          <a:xfrm>
+            <a:off x="11608677" y="2794666"/>
+            <a:ext cx="1192923" cy="0"/>
+          </a:xfrm>
+          <a:prstGeom prst="line">
+            <a:avLst/>
+          </a:prstGeom>
+          <a:ln w="57150">
+            <a:solidFill>
+              <a:schemeClr val="accent4">
+                <a:lumMod val="85000"/>
+                <a:lumOff val="15000"/>
+              </a:schemeClr>
+            </a:solidFill>
+          </a:ln>
+        </p:spPr>
+        <p:style>
+          <a:lnRef idx="1">
+            <a:schemeClr val="accent1"/>
+          </a:lnRef>
+          <a:fillRef idx="0">
+            <a:schemeClr val="accent1"/>
+          </a:fillRef>
+          <a:effectRef idx="0">
+            <a:schemeClr val="accent1"/>
+          </a:effectRef>
+          <a:fontRef idx="minor">
+            <a:schemeClr val="tx1"/>
+          </a:fontRef>
+        </p:style>
+      </p:cxnSp>
+      <p:sp>
+        <p:nvSpPr>
+          <p:cNvPr id="5" name="TextBox 4">
+            <a:extLst>
+              <a:ext uri="{FF2B5EF4-FFF2-40B4-BE49-F238E27FC236}">
+                <a16:creationId xmlns:a16="http://schemas.microsoft.com/office/drawing/2014/main" id="{7E7E6FE3-F14B-462C-8DA4-D67042F239D8}"/>
+              </a:ext>
+            </a:extLst>
+          </p:cNvPr>
+          <p:cNvSpPr txBox="1"/>
+          <p:nvPr/>
+        </p:nvSpPr>
+        <p:spPr>
+          <a:xfrm>
+            <a:off x="10222879" y="1399409"/>
+            <a:ext cx="3931974" cy="1169551"/>
+          </a:xfrm>
+          <a:prstGeom prst="rect">
+            <a:avLst/>
+          </a:prstGeom>
+          <a:noFill/>
+        </p:spPr>
+        <p:txBody>
+          <a:bodyPr wrap="none" rtlCol="0">
+            <a:spAutoFit/>
+          </a:bodyPr>
+          <a:lstStyle/>
+          <a:p>
+            <a:pPr algn="ctr"/>
+            <a:r>
+              <a:rPr lang="en-US" sz="7000" b="1" spc="800" dirty="0">
+                <a:solidFill>
+                  <a:schemeClr val="tx2"/>
+                </a:solidFill>
+                <a:latin typeface="Lato Black" charset="0"/>
+                <a:ea typeface="Lato Black" charset="0"/>
+                <a:cs typeface="Lato Black" charset="0"/>
+              </a:rPr>
+              <a:t>Testing</a:t>
+            </a:r>
+          </a:p>
+        </p:txBody>
+      </p:sp>
       <p:pic>
         <p:nvPicPr>
-          <p:cNvPr id="9" name="Picture Placeholder 8">
+          <p:cNvPr id="6" name="Picture 5">
             <a:extLst>
               <a:ext uri="{FF2B5EF4-FFF2-40B4-BE49-F238E27FC236}">
-                <a16:creationId xmlns:a16="http://schemas.microsoft.com/office/drawing/2014/main" id="{9F098D9D-6292-49FD-AA29-B1E9633BE72D}"/>
+                <a16:creationId xmlns:a16="http://schemas.microsoft.com/office/drawing/2014/main" id="{26FCD5D0-275F-4C20-89DE-9291ECD48371}"/>
               </a:ext>
             </a:extLst>
           </p:cNvPr>
           <p:cNvPicPr>
-            <a:picLocks noGrp="1" noChangeAspect="1"/>
+            <a:picLocks noChangeAspect="1"/>
           </p:cNvPicPr>
-          <p:nvPr>
-            <p:ph type="pic" sz="quarter" idx="16"/>
-          </p:nvPr>
+          <p:nvPr/>
         </p:nvPicPr>
         <p:blipFill>
-          <a:blip r:embed="rId2" cstate="email">
+          <a:blip r:embed="rId2">
             <a:extLst>
               <a:ext uri="{28A0092B-C50C-407E-A947-70E740481C1C}">
                 <a14:useLocalDpi xmlns:a14="http://schemas.microsoft.com/office/drawing/2010/main" val="0"/>
               </a:ext>
             </a:extLst>
           </a:blip>
-          <a:srcRect l="5383" r="5383"/>
           <a:stretch>
             <a:fillRect/>
           </a:stretch>
         </p:blipFill>
         <p:spPr>
           <a:xfrm>
-            <a:off x="4167947" y="3527708"/>
-            <a:ext cx="16041756" cy="9027422"/>
+            <a:off x="563562" y="667164"/>
+            <a:ext cx="1762125" cy="1714500"/>
           </a:xfrm>
+          <a:prstGeom prst="rect">
+            <a:avLst/>
+          </a:prstGeom>
         </p:spPr>
       </p:pic>
+      <p:sp>
+        <p:nvSpPr>
+          <p:cNvPr id="7" name="Subtitle 2">
+            <a:extLst>
+              <a:ext uri="{FF2B5EF4-FFF2-40B4-BE49-F238E27FC236}">
+                <a16:creationId xmlns:a16="http://schemas.microsoft.com/office/drawing/2014/main" id="{BCCF3FE9-31D9-4BB3-82C0-9558E3B93C99}"/>
+              </a:ext>
+            </a:extLst>
+          </p:cNvPr>
+          <p:cNvSpPr txBox="1">
+            <a:spLocks/>
+          </p:cNvSpPr>
+          <p:nvPr/>
+        </p:nvSpPr>
+        <p:spPr>
+          <a:xfrm>
+            <a:off x="2325687" y="3033205"/>
+            <a:ext cx="18183372" cy="10105718"/>
+          </a:xfrm>
+          <a:prstGeom prst="rect">
+            <a:avLst/>
+          </a:prstGeom>
+        </p:spPr>
+        <p:txBody>
+          <a:bodyPr vert="horz" wrap="square" lIns="217490" tIns="108745" rIns="217490" bIns="108745" rtlCol="0">
+            <a:spAutoFit/>
+          </a:bodyPr>
+          <a:lstStyle>
+            <a:lvl1pPr marL="0" indent="0" algn="ctr" defTabSz="1087636" rtl="0" eaLnBrk="1" latinLnBrk="0" hangingPunct="1">
+              <a:lnSpc>
+                <a:spcPct val="120000"/>
+              </a:lnSpc>
+              <a:spcBef>
+                <a:spcPct val="20000"/>
+              </a:spcBef>
+              <a:buFont typeface="Arial"/>
+              <a:buNone/>
+              <a:defRPr sz="2400" kern="1200">
+                <a:solidFill>
+                  <a:schemeClr val="tx2"/>
+                </a:solidFill>
+                <a:latin typeface="Open Sans Light"/>
+                <a:ea typeface="+mn-ea"/>
+                <a:cs typeface="Open Sans Light"/>
+              </a:defRPr>
+            </a:lvl1pPr>
+            <a:lvl2pPr marL="1087636" indent="0" algn="ctr" defTabSz="1087636" rtl="0" eaLnBrk="1" latinLnBrk="0" hangingPunct="1">
+              <a:lnSpc>
+                <a:spcPct val="130000"/>
+              </a:lnSpc>
+              <a:spcBef>
+                <a:spcPct val="20000"/>
+              </a:spcBef>
+              <a:buFont typeface="Arial"/>
+              <a:buNone/>
+              <a:defRPr sz="3200" kern="1200">
+                <a:solidFill>
+                  <a:schemeClr val="tx1">
+                    <a:tint val="75000"/>
+                  </a:schemeClr>
+                </a:solidFill>
+                <a:latin typeface="Open Sans"/>
+                <a:ea typeface="+mn-ea"/>
+                <a:cs typeface="Open Sans"/>
+              </a:defRPr>
+            </a:lvl2pPr>
+            <a:lvl3pPr marL="2175271" indent="0" algn="ctr" defTabSz="1087636" rtl="0" eaLnBrk="1" latinLnBrk="0" hangingPunct="1">
+              <a:lnSpc>
+                <a:spcPct val="130000"/>
+              </a:lnSpc>
+              <a:spcBef>
+                <a:spcPct val="20000"/>
+              </a:spcBef>
+              <a:buFont typeface="Arial"/>
+              <a:buNone/>
+              <a:defRPr sz="3200" kern="1200">
+                <a:solidFill>
+                  <a:schemeClr val="tx1">
+                    <a:tint val="75000"/>
+                  </a:schemeClr>
+                </a:solidFill>
+                <a:latin typeface="Open Sans"/>
+                <a:ea typeface="+mn-ea"/>
+                <a:cs typeface="Open Sans"/>
+              </a:defRPr>
+            </a:lvl3pPr>
+            <a:lvl4pPr marL="3262912" indent="0" algn="ctr" defTabSz="1087636" rtl="0" eaLnBrk="1" latinLnBrk="0" hangingPunct="1">
+              <a:lnSpc>
+                <a:spcPct val="130000"/>
+              </a:lnSpc>
+              <a:spcBef>
+                <a:spcPct val="20000"/>
+              </a:spcBef>
+              <a:buFont typeface="Arial"/>
+              <a:buNone/>
+              <a:defRPr sz="3200" kern="1200">
+                <a:solidFill>
+                  <a:schemeClr val="tx1">
+                    <a:tint val="75000"/>
+                  </a:schemeClr>
+                </a:solidFill>
+                <a:latin typeface="Open Sans"/>
+                <a:ea typeface="+mn-ea"/>
+                <a:cs typeface="Open Sans"/>
+              </a:defRPr>
+            </a:lvl4pPr>
+            <a:lvl5pPr marL="4350546" indent="0" algn="ctr" defTabSz="1087636" rtl="0" eaLnBrk="1" latinLnBrk="0" hangingPunct="1">
+              <a:lnSpc>
+                <a:spcPct val="130000"/>
+              </a:lnSpc>
+              <a:spcBef>
+                <a:spcPct val="20000"/>
+              </a:spcBef>
+              <a:buFont typeface="Arial"/>
+              <a:buNone/>
+              <a:defRPr sz="3200" kern="1200">
+                <a:solidFill>
+                  <a:schemeClr val="tx1">
+                    <a:tint val="75000"/>
+                  </a:schemeClr>
+                </a:solidFill>
+                <a:latin typeface="Open Sans"/>
+                <a:ea typeface="+mn-ea"/>
+                <a:cs typeface="Open Sans"/>
+              </a:defRPr>
+            </a:lvl5pPr>
+            <a:lvl6pPr marL="5438184" indent="0" algn="ctr" defTabSz="1087636" rtl="0" eaLnBrk="1" latinLnBrk="0" hangingPunct="1">
+              <a:spcBef>
+                <a:spcPct val="20000"/>
+              </a:spcBef>
+              <a:buFont typeface="Arial"/>
+              <a:buNone/>
+              <a:defRPr sz="4800" kern="1200">
+                <a:solidFill>
+                  <a:schemeClr val="tx1">
+                    <a:tint val="75000"/>
+                  </a:schemeClr>
+                </a:solidFill>
+                <a:latin typeface="+mn-lt"/>
+                <a:ea typeface="+mn-ea"/>
+                <a:cs typeface="+mn-cs"/>
+              </a:defRPr>
+            </a:lvl6pPr>
+            <a:lvl7pPr marL="6525820" indent="0" algn="ctr" defTabSz="1087636" rtl="0" eaLnBrk="1" latinLnBrk="0" hangingPunct="1">
+              <a:spcBef>
+                <a:spcPct val="20000"/>
+              </a:spcBef>
+              <a:buFont typeface="Arial"/>
+              <a:buNone/>
+              <a:defRPr sz="4800" kern="1200">
+                <a:solidFill>
+                  <a:schemeClr val="tx1">
+                    <a:tint val="75000"/>
+                  </a:schemeClr>
+                </a:solidFill>
+                <a:latin typeface="+mn-lt"/>
+                <a:ea typeface="+mn-ea"/>
+                <a:cs typeface="+mn-cs"/>
+              </a:defRPr>
+            </a:lvl7pPr>
+            <a:lvl8pPr marL="7613455" indent="0" algn="ctr" defTabSz="1087636" rtl="0" eaLnBrk="1" latinLnBrk="0" hangingPunct="1">
+              <a:spcBef>
+                <a:spcPct val="20000"/>
+              </a:spcBef>
+              <a:buFont typeface="Arial"/>
+              <a:buNone/>
+              <a:defRPr sz="4800" kern="1200">
+                <a:solidFill>
+                  <a:schemeClr val="tx1">
+                    <a:tint val="75000"/>
+                  </a:schemeClr>
+                </a:solidFill>
+                <a:latin typeface="+mn-lt"/>
+                <a:ea typeface="+mn-ea"/>
+                <a:cs typeface="+mn-cs"/>
+              </a:defRPr>
+            </a:lvl8pPr>
+            <a:lvl9pPr marL="8701091" indent="0" algn="ctr" defTabSz="1087636" rtl="0" eaLnBrk="1" latinLnBrk="0" hangingPunct="1">
+              <a:spcBef>
+                <a:spcPct val="20000"/>
+              </a:spcBef>
+              <a:buFont typeface="Arial"/>
+              <a:buNone/>
+              <a:defRPr sz="4800" kern="1200">
+                <a:solidFill>
+                  <a:schemeClr val="tx1">
+                    <a:tint val="75000"/>
+                  </a:schemeClr>
+                </a:solidFill>
+                <a:latin typeface="+mn-lt"/>
+                <a:ea typeface="+mn-ea"/>
+                <a:cs typeface="+mn-cs"/>
+              </a:defRPr>
+            </a:lvl9pPr>
+          </a:lstStyle>
+          <a:p>
+            <a:pPr marL="457200" indent="-457200" algn="l">
+              <a:lnSpc>
+                <a:spcPct val="150000"/>
+              </a:lnSpc>
+              <a:buFont typeface="Arial" panose="020B0604020202020204" pitchFamily="34" charset="0"/>
+              <a:buChar char="•"/>
+            </a:pPr>
+            <a:r>
+              <a:rPr lang="en-US" sz="3600" b="1" dirty="0">
+                <a:solidFill>
+                  <a:schemeClr val="tx1">
+                    <a:lumMod val="75000"/>
+                  </a:schemeClr>
+                </a:solidFill>
+                <a:latin typeface="Poppins Light" charset="0"/>
+                <a:ea typeface="Poppins Light" charset="0"/>
+                <a:cs typeface="Poppins Light" charset="0"/>
+              </a:rPr>
+              <a:t>White Box Testing</a:t>
+            </a:r>
+            <a:br>
+              <a:rPr lang="en-US" sz="3600" dirty="0">
+                <a:solidFill>
+                  <a:schemeClr val="tx1">
+                    <a:lumMod val="75000"/>
+                  </a:schemeClr>
+                </a:solidFill>
+                <a:latin typeface="Poppins Light" charset="0"/>
+                <a:ea typeface="Poppins Light" charset="0"/>
+                <a:cs typeface="Poppins Light" charset="0"/>
+              </a:rPr>
+            </a:br>
+            <a:r>
+              <a:rPr lang="en-US" sz="3600" dirty="0">
+                <a:solidFill>
+                  <a:schemeClr val="tx1">
+                    <a:lumMod val="75000"/>
+                  </a:schemeClr>
+                </a:solidFill>
+                <a:latin typeface="Poppins Light" charset="0"/>
+                <a:ea typeface="Poppins Light" charset="0"/>
+                <a:cs typeface="Poppins Light" charset="0"/>
+              </a:rPr>
+              <a:t>This testing is done to ascertain if there are any security holes, poorly structured paths, etc. in the code.</a:t>
+            </a:r>
+            <a:br>
+              <a:rPr lang="en-US" sz="3600" dirty="0">
+                <a:solidFill>
+                  <a:schemeClr val="tx1">
+                    <a:lumMod val="75000"/>
+                  </a:schemeClr>
+                </a:solidFill>
+                <a:latin typeface="Poppins Light" charset="0"/>
+                <a:ea typeface="Poppins Light" charset="0"/>
+                <a:cs typeface="Poppins Light" charset="0"/>
+              </a:rPr>
+            </a:br>
+            <a:r>
+              <a:rPr lang="en-US" sz="3600" b="1" dirty="0">
+                <a:solidFill>
+                  <a:schemeClr val="tx1">
+                    <a:lumMod val="75000"/>
+                  </a:schemeClr>
+                </a:solidFill>
+                <a:latin typeface="Poppins Light" charset="0"/>
+                <a:ea typeface="Poppins Light" charset="0"/>
+                <a:cs typeface="Poppins Light" charset="0"/>
+              </a:rPr>
+              <a:t>1. Code coverage</a:t>
+            </a:r>
+            <a:br>
+              <a:rPr lang="en-US" sz="3600" b="1" dirty="0">
+                <a:solidFill>
+                  <a:schemeClr val="tx1">
+                    <a:lumMod val="75000"/>
+                  </a:schemeClr>
+                </a:solidFill>
+                <a:latin typeface="Poppins Light" charset="0"/>
+                <a:ea typeface="Poppins Light" charset="0"/>
+                <a:cs typeface="Poppins Light" charset="0"/>
+              </a:rPr>
+            </a:br>
+            <a:r>
+              <a:rPr lang="en-US" sz="3600" dirty="0">
+                <a:solidFill>
+                  <a:schemeClr val="tx1">
+                    <a:lumMod val="75000"/>
+                  </a:schemeClr>
+                </a:solidFill>
+                <a:latin typeface="Poppins Light" charset="0"/>
+                <a:ea typeface="Poppins Light" charset="0"/>
+                <a:cs typeface="Poppins Light" charset="0"/>
+              </a:rPr>
+              <a:t>	We noted that we had not checked the code for drawing the thrust tape, and there were 	repetitive drawing calls made for it.</a:t>
+            </a:r>
+            <a:br>
+              <a:rPr lang="en-US" sz="3600" dirty="0">
+                <a:solidFill>
+                  <a:schemeClr val="tx1">
+                    <a:lumMod val="75000"/>
+                  </a:schemeClr>
+                </a:solidFill>
+                <a:latin typeface="Poppins Light" charset="0"/>
+                <a:ea typeface="Poppins Light" charset="0"/>
+                <a:cs typeface="Poppins Light" charset="0"/>
+              </a:rPr>
+            </a:br>
+            <a:r>
+              <a:rPr lang="en-US" sz="3600" dirty="0">
+                <a:solidFill>
+                  <a:schemeClr val="tx1">
+                    <a:lumMod val="75000"/>
+                  </a:schemeClr>
+                </a:solidFill>
+                <a:latin typeface="Poppins Light" charset="0"/>
+                <a:ea typeface="Poppins Light" charset="0"/>
+                <a:cs typeface="Poppins Light" charset="0"/>
+              </a:rPr>
+              <a:t>	To fix it, we made the drawing iterative, at the cost of putting pressure on the garbage 	collector.</a:t>
+            </a:r>
+            <a:br>
+              <a:rPr lang="en-US" sz="3600" dirty="0">
+                <a:solidFill>
+                  <a:schemeClr val="tx1">
+                    <a:lumMod val="75000"/>
+                  </a:schemeClr>
+                </a:solidFill>
+                <a:latin typeface="Poppins Light" charset="0"/>
+                <a:ea typeface="Poppins Light" charset="0"/>
+                <a:cs typeface="Poppins Light" charset="0"/>
+              </a:rPr>
+            </a:br>
+            <a:r>
+              <a:rPr lang="en-US" sz="3600" b="1" dirty="0">
+                <a:solidFill>
+                  <a:schemeClr val="tx1">
+                    <a:lumMod val="75000"/>
+                  </a:schemeClr>
+                </a:solidFill>
+                <a:latin typeface="Poppins Light" charset="0"/>
+                <a:ea typeface="Poppins Light" charset="0"/>
+                <a:cs typeface="Poppins Light" charset="0"/>
+              </a:rPr>
+              <a:t>2. Performance Testing</a:t>
+            </a:r>
+            <a:br>
+              <a:rPr lang="en-US" sz="3600" b="1" dirty="0">
+                <a:solidFill>
+                  <a:schemeClr val="tx1">
+                    <a:lumMod val="75000"/>
+                  </a:schemeClr>
+                </a:solidFill>
+                <a:latin typeface="Poppins Light" charset="0"/>
+                <a:ea typeface="Poppins Light" charset="0"/>
+                <a:cs typeface="Poppins Light" charset="0"/>
+              </a:rPr>
+            </a:br>
+            <a:r>
+              <a:rPr lang="en-US" sz="3600" b="1" dirty="0">
+                <a:solidFill>
+                  <a:schemeClr val="tx1">
+                    <a:lumMod val="75000"/>
+                  </a:schemeClr>
+                </a:solidFill>
+                <a:latin typeface="Poppins Light" charset="0"/>
+                <a:ea typeface="Poppins Light" charset="0"/>
+                <a:cs typeface="Poppins Light" charset="0"/>
+              </a:rPr>
+              <a:t>	</a:t>
+            </a:r>
+            <a:r>
+              <a:rPr lang="en-US" sz="3600" dirty="0">
+                <a:solidFill>
+                  <a:schemeClr val="tx1">
+                    <a:lumMod val="75000"/>
+                  </a:schemeClr>
+                </a:solidFill>
+                <a:latin typeface="Poppins Light" charset="0"/>
+                <a:ea typeface="Poppins Light" charset="0"/>
+                <a:cs typeface="Poppins Light" charset="0"/>
+              </a:rPr>
+              <a:t>The performance is primarily judged by the delay in </a:t>
+            </a:r>
+            <a:r>
+              <a:rPr lang="en-US" sz="3600" dirty="0" err="1">
+                <a:solidFill>
+                  <a:schemeClr val="tx1">
+                    <a:lumMod val="75000"/>
+                  </a:schemeClr>
+                </a:solidFill>
+                <a:latin typeface="Poppins Light" charset="0"/>
+                <a:ea typeface="Poppins Light" charset="0"/>
+                <a:cs typeface="Poppins Light" charset="0"/>
+              </a:rPr>
+              <a:t>updation</a:t>
+            </a:r>
+            <a:r>
+              <a:rPr lang="en-US" sz="3600" dirty="0">
+                <a:solidFill>
+                  <a:schemeClr val="tx1">
+                    <a:lumMod val="75000"/>
+                  </a:schemeClr>
+                </a:solidFill>
+                <a:latin typeface="Poppins Light" charset="0"/>
+                <a:ea typeface="Poppins Light" charset="0"/>
+                <a:cs typeface="Poppins Light" charset="0"/>
+              </a:rPr>
+              <a:t>. The </a:t>
+            </a:r>
+            <a:r>
+              <a:rPr lang="en-US" sz="3600" dirty="0" err="1">
+                <a:solidFill>
+                  <a:schemeClr val="tx1">
+                    <a:lumMod val="75000"/>
+                  </a:schemeClr>
+                </a:solidFill>
+                <a:latin typeface="Poppins Light" charset="0"/>
+                <a:ea typeface="Poppins Light" charset="0"/>
+                <a:cs typeface="Poppins Light" charset="0"/>
+              </a:rPr>
+              <a:t>updation</a:t>
+            </a:r>
+            <a:r>
+              <a:rPr lang="en-US" sz="3600" dirty="0">
+                <a:solidFill>
+                  <a:schemeClr val="tx1">
+                    <a:lumMod val="75000"/>
+                  </a:schemeClr>
+                </a:solidFill>
+                <a:latin typeface="Poppins Light" charset="0"/>
+                <a:ea typeface="Poppins Light" charset="0"/>
+                <a:cs typeface="Poppins Light" charset="0"/>
+              </a:rPr>
+              <a:t> of the 	thrust was found to be slow.</a:t>
+            </a:r>
+            <a:br>
+              <a:rPr lang="en-US" sz="3600" dirty="0">
+                <a:solidFill>
+                  <a:schemeClr val="tx1">
+                    <a:lumMod val="75000"/>
+                  </a:schemeClr>
+                </a:solidFill>
+                <a:latin typeface="Poppins Light" charset="0"/>
+                <a:ea typeface="Poppins Light" charset="0"/>
+                <a:cs typeface="Poppins Light" charset="0"/>
+              </a:rPr>
+            </a:br>
+            <a:r>
+              <a:rPr lang="en-US" sz="3600" dirty="0">
+                <a:solidFill>
+                  <a:schemeClr val="tx1">
+                    <a:lumMod val="75000"/>
+                  </a:schemeClr>
+                </a:solidFill>
+                <a:latin typeface="Poppins Light" charset="0"/>
+                <a:ea typeface="Poppins Light" charset="0"/>
+                <a:cs typeface="Poppins Light" charset="0"/>
+              </a:rPr>
+              <a:t>	The cause</a:t>
+            </a:r>
+          </a:p>
+        </p:txBody>
+      </p:sp>
+    </p:spTree>
+    <p:extLst>
+      <p:ext uri="{BB962C8B-B14F-4D97-AF65-F5344CB8AC3E}">
+        <p14:creationId xmlns:p14="http://schemas.microsoft.com/office/powerpoint/2010/main" val="4169677124"/>
+      </p:ext>
+    </p:extLst>
+  </p:cSld>
+  <p:clrMapOvr>
+    <a:masterClrMapping/>
+  </p:clrMapOvr>
+  <p:transition spd="med" advClick="0">
+    <p:pull/>
+  </p:transition>
+</p:sld>
+</file>
+
+<file path=ppt/slides/slide19.xml><?xml version="1.0" encoding="utf-8"?>
+<p:sld xmlns:a="http://schemas.openxmlformats.org/drawingml/2006/main" xmlns:r="http://schemas.openxmlformats.org/officeDocument/2006/relationships" xmlns:p="http://schemas.openxmlformats.org/presentationml/2006/main">
+  <p:cSld>
+    <p:spTree>
+      <p:nvGrpSpPr>
+        <p:cNvPr id="1" name=""/>
+        <p:cNvGrpSpPr/>
+        <p:nvPr/>
+      </p:nvGrpSpPr>
+      <p:grpSpPr>
+        <a:xfrm>
+          <a:off x="0" y="0"/>
+          <a:ext cx="0" cy="0"/>
+          <a:chOff x="0" y="0"/>
+          <a:chExt cx="0" cy="0"/>
+        </a:xfrm>
+      </p:grpSpPr>
+      <p:sp>
+        <p:nvSpPr>
+          <p:cNvPr id="4" name="Subtitle 2">
+            <a:extLst>
+              <a:ext uri="{FF2B5EF4-FFF2-40B4-BE49-F238E27FC236}">
+                <a16:creationId xmlns:a16="http://schemas.microsoft.com/office/drawing/2014/main" id="{57D18B30-1C72-4FE7-B851-90E5A236293F}"/>
+              </a:ext>
+            </a:extLst>
+          </p:cNvPr>
+          <p:cNvSpPr txBox="1">
+            <a:spLocks/>
+          </p:cNvSpPr>
+          <p:nvPr/>
+        </p:nvSpPr>
+        <p:spPr>
+          <a:xfrm>
+            <a:off x="2325687" y="3033205"/>
+            <a:ext cx="18183372" cy="5950735"/>
+          </a:xfrm>
+          <a:prstGeom prst="rect">
+            <a:avLst/>
+          </a:prstGeom>
+        </p:spPr>
+        <p:txBody>
+          <a:bodyPr vert="horz" wrap="square" lIns="217490" tIns="108745" rIns="217490" bIns="108745" rtlCol="0">
+            <a:spAutoFit/>
+          </a:bodyPr>
+          <a:lstStyle>
+            <a:lvl1pPr marL="0" indent="0" algn="ctr" defTabSz="1087636" rtl="0" eaLnBrk="1" latinLnBrk="0" hangingPunct="1">
+              <a:lnSpc>
+                <a:spcPct val="120000"/>
+              </a:lnSpc>
+              <a:spcBef>
+                <a:spcPct val="20000"/>
+              </a:spcBef>
+              <a:buFont typeface="Arial"/>
+              <a:buNone/>
+              <a:defRPr sz="2400" kern="1200">
+                <a:solidFill>
+                  <a:schemeClr val="tx2"/>
+                </a:solidFill>
+                <a:latin typeface="Open Sans Light"/>
+                <a:ea typeface="+mn-ea"/>
+                <a:cs typeface="Open Sans Light"/>
+              </a:defRPr>
+            </a:lvl1pPr>
+            <a:lvl2pPr marL="1087636" indent="0" algn="ctr" defTabSz="1087636" rtl="0" eaLnBrk="1" latinLnBrk="0" hangingPunct="1">
+              <a:lnSpc>
+                <a:spcPct val="130000"/>
+              </a:lnSpc>
+              <a:spcBef>
+                <a:spcPct val="20000"/>
+              </a:spcBef>
+              <a:buFont typeface="Arial"/>
+              <a:buNone/>
+              <a:defRPr sz="3200" kern="1200">
+                <a:solidFill>
+                  <a:schemeClr val="tx1">
+                    <a:tint val="75000"/>
+                  </a:schemeClr>
+                </a:solidFill>
+                <a:latin typeface="Open Sans"/>
+                <a:ea typeface="+mn-ea"/>
+                <a:cs typeface="Open Sans"/>
+              </a:defRPr>
+            </a:lvl2pPr>
+            <a:lvl3pPr marL="2175271" indent="0" algn="ctr" defTabSz="1087636" rtl="0" eaLnBrk="1" latinLnBrk="0" hangingPunct="1">
+              <a:lnSpc>
+                <a:spcPct val="130000"/>
+              </a:lnSpc>
+              <a:spcBef>
+                <a:spcPct val="20000"/>
+              </a:spcBef>
+              <a:buFont typeface="Arial"/>
+              <a:buNone/>
+              <a:defRPr sz="3200" kern="1200">
+                <a:solidFill>
+                  <a:schemeClr val="tx1">
+                    <a:tint val="75000"/>
+                  </a:schemeClr>
+                </a:solidFill>
+                <a:latin typeface="Open Sans"/>
+                <a:ea typeface="+mn-ea"/>
+                <a:cs typeface="Open Sans"/>
+              </a:defRPr>
+            </a:lvl3pPr>
+            <a:lvl4pPr marL="3262912" indent="0" algn="ctr" defTabSz="1087636" rtl="0" eaLnBrk="1" latinLnBrk="0" hangingPunct="1">
+              <a:lnSpc>
+                <a:spcPct val="130000"/>
+              </a:lnSpc>
+              <a:spcBef>
+                <a:spcPct val="20000"/>
+              </a:spcBef>
+              <a:buFont typeface="Arial"/>
+              <a:buNone/>
+              <a:defRPr sz="3200" kern="1200">
+                <a:solidFill>
+                  <a:schemeClr val="tx1">
+                    <a:tint val="75000"/>
+                  </a:schemeClr>
+                </a:solidFill>
+                <a:latin typeface="Open Sans"/>
+                <a:ea typeface="+mn-ea"/>
+                <a:cs typeface="Open Sans"/>
+              </a:defRPr>
+            </a:lvl4pPr>
+            <a:lvl5pPr marL="4350546" indent="0" algn="ctr" defTabSz="1087636" rtl="0" eaLnBrk="1" latinLnBrk="0" hangingPunct="1">
+              <a:lnSpc>
+                <a:spcPct val="130000"/>
+              </a:lnSpc>
+              <a:spcBef>
+                <a:spcPct val="20000"/>
+              </a:spcBef>
+              <a:buFont typeface="Arial"/>
+              <a:buNone/>
+              <a:defRPr sz="3200" kern="1200">
+                <a:solidFill>
+                  <a:schemeClr val="tx1">
+                    <a:tint val="75000"/>
+                  </a:schemeClr>
+                </a:solidFill>
+                <a:latin typeface="Open Sans"/>
+                <a:ea typeface="+mn-ea"/>
+                <a:cs typeface="Open Sans"/>
+              </a:defRPr>
+            </a:lvl5pPr>
+            <a:lvl6pPr marL="5438184" indent="0" algn="ctr" defTabSz="1087636" rtl="0" eaLnBrk="1" latinLnBrk="0" hangingPunct="1">
+              <a:spcBef>
+                <a:spcPct val="20000"/>
+              </a:spcBef>
+              <a:buFont typeface="Arial"/>
+              <a:buNone/>
+              <a:defRPr sz="4800" kern="1200">
+                <a:solidFill>
+                  <a:schemeClr val="tx1">
+                    <a:tint val="75000"/>
+                  </a:schemeClr>
+                </a:solidFill>
+                <a:latin typeface="+mn-lt"/>
+                <a:ea typeface="+mn-ea"/>
+                <a:cs typeface="+mn-cs"/>
+              </a:defRPr>
+            </a:lvl6pPr>
+            <a:lvl7pPr marL="6525820" indent="0" algn="ctr" defTabSz="1087636" rtl="0" eaLnBrk="1" latinLnBrk="0" hangingPunct="1">
+              <a:spcBef>
+                <a:spcPct val="20000"/>
+              </a:spcBef>
+              <a:buFont typeface="Arial"/>
+              <a:buNone/>
+              <a:defRPr sz="4800" kern="1200">
+                <a:solidFill>
+                  <a:schemeClr val="tx1">
+                    <a:tint val="75000"/>
+                  </a:schemeClr>
+                </a:solidFill>
+                <a:latin typeface="+mn-lt"/>
+                <a:ea typeface="+mn-ea"/>
+                <a:cs typeface="+mn-cs"/>
+              </a:defRPr>
+            </a:lvl7pPr>
+            <a:lvl8pPr marL="7613455" indent="0" algn="ctr" defTabSz="1087636" rtl="0" eaLnBrk="1" latinLnBrk="0" hangingPunct="1">
+              <a:spcBef>
+                <a:spcPct val="20000"/>
+              </a:spcBef>
+              <a:buFont typeface="Arial"/>
+              <a:buNone/>
+              <a:defRPr sz="4800" kern="1200">
+                <a:solidFill>
+                  <a:schemeClr val="tx1">
+                    <a:tint val="75000"/>
+                  </a:schemeClr>
+                </a:solidFill>
+                <a:latin typeface="+mn-lt"/>
+                <a:ea typeface="+mn-ea"/>
+                <a:cs typeface="+mn-cs"/>
+              </a:defRPr>
+            </a:lvl8pPr>
+            <a:lvl9pPr marL="8701091" indent="0" algn="ctr" defTabSz="1087636" rtl="0" eaLnBrk="1" latinLnBrk="0" hangingPunct="1">
+              <a:spcBef>
+                <a:spcPct val="20000"/>
+              </a:spcBef>
+              <a:buFont typeface="Arial"/>
+              <a:buNone/>
+              <a:defRPr sz="4800" kern="1200">
+                <a:solidFill>
+                  <a:schemeClr val="tx1">
+                    <a:tint val="75000"/>
+                  </a:schemeClr>
+                </a:solidFill>
+                <a:latin typeface="+mn-lt"/>
+                <a:ea typeface="+mn-ea"/>
+                <a:cs typeface="+mn-cs"/>
+              </a:defRPr>
+            </a:lvl9pPr>
+          </a:lstStyle>
+          <a:p>
+            <a:pPr algn="l">
+              <a:lnSpc>
+                <a:spcPct val="150000"/>
+              </a:lnSpc>
+            </a:pPr>
+            <a:r>
+              <a:rPr lang="en-US" sz="3600" b="1" dirty="0">
+                <a:solidFill>
+                  <a:schemeClr val="tx1">
+                    <a:lumMod val="75000"/>
+                  </a:schemeClr>
+                </a:solidFill>
+                <a:latin typeface="Poppins Light" charset="0"/>
+                <a:ea typeface="Poppins Light" charset="0"/>
+                <a:cs typeface="Poppins Light" charset="0"/>
+              </a:rPr>
+              <a:t>   2. Performance Testing</a:t>
+            </a:r>
+            <a:br>
+              <a:rPr lang="en-US" sz="3600" b="1" dirty="0">
+                <a:solidFill>
+                  <a:schemeClr val="tx1">
+                    <a:lumMod val="75000"/>
+                  </a:schemeClr>
+                </a:solidFill>
+                <a:latin typeface="Poppins Light" charset="0"/>
+                <a:ea typeface="Poppins Light" charset="0"/>
+                <a:cs typeface="Poppins Light" charset="0"/>
+              </a:rPr>
+            </a:br>
+            <a:r>
+              <a:rPr lang="en-US" sz="3600" b="1" dirty="0">
+                <a:solidFill>
+                  <a:schemeClr val="tx1">
+                    <a:lumMod val="75000"/>
+                  </a:schemeClr>
+                </a:solidFill>
+                <a:latin typeface="Poppins Light" charset="0"/>
+                <a:ea typeface="Poppins Light" charset="0"/>
+                <a:cs typeface="Poppins Light" charset="0"/>
+              </a:rPr>
+              <a:t>	</a:t>
+            </a:r>
+            <a:r>
+              <a:rPr lang="en-US" sz="3600" dirty="0">
+                <a:solidFill>
+                  <a:schemeClr val="tx1">
+                    <a:lumMod val="75000"/>
+                  </a:schemeClr>
+                </a:solidFill>
+                <a:latin typeface="Poppins Light" charset="0"/>
+                <a:ea typeface="Poppins Light" charset="0"/>
+                <a:cs typeface="Poppins Light" charset="0"/>
+              </a:rPr>
+              <a:t>The performance is primarily judged by the delay in </a:t>
+            </a:r>
+            <a:r>
+              <a:rPr lang="en-US" sz="3600" dirty="0" err="1">
+                <a:solidFill>
+                  <a:schemeClr val="tx1">
+                    <a:lumMod val="75000"/>
+                  </a:schemeClr>
+                </a:solidFill>
+                <a:latin typeface="Poppins Light" charset="0"/>
+                <a:ea typeface="Poppins Light" charset="0"/>
+                <a:cs typeface="Poppins Light" charset="0"/>
+              </a:rPr>
+              <a:t>updation</a:t>
+            </a:r>
+            <a:r>
+              <a:rPr lang="en-US" sz="3600" dirty="0">
+                <a:solidFill>
+                  <a:schemeClr val="tx1">
+                    <a:lumMod val="75000"/>
+                  </a:schemeClr>
+                </a:solidFill>
+                <a:latin typeface="Poppins Light" charset="0"/>
+                <a:ea typeface="Poppins Light" charset="0"/>
+                <a:cs typeface="Poppins Light" charset="0"/>
+              </a:rPr>
+              <a:t>. The </a:t>
+            </a:r>
+            <a:r>
+              <a:rPr lang="en-US" sz="3600" dirty="0" err="1">
+                <a:solidFill>
+                  <a:schemeClr val="tx1">
+                    <a:lumMod val="75000"/>
+                  </a:schemeClr>
+                </a:solidFill>
+                <a:latin typeface="Poppins Light" charset="0"/>
+                <a:ea typeface="Poppins Light" charset="0"/>
+                <a:cs typeface="Poppins Light" charset="0"/>
+              </a:rPr>
+              <a:t>updation</a:t>
+            </a:r>
+            <a:r>
+              <a:rPr lang="en-US" sz="3600" dirty="0">
+                <a:solidFill>
+                  <a:schemeClr val="tx1">
+                    <a:lumMod val="75000"/>
+                  </a:schemeClr>
+                </a:solidFill>
+                <a:latin typeface="Poppins Light" charset="0"/>
+                <a:ea typeface="Poppins Light" charset="0"/>
+                <a:cs typeface="Poppins Light" charset="0"/>
+              </a:rPr>
+              <a:t> of the 	thrust was found to be slow.</a:t>
+            </a:r>
+            <a:br>
+              <a:rPr lang="en-US" sz="3600" dirty="0">
+                <a:solidFill>
+                  <a:schemeClr val="tx1">
+                    <a:lumMod val="75000"/>
+                  </a:schemeClr>
+                </a:solidFill>
+                <a:latin typeface="Poppins Light" charset="0"/>
+                <a:ea typeface="Poppins Light" charset="0"/>
+                <a:cs typeface="Poppins Light" charset="0"/>
+              </a:rPr>
+            </a:br>
+            <a:r>
+              <a:rPr lang="en-US" sz="3600" dirty="0">
+                <a:solidFill>
+                  <a:schemeClr val="tx1">
+                    <a:lumMod val="75000"/>
+                  </a:schemeClr>
+                </a:solidFill>
+                <a:latin typeface="Poppins Light" charset="0"/>
+                <a:ea typeface="Poppins Light" charset="0"/>
+                <a:cs typeface="Poppins Light" charset="0"/>
+              </a:rPr>
+              <a:t>	The cause was determined to be overhead of drawing calls resulting in recalculation of 	the scaling factor.</a:t>
+            </a:r>
+            <a:br>
+              <a:rPr lang="en-US" sz="3600" dirty="0">
+                <a:solidFill>
+                  <a:schemeClr val="tx1">
+                    <a:lumMod val="75000"/>
+                  </a:schemeClr>
+                </a:solidFill>
+                <a:latin typeface="Poppins Light" charset="0"/>
+                <a:ea typeface="Poppins Light" charset="0"/>
+                <a:cs typeface="Poppins Light" charset="0"/>
+              </a:rPr>
+            </a:br>
+            <a:r>
+              <a:rPr lang="en-US" sz="3600" dirty="0">
+                <a:solidFill>
+                  <a:schemeClr val="tx1">
+                    <a:lumMod val="75000"/>
+                  </a:schemeClr>
+                </a:solidFill>
+                <a:latin typeface="Poppins Light" charset="0"/>
+                <a:ea typeface="Poppins Light" charset="0"/>
+                <a:cs typeface="Poppins Light" charset="0"/>
+              </a:rPr>
+              <a:t>	This was fixed by predetermining the scale for a particular tape length and confining 	movement  of the indicator within its length.</a:t>
+            </a:r>
+          </a:p>
+        </p:txBody>
+      </p:sp>
       <p:cxnSp>
         <p:nvCxnSpPr>
           <p:cNvPr id="5" name="Straight Connector 4">
             <a:extLst>
               <a:ext uri="{FF2B5EF4-FFF2-40B4-BE49-F238E27FC236}">
-                <a16:creationId xmlns:a16="http://schemas.microsoft.com/office/drawing/2014/main" id="{A3D3E8BD-2F8A-4020-B00F-8E2AF732665A}"/>
+                <a16:creationId xmlns:a16="http://schemas.microsoft.com/office/drawing/2014/main" id="{7643616A-88F0-42FF-A4BC-AE3BF246504F}"/>
               </a:ext>
             </a:extLst>
           </p:cNvPr>
@@ -5773,7 +6938,7 @@
           <p:cNvPr id="6" name="TextBox 5">
             <a:extLst>
               <a:ext uri="{FF2B5EF4-FFF2-40B4-BE49-F238E27FC236}">
-                <a16:creationId xmlns:a16="http://schemas.microsoft.com/office/drawing/2014/main" id="{ADB8C90F-7BFB-4A28-8005-CFFDFE8651CE}"/>
+                <a16:creationId xmlns:a16="http://schemas.microsoft.com/office/drawing/2014/main" id="{0D9781AA-844F-413E-8A32-6A41081B400A}"/>
               </a:ext>
             </a:extLst>
           </p:cNvPr>
@@ -5782,8 +6947,8 @@
         </p:nvSpPr>
         <p:spPr>
           <a:xfrm>
-            <a:off x="10117625" y="1160870"/>
-            <a:ext cx="4142481" cy="1169551"/>
+            <a:off x="10222879" y="1399409"/>
+            <a:ext cx="3931974" cy="1169551"/>
           </a:xfrm>
           <a:prstGeom prst="rect">
             <a:avLst/>
@@ -5806,7 +6971,7 @@
                 <a:ea typeface="Lato Black" charset="0"/>
                 <a:cs typeface="Lato Black" charset="0"/>
               </a:rPr>
-              <a:t>Results</a:t>
+              <a:t>Testing</a:t>
             </a:r>
           </a:p>
         </p:txBody>
@@ -5816,7 +6981,7 @@
           <p:cNvPr id="7" name="Picture 6">
             <a:extLst>
               <a:ext uri="{FF2B5EF4-FFF2-40B4-BE49-F238E27FC236}">
-                <a16:creationId xmlns:a16="http://schemas.microsoft.com/office/drawing/2014/main" id="{83E0460E-8214-4432-BF86-CA45EE478836}"/>
+                <a16:creationId xmlns:a16="http://schemas.microsoft.com/office/drawing/2014/main" id="{D620EECF-0D22-439C-A402-88DC6B186590}"/>
               </a:ext>
             </a:extLst>
           </p:cNvPr>
@@ -5826,7 +6991,7 @@
           <p:nvPr/>
         </p:nvPicPr>
         <p:blipFill>
-          <a:blip r:embed="rId3">
+          <a:blip r:embed="rId2">
             <a:extLst>
               <a:ext uri="{28A0092B-C50C-407E-A947-70E740481C1C}">
                 <a14:useLocalDpi xmlns:a14="http://schemas.microsoft.com/office/drawing/2010/main" val="0"/>
@@ -5839,7 +7004,7 @@
         </p:blipFill>
         <p:spPr>
           <a:xfrm>
-            <a:off x="563562" y="428625"/>
+            <a:off x="563562" y="667164"/>
             <a:ext cx="1762125" cy="1714500"/>
           </a:xfrm>
           <a:prstGeom prst="rect">
@@ -5847,502 +7012,10 @@
           </a:prstGeom>
         </p:spPr>
       </p:pic>
-      <p:sp>
-        <p:nvSpPr>
-          <p:cNvPr id="10" name="TextBox 9">
-            <a:extLst>
-              <a:ext uri="{FF2B5EF4-FFF2-40B4-BE49-F238E27FC236}">
-                <a16:creationId xmlns:a16="http://schemas.microsoft.com/office/drawing/2014/main" id="{A1A155D2-E864-4C13-BC4E-2ACB9547DF40}"/>
-              </a:ext>
-            </a:extLst>
-          </p:cNvPr>
-          <p:cNvSpPr txBox="1"/>
-          <p:nvPr/>
-        </p:nvSpPr>
-        <p:spPr>
-          <a:xfrm>
-            <a:off x="4333461" y="12555130"/>
-            <a:ext cx="15584556" cy="646331"/>
-          </a:xfrm>
-          <a:prstGeom prst="rect">
-            <a:avLst/>
-          </a:prstGeom>
-          <a:noFill/>
-        </p:spPr>
-        <p:txBody>
-          <a:bodyPr wrap="square" rtlCol="0">
-            <a:spAutoFit/>
-          </a:bodyPr>
-          <a:lstStyle/>
-          <a:p>
-            <a:pPr algn="ctr"/>
-            <a:r>
-              <a:rPr lang="en-US" dirty="0">
-                <a:solidFill>
-                  <a:schemeClr val="tx2"/>
-                </a:solidFill>
-              </a:rPr>
-              <a:t>Fig. 2:</a:t>
-            </a:r>
-            <a:r>
-              <a:rPr lang="en-US" dirty="0"/>
-              <a:t> Plane in motion – attaining cruise altitude</a:t>
-            </a:r>
-            <a:endParaRPr lang="en-IN" dirty="0"/>
-          </a:p>
-        </p:txBody>
-      </p:sp>
     </p:spTree>
     <p:extLst>
       <p:ext uri="{BB962C8B-B14F-4D97-AF65-F5344CB8AC3E}">
-        <p14:creationId xmlns:p14="http://schemas.microsoft.com/office/powerpoint/2010/main" val="2919185757"/>
-      </p:ext>
-    </p:extLst>
-  </p:cSld>
-  <p:clrMapOvr>
-    <a:masterClrMapping/>
-  </p:clrMapOvr>
-  <p:transition spd="med" advClick="0">
-    <p:pull/>
-  </p:transition>
-</p:sld>
-</file>
-
-<file path=ppt/slides/slide19.xml><?xml version="1.0" encoding="utf-8"?>
-<p:sld xmlns:a="http://schemas.openxmlformats.org/drawingml/2006/main" xmlns:r="http://schemas.openxmlformats.org/officeDocument/2006/relationships" xmlns:p="http://schemas.openxmlformats.org/presentationml/2006/main">
-  <p:cSld>
-    <p:spTree>
-      <p:nvGrpSpPr>
-        <p:cNvPr id="1" name=""/>
-        <p:cNvGrpSpPr/>
-        <p:nvPr/>
-      </p:nvGrpSpPr>
-      <p:grpSpPr>
-        <a:xfrm>
-          <a:off x="0" y="0"/>
-          <a:ext cx="0" cy="0"/>
-          <a:chOff x="0" y="0"/>
-          <a:chExt cx="0" cy="0"/>
-        </a:xfrm>
-      </p:grpSpPr>
-      <p:cxnSp>
-        <p:nvCxnSpPr>
-          <p:cNvPr id="10" name="Straight Connector 9"/>
-          <p:cNvCxnSpPr/>
-          <p:nvPr/>
-        </p:nvCxnSpPr>
-        <p:spPr>
-          <a:xfrm>
-            <a:off x="11608677" y="2794666"/>
-            <a:ext cx="1192923" cy="0"/>
-          </a:xfrm>
-          <a:prstGeom prst="line">
-            <a:avLst/>
-          </a:prstGeom>
-          <a:ln w="57150">
-            <a:solidFill>
-              <a:schemeClr val="accent1"/>
-            </a:solidFill>
-          </a:ln>
-        </p:spPr>
-        <p:style>
-          <a:lnRef idx="1">
-            <a:schemeClr val="accent1"/>
-          </a:lnRef>
-          <a:fillRef idx="0">
-            <a:schemeClr val="accent1"/>
-          </a:fillRef>
-          <a:effectRef idx="0">
-            <a:schemeClr val="accent1"/>
-          </a:effectRef>
-          <a:fontRef idx="minor">
-            <a:schemeClr val="tx1"/>
-          </a:fontRef>
-        </p:style>
-      </p:cxnSp>
-      <p:sp>
-        <p:nvSpPr>
-          <p:cNvPr id="11" name="TextBox 10"/>
-          <p:cNvSpPr txBox="1"/>
-          <p:nvPr/>
-        </p:nvSpPr>
-        <p:spPr>
-          <a:xfrm>
-            <a:off x="9140596" y="1160870"/>
-            <a:ext cx="6096541" cy="1169551"/>
-          </a:xfrm>
-          <a:prstGeom prst="rect">
-            <a:avLst/>
-          </a:prstGeom>
-          <a:noFill/>
-        </p:spPr>
-        <p:txBody>
-          <a:bodyPr wrap="none" rtlCol="0">
-            <a:spAutoFit/>
-          </a:bodyPr>
-          <a:lstStyle/>
-          <a:p>
-            <a:pPr algn="ctr"/>
-            <a:r>
-              <a:rPr lang="en-US" sz="7000" b="1" spc="800" dirty="0">
-                <a:solidFill>
-                  <a:schemeClr val="tx2"/>
-                </a:solidFill>
-                <a:latin typeface="Lato Black" charset="0"/>
-                <a:ea typeface="Lato Black" charset="0"/>
-                <a:cs typeface="Lato Black" charset="0"/>
-              </a:rPr>
-              <a:t>Conclusion</a:t>
-            </a:r>
-          </a:p>
-        </p:txBody>
-      </p:sp>
-      <p:pic>
-        <p:nvPicPr>
-          <p:cNvPr id="2" name="Picture 1"/>
-          <p:cNvPicPr>
-            <a:picLocks noChangeAspect="1"/>
-          </p:cNvPicPr>
-          <p:nvPr/>
-        </p:nvPicPr>
-        <p:blipFill>
-          <a:blip r:embed="rId3" cstate="print">
-            <a:extLst>
-              <a:ext uri="{28A0092B-C50C-407E-A947-70E740481C1C}">
-                <a14:useLocalDpi xmlns:a14="http://schemas.microsoft.com/office/drawing/2010/main" val="0"/>
-              </a:ext>
-            </a:extLst>
-          </a:blip>
-          <a:stretch>
-            <a:fillRect/>
-          </a:stretch>
-        </p:blipFill>
-        <p:spPr>
-          <a:xfrm>
-            <a:off x="10876303" y="3410466"/>
-            <a:ext cx="2657669" cy="2657669"/>
-          </a:xfrm>
-          <a:prstGeom prst="rect">
-            <a:avLst/>
-          </a:prstGeom>
-        </p:spPr>
-      </p:pic>
-      <p:pic>
-        <p:nvPicPr>
-          <p:cNvPr id="9" name="Picture 8"/>
-          <p:cNvPicPr>
-            <a:picLocks noChangeAspect="1"/>
-          </p:cNvPicPr>
-          <p:nvPr/>
-        </p:nvPicPr>
-        <p:blipFill>
-          <a:blip r:embed="rId4">
-            <a:extLst>
-              <a:ext uri="{28A0092B-C50C-407E-A947-70E740481C1C}">
-                <a14:useLocalDpi xmlns:a14="http://schemas.microsoft.com/office/drawing/2010/main" val="0"/>
-              </a:ext>
-            </a:extLst>
-          </a:blip>
-          <a:stretch>
-            <a:fillRect/>
-          </a:stretch>
-        </p:blipFill>
-        <p:spPr>
-          <a:xfrm>
-            <a:off x="563562" y="428625"/>
-            <a:ext cx="1762125" cy="1714500"/>
-          </a:xfrm>
-          <a:prstGeom prst="rect">
-            <a:avLst/>
-          </a:prstGeom>
-        </p:spPr>
-      </p:pic>
-      <p:sp>
-        <p:nvSpPr>
-          <p:cNvPr id="6" name="Subtitle 2">
-            <a:extLst>
-              <a:ext uri="{FF2B5EF4-FFF2-40B4-BE49-F238E27FC236}">
-                <a16:creationId xmlns:a16="http://schemas.microsoft.com/office/drawing/2014/main" id="{1CBEDBCF-E90E-419A-9DCB-AB3F29D456CB}"/>
-              </a:ext>
-            </a:extLst>
-          </p:cNvPr>
-          <p:cNvSpPr txBox="1">
-            <a:spLocks/>
-          </p:cNvSpPr>
-          <p:nvPr/>
-        </p:nvSpPr>
-        <p:spPr>
-          <a:xfrm>
-            <a:off x="563562" y="6886859"/>
-            <a:ext cx="19842927" cy="5636481"/>
-          </a:xfrm>
-          <a:prstGeom prst="rect">
-            <a:avLst/>
-          </a:prstGeom>
-        </p:spPr>
-        <p:txBody>
-          <a:bodyPr vert="horz" wrap="square" lIns="217490" tIns="108745" rIns="217490" bIns="108745" rtlCol="0">
-            <a:spAutoFit/>
-          </a:bodyPr>
-          <a:lstStyle>
-            <a:lvl1pPr marL="0" indent="0" algn="ctr" defTabSz="1087636" rtl="0" eaLnBrk="1" latinLnBrk="0" hangingPunct="1">
-              <a:lnSpc>
-                <a:spcPct val="120000"/>
-              </a:lnSpc>
-              <a:spcBef>
-                <a:spcPct val="20000"/>
-              </a:spcBef>
-              <a:buFont typeface="Arial"/>
-              <a:buNone/>
-              <a:defRPr sz="2400" kern="1200">
-                <a:solidFill>
-                  <a:schemeClr val="tx2"/>
-                </a:solidFill>
-                <a:latin typeface="Open Sans Light"/>
-                <a:ea typeface="+mn-ea"/>
-                <a:cs typeface="Open Sans Light"/>
-              </a:defRPr>
-            </a:lvl1pPr>
-            <a:lvl2pPr marL="1087636" indent="0" algn="ctr" defTabSz="1087636" rtl="0" eaLnBrk="1" latinLnBrk="0" hangingPunct="1">
-              <a:lnSpc>
-                <a:spcPct val="130000"/>
-              </a:lnSpc>
-              <a:spcBef>
-                <a:spcPct val="20000"/>
-              </a:spcBef>
-              <a:buFont typeface="Arial"/>
-              <a:buNone/>
-              <a:defRPr sz="3200" kern="1200">
-                <a:solidFill>
-                  <a:schemeClr val="tx1">
-                    <a:tint val="75000"/>
-                  </a:schemeClr>
-                </a:solidFill>
-                <a:latin typeface="Open Sans"/>
-                <a:ea typeface="+mn-ea"/>
-                <a:cs typeface="Open Sans"/>
-              </a:defRPr>
-            </a:lvl2pPr>
-            <a:lvl3pPr marL="2175271" indent="0" algn="ctr" defTabSz="1087636" rtl="0" eaLnBrk="1" latinLnBrk="0" hangingPunct="1">
-              <a:lnSpc>
-                <a:spcPct val="130000"/>
-              </a:lnSpc>
-              <a:spcBef>
-                <a:spcPct val="20000"/>
-              </a:spcBef>
-              <a:buFont typeface="Arial"/>
-              <a:buNone/>
-              <a:defRPr sz="3200" kern="1200">
-                <a:solidFill>
-                  <a:schemeClr val="tx1">
-                    <a:tint val="75000"/>
-                  </a:schemeClr>
-                </a:solidFill>
-                <a:latin typeface="Open Sans"/>
-                <a:ea typeface="+mn-ea"/>
-                <a:cs typeface="Open Sans"/>
-              </a:defRPr>
-            </a:lvl3pPr>
-            <a:lvl4pPr marL="3262912" indent="0" algn="ctr" defTabSz="1087636" rtl="0" eaLnBrk="1" latinLnBrk="0" hangingPunct="1">
-              <a:lnSpc>
-                <a:spcPct val="130000"/>
-              </a:lnSpc>
-              <a:spcBef>
-                <a:spcPct val="20000"/>
-              </a:spcBef>
-              <a:buFont typeface="Arial"/>
-              <a:buNone/>
-              <a:defRPr sz="3200" kern="1200">
-                <a:solidFill>
-                  <a:schemeClr val="tx1">
-                    <a:tint val="75000"/>
-                  </a:schemeClr>
-                </a:solidFill>
-                <a:latin typeface="Open Sans"/>
-                <a:ea typeface="+mn-ea"/>
-                <a:cs typeface="Open Sans"/>
-              </a:defRPr>
-            </a:lvl4pPr>
-            <a:lvl5pPr marL="4350546" indent="0" algn="ctr" defTabSz="1087636" rtl="0" eaLnBrk="1" latinLnBrk="0" hangingPunct="1">
-              <a:lnSpc>
-                <a:spcPct val="130000"/>
-              </a:lnSpc>
-              <a:spcBef>
-                <a:spcPct val="20000"/>
-              </a:spcBef>
-              <a:buFont typeface="Arial"/>
-              <a:buNone/>
-              <a:defRPr sz="3200" kern="1200">
-                <a:solidFill>
-                  <a:schemeClr val="tx1">
-                    <a:tint val="75000"/>
-                  </a:schemeClr>
-                </a:solidFill>
-                <a:latin typeface="Open Sans"/>
-                <a:ea typeface="+mn-ea"/>
-                <a:cs typeface="Open Sans"/>
-              </a:defRPr>
-            </a:lvl5pPr>
-            <a:lvl6pPr marL="5438184" indent="0" algn="ctr" defTabSz="1087636" rtl="0" eaLnBrk="1" latinLnBrk="0" hangingPunct="1">
-              <a:spcBef>
-                <a:spcPct val="20000"/>
-              </a:spcBef>
-              <a:buFont typeface="Arial"/>
-              <a:buNone/>
-              <a:defRPr sz="4800" kern="1200">
-                <a:solidFill>
-                  <a:schemeClr val="tx1">
-                    <a:tint val="75000"/>
-                  </a:schemeClr>
-                </a:solidFill>
-                <a:latin typeface="+mn-lt"/>
-                <a:ea typeface="+mn-ea"/>
-                <a:cs typeface="+mn-cs"/>
-              </a:defRPr>
-            </a:lvl6pPr>
-            <a:lvl7pPr marL="6525820" indent="0" algn="ctr" defTabSz="1087636" rtl="0" eaLnBrk="1" latinLnBrk="0" hangingPunct="1">
-              <a:spcBef>
-                <a:spcPct val="20000"/>
-              </a:spcBef>
-              <a:buFont typeface="Arial"/>
-              <a:buNone/>
-              <a:defRPr sz="4800" kern="1200">
-                <a:solidFill>
-                  <a:schemeClr val="tx1">
-                    <a:tint val="75000"/>
-                  </a:schemeClr>
-                </a:solidFill>
-                <a:latin typeface="+mn-lt"/>
-                <a:ea typeface="+mn-ea"/>
-                <a:cs typeface="+mn-cs"/>
-              </a:defRPr>
-            </a:lvl7pPr>
-            <a:lvl8pPr marL="7613455" indent="0" algn="ctr" defTabSz="1087636" rtl="0" eaLnBrk="1" latinLnBrk="0" hangingPunct="1">
-              <a:spcBef>
-                <a:spcPct val="20000"/>
-              </a:spcBef>
-              <a:buFont typeface="Arial"/>
-              <a:buNone/>
-              <a:defRPr sz="4800" kern="1200">
-                <a:solidFill>
-                  <a:schemeClr val="tx1">
-                    <a:tint val="75000"/>
-                  </a:schemeClr>
-                </a:solidFill>
-                <a:latin typeface="+mn-lt"/>
-                <a:ea typeface="+mn-ea"/>
-                <a:cs typeface="+mn-cs"/>
-              </a:defRPr>
-            </a:lvl8pPr>
-            <a:lvl9pPr marL="8701091" indent="0" algn="ctr" defTabSz="1087636" rtl="0" eaLnBrk="1" latinLnBrk="0" hangingPunct="1">
-              <a:spcBef>
-                <a:spcPct val="20000"/>
-              </a:spcBef>
-              <a:buFont typeface="Arial"/>
-              <a:buNone/>
-              <a:defRPr sz="4800" kern="1200">
-                <a:solidFill>
-                  <a:schemeClr val="tx1">
-                    <a:tint val="75000"/>
-                  </a:schemeClr>
-                </a:solidFill>
-                <a:latin typeface="+mn-lt"/>
-                <a:ea typeface="+mn-ea"/>
-                <a:cs typeface="+mn-cs"/>
-              </a:defRPr>
-            </a:lvl9pPr>
-          </a:lstStyle>
-          <a:p>
-            <a:pPr marL="342900" indent="-342900" algn="l">
-              <a:lnSpc>
-                <a:spcPct val="100000"/>
-              </a:lnSpc>
-              <a:buFont typeface="Arial" panose="020B0604020202020204" pitchFamily="34" charset="0"/>
-              <a:buChar char="•"/>
-            </a:pPr>
-            <a:r>
-              <a:rPr lang="en-US" sz="4000" dirty="0">
-                <a:latin typeface="Times New Roman" panose="02020603050405020304" pitchFamily="18" charset="0"/>
-                <a:ea typeface="Poppins Light" charset="0"/>
-                <a:cs typeface="Times New Roman" panose="02020603050405020304" pitchFamily="18" charset="0"/>
-              </a:rPr>
-              <a:t>Canvas API was found to be suitable for drawing the HUD.</a:t>
-            </a:r>
-          </a:p>
-          <a:p>
-            <a:pPr marL="342900" indent="-342900" algn="l">
-              <a:lnSpc>
-                <a:spcPct val="100000"/>
-              </a:lnSpc>
-              <a:buFont typeface="Arial" panose="020B0604020202020204" pitchFamily="34" charset="0"/>
-              <a:buChar char="•"/>
-            </a:pPr>
-            <a:r>
-              <a:rPr lang="en-US" sz="4000" dirty="0">
-                <a:latin typeface="Times New Roman" panose="02020603050405020304" pitchFamily="18" charset="0"/>
-                <a:ea typeface="Poppins Light" charset="0"/>
-                <a:cs typeface="Times New Roman" panose="02020603050405020304" pitchFamily="18" charset="0"/>
-              </a:rPr>
-              <a:t>The time taken to update the pitch and yaw from the property tree was found to be negligible.</a:t>
-            </a:r>
-          </a:p>
-          <a:p>
-            <a:pPr marL="342900" indent="-342900" algn="l">
-              <a:lnSpc>
-                <a:spcPct val="100000"/>
-              </a:lnSpc>
-              <a:buFont typeface="Arial" panose="020B0604020202020204" pitchFamily="34" charset="0"/>
-              <a:buChar char="•"/>
-            </a:pPr>
-            <a:r>
-              <a:rPr lang="en-US" sz="4000" dirty="0">
-                <a:latin typeface="Times New Roman" panose="02020603050405020304" pitchFamily="18" charset="0"/>
-                <a:ea typeface="Poppins Light" charset="0"/>
-                <a:cs typeface="Times New Roman" panose="02020603050405020304" pitchFamily="18" charset="0"/>
-              </a:rPr>
-              <a:t>There seems to be some delay in updating the value of the thrusters, probably due to the fact that the scaling factor is recalculated.</a:t>
-            </a:r>
-          </a:p>
-          <a:p>
-            <a:pPr marL="342900" indent="-342900" algn="l">
-              <a:lnSpc>
-                <a:spcPct val="100000"/>
-              </a:lnSpc>
-              <a:buFont typeface="Arial" panose="020B0604020202020204" pitchFamily="34" charset="0"/>
-              <a:buChar char="•"/>
-            </a:pPr>
-            <a:r>
-              <a:rPr lang="en-US" sz="4000" dirty="0">
-                <a:latin typeface="Times New Roman" panose="02020603050405020304" pitchFamily="18" charset="0"/>
-                <a:ea typeface="Poppins Light" charset="0"/>
-                <a:cs typeface="Times New Roman" panose="02020603050405020304" pitchFamily="18" charset="0"/>
-              </a:rPr>
-              <a:t>Elevation lines are found to be reasonably accurate.</a:t>
-            </a:r>
-          </a:p>
-          <a:p>
-            <a:pPr marL="342900" indent="-342900" algn="l">
-              <a:lnSpc>
-                <a:spcPct val="100000"/>
-              </a:lnSpc>
-              <a:buFont typeface="Arial" panose="020B0604020202020204" pitchFamily="34" charset="0"/>
-              <a:buChar char="•"/>
-            </a:pPr>
-            <a:r>
-              <a:rPr lang="en-US" sz="4000" dirty="0">
-                <a:latin typeface="Times New Roman" panose="02020603050405020304" pitchFamily="18" charset="0"/>
-                <a:ea typeface="Poppins Light" charset="0"/>
-                <a:cs typeface="Times New Roman" panose="02020603050405020304" pitchFamily="18" charset="0"/>
-              </a:rPr>
-              <a:t>Currently the values of minimum and maximum thrust values are being hardcoded from the engine datasheet. There is a need to integrate these values within the property tree to avoid rewriting the script for each aircraft.</a:t>
-            </a:r>
-          </a:p>
-        </p:txBody>
-      </p:sp>
-    </p:spTree>
-    <p:extLst>
-      <p:ext uri="{BB962C8B-B14F-4D97-AF65-F5344CB8AC3E}">
-        <p14:creationId xmlns:p14="http://schemas.microsoft.com/office/powerpoint/2010/main" val="2973948450"/>
+        <p14:creationId xmlns:p14="http://schemas.microsoft.com/office/powerpoint/2010/main" val="2712318658"/>
       </p:ext>
     </p:extLst>
   </p:cSld>
@@ -6541,7 +7214,7 @@
         <p:spPr>
           <a:xfrm>
             <a:off x="735255" y="4486838"/>
-            <a:ext cx="7087384" cy="5981191"/>
+            <a:ext cx="7087384" cy="6742040"/>
           </a:xfrm>
           <a:prstGeom prst="rect">
             <a:avLst/>
@@ -6837,6 +7510,26 @@
                 <a:cs typeface="Poppins Light" pitchFamily="2" charset="77"/>
               </a:rPr>
               <a:t>RESULTS</a:t>
+            </a:r>
+          </a:p>
+          <a:p>
+            <a:pPr>
+              <a:lnSpc>
+                <a:spcPct val="150000"/>
+              </a:lnSpc>
+            </a:pPr>
+            <a:r>
+              <a:rPr lang="en-US" sz="3200" dirty="0">
+                <a:solidFill>
+                  <a:schemeClr val="bg1">
+                    <a:lumMod val="75000"/>
+                  </a:schemeClr>
+                </a:solidFill>
+                <a:latin typeface="Poppins Light" pitchFamily="2" charset="77"/>
+                <a:ea typeface="Poppins Light" charset="0"/>
+                <a:cs typeface="Poppins Light" pitchFamily="2" charset="77"/>
+              </a:rPr>
+              <a:t>TESTING</a:t>
             </a:r>
           </a:p>
           <a:p>
@@ -7319,6 +8012,1916 @@
 </p:sld>
 </file>
 
+<file path=ppt/slides/slide20.xml><?xml version="1.0" encoding="utf-8"?>
+<p:sld xmlns:a="http://schemas.openxmlformats.org/drawingml/2006/main" xmlns:r="http://schemas.openxmlformats.org/officeDocument/2006/relationships" xmlns:p="http://schemas.openxmlformats.org/presentationml/2006/main">
+  <p:cSld>
+    <p:spTree>
+      <p:nvGrpSpPr>
+        <p:cNvPr id="1" name=""/>
+        <p:cNvGrpSpPr/>
+        <p:nvPr/>
+      </p:nvGrpSpPr>
+      <p:grpSpPr>
+        <a:xfrm>
+          <a:off x="0" y="0"/>
+          <a:ext cx="0" cy="0"/>
+          <a:chOff x="0" y="0"/>
+          <a:chExt cx="0" cy="0"/>
+        </a:xfrm>
+      </p:grpSpPr>
+      <p:cxnSp>
+        <p:nvCxnSpPr>
+          <p:cNvPr id="9" name="Straight Connector 8"/>
+          <p:cNvCxnSpPr/>
+          <p:nvPr/>
+        </p:nvCxnSpPr>
+        <p:spPr>
+          <a:xfrm>
+            <a:off x="11608677" y="2794666"/>
+            <a:ext cx="1192923" cy="0"/>
+          </a:xfrm>
+          <a:prstGeom prst="line">
+            <a:avLst/>
+          </a:prstGeom>
+          <a:ln w="57150">
+            <a:solidFill>
+              <a:schemeClr val="accent4">
+                <a:lumMod val="85000"/>
+                <a:lumOff val="15000"/>
+              </a:schemeClr>
+            </a:solidFill>
+          </a:ln>
+        </p:spPr>
+        <p:style>
+          <a:lnRef idx="1">
+            <a:schemeClr val="accent1"/>
+          </a:lnRef>
+          <a:fillRef idx="0">
+            <a:schemeClr val="accent1"/>
+          </a:fillRef>
+          <a:effectRef idx="0">
+            <a:schemeClr val="accent1"/>
+          </a:effectRef>
+          <a:fontRef idx="minor">
+            <a:schemeClr val="tx1"/>
+          </a:fontRef>
+        </p:style>
+      </p:cxnSp>
+      <p:sp>
+        <p:nvSpPr>
+          <p:cNvPr id="12" name="TextBox 11">
+            <a:extLst>
+              <a:ext uri="{FF2B5EF4-FFF2-40B4-BE49-F238E27FC236}">
+                <a16:creationId xmlns:a16="http://schemas.microsoft.com/office/drawing/2014/main" id="{0AFC64C3-7306-9F47-826B-2519504A5E35}"/>
+              </a:ext>
+            </a:extLst>
+          </p:cNvPr>
+          <p:cNvSpPr txBox="1"/>
+          <p:nvPr/>
+        </p:nvSpPr>
+        <p:spPr>
+          <a:xfrm>
+            <a:off x="10117625" y="1160870"/>
+            <a:ext cx="4142481" cy="1169551"/>
+          </a:xfrm>
+          <a:prstGeom prst="rect">
+            <a:avLst/>
+          </a:prstGeom>
+          <a:noFill/>
+        </p:spPr>
+        <p:txBody>
+          <a:bodyPr wrap="none" rtlCol="0">
+            <a:spAutoFit/>
+          </a:bodyPr>
+          <a:lstStyle/>
+          <a:p>
+            <a:pPr algn="ctr"/>
+            <a:r>
+              <a:rPr lang="en-US" sz="7000" b="1" spc="800" dirty="0">
+                <a:solidFill>
+                  <a:schemeClr val="tx2"/>
+                </a:solidFill>
+                <a:latin typeface="Lato Black" charset="0"/>
+                <a:ea typeface="Lato Black" charset="0"/>
+                <a:cs typeface="Lato Black" charset="0"/>
+              </a:rPr>
+              <a:t>Results</a:t>
+            </a:r>
+          </a:p>
+        </p:txBody>
+      </p:sp>
+      <p:pic>
+        <p:nvPicPr>
+          <p:cNvPr id="18" name="Picture 17"/>
+          <p:cNvPicPr>
+            <a:picLocks noChangeAspect="1"/>
+          </p:cNvPicPr>
+          <p:nvPr/>
+        </p:nvPicPr>
+        <p:blipFill>
+          <a:blip r:embed="rId3">
+            <a:extLst>
+              <a:ext uri="{28A0092B-C50C-407E-A947-70E740481C1C}">
+                <a14:useLocalDpi xmlns:a14="http://schemas.microsoft.com/office/drawing/2010/main" val="0"/>
+              </a:ext>
+            </a:extLst>
+          </a:blip>
+          <a:stretch>
+            <a:fillRect/>
+          </a:stretch>
+        </p:blipFill>
+        <p:spPr>
+          <a:xfrm>
+            <a:off x="563562" y="428625"/>
+            <a:ext cx="1762125" cy="1714500"/>
+          </a:xfrm>
+          <a:prstGeom prst="rect">
+            <a:avLst/>
+          </a:prstGeom>
+        </p:spPr>
+      </p:pic>
+      <p:sp>
+        <p:nvSpPr>
+          <p:cNvPr id="5" name="Subtitle 2">
+            <a:extLst>
+              <a:ext uri="{FF2B5EF4-FFF2-40B4-BE49-F238E27FC236}">
+                <a16:creationId xmlns:a16="http://schemas.microsoft.com/office/drawing/2014/main" id="{40347BBC-5195-4436-89B5-E9EA06D1EFA3}"/>
+              </a:ext>
+            </a:extLst>
+          </p:cNvPr>
+          <p:cNvSpPr txBox="1">
+            <a:spLocks/>
+          </p:cNvSpPr>
+          <p:nvPr/>
+        </p:nvSpPr>
+        <p:spPr>
+          <a:xfrm>
+            <a:off x="1010653" y="3258912"/>
+            <a:ext cx="23117708" cy="9071268"/>
+          </a:xfrm>
+          <a:prstGeom prst="rect">
+            <a:avLst/>
+          </a:prstGeom>
+        </p:spPr>
+        <p:txBody>
+          <a:bodyPr vert="horz" wrap="square" lIns="217490" tIns="108745" rIns="217490" bIns="108745" rtlCol="0">
+            <a:spAutoFit/>
+          </a:bodyPr>
+          <a:lstStyle>
+            <a:lvl1pPr marL="0" indent="0" algn="ctr" defTabSz="1087636" rtl="0" eaLnBrk="1" latinLnBrk="0" hangingPunct="1">
+              <a:lnSpc>
+                <a:spcPct val="120000"/>
+              </a:lnSpc>
+              <a:spcBef>
+                <a:spcPct val="20000"/>
+              </a:spcBef>
+              <a:buFont typeface="Arial"/>
+              <a:buNone/>
+              <a:defRPr sz="2400" kern="1200">
+                <a:solidFill>
+                  <a:schemeClr val="tx2"/>
+                </a:solidFill>
+                <a:latin typeface="Open Sans Light"/>
+                <a:ea typeface="+mn-ea"/>
+                <a:cs typeface="Open Sans Light"/>
+              </a:defRPr>
+            </a:lvl1pPr>
+            <a:lvl2pPr marL="1087636" indent="0" algn="ctr" defTabSz="1087636" rtl="0" eaLnBrk="1" latinLnBrk="0" hangingPunct="1">
+              <a:lnSpc>
+                <a:spcPct val="130000"/>
+              </a:lnSpc>
+              <a:spcBef>
+                <a:spcPct val="20000"/>
+              </a:spcBef>
+              <a:buFont typeface="Arial"/>
+              <a:buNone/>
+              <a:defRPr sz="3200" kern="1200">
+                <a:solidFill>
+                  <a:schemeClr val="tx1">
+                    <a:tint val="75000"/>
+                  </a:schemeClr>
+                </a:solidFill>
+                <a:latin typeface="Open Sans"/>
+                <a:ea typeface="+mn-ea"/>
+                <a:cs typeface="Open Sans"/>
+              </a:defRPr>
+            </a:lvl2pPr>
+            <a:lvl3pPr marL="2175271" indent="0" algn="ctr" defTabSz="1087636" rtl="0" eaLnBrk="1" latinLnBrk="0" hangingPunct="1">
+              <a:lnSpc>
+                <a:spcPct val="130000"/>
+              </a:lnSpc>
+              <a:spcBef>
+                <a:spcPct val="20000"/>
+              </a:spcBef>
+              <a:buFont typeface="Arial"/>
+              <a:buNone/>
+              <a:defRPr sz="3200" kern="1200">
+                <a:solidFill>
+                  <a:schemeClr val="tx1">
+                    <a:tint val="75000"/>
+                  </a:schemeClr>
+                </a:solidFill>
+                <a:latin typeface="Open Sans"/>
+                <a:ea typeface="+mn-ea"/>
+                <a:cs typeface="Open Sans"/>
+              </a:defRPr>
+            </a:lvl3pPr>
+            <a:lvl4pPr marL="3262912" indent="0" algn="ctr" defTabSz="1087636" rtl="0" eaLnBrk="1" latinLnBrk="0" hangingPunct="1">
+              <a:lnSpc>
+                <a:spcPct val="130000"/>
+              </a:lnSpc>
+              <a:spcBef>
+                <a:spcPct val="20000"/>
+              </a:spcBef>
+              <a:buFont typeface="Arial"/>
+              <a:buNone/>
+              <a:defRPr sz="3200" kern="1200">
+                <a:solidFill>
+                  <a:schemeClr val="tx1">
+                    <a:tint val="75000"/>
+                  </a:schemeClr>
+                </a:solidFill>
+                <a:latin typeface="Open Sans"/>
+                <a:ea typeface="+mn-ea"/>
+                <a:cs typeface="Open Sans"/>
+              </a:defRPr>
+            </a:lvl4pPr>
+            <a:lvl5pPr marL="4350546" indent="0" algn="ctr" defTabSz="1087636" rtl="0" eaLnBrk="1" latinLnBrk="0" hangingPunct="1">
+              <a:lnSpc>
+                <a:spcPct val="130000"/>
+              </a:lnSpc>
+              <a:spcBef>
+                <a:spcPct val="20000"/>
+              </a:spcBef>
+              <a:buFont typeface="Arial"/>
+              <a:buNone/>
+              <a:defRPr sz="3200" kern="1200">
+                <a:solidFill>
+                  <a:schemeClr val="tx1">
+                    <a:tint val="75000"/>
+                  </a:schemeClr>
+                </a:solidFill>
+                <a:latin typeface="Open Sans"/>
+                <a:ea typeface="+mn-ea"/>
+                <a:cs typeface="Open Sans"/>
+              </a:defRPr>
+            </a:lvl5pPr>
+            <a:lvl6pPr marL="5438184" indent="0" algn="ctr" defTabSz="1087636" rtl="0" eaLnBrk="1" latinLnBrk="0" hangingPunct="1">
+              <a:spcBef>
+                <a:spcPct val="20000"/>
+              </a:spcBef>
+              <a:buFont typeface="Arial"/>
+              <a:buNone/>
+              <a:defRPr sz="4800" kern="1200">
+                <a:solidFill>
+                  <a:schemeClr val="tx1">
+                    <a:tint val="75000"/>
+                  </a:schemeClr>
+                </a:solidFill>
+                <a:latin typeface="+mn-lt"/>
+                <a:ea typeface="+mn-ea"/>
+                <a:cs typeface="+mn-cs"/>
+              </a:defRPr>
+            </a:lvl6pPr>
+            <a:lvl7pPr marL="6525820" indent="0" algn="ctr" defTabSz="1087636" rtl="0" eaLnBrk="1" latinLnBrk="0" hangingPunct="1">
+              <a:spcBef>
+                <a:spcPct val="20000"/>
+              </a:spcBef>
+              <a:buFont typeface="Arial"/>
+              <a:buNone/>
+              <a:defRPr sz="4800" kern="1200">
+                <a:solidFill>
+                  <a:schemeClr val="tx1">
+                    <a:tint val="75000"/>
+                  </a:schemeClr>
+                </a:solidFill>
+                <a:latin typeface="+mn-lt"/>
+                <a:ea typeface="+mn-ea"/>
+                <a:cs typeface="+mn-cs"/>
+              </a:defRPr>
+            </a:lvl7pPr>
+            <a:lvl8pPr marL="7613455" indent="0" algn="ctr" defTabSz="1087636" rtl="0" eaLnBrk="1" latinLnBrk="0" hangingPunct="1">
+              <a:spcBef>
+                <a:spcPct val="20000"/>
+              </a:spcBef>
+              <a:buFont typeface="Arial"/>
+              <a:buNone/>
+              <a:defRPr sz="4800" kern="1200">
+                <a:solidFill>
+                  <a:schemeClr val="tx1">
+                    <a:tint val="75000"/>
+                  </a:schemeClr>
+                </a:solidFill>
+                <a:latin typeface="+mn-lt"/>
+                <a:ea typeface="+mn-ea"/>
+                <a:cs typeface="+mn-cs"/>
+              </a:defRPr>
+            </a:lvl8pPr>
+            <a:lvl9pPr marL="8701091" indent="0" algn="ctr" defTabSz="1087636" rtl="0" eaLnBrk="1" latinLnBrk="0" hangingPunct="1">
+              <a:spcBef>
+                <a:spcPct val="20000"/>
+              </a:spcBef>
+              <a:buFont typeface="Arial"/>
+              <a:buNone/>
+              <a:defRPr sz="4800" kern="1200">
+                <a:solidFill>
+                  <a:schemeClr val="tx1">
+                    <a:tint val="75000"/>
+                  </a:schemeClr>
+                </a:solidFill>
+                <a:latin typeface="+mn-lt"/>
+                <a:ea typeface="+mn-ea"/>
+                <a:cs typeface="+mn-cs"/>
+              </a:defRPr>
+            </a:lvl9pPr>
+          </a:lstStyle>
+          <a:p>
+            <a:pPr marL="342900" indent="-342900" algn="l">
+              <a:lnSpc>
+                <a:spcPct val="100000"/>
+              </a:lnSpc>
+              <a:buFont typeface="Arial" panose="020B0604020202020204" pitchFamily="34" charset="0"/>
+              <a:buChar char="•"/>
+            </a:pPr>
+            <a:r>
+              <a:rPr lang="en-US" sz="4400" dirty="0">
+                <a:latin typeface="Times New Roman" panose="02020603050405020304" pitchFamily="18" charset="0"/>
+                <a:ea typeface="Poppins Light" charset="0"/>
+                <a:cs typeface="Times New Roman" panose="02020603050405020304" pitchFamily="18" charset="0"/>
+              </a:rPr>
+              <a:t>Canvas based HUD is implemented for the Fokker 50 with PW125B, incorporating the following elements.</a:t>
+            </a:r>
+            <a:br>
+              <a:rPr lang="en-US" sz="4400" dirty="0">
+                <a:latin typeface="Times New Roman" panose="02020603050405020304" pitchFamily="18" charset="0"/>
+                <a:ea typeface="Poppins Light" charset="0"/>
+                <a:cs typeface="Times New Roman" panose="02020603050405020304" pitchFamily="18" charset="0"/>
+              </a:rPr>
+            </a:br>
+            <a:endParaRPr lang="en-US" sz="4400" dirty="0">
+              <a:latin typeface="Times New Roman" panose="02020603050405020304" pitchFamily="18" charset="0"/>
+              <a:ea typeface="Poppins Light" charset="0"/>
+              <a:cs typeface="Times New Roman" panose="02020603050405020304" pitchFamily="18" charset="0"/>
+            </a:endParaRPr>
+          </a:p>
+          <a:p>
+            <a:pPr marL="342900" indent="-342900" algn="l">
+              <a:lnSpc>
+                <a:spcPct val="100000"/>
+              </a:lnSpc>
+              <a:buFont typeface="Arial" panose="020B0604020202020204" pitchFamily="34" charset="0"/>
+              <a:buChar char="•"/>
+            </a:pPr>
+            <a:r>
+              <a:rPr lang="en-US" sz="4400" b="1" dirty="0">
+                <a:latin typeface="Times New Roman" panose="02020603050405020304" pitchFamily="18" charset="0"/>
+                <a:ea typeface="Poppins Light" charset="0"/>
+                <a:cs typeface="Times New Roman" panose="02020603050405020304" pitchFamily="18" charset="0"/>
+              </a:rPr>
+              <a:t>Base Line and Elevation Lines</a:t>
+            </a:r>
+            <a:br>
+              <a:rPr lang="en-US" sz="4400" b="1" dirty="0">
+                <a:latin typeface="Times New Roman" panose="02020603050405020304" pitchFamily="18" charset="0"/>
+                <a:ea typeface="Poppins Light" charset="0"/>
+                <a:cs typeface="Times New Roman" panose="02020603050405020304" pitchFamily="18" charset="0"/>
+              </a:rPr>
+            </a:br>
+            <a:r>
+              <a:rPr lang="en-US" sz="3600" dirty="0">
+                <a:latin typeface="Times New Roman" panose="02020603050405020304" pitchFamily="18" charset="0"/>
+                <a:ea typeface="Poppins Light" charset="0"/>
+                <a:cs typeface="Times New Roman" panose="02020603050405020304" pitchFamily="18" charset="0"/>
+              </a:rPr>
+              <a:t>These indicate the zero degree elevation and the various other elevations in steps of 10.</a:t>
+            </a:r>
+            <a:br>
+              <a:rPr lang="en-US" sz="3600" dirty="0">
+                <a:latin typeface="Times New Roman" panose="02020603050405020304" pitchFamily="18" charset="0"/>
+                <a:ea typeface="Poppins Light" charset="0"/>
+                <a:cs typeface="Times New Roman" panose="02020603050405020304" pitchFamily="18" charset="0"/>
+              </a:rPr>
+            </a:br>
+            <a:endParaRPr lang="en-US" sz="3600" dirty="0">
+              <a:latin typeface="Times New Roman" panose="02020603050405020304" pitchFamily="18" charset="0"/>
+              <a:ea typeface="Poppins Light" charset="0"/>
+              <a:cs typeface="Times New Roman" panose="02020603050405020304" pitchFamily="18" charset="0"/>
+            </a:endParaRPr>
+          </a:p>
+          <a:p>
+            <a:pPr marL="342900" indent="-342900" algn="l">
+              <a:lnSpc>
+                <a:spcPct val="100000"/>
+              </a:lnSpc>
+              <a:buFont typeface="Arial" panose="020B0604020202020204" pitchFamily="34" charset="0"/>
+              <a:buChar char="•"/>
+            </a:pPr>
+            <a:r>
+              <a:rPr lang="en-US" sz="4400" b="1" dirty="0">
+                <a:latin typeface="Times New Roman" panose="02020603050405020304" pitchFamily="18" charset="0"/>
+                <a:ea typeface="Poppins Light" charset="0"/>
+                <a:cs typeface="Times New Roman" panose="02020603050405020304" pitchFamily="18" charset="0"/>
+              </a:rPr>
+              <a:t>Water Line</a:t>
+            </a:r>
+            <a:br>
+              <a:rPr lang="en-US" sz="3600" b="1" dirty="0">
+                <a:latin typeface="Times New Roman" panose="02020603050405020304" pitchFamily="18" charset="0"/>
+                <a:ea typeface="Poppins Light" charset="0"/>
+                <a:cs typeface="Times New Roman" panose="02020603050405020304" pitchFamily="18" charset="0"/>
+              </a:rPr>
+            </a:br>
+            <a:r>
+              <a:rPr lang="en-US" sz="3600" dirty="0">
+                <a:latin typeface="Times New Roman" panose="02020603050405020304" pitchFamily="18" charset="0"/>
+                <a:ea typeface="Poppins Light" charset="0"/>
+                <a:cs typeface="Times New Roman" panose="02020603050405020304" pitchFamily="18" charset="0"/>
+              </a:rPr>
+              <a:t>This indicates the axial orientation of the aircraft, and helps in determining the pitch of the aircraft.</a:t>
+            </a:r>
+            <a:br>
+              <a:rPr lang="en-US" sz="3600" b="1" dirty="0">
+                <a:latin typeface="Times New Roman" panose="02020603050405020304" pitchFamily="18" charset="0"/>
+                <a:ea typeface="Poppins Light" charset="0"/>
+                <a:cs typeface="Times New Roman" panose="02020603050405020304" pitchFamily="18" charset="0"/>
+              </a:rPr>
+            </a:br>
+            <a:endParaRPr lang="en-US" sz="3600" b="1" dirty="0">
+              <a:latin typeface="Times New Roman" panose="02020603050405020304" pitchFamily="18" charset="0"/>
+              <a:ea typeface="Poppins Light" charset="0"/>
+              <a:cs typeface="Times New Roman" panose="02020603050405020304" pitchFamily="18" charset="0"/>
+            </a:endParaRPr>
+          </a:p>
+          <a:p>
+            <a:pPr marL="342900" indent="-342900" algn="l">
+              <a:lnSpc>
+                <a:spcPct val="100000"/>
+              </a:lnSpc>
+              <a:buFont typeface="Arial" panose="020B0604020202020204" pitchFamily="34" charset="0"/>
+              <a:buChar char="•"/>
+            </a:pPr>
+            <a:r>
+              <a:rPr lang="en-US" sz="4400" b="1" dirty="0">
+                <a:latin typeface="Times New Roman" panose="02020603050405020304" pitchFamily="18" charset="0"/>
+                <a:ea typeface="Poppins Light" charset="0"/>
+                <a:cs typeface="Times New Roman" panose="02020603050405020304" pitchFamily="18" charset="0"/>
+              </a:rPr>
+              <a:t>Water Line</a:t>
+            </a:r>
+            <a:br>
+              <a:rPr lang="en-US" sz="4400" b="1" dirty="0">
+                <a:latin typeface="Times New Roman" panose="02020603050405020304" pitchFamily="18" charset="0"/>
+                <a:ea typeface="Poppins Light" charset="0"/>
+                <a:cs typeface="Times New Roman" panose="02020603050405020304" pitchFamily="18" charset="0"/>
+              </a:rPr>
+            </a:br>
+            <a:r>
+              <a:rPr lang="en-US" sz="3600" dirty="0">
+                <a:latin typeface="Times New Roman" panose="02020603050405020304" pitchFamily="18" charset="0"/>
+                <a:ea typeface="Poppins Light" charset="0"/>
+                <a:cs typeface="Times New Roman" panose="02020603050405020304" pitchFamily="18" charset="0"/>
+              </a:rPr>
+              <a:t>This indicates the axial orientation of the aircraft, and helps in determining the pitch of the aircraft (given by moving the ailerons).</a:t>
+            </a:r>
+            <a:endParaRPr lang="en-US" sz="3600" b="1" dirty="0">
+              <a:latin typeface="Times New Roman" panose="02020603050405020304" pitchFamily="18" charset="0"/>
+              <a:ea typeface="Poppins Light" charset="0"/>
+              <a:cs typeface="Times New Roman" panose="02020603050405020304" pitchFamily="18" charset="0"/>
+            </a:endParaRPr>
+          </a:p>
+          <a:p>
+            <a:pPr marL="342900" indent="-342900" algn="l">
+              <a:lnSpc>
+                <a:spcPct val="100000"/>
+              </a:lnSpc>
+              <a:buFont typeface="Arial" panose="020B0604020202020204" pitchFamily="34" charset="0"/>
+              <a:buChar char="•"/>
+            </a:pPr>
+            <a:endParaRPr lang="en-IN" sz="4400" dirty="0">
+              <a:latin typeface="Times New Roman" panose="02020603050405020304" pitchFamily="18" charset="0"/>
+              <a:ea typeface="Poppins Light" charset="0"/>
+              <a:cs typeface="Times New Roman" panose="02020603050405020304" pitchFamily="18" charset="0"/>
+            </a:endParaRPr>
+          </a:p>
+        </p:txBody>
+      </p:sp>
+    </p:spTree>
+    <p:extLst>
+      <p:ext uri="{BB962C8B-B14F-4D97-AF65-F5344CB8AC3E}">
+        <p14:creationId xmlns:p14="http://schemas.microsoft.com/office/powerpoint/2010/main" val="238769960"/>
+      </p:ext>
+    </p:extLst>
+  </p:cSld>
+  <p:clrMapOvr>
+    <a:masterClrMapping/>
+  </p:clrMapOvr>
+  <p:transition spd="med" advClick="0">
+    <p:pull/>
+  </p:transition>
+</p:sld>
+</file>
+
+<file path=ppt/slides/slide21.xml><?xml version="1.0" encoding="utf-8"?>
+<p:sld xmlns:a="http://schemas.openxmlformats.org/drawingml/2006/main" xmlns:r="http://schemas.openxmlformats.org/officeDocument/2006/relationships" xmlns:p="http://schemas.openxmlformats.org/presentationml/2006/main">
+  <p:cSld>
+    <p:spTree>
+      <p:nvGrpSpPr>
+        <p:cNvPr id="1" name=""/>
+        <p:cNvGrpSpPr/>
+        <p:nvPr/>
+      </p:nvGrpSpPr>
+      <p:grpSpPr>
+        <a:xfrm>
+          <a:off x="0" y="0"/>
+          <a:ext cx="0" cy="0"/>
+          <a:chOff x="0" y="0"/>
+          <a:chExt cx="0" cy="0"/>
+        </a:xfrm>
+      </p:grpSpPr>
+      <p:cxnSp>
+        <p:nvCxnSpPr>
+          <p:cNvPr id="9" name="Straight Connector 8"/>
+          <p:cNvCxnSpPr/>
+          <p:nvPr/>
+        </p:nvCxnSpPr>
+        <p:spPr>
+          <a:xfrm>
+            <a:off x="11608677" y="2794666"/>
+            <a:ext cx="1192923" cy="0"/>
+          </a:xfrm>
+          <a:prstGeom prst="line">
+            <a:avLst/>
+          </a:prstGeom>
+          <a:ln w="57150">
+            <a:solidFill>
+              <a:schemeClr val="accent4">
+                <a:lumMod val="85000"/>
+                <a:lumOff val="15000"/>
+              </a:schemeClr>
+            </a:solidFill>
+          </a:ln>
+        </p:spPr>
+        <p:style>
+          <a:lnRef idx="1">
+            <a:schemeClr val="accent1"/>
+          </a:lnRef>
+          <a:fillRef idx="0">
+            <a:schemeClr val="accent1"/>
+          </a:fillRef>
+          <a:effectRef idx="0">
+            <a:schemeClr val="accent1"/>
+          </a:effectRef>
+          <a:fontRef idx="minor">
+            <a:schemeClr val="tx1"/>
+          </a:fontRef>
+        </p:style>
+      </p:cxnSp>
+      <p:sp>
+        <p:nvSpPr>
+          <p:cNvPr id="12" name="TextBox 11">
+            <a:extLst>
+              <a:ext uri="{FF2B5EF4-FFF2-40B4-BE49-F238E27FC236}">
+                <a16:creationId xmlns:a16="http://schemas.microsoft.com/office/drawing/2014/main" id="{0AFC64C3-7306-9F47-826B-2519504A5E35}"/>
+              </a:ext>
+            </a:extLst>
+          </p:cNvPr>
+          <p:cNvSpPr txBox="1"/>
+          <p:nvPr/>
+        </p:nvSpPr>
+        <p:spPr>
+          <a:xfrm>
+            <a:off x="10117625" y="1160870"/>
+            <a:ext cx="4142481" cy="1169551"/>
+          </a:xfrm>
+          <a:prstGeom prst="rect">
+            <a:avLst/>
+          </a:prstGeom>
+          <a:noFill/>
+        </p:spPr>
+        <p:txBody>
+          <a:bodyPr wrap="none" rtlCol="0">
+            <a:spAutoFit/>
+          </a:bodyPr>
+          <a:lstStyle/>
+          <a:p>
+            <a:pPr algn="ctr"/>
+            <a:r>
+              <a:rPr lang="en-US" sz="7000" b="1" spc="800" dirty="0">
+                <a:solidFill>
+                  <a:schemeClr val="tx2"/>
+                </a:solidFill>
+                <a:latin typeface="Lato Black" charset="0"/>
+                <a:ea typeface="Lato Black" charset="0"/>
+                <a:cs typeface="Lato Black" charset="0"/>
+              </a:rPr>
+              <a:t>Results</a:t>
+            </a:r>
+          </a:p>
+        </p:txBody>
+      </p:sp>
+      <p:pic>
+        <p:nvPicPr>
+          <p:cNvPr id="14" name="Picture 13"/>
+          <p:cNvPicPr>
+            <a:picLocks noChangeAspect="1"/>
+          </p:cNvPicPr>
+          <p:nvPr/>
+        </p:nvPicPr>
+        <p:blipFill>
+          <a:blip r:embed="rId3">
+            <a:extLst>
+              <a:ext uri="{28A0092B-C50C-407E-A947-70E740481C1C}">
+                <a14:useLocalDpi xmlns:a14="http://schemas.microsoft.com/office/drawing/2010/main" val="0"/>
+              </a:ext>
+            </a:extLst>
+          </a:blip>
+          <a:stretch>
+            <a:fillRect/>
+          </a:stretch>
+        </p:blipFill>
+        <p:spPr>
+          <a:xfrm>
+            <a:off x="563562" y="428625"/>
+            <a:ext cx="1762125" cy="1714500"/>
+          </a:xfrm>
+          <a:prstGeom prst="rect">
+            <a:avLst/>
+          </a:prstGeom>
+        </p:spPr>
+      </p:pic>
+      <p:sp>
+        <p:nvSpPr>
+          <p:cNvPr id="5" name="Subtitle 2">
+            <a:extLst>
+              <a:ext uri="{FF2B5EF4-FFF2-40B4-BE49-F238E27FC236}">
+                <a16:creationId xmlns:a16="http://schemas.microsoft.com/office/drawing/2014/main" id="{88CC4013-3F85-4ADF-B4F5-7D15D74C70BE}"/>
+              </a:ext>
+            </a:extLst>
+          </p:cNvPr>
+          <p:cNvSpPr txBox="1">
+            <a:spLocks/>
+          </p:cNvSpPr>
+          <p:nvPr/>
+        </p:nvSpPr>
+        <p:spPr>
+          <a:xfrm>
+            <a:off x="1010653" y="3258912"/>
+            <a:ext cx="23117708" cy="6781410"/>
+          </a:xfrm>
+          <a:prstGeom prst="rect">
+            <a:avLst/>
+          </a:prstGeom>
+        </p:spPr>
+        <p:txBody>
+          <a:bodyPr vert="horz" wrap="square" lIns="217490" tIns="108745" rIns="217490" bIns="108745" rtlCol="0">
+            <a:spAutoFit/>
+          </a:bodyPr>
+          <a:lstStyle>
+            <a:lvl1pPr marL="0" indent="0" algn="ctr" defTabSz="1087636" rtl="0" eaLnBrk="1" latinLnBrk="0" hangingPunct="1">
+              <a:lnSpc>
+                <a:spcPct val="120000"/>
+              </a:lnSpc>
+              <a:spcBef>
+                <a:spcPct val="20000"/>
+              </a:spcBef>
+              <a:buFont typeface="Arial"/>
+              <a:buNone/>
+              <a:defRPr sz="2400" kern="1200">
+                <a:solidFill>
+                  <a:schemeClr val="tx2"/>
+                </a:solidFill>
+                <a:latin typeface="Open Sans Light"/>
+                <a:ea typeface="+mn-ea"/>
+                <a:cs typeface="Open Sans Light"/>
+              </a:defRPr>
+            </a:lvl1pPr>
+            <a:lvl2pPr marL="1087636" indent="0" algn="ctr" defTabSz="1087636" rtl="0" eaLnBrk="1" latinLnBrk="0" hangingPunct="1">
+              <a:lnSpc>
+                <a:spcPct val="130000"/>
+              </a:lnSpc>
+              <a:spcBef>
+                <a:spcPct val="20000"/>
+              </a:spcBef>
+              <a:buFont typeface="Arial"/>
+              <a:buNone/>
+              <a:defRPr sz="3200" kern="1200">
+                <a:solidFill>
+                  <a:schemeClr val="tx1">
+                    <a:tint val="75000"/>
+                  </a:schemeClr>
+                </a:solidFill>
+                <a:latin typeface="Open Sans"/>
+                <a:ea typeface="+mn-ea"/>
+                <a:cs typeface="Open Sans"/>
+              </a:defRPr>
+            </a:lvl2pPr>
+            <a:lvl3pPr marL="2175271" indent="0" algn="ctr" defTabSz="1087636" rtl="0" eaLnBrk="1" latinLnBrk="0" hangingPunct="1">
+              <a:lnSpc>
+                <a:spcPct val="130000"/>
+              </a:lnSpc>
+              <a:spcBef>
+                <a:spcPct val="20000"/>
+              </a:spcBef>
+              <a:buFont typeface="Arial"/>
+              <a:buNone/>
+              <a:defRPr sz="3200" kern="1200">
+                <a:solidFill>
+                  <a:schemeClr val="tx1">
+                    <a:tint val="75000"/>
+                  </a:schemeClr>
+                </a:solidFill>
+                <a:latin typeface="Open Sans"/>
+                <a:ea typeface="+mn-ea"/>
+                <a:cs typeface="Open Sans"/>
+              </a:defRPr>
+            </a:lvl3pPr>
+            <a:lvl4pPr marL="3262912" indent="0" algn="ctr" defTabSz="1087636" rtl="0" eaLnBrk="1" latinLnBrk="0" hangingPunct="1">
+              <a:lnSpc>
+                <a:spcPct val="130000"/>
+              </a:lnSpc>
+              <a:spcBef>
+                <a:spcPct val="20000"/>
+              </a:spcBef>
+              <a:buFont typeface="Arial"/>
+              <a:buNone/>
+              <a:defRPr sz="3200" kern="1200">
+                <a:solidFill>
+                  <a:schemeClr val="tx1">
+                    <a:tint val="75000"/>
+                  </a:schemeClr>
+                </a:solidFill>
+                <a:latin typeface="Open Sans"/>
+                <a:ea typeface="+mn-ea"/>
+                <a:cs typeface="Open Sans"/>
+              </a:defRPr>
+            </a:lvl4pPr>
+            <a:lvl5pPr marL="4350546" indent="0" algn="ctr" defTabSz="1087636" rtl="0" eaLnBrk="1" latinLnBrk="0" hangingPunct="1">
+              <a:lnSpc>
+                <a:spcPct val="130000"/>
+              </a:lnSpc>
+              <a:spcBef>
+                <a:spcPct val="20000"/>
+              </a:spcBef>
+              <a:buFont typeface="Arial"/>
+              <a:buNone/>
+              <a:defRPr sz="3200" kern="1200">
+                <a:solidFill>
+                  <a:schemeClr val="tx1">
+                    <a:tint val="75000"/>
+                  </a:schemeClr>
+                </a:solidFill>
+                <a:latin typeface="Open Sans"/>
+                <a:ea typeface="+mn-ea"/>
+                <a:cs typeface="Open Sans"/>
+              </a:defRPr>
+            </a:lvl5pPr>
+            <a:lvl6pPr marL="5438184" indent="0" algn="ctr" defTabSz="1087636" rtl="0" eaLnBrk="1" latinLnBrk="0" hangingPunct="1">
+              <a:spcBef>
+                <a:spcPct val="20000"/>
+              </a:spcBef>
+              <a:buFont typeface="Arial"/>
+              <a:buNone/>
+              <a:defRPr sz="4800" kern="1200">
+                <a:solidFill>
+                  <a:schemeClr val="tx1">
+                    <a:tint val="75000"/>
+                  </a:schemeClr>
+                </a:solidFill>
+                <a:latin typeface="+mn-lt"/>
+                <a:ea typeface="+mn-ea"/>
+                <a:cs typeface="+mn-cs"/>
+              </a:defRPr>
+            </a:lvl6pPr>
+            <a:lvl7pPr marL="6525820" indent="0" algn="ctr" defTabSz="1087636" rtl="0" eaLnBrk="1" latinLnBrk="0" hangingPunct="1">
+              <a:spcBef>
+                <a:spcPct val="20000"/>
+              </a:spcBef>
+              <a:buFont typeface="Arial"/>
+              <a:buNone/>
+              <a:defRPr sz="4800" kern="1200">
+                <a:solidFill>
+                  <a:schemeClr val="tx1">
+                    <a:tint val="75000"/>
+                  </a:schemeClr>
+                </a:solidFill>
+                <a:latin typeface="+mn-lt"/>
+                <a:ea typeface="+mn-ea"/>
+                <a:cs typeface="+mn-cs"/>
+              </a:defRPr>
+            </a:lvl7pPr>
+            <a:lvl8pPr marL="7613455" indent="0" algn="ctr" defTabSz="1087636" rtl="0" eaLnBrk="1" latinLnBrk="0" hangingPunct="1">
+              <a:spcBef>
+                <a:spcPct val="20000"/>
+              </a:spcBef>
+              <a:buFont typeface="Arial"/>
+              <a:buNone/>
+              <a:defRPr sz="4800" kern="1200">
+                <a:solidFill>
+                  <a:schemeClr val="tx1">
+                    <a:tint val="75000"/>
+                  </a:schemeClr>
+                </a:solidFill>
+                <a:latin typeface="+mn-lt"/>
+                <a:ea typeface="+mn-ea"/>
+                <a:cs typeface="+mn-cs"/>
+              </a:defRPr>
+            </a:lvl8pPr>
+            <a:lvl9pPr marL="8701091" indent="0" algn="ctr" defTabSz="1087636" rtl="0" eaLnBrk="1" latinLnBrk="0" hangingPunct="1">
+              <a:spcBef>
+                <a:spcPct val="20000"/>
+              </a:spcBef>
+              <a:buFont typeface="Arial"/>
+              <a:buNone/>
+              <a:defRPr sz="4800" kern="1200">
+                <a:solidFill>
+                  <a:schemeClr val="tx1">
+                    <a:tint val="75000"/>
+                  </a:schemeClr>
+                </a:solidFill>
+                <a:latin typeface="+mn-lt"/>
+                <a:ea typeface="+mn-ea"/>
+                <a:cs typeface="+mn-cs"/>
+              </a:defRPr>
+            </a:lvl9pPr>
+          </a:lstStyle>
+          <a:p>
+            <a:pPr marL="342900" indent="-342900" algn="l">
+              <a:lnSpc>
+                <a:spcPct val="100000"/>
+              </a:lnSpc>
+              <a:buFont typeface="Arial" panose="020B0604020202020204" pitchFamily="34" charset="0"/>
+              <a:buChar char="•"/>
+            </a:pPr>
+            <a:r>
+              <a:rPr lang="en-US" sz="4400" b="1" dirty="0">
+                <a:latin typeface="Times New Roman" panose="02020603050405020304" pitchFamily="18" charset="0"/>
+                <a:ea typeface="Poppins Light" charset="0"/>
+                <a:cs typeface="Times New Roman" panose="02020603050405020304" pitchFamily="18" charset="0"/>
+              </a:rPr>
+              <a:t>Yaw Indicator</a:t>
+            </a:r>
+            <a:br>
+              <a:rPr lang="en-US" sz="4400" b="1" dirty="0">
+                <a:latin typeface="Times New Roman" panose="02020603050405020304" pitchFamily="18" charset="0"/>
+                <a:ea typeface="Poppins Light" charset="0"/>
+                <a:cs typeface="Times New Roman" panose="02020603050405020304" pitchFamily="18" charset="0"/>
+              </a:rPr>
+            </a:br>
+            <a:r>
+              <a:rPr lang="en-US" sz="3600" dirty="0">
+                <a:latin typeface="Times New Roman" panose="02020603050405020304" pitchFamily="18" charset="0"/>
+                <a:ea typeface="Poppins Light" charset="0"/>
+                <a:cs typeface="Times New Roman" panose="02020603050405020304" pitchFamily="18" charset="0"/>
+              </a:rPr>
+              <a:t>This indicates the yaw of the aircraft which determines the horizontal heading. It is primarily controlled by adjusting the rudders and ailerons</a:t>
+            </a:r>
+            <a:br>
+              <a:rPr lang="en-US" sz="3600" dirty="0">
+                <a:latin typeface="Times New Roman" panose="02020603050405020304" pitchFamily="18" charset="0"/>
+                <a:ea typeface="Poppins Light" charset="0"/>
+                <a:cs typeface="Times New Roman" panose="02020603050405020304" pitchFamily="18" charset="0"/>
+              </a:rPr>
+            </a:br>
+            <a:endParaRPr lang="en-US" sz="3600" dirty="0">
+              <a:latin typeface="Times New Roman" panose="02020603050405020304" pitchFamily="18" charset="0"/>
+              <a:ea typeface="Poppins Light" charset="0"/>
+              <a:cs typeface="Times New Roman" panose="02020603050405020304" pitchFamily="18" charset="0"/>
+            </a:endParaRPr>
+          </a:p>
+          <a:p>
+            <a:pPr marL="342900" indent="-342900" algn="l">
+              <a:lnSpc>
+                <a:spcPct val="100000"/>
+              </a:lnSpc>
+              <a:buFont typeface="Arial" panose="020B0604020202020204" pitchFamily="34" charset="0"/>
+              <a:buChar char="•"/>
+            </a:pPr>
+            <a:r>
+              <a:rPr lang="en-US" sz="4400" b="1" dirty="0">
+                <a:latin typeface="Times New Roman" panose="02020603050405020304" pitchFamily="18" charset="0"/>
+                <a:ea typeface="Poppins Light" charset="0"/>
+                <a:cs typeface="Times New Roman" panose="02020603050405020304" pitchFamily="18" charset="0"/>
+              </a:rPr>
+              <a:t>Thrust Level</a:t>
+            </a:r>
+            <a:br>
+              <a:rPr lang="en-US" sz="3600" b="1" dirty="0">
+                <a:latin typeface="Times New Roman" panose="02020603050405020304" pitchFamily="18" charset="0"/>
+                <a:ea typeface="Poppins Light" charset="0"/>
+                <a:cs typeface="Times New Roman" panose="02020603050405020304" pitchFamily="18" charset="0"/>
+              </a:rPr>
+            </a:br>
+            <a:r>
+              <a:rPr lang="en-US" sz="3600" dirty="0">
+                <a:latin typeface="Times New Roman" panose="02020603050405020304" pitchFamily="18" charset="0"/>
+                <a:ea typeface="Poppins Light" charset="0"/>
+                <a:cs typeface="Times New Roman" panose="02020603050405020304" pitchFamily="18" charset="0"/>
+              </a:rPr>
+              <a:t>This indicates the amount of thrust supplied to the engines. It is controlled using the thrusters.</a:t>
+            </a:r>
+            <a:br>
+              <a:rPr lang="en-US" sz="3600" b="1" dirty="0">
+                <a:latin typeface="Times New Roman" panose="02020603050405020304" pitchFamily="18" charset="0"/>
+                <a:ea typeface="Poppins Light" charset="0"/>
+                <a:cs typeface="Times New Roman" panose="02020603050405020304" pitchFamily="18" charset="0"/>
+              </a:rPr>
+            </a:br>
+            <a:endParaRPr lang="en-US" sz="3600" b="1" dirty="0">
+              <a:latin typeface="Times New Roman" panose="02020603050405020304" pitchFamily="18" charset="0"/>
+              <a:ea typeface="Poppins Light" charset="0"/>
+              <a:cs typeface="Times New Roman" panose="02020603050405020304" pitchFamily="18" charset="0"/>
+            </a:endParaRPr>
+          </a:p>
+          <a:p>
+            <a:pPr marL="342900" indent="-342900" algn="l">
+              <a:lnSpc>
+                <a:spcPct val="100000"/>
+              </a:lnSpc>
+              <a:buFont typeface="Arial" panose="020B0604020202020204" pitchFamily="34" charset="0"/>
+              <a:buChar char="•"/>
+            </a:pPr>
+            <a:r>
+              <a:rPr lang="en-US" sz="4400" b="1" dirty="0">
+                <a:latin typeface="Times New Roman" panose="02020603050405020304" pitchFamily="18" charset="0"/>
+                <a:ea typeface="Poppins Light" charset="0"/>
+                <a:cs typeface="Times New Roman" panose="02020603050405020304" pitchFamily="18" charset="0"/>
+              </a:rPr>
+              <a:t>Air and Ground Speeds</a:t>
+            </a:r>
+            <a:br>
+              <a:rPr lang="en-US" sz="4400" b="1" dirty="0">
+                <a:latin typeface="Times New Roman" panose="02020603050405020304" pitchFamily="18" charset="0"/>
+                <a:ea typeface="Poppins Light" charset="0"/>
+                <a:cs typeface="Times New Roman" panose="02020603050405020304" pitchFamily="18" charset="0"/>
+              </a:rPr>
+            </a:br>
+            <a:r>
+              <a:rPr lang="en-US" sz="3600" dirty="0">
+                <a:latin typeface="Times New Roman" panose="02020603050405020304" pitchFamily="18" charset="0"/>
+                <a:ea typeface="Poppins Light" charset="0"/>
+                <a:cs typeface="Times New Roman" panose="02020603050405020304" pitchFamily="18" charset="0"/>
+              </a:rPr>
+              <a:t>These give the air and ground speeds (in knots). The instruments are used to supply these values</a:t>
+            </a:r>
+            <a:endParaRPr lang="en-US" sz="4400" b="1" dirty="0">
+              <a:latin typeface="Times New Roman" panose="02020603050405020304" pitchFamily="18" charset="0"/>
+              <a:ea typeface="Poppins Light" charset="0"/>
+              <a:cs typeface="Times New Roman" panose="02020603050405020304" pitchFamily="18" charset="0"/>
+            </a:endParaRPr>
+          </a:p>
+          <a:p>
+            <a:pPr marL="342900" indent="-342900" algn="l">
+              <a:lnSpc>
+                <a:spcPct val="100000"/>
+              </a:lnSpc>
+              <a:buFont typeface="Arial" panose="020B0604020202020204" pitchFamily="34" charset="0"/>
+              <a:buChar char="•"/>
+            </a:pPr>
+            <a:endParaRPr lang="en-IN" sz="4400" dirty="0">
+              <a:latin typeface="Times New Roman" panose="02020603050405020304" pitchFamily="18" charset="0"/>
+              <a:ea typeface="Poppins Light" charset="0"/>
+              <a:cs typeface="Times New Roman" panose="02020603050405020304" pitchFamily="18" charset="0"/>
+            </a:endParaRPr>
+          </a:p>
+        </p:txBody>
+      </p:sp>
+    </p:spTree>
+    <p:extLst>
+      <p:ext uri="{BB962C8B-B14F-4D97-AF65-F5344CB8AC3E}">
+        <p14:creationId xmlns:p14="http://schemas.microsoft.com/office/powerpoint/2010/main" val="2458149976"/>
+      </p:ext>
+    </p:extLst>
+  </p:cSld>
+  <p:clrMapOvr>
+    <a:masterClrMapping/>
+  </p:clrMapOvr>
+  <p:transition spd="med" advClick="0">
+    <p:pull/>
+  </p:transition>
+</p:sld>
+</file>
+
+<file path=ppt/slides/slide22.xml><?xml version="1.0" encoding="utf-8"?>
+<p:sld xmlns:a="http://schemas.openxmlformats.org/drawingml/2006/main" xmlns:r="http://schemas.openxmlformats.org/officeDocument/2006/relationships" xmlns:p="http://schemas.openxmlformats.org/presentationml/2006/main">
+  <p:cSld>
+    <p:spTree>
+      <p:nvGrpSpPr>
+        <p:cNvPr id="1" name=""/>
+        <p:cNvGrpSpPr/>
+        <p:nvPr/>
+      </p:nvGrpSpPr>
+      <p:grpSpPr>
+        <a:xfrm>
+          <a:off x="0" y="0"/>
+          <a:ext cx="0" cy="0"/>
+          <a:chOff x="0" y="0"/>
+          <a:chExt cx="0" cy="0"/>
+        </a:xfrm>
+      </p:grpSpPr>
+      <p:pic>
+        <p:nvPicPr>
+          <p:cNvPr id="8" name="Picture Placeholder 7">
+            <a:extLst>
+              <a:ext uri="{FF2B5EF4-FFF2-40B4-BE49-F238E27FC236}">
+                <a16:creationId xmlns:a16="http://schemas.microsoft.com/office/drawing/2014/main" id="{756D5088-B68A-4843-BCA4-C4C65BC52BF9}"/>
+              </a:ext>
+            </a:extLst>
+          </p:cNvPr>
+          <p:cNvPicPr>
+            <a:picLocks noGrp="1" noChangeAspect="1"/>
+          </p:cNvPicPr>
+          <p:nvPr>
+            <p:ph type="pic" sz="quarter" idx="16"/>
+          </p:nvPr>
+        </p:nvPicPr>
+        <p:blipFill>
+          <a:blip r:embed="rId2" cstate="email">
+            <a:extLst>
+              <a:ext uri="{28A0092B-C50C-407E-A947-70E740481C1C}">
+                <a14:useLocalDpi xmlns:a14="http://schemas.microsoft.com/office/drawing/2010/main" val="0"/>
+              </a:ext>
+            </a:extLst>
+          </a:blip>
+          <a:srcRect l="5249" r="5249"/>
+          <a:stretch>
+            <a:fillRect/>
+          </a:stretch>
+        </p:blipFill>
+        <p:spPr>
+          <a:xfrm>
+            <a:off x="4137080" y="3185171"/>
+            <a:ext cx="16103490" cy="9369959"/>
+          </a:xfrm>
+        </p:spPr>
+      </p:pic>
+      <p:cxnSp>
+        <p:nvCxnSpPr>
+          <p:cNvPr id="4" name="Straight Connector 3">
+            <a:extLst>
+              <a:ext uri="{FF2B5EF4-FFF2-40B4-BE49-F238E27FC236}">
+                <a16:creationId xmlns:a16="http://schemas.microsoft.com/office/drawing/2014/main" id="{87BAE5DE-903C-4057-9F1F-C8FAFAF90866}"/>
+              </a:ext>
+            </a:extLst>
+          </p:cNvPr>
+          <p:cNvCxnSpPr/>
+          <p:nvPr/>
+        </p:nvCxnSpPr>
+        <p:spPr>
+          <a:xfrm>
+            <a:off x="11608677" y="2794666"/>
+            <a:ext cx="1192923" cy="0"/>
+          </a:xfrm>
+          <a:prstGeom prst="line">
+            <a:avLst/>
+          </a:prstGeom>
+          <a:ln w="57150">
+            <a:solidFill>
+              <a:schemeClr val="accent4">
+                <a:lumMod val="85000"/>
+                <a:lumOff val="15000"/>
+              </a:schemeClr>
+            </a:solidFill>
+          </a:ln>
+        </p:spPr>
+        <p:style>
+          <a:lnRef idx="1">
+            <a:schemeClr val="accent1"/>
+          </a:lnRef>
+          <a:fillRef idx="0">
+            <a:schemeClr val="accent1"/>
+          </a:fillRef>
+          <a:effectRef idx="0">
+            <a:schemeClr val="accent1"/>
+          </a:effectRef>
+          <a:fontRef idx="minor">
+            <a:schemeClr val="tx1"/>
+          </a:fontRef>
+        </p:style>
+      </p:cxnSp>
+      <p:sp>
+        <p:nvSpPr>
+          <p:cNvPr id="5" name="TextBox 4">
+            <a:extLst>
+              <a:ext uri="{FF2B5EF4-FFF2-40B4-BE49-F238E27FC236}">
+                <a16:creationId xmlns:a16="http://schemas.microsoft.com/office/drawing/2014/main" id="{BE8E591C-D28E-4889-86B7-827AD80AE1D5}"/>
+              </a:ext>
+            </a:extLst>
+          </p:cNvPr>
+          <p:cNvSpPr txBox="1"/>
+          <p:nvPr/>
+        </p:nvSpPr>
+        <p:spPr>
+          <a:xfrm>
+            <a:off x="10117625" y="1160870"/>
+            <a:ext cx="4142481" cy="1169551"/>
+          </a:xfrm>
+          <a:prstGeom prst="rect">
+            <a:avLst/>
+          </a:prstGeom>
+          <a:noFill/>
+        </p:spPr>
+        <p:txBody>
+          <a:bodyPr wrap="none" rtlCol="0">
+            <a:spAutoFit/>
+          </a:bodyPr>
+          <a:lstStyle/>
+          <a:p>
+            <a:pPr algn="ctr"/>
+            <a:r>
+              <a:rPr lang="en-US" sz="7000" b="1" spc="800" dirty="0">
+                <a:solidFill>
+                  <a:schemeClr val="tx2"/>
+                </a:solidFill>
+                <a:latin typeface="Lato Black" charset="0"/>
+                <a:ea typeface="Lato Black" charset="0"/>
+                <a:cs typeface="Lato Black" charset="0"/>
+              </a:rPr>
+              <a:t>Results</a:t>
+            </a:r>
+          </a:p>
+        </p:txBody>
+      </p:sp>
+      <p:pic>
+        <p:nvPicPr>
+          <p:cNvPr id="6" name="Picture 5">
+            <a:extLst>
+              <a:ext uri="{FF2B5EF4-FFF2-40B4-BE49-F238E27FC236}">
+                <a16:creationId xmlns:a16="http://schemas.microsoft.com/office/drawing/2014/main" id="{88B1F6DA-13EA-471E-8ACB-E19367D6FE9C}"/>
+              </a:ext>
+            </a:extLst>
+          </p:cNvPr>
+          <p:cNvPicPr>
+            <a:picLocks noChangeAspect="1"/>
+          </p:cNvPicPr>
+          <p:nvPr/>
+        </p:nvPicPr>
+        <p:blipFill>
+          <a:blip r:embed="rId3">
+            <a:extLst>
+              <a:ext uri="{28A0092B-C50C-407E-A947-70E740481C1C}">
+                <a14:useLocalDpi xmlns:a14="http://schemas.microsoft.com/office/drawing/2010/main" val="0"/>
+              </a:ext>
+            </a:extLst>
+          </a:blip>
+          <a:stretch>
+            <a:fillRect/>
+          </a:stretch>
+        </p:blipFill>
+        <p:spPr>
+          <a:xfrm>
+            <a:off x="563562" y="428625"/>
+            <a:ext cx="1762125" cy="1714500"/>
+          </a:xfrm>
+          <a:prstGeom prst="rect">
+            <a:avLst/>
+          </a:prstGeom>
+        </p:spPr>
+      </p:pic>
+      <p:sp>
+        <p:nvSpPr>
+          <p:cNvPr id="9" name="TextBox 8">
+            <a:extLst>
+              <a:ext uri="{FF2B5EF4-FFF2-40B4-BE49-F238E27FC236}">
+                <a16:creationId xmlns:a16="http://schemas.microsoft.com/office/drawing/2014/main" id="{D1C2825C-E61C-4012-A670-7819C6060D74}"/>
+              </a:ext>
+            </a:extLst>
+          </p:cNvPr>
+          <p:cNvSpPr txBox="1"/>
+          <p:nvPr/>
+        </p:nvSpPr>
+        <p:spPr>
+          <a:xfrm>
+            <a:off x="4333461" y="12555130"/>
+            <a:ext cx="15584556" cy="646331"/>
+          </a:xfrm>
+          <a:prstGeom prst="rect">
+            <a:avLst/>
+          </a:prstGeom>
+          <a:noFill/>
+        </p:spPr>
+        <p:txBody>
+          <a:bodyPr wrap="square" rtlCol="0">
+            <a:spAutoFit/>
+          </a:bodyPr>
+          <a:lstStyle/>
+          <a:p>
+            <a:pPr algn="ctr"/>
+            <a:r>
+              <a:rPr lang="en-US" dirty="0">
+                <a:solidFill>
+                  <a:schemeClr val="tx2"/>
+                </a:solidFill>
+              </a:rPr>
+              <a:t>Fig. 1:</a:t>
+            </a:r>
+            <a:r>
+              <a:rPr lang="en-US" dirty="0"/>
+              <a:t> Plane is at rest on the runway</a:t>
+            </a:r>
+            <a:endParaRPr lang="en-IN" dirty="0"/>
+          </a:p>
+        </p:txBody>
+      </p:sp>
+    </p:spTree>
+    <p:extLst>
+      <p:ext uri="{BB962C8B-B14F-4D97-AF65-F5344CB8AC3E}">
+        <p14:creationId xmlns:p14="http://schemas.microsoft.com/office/powerpoint/2010/main" val="2387472422"/>
+      </p:ext>
+    </p:extLst>
+  </p:cSld>
+  <p:clrMapOvr>
+    <a:masterClrMapping/>
+  </p:clrMapOvr>
+  <p:transition spd="med" advClick="0">
+    <p:pull/>
+  </p:transition>
+</p:sld>
+</file>
+
+<file path=ppt/slides/slide23.xml><?xml version="1.0" encoding="utf-8"?>
+<p:sld xmlns:a="http://schemas.openxmlformats.org/drawingml/2006/main" xmlns:r="http://schemas.openxmlformats.org/officeDocument/2006/relationships" xmlns:p="http://schemas.openxmlformats.org/presentationml/2006/main">
+  <p:cSld>
+    <p:spTree>
+      <p:nvGrpSpPr>
+        <p:cNvPr id="1" name=""/>
+        <p:cNvGrpSpPr/>
+        <p:nvPr/>
+      </p:nvGrpSpPr>
+      <p:grpSpPr>
+        <a:xfrm>
+          <a:off x="0" y="0"/>
+          <a:ext cx="0" cy="0"/>
+          <a:chOff x="0" y="0"/>
+          <a:chExt cx="0" cy="0"/>
+        </a:xfrm>
+      </p:grpSpPr>
+      <p:pic>
+        <p:nvPicPr>
+          <p:cNvPr id="9" name="Picture Placeholder 8">
+            <a:extLst>
+              <a:ext uri="{FF2B5EF4-FFF2-40B4-BE49-F238E27FC236}">
+                <a16:creationId xmlns:a16="http://schemas.microsoft.com/office/drawing/2014/main" id="{9F098D9D-6292-49FD-AA29-B1E9633BE72D}"/>
+              </a:ext>
+            </a:extLst>
+          </p:cNvPr>
+          <p:cNvPicPr>
+            <a:picLocks noGrp="1" noChangeAspect="1"/>
+          </p:cNvPicPr>
+          <p:nvPr>
+            <p:ph type="pic" sz="quarter" idx="16"/>
+          </p:nvPr>
+        </p:nvPicPr>
+        <p:blipFill>
+          <a:blip r:embed="rId2" cstate="email">
+            <a:extLst>
+              <a:ext uri="{28A0092B-C50C-407E-A947-70E740481C1C}">
+                <a14:useLocalDpi xmlns:a14="http://schemas.microsoft.com/office/drawing/2010/main" val="0"/>
+              </a:ext>
+            </a:extLst>
+          </a:blip>
+          <a:srcRect l="5383" r="5383"/>
+          <a:stretch>
+            <a:fillRect/>
+          </a:stretch>
+        </p:blipFill>
+        <p:spPr>
+          <a:xfrm>
+            <a:off x="4167947" y="3527708"/>
+            <a:ext cx="16041756" cy="9027422"/>
+          </a:xfrm>
+        </p:spPr>
+      </p:pic>
+      <p:cxnSp>
+        <p:nvCxnSpPr>
+          <p:cNvPr id="5" name="Straight Connector 4">
+            <a:extLst>
+              <a:ext uri="{FF2B5EF4-FFF2-40B4-BE49-F238E27FC236}">
+                <a16:creationId xmlns:a16="http://schemas.microsoft.com/office/drawing/2014/main" id="{A3D3E8BD-2F8A-4020-B00F-8E2AF732665A}"/>
+              </a:ext>
+            </a:extLst>
+          </p:cNvPr>
+          <p:cNvCxnSpPr/>
+          <p:nvPr/>
+        </p:nvCxnSpPr>
+        <p:spPr>
+          <a:xfrm>
+            <a:off x="11608677" y="2794666"/>
+            <a:ext cx="1192923" cy="0"/>
+          </a:xfrm>
+          <a:prstGeom prst="line">
+            <a:avLst/>
+          </a:prstGeom>
+          <a:ln w="57150">
+            <a:solidFill>
+              <a:schemeClr val="accent4">
+                <a:lumMod val="85000"/>
+                <a:lumOff val="15000"/>
+              </a:schemeClr>
+            </a:solidFill>
+          </a:ln>
+        </p:spPr>
+        <p:style>
+          <a:lnRef idx="1">
+            <a:schemeClr val="accent1"/>
+          </a:lnRef>
+          <a:fillRef idx="0">
+            <a:schemeClr val="accent1"/>
+          </a:fillRef>
+          <a:effectRef idx="0">
+            <a:schemeClr val="accent1"/>
+          </a:effectRef>
+          <a:fontRef idx="minor">
+            <a:schemeClr val="tx1"/>
+          </a:fontRef>
+        </p:style>
+      </p:cxnSp>
+      <p:sp>
+        <p:nvSpPr>
+          <p:cNvPr id="6" name="TextBox 5">
+            <a:extLst>
+              <a:ext uri="{FF2B5EF4-FFF2-40B4-BE49-F238E27FC236}">
+                <a16:creationId xmlns:a16="http://schemas.microsoft.com/office/drawing/2014/main" id="{ADB8C90F-7BFB-4A28-8005-CFFDFE8651CE}"/>
+              </a:ext>
+            </a:extLst>
+          </p:cNvPr>
+          <p:cNvSpPr txBox="1"/>
+          <p:nvPr/>
+        </p:nvSpPr>
+        <p:spPr>
+          <a:xfrm>
+            <a:off x="10117625" y="1160870"/>
+            <a:ext cx="4142481" cy="1169551"/>
+          </a:xfrm>
+          <a:prstGeom prst="rect">
+            <a:avLst/>
+          </a:prstGeom>
+          <a:noFill/>
+        </p:spPr>
+        <p:txBody>
+          <a:bodyPr wrap="none" rtlCol="0">
+            <a:spAutoFit/>
+          </a:bodyPr>
+          <a:lstStyle/>
+          <a:p>
+            <a:pPr algn="ctr"/>
+            <a:r>
+              <a:rPr lang="en-US" sz="7000" b="1" spc="800" dirty="0">
+                <a:solidFill>
+                  <a:schemeClr val="tx2"/>
+                </a:solidFill>
+                <a:latin typeface="Lato Black" charset="0"/>
+                <a:ea typeface="Lato Black" charset="0"/>
+                <a:cs typeface="Lato Black" charset="0"/>
+              </a:rPr>
+              <a:t>Results</a:t>
+            </a:r>
+          </a:p>
+        </p:txBody>
+      </p:sp>
+      <p:pic>
+        <p:nvPicPr>
+          <p:cNvPr id="7" name="Picture 6">
+            <a:extLst>
+              <a:ext uri="{FF2B5EF4-FFF2-40B4-BE49-F238E27FC236}">
+                <a16:creationId xmlns:a16="http://schemas.microsoft.com/office/drawing/2014/main" id="{83E0460E-8214-4432-BF86-CA45EE478836}"/>
+              </a:ext>
+            </a:extLst>
+          </p:cNvPr>
+          <p:cNvPicPr>
+            <a:picLocks noChangeAspect="1"/>
+          </p:cNvPicPr>
+          <p:nvPr/>
+        </p:nvPicPr>
+        <p:blipFill>
+          <a:blip r:embed="rId3">
+            <a:extLst>
+              <a:ext uri="{28A0092B-C50C-407E-A947-70E740481C1C}">
+                <a14:useLocalDpi xmlns:a14="http://schemas.microsoft.com/office/drawing/2010/main" val="0"/>
+              </a:ext>
+            </a:extLst>
+          </a:blip>
+          <a:stretch>
+            <a:fillRect/>
+          </a:stretch>
+        </p:blipFill>
+        <p:spPr>
+          <a:xfrm>
+            <a:off x="563562" y="428625"/>
+            <a:ext cx="1762125" cy="1714500"/>
+          </a:xfrm>
+          <a:prstGeom prst="rect">
+            <a:avLst/>
+          </a:prstGeom>
+        </p:spPr>
+      </p:pic>
+      <p:sp>
+        <p:nvSpPr>
+          <p:cNvPr id="10" name="TextBox 9">
+            <a:extLst>
+              <a:ext uri="{FF2B5EF4-FFF2-40B4-BE49-F238E27FC236}">
+                <a16:creationId xmlns:a16="http://schemas.microsoft.com/office/drawing/2014/main" id="{A1A155D2-E864-4C13-BC4E-2ACB9547DF40}"/>
+              </a:ext>
+            </a:extLst>
+          </p:cNvPr>
+          <p:cNvSpPr txBox="1"/>
+          <p:nvPr/>
+        </p:nvSpPr>
+        <p:spPr>
+          <a:xfrm>
+            <a:off x="4333461" y="12555130"/>
+            <a:ext cx="15584556" cy="646331"/>
+          </a:xfrm>
+          <a:prstGeom prst="rect">
+            <a:avLst/>
+          </a:prstGeom>
+          <a:noFill/>
+        </p:spPr>
+        <p:txBody>
+          <a:bodyPr wrap="square" rtlCol="0">
+            <a:spAutoFit/>
+          </a:bodyPr>
+          <a:lstStyle/>
+          <a:p>
+            <a:pPr algn="ctr"/>
+            <a:r>
+              <a:rPr lang="en-US" dirty="0">
+                <a:solidFill>
+                  <a:schemeClr val="tx2"/>
+                </a:solidFill>
+              </a:rPr>
+              <a:t>Fig. 2:</a:t>
+            </a:r>
+            <a:r>
+              <a:rPr lang="en-US" dirty="0"/>
+              <a:t> Plane in motion – attaining cruise altitude</a:t>
+            </a:r>
+            <a:endParaRPr lang="en-IN" dirty="0"/>
+          </a:p>
+        </p:txBody>
+      </p:sp>
+    </p:spTree>
+    <p:extLst>
+      <p:ext uri="{BB962C8B-B14F-4D97-AF65-F5344CB8AC3E}">
+        <p14:creationId xmlns:p14="http://schemas.microsoft.com/office/powerpoint/2010/main" val="2919185757"/>
+      </p:ext>
+    </p:extLst>
+  </p:cSld>
+  <p:clrMapOvr>
+    <a:masterClrMapping/>
+  </p:clrMapOvr>
+  <p:transition spd="med" advClick="0">
+    <p:pull/>
+  </p:transition>
+</p:sld>
+</file>
+
+<file path=ppt/slides/slide24.xml><?xml version="1.0" encoding="utf-8"?>
+<p:sld xmlns:a="http://schemas.openxmlformats.org/drawingml/2006/main" xmlns:r="http://schemas.openxmlformats.org/officeDocument/2006/relationships" xmlns:p="http://schemas.openxmlformats.org/presentationml/2006/main">
+  <p:cSld>
+    <p:spTree>
+      <p:nvGrpSpPr>
+        <p:cNvPr id="1" name=""/>
+        <p:cNvGrpSpPr/>
+        <p:nvPr/>
+      </p:nvGrpSpPr>
+      <p:grpSpPr>
+        <a:xfrm>
+          <a:off x="0" y="0"/>
+          <a:ext cx="0" cy="0"/>
+          <a:chOff x="0" y="0"/>
+          <a:chExt cx="0" cy="0"/>
+        </a:xfrm>
+      </p:grpSpPr>
+      <p:cxnSp>
+        <p:nvCxnSpPr>
+          <p:cNvPr id="10" name="Straight Connector 9"/>
+          <p:cNvCxnSpPr/>
+          <p:nvPr/>
+        </p:nvCxnSpPr>
+        <p:spPr>
+          <a:xfrm>
+            <a:off x="11608677" y="2794666"/>
+            <a:ext cx="1192923" cy="0"/>
+          </a:xfrm>
+          <a:prstGeom prst="line">
+            <a:avLst/>
+          </a:prstGeom>
+          <a:ln w="57150">
+            <a:solidFill>
+              <a:schemeClr val="accent1"/>
+            </a:solidFill>
+          </a:ln>
+        </p:spPr>
+        <p:style>
+          <a:lnRef idx="1">
+            <a:schemeClr val="accent1"/>
+          </a:lnRef>
+          <a:fillRef idx="0">
+            <a:schemeClr val="accent1"/>
+          </a:fillRef>
+          <a:effectRef idx="0">
+            <a:schemeClr val="accent1"/>
+          </a:effectRef>
+          <a:fontRef idx="minor">
+            <a:schemeClr val="tx1"/>
+          </a:fontRef>
+        </p:style>
+      </p:cxnSp>
+      <p:sp>
+        <p:nvSpPr>
+          <p:cNvPr id="11" name="TextBox 10"/>
+          <p:cNvSpPr txBox="1"/>
+          <p:nvPr/>
+        </p:nvSpPr>
+        <p:spPr>
+          <a:xfrm>
+            <a:off x="9140596" y="1160870"/>
+            <a:ext cx="6096541" cy="1169551"/>
+          </a:xfrm>
+          <a:prstGeom prst="rect">
+            <a:avLst/>
+          </a:prstGeom>
+          <a:noFill/>
+        </p:spPr>
+        <p:txBody>
+          <a:bodyPr wrap="none" rtlCol="0">
+            <a:spAutoFit/>
+          </a:bodyPr>
+          <a:lstStyle/>
+          <a:p>
+            <a:pPr algn="ctr"/>
+            <a:r>
+              <a:rPr lang="en-US" sz="7000" b="1" spc="800" dirty="0">
+                <a:solidFill>
+                  <a:schemeClr val="tx2"/>
+                </a:solidFill>
+                <a:latin typeface="Lato Black" charset="0"/>
+                <a:ea typeface="Lato Black" charset="0"/>
+                <a:cs typeface="Lato Black" charset="0"/>
+              </a:rPr>
+              <a:t>Conclusion</a:t>
+            </a:r>
+          </a:p>
+        </p:txBody>
+      </p:sp>
+      <p:pic>
+        <p:nvPicPr>
+          <p:cNvPr id="2" name="Picture 1"/>
+          <p:cNvPicPr>
+            <a:picLocks noChangeAspect="1"/>
+          </p:cNvPicPr>
+          <p:nvPr/>
+        </p:nvPicPr>
+        <p:blipFill>
+          <a:blip r:embed="rId3" cstate="print">
+            <a:extLst>
+              <a:ext uri="{28A0092B-C50C-407E-A947-70E740481C1C}">
+                <a14:useLocalDpi xmlns:a14="http://schemas.microsoft.com/office/drawing/2010/main" val="0"/>
+              </a:ext>
+            </a:extLst>
+          </a:blip>
+          <a:stretch>
+            <a:fillRect/>
+          </a:stretch>
+        </p:blipFill>
+        <p:spPr>
+          <a:xfrm>
+            <a:off x="10876303" y="3410466"/>
+            <a:ext cx="2657669" cy="2657669"/>
+          </a:xfrm>
+          <a:prstGeom prst="rect">
+            <a:avLst/>
+          </a:prstGeom>
+        </p:spPr>
+      </p:pic>
+      <p:pic>
+        <p:nvPicPr>
+          <p:cNvPr id="9" name="Picture 8"/>
+          <p:cNvPicPr>
+            <a:picLocks noChangeAspect="1"/>
+          </p:cNvPicPr>
+          <p:nvPr/>
+        </p:nvPicPr>
+        <p:blipFill>
+          <a:blip r:embed="rId4">
+            <a:extLst>
+              <a:ext uri="{28A0092B-C50C-407E-A947-70E740481C1C}">
+                <a14:useLocalDpi xmlns:a14="http://schemas.microsoft.com/office/drawing/2010/main" val="0"/>
+              </a:ext>
+            </a:extLst>
+          </a:blip>
+          <a:stretch>
+            <a:fillRect/>
+          </a:stretch>
+        </p:blipFill>
+        <p:spPr>
+          <a:xfrm>
+            <a:off x="563562" y="428625"/>
+            <a:ext cx="1762125" cy="1714500"/>
+          </a:xfrm>
+          <a:prstGeom prst="rect">
+            <a:avLst/>
+          </a:prstGeom>
+        </p:spPr>
+      </p:pic>
+      <p:sp>
+        <p:nvSpPr>
+          <p:cNvPr id="6" name="Subtitle 2">
+            <a:extLst>
+              <a:ext uri="{FF2B5EF4-FFF2-40B4-BE49-F238E27FC236}">
+                <a16:creationId xmlns:a16="http://schemas.microsoft.com/office/drawing/2014/main" id="{1CBEDBCF-E90E-419A-9DCB-AB3F29D456CB}"/>
+              </a:ext>
+            </a:extLst>
+          </p:cNvPr>
+          <p:cNvSpPr txBox="1">
+            <a:spLocks/>
+          </p:cNvSpPr>
+          <p:nvPr/>
+        </p:nvSpPr>
+        <p:spPr>
+          <a:xfrm>
+            <a:off x="563562" y="6886859"/>
+            <a:ext cx="19842927" cy="5636481"/>
+          </a:xfrm>
+          <a:prstGeom prst="rect">
+            <a:avLst/>
+          </a:prstGeom>
+        </p:spPr>
+        <p:txBody>
+          <a:bodyPr vert="horz" wrap="square" lIns="217490" tIns="108745" rIns="217490" bIns="108745" rtlCol="0">
+            <a:spAutoFit/>
+          </a:bodyPr>
+          <a:lstStyle>
+            <a:lvl1pPr marL="0" indent="0" algn="ctr" defTabSz="1087636" rtl="0" eaLnBrk="1" latinLnBrk="0" hangingPunct="1">
+              <a:lnSpc>
+                <a:spcPct val="120000"/>
+              </a:lnSpc>
+              <a:spcBef>
+                <a:spcPct val="20000"/>
+              </a:spcBef>
+              <a:buFont typeface="Arial"/>
+              <a:buNone/>
+              <a:defRPr sz="2400" kern="1200">
+                <a:solidFill>
+                  <a:schemeClr val="tx2"/>
+                </a:solidFill>
+                <a:latin typeface="Open Sans Light"/>
+                <a:ea typeface="+mn-ea"/>
+                <a:cs typeface="Open Sans Light"/>
+              </a:defRPr>
+            </a:lvl1pPr>
+            <a:lvl2pPr marL="1087636" indent="0" algn="ctr" defTabSz="1087636" rtl="0" eaLnBrk="1" latinLnBrk="0" hangingPunct="1">
+              <a:lnSpc>
+                <a:spcPct val="130000"/>
+              </a:lnSpc>
+              <a:spcBef>
+                <a:spcPct val="20000"/>
+              </a:spcBef>
+              <a:buFont typeface="Arial"/>
+              <a:buNone/>
+              <a:defRPr sz="3200" kern="1200">
+                <a:solidFill>
+                  <a:schemeClr val="tx1">
+                    <a:tint val="75000"/>
+                  </a:schemeClr>
+                </a:solidFill>
+                <a:latin typeface="Open Sans"/>
+                <a:ea typeface="+mn-ea"/>
+                <a:cs typeface="Open Sans"/>
+              </a:defRPr>
+            </a:lvl2pPr>
+            <a:lvl3pPr marL="2175271" indent="0" algn="ctr" defTabSz="1087636" rtl="0" eaLnBrk="1" latinLnBrk="0" hangingPunct="1">
+              <a:lnSpc>
+                <a:spcPct val="130000"/>
+              </a:lnSpc>
+              <a:spcBef>
+                <a:spcPct val="20000"/>
+              </a:spcBef>
+              <a:buFont typeface="Arial"/>
+              <a:buNone/>
+              <a:defRPr sz="3200" kern="1200">
+                <a:solidFill>
+                  <a:schemeClr val="tx1">
+                    <a:tint val="75000"/>
+                  </a:schemeClr>
+                </a:solidFill>
+                <a:latin typeface="Open Sans"/>
+                <a:ea typeface="+mn-ea"/>
+                <a:cs typeface="Open Sans"/>
+              </a:defRPr>
+            </a:lvl3pPr>
+            <a:lvl4pPr marL="3262912" indent="0" algn="ctr" defTabSz="1087636" rtl="0" eaLnBrk="1" latinLnBrk="0" hangingPunct="1">
+              <a:lnSpc>
+                <a:spcPct val="130000"/>
+              </a:lnSpc>
+              <a:spcBef>
+                <a:spcPct val="20000"/>
+              </a:spcBef>
+              <a:buFont typeface="Arial"/>
+              <a:buNone/>
+              <a:defRPr sz="3200" kern="1200">
+                <a:solidFill>
+                  <a:schemeClr val="tx1">
+                    <a:tint val="75000"/>
+                  </a:schemeClr>
+                </a:solidFill>
+                <a:latin typeface="Open Sans"/>
+                <a:ea typeface="+mn-ea"/>
+                <a:cs typeface="Open Sans"/>
+              </a:defRPr>
+            </a:lvl4pPr>
+            <a:lvl5pPr marL="4350546" indent="0" algn="ctr" defTabSz="1087636" rtl="0" eaLnBrk="1" latinLnBrk="0" hangingPunct="1">
+              <a:lnSpc>
+                <a:spcPct val="130000"/>
+              </a:lnSpc>
+              <a:spcBef>
+                <a:spcPct val="20000"/>
+              </a:spcBef>
+              <a:buFont typeface="Arial"/>
+              <a:buNone/>
+              <a:defRPr sz="3200" kern="1200">
+                <a:solidFill>
+                  <a:schemeClr val="tx1">
+                    <a:tint val="75000"/>
+                  </a:schemeClr>
+                </a:solidFill>
+                <a:latin typeface="Open Sans"/>
+                <a:ea typeface="+mn-ea"/>
+                <a:cs typeface="Open Sans"/>
+              </a:defRPr>
+            </a:lvl5pPr>
+            <a:lvl6pPr marL="5438184" indent="0" algn="ctr" defTabSz="1087636" rtl="0" eaLnBrk="1" latinLnBrk="0" hangingPunct="1">
+              <a:spcBef>
+                <a:spcPct val="20000"/>
+              </a:spcBef>
+              <a:buFont typeface="Arial"/>
+              <a:buNone/>
+              <a:defRPr sz="4800" kern="1200">
+                <a:solidFill>
+                  <a:schemeClr val="tx1">
+                    <a:tint val="75000"/>
+                  </a:schemeClr>
+                </a:solidFill>
+                <a:latin typeface="+mn-lt"/>
+                <a:ea typeface="+mn-ea"/>
+                <a:cs typeface="+mn-cs"/>
+              </a:defRPr>
+            </a:lvl6pPr>
+            <a:lvl7pPr marL="6525820" indent="0" algn="ctr" defTabSz="1087636" rtl="0" eaLnBrk="1" latinLnBrk="0" hangingPunct="1">
+              <a:spcBef>
+                <a:spcPct val="20000"/>
+              </a:spcBef>
+              <a:buFont typeface="Arial"/>
+              <a:buNone/>
+              <a:defRPr sz="4800" kern="1200">
+                <a:solidFill>
+                  <a:schemeClr val="tx1">
+                    <a:tint val="75000"/>
+                  </a:schemeClr>
+                </a:solidFill>
+                <a:latin typeface="+mn-lt"/>
+                <a:ea typeface="+mn-ea"/>
+                <a:cs typeface="+mn-cs"/>
+              </a:defRPr>
+            </a:lvl7pPr>
+            <a:lvl8pPr marL="7613455" indent="0" algn="ctr" defTabSz="1087636" rtl="0" eaLnBrk="1" latinLnBrk="0" hangingPunct="1">
+              <a:spcBef>
+                <a:spcPct val="20000"/>
+              </a:spcBef>
+              <a:buFont typeface="Arial"/>
+              <a:buNone/>
+              <a:defRPr sz="4800" kern="1200">
+                <a:solidFill>
+                  <a:schemeClr val="tx1">
+                    <a:tint val="75000"/>
+                  </a:schemeClr>
+                </a:solidFill>
+                <a:latin typeface="+mn-lt"/>
+                <a:ea typeface="+mn-ea"/>
+                <a:cs typeface="+mn-cs"/>
+              </a:defRPr>
+            </a:lvl8pPr>
+            <a:lvl9pPr marL="8701091" indent="0" algn="ctr" defTabSz="1087636" rtl="0" eaLnBrk="1" latinLnBrk="0" hangingPunct="1">
+              <a:spcBef>
+                <a:spcPct val="20000"/>
+              </a:spcBef>
+              <a:buFont typeface="Arial"/>
+              <a:buNone/>
+              <a:defRPr sz="4800" kern="1200">
+                <a:solidFill>
+                  <a:schemeClr val="tx1">
+                    <a:tint val="75000"/>
+                  </a:schemeClr>
+                </a:solidFill>
+                <a:latin typeface="+mn-lt"/>
+                <a:ea typeface="+mn-ea"/>
+                <a:cs typeface="+mn-cs"/>
+              </a:defRPr>
+            </a:lvl9pPr>
+          </a:lstStyle>
+          <a:p>
+            <a:pPr marL="342900" indent="-342900" algn="l">
+              <a:lnSpc>
+                <a:spcPct val="100000"/>
+              </a:lnSpc>
+              <a:buFont typeface="Arial" panose="020B0604020202020204" pitchFamily="34" charset="0"/>
+              <a:buChar char="•"/>
+            </a:pPr>
+            <a:r>
+              <a:rPr lang="en-US" sz="4000" dirty="0">
+                <a:latin typeface="Times New Roman" panose="02020603050405020304" pitchFamily="18" charset="0"/>
+                <a:ea typeface="Poppins Light" charset="0"/>
+                <a:cs typeface="Times New Roman" panose="02020603050405020304" pitchFamily="18" charset="0"/>
+              </a:rPr>
+              <a:t>Canvas API was found to be suitable for drawing the HUD.</a:t>
+            </a:r>
+          </a:p>
+          <a:p>
+            <a:pPr marL="342900" indent="-342900" algn="l">
+              <a:lnSpc>
+                <a:spcPct val="100000"/>
+              </a:lnSpc>
+              <a:buFont typeface="Arial" panose="020B0604020202020204" pitchFamily="34" charset="0"/>
+              <a:buChar char="•"/>
+            </a:pPr>
+            <a:r>
+              <a:rPr lang="en-US" sz="4000" dirty="0">
+                <a:latin typeface="Times New Roman" panose="02020603050405020304" pitchFamily="18" charset="0"/>
+                <a:ea typeface="Poppins Light" charset="0"/>
+                <a:cs typeface="Times New Roman" panose="02020603050405020304" pitchFamily="18" charset="0"/>
+              </a:rPr>
+              <a:t>The time taken to update the pitch and yaw from the property tree was found to be negligible.</a:t>
+            </a:r>
+          </a:p>
+          <a:p>
+            <a:pPr marL="342900" indent="-342900" algn="l">
+              <a:lnSpc>
+                <a:spcPct val="100000"/>
+              </a:lnSpc>
+              <a:buFont typeface="Arial" panose="020B0604020202020204" pitchFamily="34" charset="0"/>
+              <a:buChar char="•"/>
+            </a:pPr>
+            <a:r>
+              <a:rPr lang="en-US" sz="4000" dirty="0">
+                <a:latin typeface="Times New Roman" panose="02020603050405020304" pitchFamily="18" charset="0"/>
+                <a:ea typeface="Poppins Light" charset="0"/>
+                <a:cs typeface="Times New Roman" panose="02020603050405020304" pitchFamily="18" charset="0"/>
+              </a:rPr>
+              <a:t>There seems to be some delay in updating the value of the thrusters, probably due to the fact that the scaling factor is recalculated.</a:t>
+            </a:r>
+          </a:p>
+          <a:p>
+            <a:pPr marL="342900" indent="-342900" algn="l">
+              <a:lnSpc>
+                <a:spcPct val="100000"/>
+              </a:lnSpc>
+              <a:buFont typeface="Arial" panose="020B0604020202020204" pitchFamily="34" charset="0"/>
+              <a:buChar char="•"/>
+            </a:pPr>
+            <a:r>
+              <a:rPr lang="en-US" sz="4000" dirty="0">
+                <a:latin typeface="Times New Roman" panose="02020603050405020304" pitchFamily="18" charset="0"/>
+                <a:ea typeface="Poppins Light" charset="0"/>
+                <a:cs typeface="Times New Roman" panose="02020603050405020304" pitchFamily="18" charset="0"/>
+              </a:rPr>
+              <a:t>Elevation lines are found to be reasonably accurate.</a:t>
+            </a:r>
+          </a:p>
+          <a:p>
+            <a:pPr marL="342900" indent="-342900" algn="l">
+              <a:lnSpc>
+                <a:spcPct val="100000"/>
+              </a:lnSpc>
+              <a:buFont typeface="Arial" panose="020B0604020202020204" pitchFamily="34" charset="0"/>
+              <a:buChar char="•"/>
+            </a:pPr>
+            <a:r>
+              <a:rPr lang="en-US" sz="4000" dirty="0">
+                <a:latin typeface="Times New Roman" panose="02020603050405020304" pitchFamily="18" charset="0"/>
+                <a:ea typeface="Poppins Light" charset="0"/>
+                <a:cs typeface="Times New Roman" panose="02020603050405020304" pitchFamily="18" charset="0"/>
+              </a:rPr>
+              <a:t>Currently the values of minimum and maximum thrust values are being hardcoded from the engine datasheet. There is a need to integrate these values within the property tree to avoid rewriting the script for each aircraft.</a:t>
+            </a:r>
+          </a:p>
+        </p:txBody>
+      </p:sp>
+    </p:spTree>
+    <p:extLst>
+      <p:ext uri="{BB962C8B-B14F-4D97-AF65-F5344CB8AC3E}">
+        <p14:creationId xmlns:p14="http://schemas.microsoft.com/office/powerpoint/2010/main" val="2973948450"/>
+      </p:ext>
+    </p:extLst>
+  </p:cSld>
+  <p:clrMapOvr>
+    <a:masterClrMapping/>
+  </p:clrMapOvr>
+  <p:transition spd="med" advClick="0">
+    <p:pull/>
+  </p:transition>
+</p:sld>
+</file>
+
 <file path=ppt/slides/slide3.xml><?xml version="1.0" encoding="utf-8"?>
 <p:sld xmlns:a="http://schemas.openxmlformats.org/drawingml/2006/main" xmlns:r="http://schemas.openxmlformats.org/officeDocument/2006/relationships" xmlns:p="http://schemas.openxmlformats.org/presentationml/2006/main">
   <p:cSld>
@@ -9809,6 +12412,19 @@
                 <a:spcPts val="4640"/>
               </a:lnSpc>
             </a:pPr>
+            <a:r>
+              <a:rPr lang="en-US" sz="3200" dirty="0" err="1">
+                <a:solidFill>
+                  <a:schemeClr val="bg1">
+                    <a:lumMod val="65000"/>
+                  </a:schemeClr>
+                </a:solidFill>
+                <a:latin typeface="Poppins Light" pitchFamily="2" charset="77"/>
+                <a:ea typeface="Poppins Light" charset="0"/>
+                <a:cs typeface="Poppins Light" pitchFamily="2" charset="77"/>
+              </a:rPr>
+              <a:t>CMake</a:t>
+            </a:r>
             <a:endParaRPr lang="en-US" sz="3200" dirty="0">
               <a:solidFill>
                 <a:schemeClr val="bg1">
@@ -10937,49 +13553,12 @@
           <a:chExt cx="0" cy="0"/>
         </a:xfrm>
       </p:grpSpPr>
-      <p:sp>
-        <p:nvSpPr>
-          <p:cNvPr id="70" name="TextBox 69"/>
-          <p:cNvSpPr txBox="1"/>
-          <p:nvPr/>
-        </p:nvSpPr>
-        <p:spPr>
-          <a:xfrm>
-            <a:off x="9630325" y="12763182"/>
-            <a:ext cx="5117106" cy="523220"/>
-          </a:xfrm>
-          <a:prstGeom prst="rect">
-            <a:avLst/>
-          </a:prstGeom>
-          <a:noFill/>
-        </p:spPr>
-        <p:txBody>
-          <a:bodyPr wrap="none" rtlCol="0" anchor="ctr" anchorCtr="0">
-            <a:spAutoFit/>
-          </a:bodyPr>
-          <a:lstStyle/>
-          <a:p>
-            <a:pPr algn="ctr"/>
-            <a:r>
-              <a:rPr lang="en-US" sz="2800" b="1" dirty="0">
-                <a:solidFill>
-                  <a:schemeClr val="tx2"/>
-                </a:solidFill>
-                <a:latin typeface="Poppins SemiBold" charset="0"/>
-                <a:ea typeface="Poppins SemiBold" charset="0"/>
-                <a:cs typeface="Poppins SemiBold" charset="0"/>
-              </a:rPr>
-              <a:t>Class Diagram of Flight Gear</a:t>
-            </a:r>
-          </a:p>
-        </p:txBody>
-      </p:sp>
       <p:cxnSp>
         <p:nvCxnSpPr>
-          <p:cNvPr id="16" name="Straight Connector 15">
+          <p:cNvPr id="5" name="Straight Connector 4">
             <a:extLst>
               <a:ext uri="{FF2B5EF4-FFF2-40B4-BE49-F238E27FC236}">
-                <a16:creationId xmlns:a16="http://schemas.microsoft.com/office/drawing/2014/main" id="{F4F05C40-A1DE-1B4E-9E84-907536C7C797}"/>
+                <a16:creationId xmlns:a16="http://schemas.microsoft.com/office/drawing/2014/main" id="{DC9EC259-E926-4399-9446-6F3E83CFB47E}"/>
               </a:ext>
             </a:extLst>
           </p:cNvPr>
@@ -10996,10 +13575,7 @@
           </a:prstGeom>
           <a:ln w="57150">
             <a:solidFill>
-              <a:schemeClr val="accent4">
-                <a:lumMod val="85000"/>
-                <a:lumOff val="15000"/>
-              </a:schemeClr>
+              <a:schemeClr val="accent1"/>
             </a:solidFill>
           </a:ln>
         </p:spPr>
@@ -11020,10 +13596,10 @@
       </p:cxnSp>
       <p:sp>
         <p:nvSpPr>
-          <p:cNvPr id="18" name="TextBox 17">
+          <p:cNvPr id="6" name="TextBox 5">
             <a:extLst>
               <a:ext uri="{FF2B5EF4-FFF2-40B4-BE49-F238E27FC236}">
-                <a16:creationId xmlns:a16="http://schemas.microsoft.com/office/drawing/2014/main" id="{DC755B58-9D7E-3C41-AA19-A80B5424ECCE}"/>
+                <a16:creationId xmlns:a16="http://schemas.microsoft.com/office/drawing/2014/main" id="{E2CE59F0-748A-481D-91BD-968FB57EB7F8}"/>
               </a:ext>
             </a:extLst>
           </p:cNvPr>
@@ -11032,7 +13608,7 @@
         </p:nvSpPr>
         <p:spPr>
           <a:xfrm>
-            <a:off x="5531435" y="1160870"/>
+            <a:off x="5547706" y="1160870"/>
             <a:ext cx="13314863" cy="1169551"/>
           </a:xfrm>
           <a:prstGeom prst="rect">
@@ -11063,14 +13639,20 @@
       </p:sp>
       <p:pic>
         <p:nvPicPr>
-          <p:cNvPr id="9" name="Picture 8"/>
+          <p:cNvPr id="7" name="Picture 6">
+            <a:extLst>
+              <a:ext uri="{FF2B5EF4-FFF2-40B4-BE49-F238E27FC236}">
+                <a16:creationId xmlns:a16="http://schemas.microsoft.com/office/drawing/2014/main" id="{73C97D4C-8468-4E66-B08C-ABDFF8DA6609}"/>
+              </a:ext>
+            </a:extLst>
+          </p:cNvPr>
           <p:cNvPicPr>
             <a:picLocks noChangeAspect="1"/>
           </p:cNvPicPr>
           <p:nvPr/>
         </p:nvPicPr>
         <p:blipFill>
-          <a:blip r:embed="rId3">
+          <a:blip r:embed="rId2">
             <a:extLst>
               <a:ext uri="{28A0092B-C50C-407E-A947-70E740481C1C}">
                 <a14:useLocalDpi xmlns:a14="http://schemas.microsoft.com/office/drawing/2010/main" val="0"/>
@@ -11091,51 +13673,392 @@
           </a:prstGeom>
         </p:spPr>
       </p:pic>
-      <p:pic>
-        <p:nvPicPr>
-          <p:cNvPr id="5122" name="Picture 2" descr="https://raw.githubusercontent.com/benkenobi007/CHIS-Documents/master/SE%20Lab/Class%20Diagram.jpeg"/>
-          <p:cNvPicPr>
-            <a:picLocks noChangeAspect="1" noChangeArrowheads="1"/>
-          </p:cNvPicPr>
-          <p:nvPr/>
-        </p:nvPicPr>
-        <p:blipFill>
-          <a:blip r:embed="rId4" cstate="email">
+      <p:sp>
+        <p:nvSpPr>
+          <p:cNvPr id="8" name="Subtitle 2">
             <a:extLst>
-              <a:ext uri="{28A0092B-C50C-407E-A947-70E740481C1C}">
-                <a14:useLocalDpi xmlns:a14="http://schemas.microsoft.com/office/drawing/2010/main" val="0"/>
+              <a:ext uri="{FF2B5EF4-FFF2-40B4-BE49-F238E27FC236}">
+                <a16:creationId xmlns:a16="http://schemas.microsoft.com/office/drawing/2014/main" id="{4A91A148-8668-4833-9143-755B66ACA96A}"/>
               </a:ext>
             </a:extLst>
-          </a:blip>
-          <a:srcRect/>
-          <a:stretch>
-            <a:fillRect/>
-          </a:stretch>
-        </p:blipFill>
-        <p:spPr bwMode="auto">
+          </p:cNvPr>
+          <p:cNvSpPr txBox="1">
+            <a:spLocks/>
+          </p:cNvSpPr>
+          <p:nvPr/>
+        </p:nvSpPr>
+        <p:spPr>
           <a:xfrm>
-            <a:off x="5987848" y="2359917"/>
-            <a:ext cx="12123175" cy="10432761"/>
+            <a:off x="2325687" y="2794666"/>
+            <a:ext cx="18183372" cy="10659716"/>
           </a:xfrm>
           <a:prstGeom prst="rect">
             <a:avLst/>
           </a:prstGeom>
-          <a:noFill/>
-          <a:extLst>
-            <a:ext uri="{909E8E84-426E-40DD-AFC4-6F175D3DCCD1}">
-              <a14:hiddenFill xmlns:a14="http://schemas.microsoft.com/office/drawing/2010/main">
-                <a:solidFill>
-                  <a:srgbClr val="FFFFFF"/>
-                </a:solidFill>
-              </a14:hiddenFill>
-            </a:ext>
-          </a:extLst>
         </p:spPr>
-      </p:pic>
+        <p:txBody>
+          <a:bodyPr vert="horz" wrap="square" lIns="217490" tIns="108745" rIns="217490" bIns="108745" rtlCol="0">
+            <a:spAutoFit/>
+          </a:bodyPr>
+          <a:lstStyle>
+            <a:lvl1pPr marL="0" indent="0" algn="ctr" defTabSz="1087636" rtl="0" eaLnBrk="1" latinLnBrk="0" hangingPunct="1">
+              <a:lnSpc>
+                <a:spcPct val="120000"/>
+              </a:lnSpc>
+              <a:spcBef>
+                <a:spcPct val="20000"/>
+              </a:spcBef>
+              <a:buFont typeface="Arial"/>
+              <a:buNone/>
+              <a:defRPr sz="2400" kern="1200">
+                <a:solidFill>
+                  <a:schemeClr val="tx2"/>
+                </a:solidFill>
+                <a:latin typeface="Open Sans Light"/>
+                <a:ea typeface="+mn-ea"/>
+                <a:cs typeface="Open Sans Light"/>
+              </a:defRPr>
+            </a:lvl1pPr>
+            <a:lvl2pPr marL="1087636" indent="0" algn="ctr" defTabSz="1087636" rtl="0" eaLnBrk="1" latinLnBrk="0" hangingPunct="1">
+              <a:lnSpc>
+                <a:spcPct val="130000"/>
+              </a:lnSpc>
+              <a:spcBef>
+                <a:spcPct val="20000"/>
+              </a:spcBef>
+              <a:buFont typeface="Arial"/>
+              <a:buNone/>
+              <a:defRPr sz="3200" kern="1200">
+                <a:solidFill>
+                  <a:schemeClr val="tx1">
+                    <a:tint val="75000"/>
+                  </a:schemeClr>
+                </a:solidFill>
+                <a:latin typeface="Open Sans"/>
+                <a:ea typeface="+mn-ea"/>
+                <a:cs typeface="Open Sans"/>
+              </a:defRPr>
+            </a:lvl2pPr>
+            <a:lvl3pPr marL="2175271" indent="0" algn="ctr" defTabSz="1087636" rtl="0" eaLnBrk="1" latinLnBrk="0" hangingPunct="1">
+              <a:lnSpc>
+                <a:spcPct val="130000"/>
+              </a:lnSpc>
+              <a:spcBef>
+                <a:spcPct val="20000"/>
+              </a:spcBef>
+              <a:buFont typeface="Arial"/>
+              <a:buNone/>
+              <a:defRPr sz="3200" kern="1200">
+                <a:solidFill>
+                  <a:schemeClr val="tx1">
+                    <a:tint val="75000"/>
+                  </a:schemeClr>
+                </a:solidFill>
+                <a:latin typeface="Open Sans"/>
+                <a:ea typeface="+mn-ea"/>
+                <a:cs typeface="Open Sans"/>
+              </a:defRPr>
+            </a:lvl3pPr>
+            <a:lvl4pPr marL="3262912" indent="0" algn="ctr" defTabSz="1087636" rtl="0" eaLnBrk="1" latinLnBrk="0" hangingPunct="1">
+              <a:lnSpc>
+                <a:spcPct val="130000"/>
+              </a:lnSpc>
+              <a:spcBef>
+                <a:spcPct val="20000"/>
+              </a:spcBef>
+              <a:buFont typeface="Arial"/>
+              <a:buNone/>
+              <a:defRPr sz="3200" kern="1200">
+                <a:solidFill>
+                  <a:schemeClr val="tx1">
+                    <a:tint val="75000"/>
+                  </a:schemeClr>
+                </a:solidFill>
+                <a:latin typeface="Open Sans"/>
+                <a:ea typeface="+mn-ea"/>
+                <a:cs typeface="Open Sans"/>
+              </a:defRPr>
+            </a:lvl4pPr>
+            <a:lvl5pPr marL="4350546" indent="0" algn="ctr" defTabSz="1087636" rtl="0" eaLnBrk="1" latinLnBrk="0" hangingPunct="1">
+              <a:lnSpc>
+                <a:spcPct val="130000"/>
+              </a:lnSpc>
+              <a:spcBef>
+                <a:spcPct val="20000"/>
+              </a:spcBef>
+              <a:buFont typeface="Arial"/>
+              <a:buNone/>
+              <a:defRPr sz="3200" kern="1200">
+                <a:solidFill>
+                  <a:schemeClr val="tx1">
+                    <a:tint val="75000"/>
+                  </a:schemeClr>
+                </a:solidFill>
+                <a:latin typeface="Open Sans"/>
+                <a:ea typeface="+mn-ea"/>
+                <a:cs typeface="Open Sans"/>
+              </a:defRPr>
+            </a:lvl5pPr>
+            <a:lvl6pPr marL="5438184" indent="0" algn="ctr" defTabSz="1087636" rtl="0" eaLnBrk="1" latinLnBrk="0" hangingPunct="1">
+              <a:spcBef>
+                <a:spcPct val="20000"/>
+              </a:spcBef>
+              <a:buFont typeface="Arial"/>
+              <a:buNone/>
+              <a:defRPr sz="4800" kern="1200">
+                <a:solidFill>
+                  <a:schemeClr val="tx1">
+                    <a:tint val="75000"/>
+                  </a:schemeClr>
+                </a:solidFill>
+                <a:latin typeface="+mn-lt"/>
+                <a:ea typeface="+mn-ea"/>
+                <a:cs typeface="+mn-cs"/>
+              </a:defRPr>
+            </a:lvl6pPr>
+            <a:lvl7pPr marL="6525820" indent="0" algn="ctr" defTabSz="1087636" rtl="0" eaLnBrk="1" latinLnBrk="0" hangingPunct="1">
+              <a:spcBef>
+                <a:spcPct val="20000"/>
+              </a:spcBef>
+              <a:buFont typeface="Arial"/>
+              <a:buNone/>
+              <a:defRPr sz="4800" kern="1200">
+                <a:solidFill>
+                  <a:schemeClr val="tx1">
+                    <a:tint val="75000"/>
+                  </a:schemeClr>
+                </a:solidFill>
+                <a:latin typeface="+mn-lt"/>
+                <a:ea typeface="+mn-ea"/>
+                <a:cs typeface="+mn-cs"/>
+              </a:defRPr>
+            </a:lvl7pPr>
+            <a:lvl8pPr marL="7613455" indent="0" algn="ctr" defTabSz="1087636" rtl="0" eaLnBrk="1" latinLnBrk="0" hangingPunct="1">
+              <a:spcBef>
+                <a:spcPct val="20000"/>
+              </a:spcBef>
+              <a:buFont typeface="Arial"/>
+              <a:buNone/>
+              <a:defRPr sz="4800" kern="1200">
+                <a:solidFill>
+                  <a:schemeClr val="tx1">
+                    <a:tint val="75000"/>
+                  </a:schemeClr>
+                </a:solidFill>
+                <a:latin typeface="+mn-lt"/>
+                <a:ea typeface="+mn-ea"/>
+                <a:cs typeface="+mn-cs"/>
+              </a:defRPr>
+            </a:lvl8pPr>
+            <a:lvl9pPr marL="8701091" indent="0" algn="ctr" defTabSz="1087636" rtl="0" eaLnBrk="1" latinLnBrk="0" hangingPunct="1">
+              <a:spcBef>
+                <a:spcPct val="20000"/>
+              </a:spcBef>
+              <a:buFont typeface="Arial"/>
+              <a:buNone/>
+              <a:defRPr sz="4800" kern="1200">
+                <a:solidFill>
+                  <a:schemeClr val="tx1">
+                    <a:tint val="75000"/>
+                  </a:schemeClr>
+                </a:solidFill>
+                <a:latin typeface="+mn-lt"/>
+                <a:ea typeface="+mn-ea"/>
+                <a:cs typeface="+mn-cs"/>
+              </a:defRPr>
+            </a:lvl9pPr>
+          </a:lstStyle>
+          <a:p>
+            <a:pPr marL="457200" indent="-457200" algn="just">
+              <a:lnSpc>
+                <a:spcPct val="150000"/>
+              </a:lnSpc>
+              <a:buFont typeface="Arial" panose="020B0604020202020204" pitchFamily="34" charset="0"/>
+              <a:buChar char="•"/>
+            </a:pPr>
+            <a:r>
+              <a:rPr lang="en-US" sz="3600" dirty="0">
+                <a:solidFill>
+                  <a:schemeClr val="tx1">
+                    <a:lumMod val="75000"/>
+                  </a:schemeClr>
+                </a:solidFill>
+                <a:latin typeface="Poppins Light" charset="0"/>
+                <a:ea typeface="Poppins Light" charset="0"/>
+                <a:cs typeface="Poppins Light" charset="0"/>
+              </a:rPr>
+              <a:t>We use the agile model for development. After each iteration we review the code with the flight gear developers. Coding is done using pair programming to increase the throughput.</a:t>
+            </a:r>
+          </a:p>
+          <a:p>
+            <a:pPr marL="457200" indent="-457200" algn="l">
+              <a:lnSpc>
+                <a:spcPct val="150000"/>
+              </a:lnSpc>
+              <a:buFont typeface="Arial" panose="020B0604020202020204" pitchFamily="34" charset="0"/>
+              <a:buChar char="•"/>
+            </a:pPr>
+            <a:r>
+              <a:rPr lang="en-US" sz="3600" dirty="0">
+                <a:solidFill>
+                  <a:schemeClr val="tx1">
+                    <a:lumMod val="75000"/>
+                  </a:schemeClr>
+                </a:solidFill>
+                <a:latin typeface="Poppins Light" charset="0"/>
+                <a:ea typeface="Poppins Light" charset="0"/>
+                <a:cs typeface="Poppins Light" charset="0"/>
+              </a:rPr>
+              <a:t>We have 3 main iterations.</a:t>
+            </a:r>
+          </a:p>
+          <a:p>
+            <a:pPr marL="457200" indent="-457200" algn="l">
+              <a:lnSpc>
+                <a:spcPct val="150000"/>
+              </a:lnSpc>
+              <a:buFont typeface="Arial" panose="020B0604020202020204" pitchFamily="34" charset="0"/>
+              <a:buChar char="•"/>
+            </a:pPr>
+            <a:r>
+              <a:rPr lang="en-US" sz="3600" b="1" dirty="0">
+                <a:solidFill>
+                  <a:schemeClr val="tx1">
+                    <a:lumMod val="75000"/>
+                  </a:schemeClr>
+                </a:solidFill>
+                <a:latin typeface="Poppins Light" charset="0"/>
+                <a:ea typeface="Poppins Light" charset="0"/>
+                <a:cs typeface="Poppins Light" charset="0"/>
+              </a:rPr>
+              <a:t>Iteration 1</a:t>
+            </a:r>
+            <a:br>
+              <a:rPr lang="en-US" sz="3600" dirty="0">
+                <a:solidFill>
+                  <a:schemeClr val="tx1">
+                    <a:lumMod val="75000"/>
+                  </a:schemeClr>
+                </a:solidFill>
+                <a:latin typeface="Poppins Light" charset="0"/>
+                <a:ea typeface="Poppins Light" charset="0"/>
+                <a:cs typeface="Poppins Light" charset="0"/>
+              </a:rPr>
+            </a:br>
+            <a:r>
+              <a:rPr lang="en-US" sz="3600" dirty="0">
+                <a:solidFill>
+                  <a:schemeClr val="tx1">
+                    <a:lumMod val="75000"/>
+                  </a:schemeClr>
+                </a:solidFill>
+                <a:latin typeface="Poppins Light" charset="0"/>
+                <a:ea typeface="Poppins Light" charset="0"/>
+                <a:cs typeface="Poppins Light" charset="0"/>
+              </a:rPr>
+              <a:t>In this iteration we decide on the layout of the HUD. The components to be adapted (and those to be ignored initially) are determined and a basic design is generated using SVG.</a:t>
+            </a:r>
+          </a:p>
+          <a:p>
+            <a:pPr marL="457200" indent="-457200" algn="l">
+              <a:lnSpc>
+                <a:spcPct val="150000"/>
+              </a:lnSpc>
+              <a:buFont typeface="Arial" panose="020B0604020202020204" pitchFamily="34" charset="0"/>
+              <a:buChar char="•"/>
+            </a:pPr>
+            <a:r>
+              <a:rPr lang="en-US" sz="3600" b="1" dirty="0">
+                <a:solidFill>
+                  <a:schemeClr val="tx1">
+                    <a:lumMod val="75000"/>
+                  </a:schemeClr>
+                </a:solidFill>
+                <a:latin typeface="Poppins Light" charset="0"/>
+                <a:ea typeface="Poppins Light" charset="0"/>
+                <a:cs typeface="Poppins Light" charset="0"/>
+              </a:rPr>
+              <a:t>Iteration 2</a:t>
+            </a:r>
+            <a:br>
+              <a:rPr lang="en-US" sz="3600" dirty="0">
+                <a:solidFill>
+                  <a:schemeClr val="tx1">
+                    <a:lumMod val="75000"/>
+                  </a:schemeClr>
+                </a:solidFill>
+                <a:latin typeface="Poppins Light" charset="0"/>
+                <a:ea typeface="Poppins Light" charset="0"/>
+                <a:cs typeface="Poppins Light" charset="0"/>
+              </a:rPr>
+            </a:br>
+            <a:r>
+              <a:rPr lang="en-US" sz="3600" dirty="0">
+                <a:solidFill>
+                  <a:schemeClr val="tx1">
+                    <a:lumMod val="75000"/>
+                  </a:schemeClr>
+                </a:solidFill>
+                <a:latin typeface="Poppins Light" charset="0"/>
+                <a:ea typeface="Poppins Light" charset="0"/>
+                <a:cs typeface="Poppins Light" charset="0"/>
+              </a:rPr>
+              <a:t>This iteration involves the coding of the inanimate objects (such as baselines, and value displays).</a:t>
+            </a:r>
+          </a:p>
+          <a:p>
+            <a:pPr marL="457200" indent="-457200" algn="l">
+              <a:lnSpc>
+                <a:spcPct val="150000"/>
+              </a:lnSpc>
+              <a:buFont typeface="Arial" panose="020B0604020202020204" pitchFamily="34" charset="0"/>
+              <a:buChar char="•"/>
+            </a:pPr>
+            <a:r>
+              <a:rPr lang="en-US" sz="3600" b="1" dirty="0">
+                <a:solidFill>
+                  <a:schemeClr val="tx1">
+                    <a:lumMod val="75000"/>
+                  </a:schemeClr>
+                </a:solidFill>
+                <a:latin typeface="Poppins Light" charset="0"/>
+                <a:ea typeface="Poppins Light" charset="0"/>
+                <a:cs typeface="Poppins Light" charset="0"/>
+              </a:rPr>
+              <a:t>Iteration 3</a:t>
+            </a:r>
+            <a:br>
+              <a:rPr lang="en-US" sz="3600" dirty="0">
+                <a:solidFill>
+                  <a:schemeClr val="tx1">
+                    <a:lumMod val="75000"/>
+                  </a:schemeClr>
+                </a:solidFill>
+                <a:latin typeface="Poppins Light" charset="0"/>
+                <a:ea typeface="Poppins Light" charset="0"/>
+                <a:cs typeface="Poppins Light" charset="0"/>
+              </a:rPr>
+            </a:br>
+            <a:r>
+              <a:rPr lang="en-US" sz="3600" dirty="0">
+                <a:solidFill>
+                  <a:schemeClr val="tx1">
+                    <a:lumMod val="75000"/>
+                  </a:schemeClr>
+                </a:solidFill>
+                <a:latin typeface="Poppins Light" charset="0"/>
+                <a:ea typeface="Poppins Light" charset="0"/>
+                <a:cs typeface="Poppins Light" charset="0"/>
+              </a:rPr>
+              <a:t>The final iteration involves determining the scaling and the movement of the animate objects (such as pointers, indicators, elevation line movements).</a:t>
+            </a:r>
+          </a:p>
+        </p:txBody>
+      </p:sp>
     </p:spTree>
     <p:extLst>
       <p:ext uri="{BB962C8B-B14F-4D97-AF65-F5344CB8AC3E}">
-        <p14:creationId xmlns:p14="http://schemas.microsoft.com/office/powerpoint/2010/main" val="3104597611"/>
+        <p14:creationId xmlns:p14="http://schemas.microsoft.com/office/powerpoint/2010/main" val="298402905"/>
       </p:ext>
     </p:extLst>
   </p:cSld>
